--- a/Notebooks/patients/BT084/BT084.mtb_slides.pptx
+++ b/Notebooks/patients/BT084/BT084.mtb_slides.pptx
@@ -33,6 +33,10 @@
     <p:sldId id="281" r:id="rId32"/>
     <p:sldId id="282" r:id="rId33"/>
     <p:sldId id="283" r:id="rId34"/>
+    <p:sldId id="284" r:id="rId35"/>
+    <p:sldId id="285" r:id="rId36"/>
+    <p:sldId id="286" r:id="rId37"/>
+    <p:sldId id="287" r:id="rId38"/>
   </p:sldIdLst>
   <p:sldSz cx="9144000" cy="6858000" type="screen4x3"/>
   <p:notesSz cx="6858000" cy="9144000"/>
@@ -35150,6 +35154,1374 @@
 </p:sld>
 </file>
 
+<file path=ppt/slides/slide29.xml><?xml version="1.0" encoding="utf-8"?>
+<p:sld xmlns:a="http://schemas.openxmlformats.org/drawingml/2006/main" xmlns:p="http://schemas.openxmlformats.org/presentationml/2006/main" xmlns:r="http://schemas.openxmlformats.org/officeDocument/2006/relationships">
+  <p:cSld>
+    <p:spTree>
+      <p:nvGrpSpPr>
+        <p:cNvPr id="1" name=""/>
+        <p:cNvGrpSpPr/>
+        <p:nvPr/>
+      </p:nvGrpSpPr>
+      <p:grpSpPr/>
+      <p:sp>
+        <p:nvSpPr>
+          <p:cNvPr id="2" name="TextBox 1"/>
+          <p:cNvSpPr txBox="1"/>
+          <p:nvPr/>
+        </p:nvSpPr>
+        <p:spPr>
+          <a:xfrm>
+            <a:off x="0" y="0"/>
+            <a:ext cx="9144000" cy="685800"/>
+          </a:xfrm>
+          <a:prstGeom prst="rect">
+            <a:avLst/>
+          </a:prstGeom>
+          <a:noFill/>
+        </p:spPr>
+        <p:txBody>
+          <a:bodyPr wrap="none">
+            <a:spAutoFit/>
+          </a:bodyPr>
+          <a:lstStyle/>
+          <a:p/>
+          <a:p>
+            <a:pPr>
+              <a:defRPr sz="2600"/>
+            </a:pPr>
+            <a:r>
+              <a:t>DiSCoVER: top drugs (cerebellar stem cell control)</a:t>
+            </a:r>
+          </a:p>
+        </p:txBody>
+      </p:sp>
+      <p:graphicFrame>
+        <p:nvGraphicFramePr>
+          <p:cNvPr id="3" name="Table 2"/>
+          <p:cNvGraphicFramePr>
+            <a:graphicFrameLocks noGrp="1"/>
+          </p:cNvGraphicFramePr>
+          <p:nvPr/>
+        </p:nvGraphicFramePr>
+        <p:xfrm>
+          <a:off x="411480" y="777240"/>
+          <a:ext cx="8275320" cy="4114800"/>
+        </p:xfrm>
+        <a:graphic>
+          <a:graphicData uri="http://schemas.openxmlformats.org/drawingml/2006/table">
+            <a:tbl>
+              <a:tblPr firstRow="1" bandRow="1">
+                <a:tableStyleId>{5C22544A-7EE6-4342-B048-85BDC9FD1C3A}</a:tableStyleId>
+              </a:tblPr>
+              <a:tblGrid>
+                <a:gridCol w="1005840"/>
+                <a:gridCol w="731520"/>
+                <a:gridCol w="1051560"/>
+                <a:gridCol w="5486400"/>
+              </a:tblGrid>
+              <a:tr h="195942">
+                <a:tc>
+                  <a:txBody>
+                    <a:bodyPr/>
+                    <a:lstStyle/>
+                    <a:p>
+                      <a:r>
+                        <a:t>Drug</a:t>
+                      </a:r>
+                    </a:p>
+                  </a:txBody>
+                  <a:tcPr/>
+                </a:tc>
+                <a:tc>
+                  <a:txBody>
+                    <a:bodyPr/>
+                    <a:lstStyle/>
+                    <a:p>
+                      <a:r>
+                        <a:t>Score</a:t>
+                      </a:r>
+                    </a:p>
+                  </a:txBody>
+                  <a:tcPr/>
+                </a:tc>
+                <a:tc>
+                  <a:txBody>
+                    <a:bodyPr/>
+                    <a:lstStyle/>
+                    <a:p>
+                      <a:r>
+                        <a:t>Evidence</a:t>
+                      </a:r>
+                    </a:p>
+                  </a:txBody>
+                  <a:tcPr/>
+                </a:tc>
+                <a:tc>
+                  <a:txBody>
+                    <a:bodyPr/>
+                    <a:lstStyle/>
+                    <a:p>
+                      <a:r>
+                        <a:t>Mechanism of action</a:t>
+                      </a:r>
+                    </a:p>
+                  </a:txBody>
+                  <a:tcPr/>
+                </a:tc>
+              </a:tr>
+              <a:tr h="195942">
+                <a:tc>
+                  <a:txBody>
+                    <a:bodyPr/>
+                    <a:lstStyle/>
+                    <a:p>
+                      <a:pPr>
+                        <a:defRPr sz="1050"/>
+                      </a:pPr>
+                      <a:r>
+                        <a:t>tl-2-105</a:t>
+                      </a:r>
+                    </a:p>
+                  </a:txBody>
+                  <a:tcPr/>
+                </a:tc>
+                <a:tc>
+                  <a:txBody>
+                    <a:bodyPr/>
+                    <a:lstStyle/>
+                    <a:p>
+                      <a:pPr>
+                        <a:defRPr sz="1050"/>
+                      </a:pPr>
+                      <a:r>
+                        <a:t>0.65</a:t>
+                      </a:r>
+                    </a:p>
+                  </a:txBody>
+                  <a:tcPr/>
+                </a:tc>
+                <a:tc>
+                  <a:txBody>
+                    <a:bodyPr/>
+                    <a:lstStyle/>
+                    <a:p>
+                      <a:pPr>
+                        <a:defRPr sz="1050"/>
+                      </a:pPr>
+                      <a:r>
+                        <a:t>+..</a:t>
+                      </a:r>
+                    </a:p>
+                  </a:txBody>
+                  <a:tcPr/>
+                </a:tc>
+                <a:tc>
+                  <a:txBody>
+                    <a:bodyPr/>
+                    <a:lstStyle/>
+                    <a:p>
+                      <a:pPr>
+                        <a:defRPr sz="1050"/>
+                      </a:pPr>
+                      <a:r>
+                        <a:t>Not Clinically Relevant</a:t>
+                      </a:r>
+                    </a:p>
+                  </a:txBody>
+                  <a:tcPr/>
+                </a:tc>
+              </a:tr>
+              <a:tr h="195942">
+                <a:tc>
+                  <a:txBody>
+                    <a:bodyPr/>
+                    <a:lstStyle/>
+                    <a:p>
+                      <a:pPr>
+                        <a:defRPr sz="1050"/>
+                      </a:pPr>
+                      <a:r>
+                        <a:t>sb52334</a:t>
+                      </a:r>
+                    </a:p>
+                  </a:txBody>
+                  <a:tcPr/>
+                </a:tc>
+                <a:tc>
+                  <a:txBody>
+                    <a:bodyPr/>
+                    <a:lstStyle/>
+                    <a:p>
+                      <a:pPr>
+                        <a:defRPr sz="1050"/>
+                      </a:pPr>
+                      <a:r>
+                        <a:t>0.62</a:t>
+                      </a:r>
+                    </a:p>
+                  </a:txBody>
+                  <a:tcPr/>
+                </a:tc>
+                <a:tc>
+                  <a:txBody>
+                    <a:bodyPr/>
+                    <a:lstStyle/>
+                    <a:p>
+                      <a:pPr>
+                        <a:defRPr sz="1050"/>
+                      </a:pPr>
+                      <a:r>
+                        <a:t>+..</a:t>
+                      </a:r>
+                    </a:p>
+                  </a:txBody>
+                  <a:tcPr/>
+                </a:tc>
+                <a:tc>
+                  <a:txBody>
+                    <a:bodyPr/>
+                    <a:lstStyle/>
+                    <a:p>
+                      <a:pPr>
+                        <a:defRPr sz="1050"/>
+                      </a:pPr>
+                      <a:r>
+                        <a:t>Not Clinically Relevant</a:t>
+                      </a:r>
+                    </a:p>
+                  </a:txBody>
+                  <a:tcPr/>
+                </a:tc>
+              </a:tr>
+              <a:tr h="195942">
+                <a:tc>
+                  <a:txBody>
+                    <a:bodyPr/>
+                    <a:lstStyle/>
+                    <a:p>
+                      <a:pPr>
+                        <a:defRPr sz="1050"/>
+                      </a:pPr>
+                      <a:r>
+                        <a:t>gsk1070916</a:t>
+                      </a:r>
+                    </a:p>
+                  </a:txBody>
+                  <a:tcPr/>
+                </a:tc>
+                <a:tc>
+                  <a:txBody>
+                    <a:bodyPr/>
+                    <a:lstStyle/>
+                    <a:p>
+                      <a:pPr>
+                        <a:defRPr sz="1050"/>
+                      </a:pPr>
+                      <a:r>
+                        <a:t>0.61</a:t>
+                      </a:r>
+                    </a:p>
+                  </a:txBody>
+                  <a:tcPr/>
+                </a:tc>
+                <a:tc>
+                  <a:txBody>
+                    <a:bodyPr/>
+                    <a:lstStyle/>
+                    <a:p>
+                      <a:pPr>
+                        <a:defRPr sz="1050"/>
+                      </a:pPr>
+                      <a:r>
+                        <a:t>+..</a:t>
+                      </a:r>
+                    </a:p>
+                  </a:txBody>
+                  <a:tcPr/>
+                </a:tc>
+                <a:tc>
+                  <a:txBody>
+                    <a:bodyPr/>
+                    <a:lstStyle/>
+                    <a:p>
+                      <a:pPr>
+                        <a:defRPr sz="1050"/>
+                      </a:pPr>
+                      <a:r>
+                        <a:t>Not Clinically Relevant</a:t>
+                      </a:r>
+                    </a:p>
+                  </a:txBody>
+                  <a:tcPr/>
+                </a:tc>
+              </a:tr>
+              <a:tr h="195942">
+                <a:tc>
+                  <a:txBody>
+                    <a:bodyPr/>
+                    <a:lstStyle/>
+                    <a:p>
+                      <a:pPr>
+                        <a:defRPr sz="1050"/>
+                      </a:pPr>
+                      <a:r>
+                        <a:t>ql-xii-61</a:t>
+                      </a:r>
+                    </a:p>
+                  </a:txBody>
+                  <a:tcPr/>
+                </a:tc>
+                <a:tc>
+                  <a:txBody>
+                    <a:bodyPr/>
+                    <a:lstStyle/>
+                    <a:p>
+                      <a:pPr>
+                        <a:defRPr sz="1050"/>
+                      </a:pPr>
+                      <a:r>
+                        <a:t>0.59</a:t>
+                      </a:r>
+                    </a:p>
+                  </a:txBody>
+                  <a:tcPr/>
+                </a:tc>
+                <a:tc>
+                  <a:txBody>
+                    <a:bodyPr/>
+                    <a:lstStyle/>
+                    <a:p>
+                      <a:pPr>
+                        <a:defRPr sz="1050"/>
+                      </a:pPr>
+                      <a:r>
+                        <a:t>+..</a:t>
+                      </a:r>
+                    </a:p>
+                  </a:txBody>
+                  <a:tcPr/>
+                </a:tc>
+                <a:tc>
+                  <a:txBody>
+                    <a:bodyPr/>
+                    <a:lstStyle/>
+                    <a:p>
+                      <a:pPr>
+                        <a:defRPr sz="1050"/>
+                      </a:pPr>
+                      <a:r>
+                        <a:t>Not Clinically Relevant</a:t>
+                      </a:r>
+                    </a:p>
+                  </a:txBody>
+                  <a:tcPr/>
+                </a:tc>
+              </a:tr>
+              <a:tr h="195942">
+                <a:tc>
+                  <a:txBody>
+                    <a:bodyPr/>
+                    <a:lstStyle/>
+                    <a:p>
+                      <a:pPr>
+                        <a:defRPr sz="1050"/>
+                      </a:pPr>
+                      <a:r>
+                        <a:t>linsitinib</a:t>
+                      </a:r>
+                    </a:p>
+                  </a:txBody>
+                  <a:tcPr/>
+                </a:tc>
+                <a:tc>
+                  <a:txBody>
+                    <a:bodyPr/>
+                    <a:lstStyle/>
+                    <a:p>
+                      <a:pPr>
+                        <a:defRPr sz="1050"/>
+                      </a:pPr>
+                      <a:r>
+                        <a:t>0.55</a:t>
+                      </a:r>
+                    </a:p>
+                  </a:txBody>
+                  <a:tcPr/>
+                </a:tc>
+                <a:tc>
+                  <a:txBody>
+                    <a:bodyPr/>
+                    <a:lstStyle/>
+                    <a:p>
+                      <a:pPr>
+                        <a:defRPr sz="1050"/>
+                      </a:pPr>
+                      <a:r>
+                        <a:t>++.</a:t>
+                      </a:r>
+                    </a:p>
+                  </a:txBody>
+                  <a:tcPr/>
+                </a:tc>
+                <a:tc>
+                  <a:txBody>
+                    <a:bodyPr/>
+                    <a:lstStyle/>
+                    <a:p>
+                      <a:pPr>
+                        <a:defRPr sz="1050"/>
+                      </a:pPr>
+                      <a:r>
+                        <a:t>IGF-1R inhibitor</a:t>
+                      </a:r>
+                    </a:p>
+                  </a:txBody>
+                  <a:tcPr/>
+                </a:tc>
+              </a:tr>
+              <a:tr h="195942">
+                <a:tc>
+                  <a:txBody>
+                    <a:bodyPr/>
+                    <a:lstStyle/>
+                    <a:p>
+                      <a:pPr>
+                        <a:defRPr sz="1050"/>
+                      </a:pPr>
+                      <a:r>
+                        <a:t>gw-2580</a:t>
+                      </a:r>
+                    </a:p>
+                  </a:txBody>
+                  <a:tcPr/>
+                </a:tc>
+                <a:tc>
+                  <a:txBody>
+                    <a:bodyPr/>
+                    <a:lstStyle/>
+                    <a:p>
+                      <a:pPr>
+                        <a:defRPr sz="1050"/>
+                      </a:pPr>
+                      <a:r>
+                        <a:t>0.55</a:t>
+                      </a:r>
+                    </a:p>
+                  </a:txBody>
+                  <a:tcPr/>
+                </a:tc>
+                <a:tc>
+                  <a:txBody>
+                    <a:bodyPr/>
+                    <a:lstStyle/>
+                    <a:p>
+                      <a:pPr>
+                        <a:defRPr sz="1050"/>
+                      </a:pPr>
+                      <a:r>
+                        <a:t>+..</a:t>
+                      </a:r>
+                    </a:p>
+                  </a:txBody>
+                  <a:tcPr/>
+                </a:tc>
+                <a:tc>
+                  <a:txBody>
+                    <a:bodyPr/>
+                    <a:lstStyle/>
+                    <a:p>
+                      <a:pPr>
+                        <a:defRPr sz="1050"/>
+                      </a:pPr>
+                      <a:r>
+                        <a:t>Not Clinically Relevant</a:t>
+                      </a:r>
+                    </a:p>
+                  </a:txBody>
+                  <a:tcPr/>
+                </a:tc>
+              </a:tr>
+              <a:tr h="195942">
+                <a:tc>
+                  <a:txBody>
+                    <a:bodyPr/>
+                    <a:lstStyle/>
+                    <a:p>
+                      <a:pPr>
+                        <a:defRPr sz="1050"/>
+                      </a:pPr>
+                      <a:r>
+                        <a:t>gsk429286a</a:t>
+                      </a:r>
+                    </a:p>
+                  </a:txBody>
+                  <a:tcPr/>
+                </a:tc>
+                <a:tc>
+                  <a:txBody>
+                    <a:bodyPr/>
+                    <a:lstStyle/>
+                    <a:p>
+                      <a:pPr>
+                        <a:defRPr sz="1050"/>
+                      </a:pPr>
+                      <a:r>
+                        <a:t>0.55</a:t>
+                      </a:r>
+                    </a:p>
+                  </a:txBody>
+                  <a:tcPr/>
+                </a:tc>
+                <a:tc>
+                  <a:txBody>
+                    <a:bodyPr/>
+                    <a:lstStyle/>
+                    <a:p>
+                      <a:pPr>
+                        <a:defRPr sz="1050"/>
+                      </a:pPr>
+                      <a:r>
+                        <a:t>+..</a:t>
+                      </a:r>
+                    </a:p>
+                  </a:txBody>
+                  <a:tcPr/>
+                </a:tc>
+                <a:tc>
+                  <a:txBody>
+                    <a:bodyPr/>
+                    <a:lstStyle/>
+                    <a:p>
+                      <a:pPr>
+                        <a:defRPr sz="1050"/>
+                      </a:pPr>
+                      <a:r>
+                        <a:t>Not Clinically Relevant</a:t>
+                      </a:r>
+                    </a:p>
+                  </a:txBody>
+                  <a:tcPr/>
+                </a:tc>
+              </a:tr>
+              <a:tr h="195942">
+                <a:tc>
+                  <a:txBody>
+                    <a:bodyPr/>
+                    <a:lstStyle/>
+                    <a:p>
+                      <a:pPr>
+                        <a:defRPr sz="1050"/>
+                      </a:pPr>
+                      <a:r>
+                        <a:t>tubastatin a</a:t>
+                      </a:r>
+                    </a:p>
+                  </a:txBody>
+                  <a:tcPr/>
+                </a:tc>
+                <a:tc>
+                  <a:txBody>
+                    <a:bodyPr/>
+                    <a:lstStyle/>
+                    <a:p>
+                      <a:pPr>
+                        <a:defRPr sz="1050"/>
+                      </a:pPr>
+                      <a:r>
+                        <a:t>0.54</a:t>
+                      </a:r>
+                    </a:p>
+                  </a:txBody>
+                  <a:tcPr/>
+                </a:tc>
+                <a:tc>
+                  <a:txBody>
+                    <a:bodyPr/>
+                    <a:lstStyle/>
+                    <a:p>
+                      <a:pPr>
+                        <a:defRPr sz="1050"/>
+                      </a:pPr>
+                      <a:r>
+                        <a:t>++.</a:t>
+                      </a:r>
+                    </a:p>
+                  </a:txBody>
+                  <a:tcPr/>
+                </a:tc>
+                <a:tc>
+                  <a:txBody>
+                    <a:bodyPr/>
+                    <a:lstStyle/>
+                    <a:p>
+                      <a:pPr>
+                        <a:defRPr sz="1050"/>
+                      </a:pPr>
+                      <a:r>
+                        <a:t>Not Clinically Relevant</a:t>
+                      </a:r>
+                    </a:p>
+                  </a:txBody>
+                  <a:tcPr/>
+                </a:tc>
+              </a:tr>
+              <a:tr h="195942">
+                <a:tc>
+                  <a:txBody>
+                    <a:bodyPr/>
+                    <a:lstStyle/>
+                    <a:p>
+                      <a:pPr>
+                        <a:defRPr sz="1050"/>
+                      </a:pPr>
+                      <a:r>
+                        <a:t>bx-912</a:t>
+                      </a:r>
+                    </a:p>
+                  </a:txBody>
+                  <a:tcPr/>
+                </a:tc>
+                <a:tc>
+                  <a:txBody>
+                    <a:bodyPr/>
+                    <a:lstStyle/>
+                    <a:p>
+                      <a:pPr>
+                        <a:defRPr sz="1050"/>
+                      </a:pPr>
+                      <a:r>
+                        <a:t>0.54</a:t>
+                      </a:r>
+                    </a:p>
+                  </a:txBody>
+                  <a:tcPr/>
+                </a:tc>
+                <a:tc>
+                  <a:txBody>
+                    <a:bodyPr/>
+                    <a:lstStyle/>
+                    <a:p>
+                      <a:pPr>
+                        <a:defRPr sz="1050"/>
+                      </a:pPr>
+                      <a:r>
+                        <a:t>+..</a:t>
+                      </a:r>
+                    </a:p>
+                  </a:txBody>
+                  <a:tcPr/>
+                </a:tc>
+                <a:tc>
+                  <a:txBody>
+                    <a:bodyPr/>
+                    <a:lstStyle/>
+                    <a:p>
+                      <a:pPr>
+                        <a:defRPr sz="1050"/>
+                      </a:pPr>
+                      <a:r>
+                        <a:t>Not Clinically Relevant</a:t>
+                      </a:r>
+                    </a:p>
+                  </a:txBody>
+                  <a:tcPr/>
+                </a:tc>
+              </a:tr>
+              <a:tr h="195942">
+                <a:tc>
+                  <a:txBody>
+                    <a:bodyPr/>
+                    <a:lstStyle/>
+                    <a:p>
+                      <a:pPr>
+                        <a:defRPr sz="1050"/>
+                      </a:pPr>
+                      <a:r>
+                        <a:t>vx-702</a:t>
+                      </a:r>
+                    </a:p>
+                  </a:txBody>
+                  <a:tcPr/>
+                </a:tc>
+                <a:tc>
+                  <a:txBody>
+                    <a:bodyPr/>
+                    <a:lstStyle/>
+                    <a:p>
+                      <a:pPr>
+                        <a:defRPr sz="1050"/>
+                      </a:pPr>
+                      <a:r>
+                        <a:t>0.53</a:t>
+                      </a:r>
+                    </a:p>
+                  </a:txBody>
+                  <a:tcPr/>
+                </a:tc>
+                <a:tc>
+                  <a:txBody>
+                    <a:bodyPr/>
+                    <a:lstStyle/>
+                    <a:p>
+                      <a:pPr>
+                        <a:defRPr sz="1050"/>
+                      </a:pPr>
+                      <a:r>
+                        <a:t>+..</a:t>
+                      </a:r>
+                    </a:p>
+                  </a:txBody>
+                  <a:tcPr/>
+                </a:tc>
+                <a:tc>
+                  <a:txBody>
+                    <a:bodyPr/>
+                    <a:lstStyle/>
+                    <a:p>
+                      <a:pPr>
+                        <a:defRPr sz="1050"/>
+                      </a:pPr>
+                      <a:r>
+                        <a:t>Not Clinically Relevant</a:t>
+                      </a:r>
+                    </a:p>
+                  </a:txBody>
+                  <a:tcPr/>
+                </a:tc>
+              </a:tr>
+              <a:tr h="195942">
+                <a:tc>
+                  <a:txBody>
+                    <a:bodyPr/>
+                    <a:lstStyle/>
+                    <a:p>
+                      <a:pPr>
+                        <a:defRPr sz="1050"/>
+                      </a:pPr>
+                      <a:r>
+                        <a:t>rucaparib</a:t>
+                      </a:r>
+                    </a:p>
+                  </a:txBody>
+                  <a:tcPr/>
+                </a:tc>
+                <a:tc>
+                  <a:txBody>
+                    <a:bodyPr/>
+                    <a:lstStyle/>
+                    <a:p>
+                      <a:pPr>
+                        <a:defRPr sz="1050"/>
+                      </a:pPr>
+                      <a:r>
+                        <a:t>0.52</a:t>
+                      </a:r>
+                    </a:p>
+                  </a:txBody>
+                  <a:tcPr/>
+                </a:tc>
+                <a:tc>
+                  <a:txBody>
+                    <a:bodyPr/>
+                    <a:lstStyle/>
+                    <a:p>
+                      <a:pPr>
+                        <a:defRPr sz="1050"/>
+                      </a:pPr>
+                      <a:r>
+                        <a:t>+..</a:t>
+                      </a:r>
+                    </a:p>
+                  </a:txBody>
+                  <a:tcPr/>
+                </a:tc>
+                <a:tc>
+                  <a:txBody>
+                    <a:bodyPr/>
+                    <a:lstStyle/>
+                    <a:p>
+                      <a:pPr>
+                        <a:defRPr sz="1050"/>
+                      </a:pPr>
+                      <a:r>
+                        <a:t>PARP inhibitor, inhibits DNA repair</a:t>
+                      </a:r>
+                    </a:p>
+                  </a:txBody>
+                  <a:tcPr/>
+                </a:tc>
+              </a:tr>
+              <a:tr h="195942">
+                <a:tc>
+                  <a:txBody>
+                    <a:bodyPr/>
+                    <a:lstStyle/>
+                    <a:p>
+                      <a:pPr>
+                        <a:defRPr sz="1050"/>
+                      </a:pPr>
+                      <a:r>
+                        <a:t>navitoclax</a:t>
+                      </a:r>
+                    </a:p>
+                  </a:txBody>
+                  <a:tcPr/>
+                </a:tc>
+                <a:tc>
+                  <a:txBody>
+                    <a:bodyPr/>
+                    <a:lstStyle/>
+                    <a:p>
+                      <a:pPr>
+                        <a:defRPr sz="1050"/>
+                      </a:pPr>
+                      <a:r>
+                        <a:t>0.51</a:t>
+                      </a:r>
+                    </a:p>
+                  </a:txBody>
+                  <a:tcPr/>
+                </a:tc>
+                <a:tc>
+                  <a:txBody>
+                    <a:bodyPr/>
+                    <a:lstStyle/>
+                    <a:p>
+                      <a:pPr>
+                        <a:defRPr sz="1050"/>
+                      </a:pPr>
+                      <a:r>
+                        <a:t>++.</a:t>
+                      </a:r>
+                    </a:p>
+                  </a:txBody>
+                  <a:tcPr/>
+                </a:tc>
+                <a:tc>
+                  <a:txBody>
+                    <a:bodyPr/>
+                    <a:lstStyle/>
+                    <a:p>
+                      <a:pPr>
+                        <a:defRPr sz="1050"/>
+                      </a:pPr>
+                      <a:r>
+                        <a:t>Bcl-2 family inhibitor: esp Bcl-xL, Bcl-2 and Bcl-w</a:t>
+                      </a:r>
+                    </a:p>
+                  </a:txBody>
+                  <a:tcPr/>
+                </a:tc>
+              </a:tr>
+              <a:tr h="195942">
+                <a:tc>
+                  <a:txBody>
+                    <a:bodyPr/>
+                    <a:lstStyle/>
+                    <a:p>
+                      <a:pPr>
+                        <a:defRPr sz="1050"/>
+                      </a:pPr>
+                      <a:r>
+                        <a:t>xmd14-99</a:t>
+                      </a:r>
+                    </a:p>
+                  </a:txBody>
+                  <a:tcPr/>
+                </a:tc>
+                <a:tc>
+                  <a:txBody>
+                    <a:bodyPr/>
+                    <a:lstStyle/>
+                    <a:p>
+                      <a:pPr>
+                        <a:defRPr sz="1050"/>
+                      </a:pPr>
+                      <a:r>
+                        <a:t>0.48</a:t>
+                      </a:r>
+                    </a:p>
+                  </a:txBody>
+                  <a:tcPr/>
+                </a:tc>
+                <a:tc>
+                  <a:txBody>
+                    <a:bodyPr/>
+                    <a:lstStyle/>
+                    <a:p>
+                      <a:pPr>
+                        <a:defRPr sz="1050"/>
+                      </a:pPr>
+                      <a:r>
+                        <a:t>+..</a:t>
+                      </a:r>
+                    </a:p>
+                  </a:txBody>
+                  <a:tcPr/>
+                </a:tc>
+                <a:tc>
+                  <a:txBody>
+                    <a:bodyPr/>
+                    <a:lstStyle/>
+                    <a:p>
+                      <a:pPr>
+                        <a:defRPr sz="1050"/>
+                      </a:pPr>
+                      <a:r>
+                        <a:t>Not Clinically Relevant</a:t>
+                      </a:r>
+                    </a:p>
+                  </a:txBody>
+                  <a:tcPr/>
+                </a:tc>
+              </a:tr>
+              <a:tr h="195942">
+                <a:tc>
+                  <a:txBody>
+                    <a:bodyPr/>
+                    <a:lstStyle/>
+                    <a:p>
+                      <a:pPr>
+                        <a:defRPr sz="1050"/>
+                      </a:pPr>
+                      <a:r>
+                        <a:t>axitinib</a:t>
+                      </a:r>
+                    </a:p>
+                  </a:txBody>
+                  <a:tcPr/>
+                </a:tc>
+                <a:tc>
+                  <a:txBody>
+                    <a:bodyPr/>
+                    <a:lstStyle/>
+                    <a:p>
+                      <a:pPr>
+                        <a:defRPr sz="1050"/>
+                      </a:pPr>
+                      <a:r>
+                        <a:t>0.47</a:t>
+                      </a:r>
+                    </a:p>
+                  </a:txBody>
+                  <a:tcPr/>
+                </a:tc>
+                <a:tc>
+                  <a:txBody>
+                    <a:bodyPr/>
+                    <a:lstStyle/>
+                    <a:p>
+                      <a:pPr>
+                        <a:defRPr sz="1050"/>
+                      </a:pPr>
+                      <a:r>
+                        <a:t>++.</a:t>
+                      </a:r>
+                    </a:p>
+                  </a:txBody>
+                  <a:tcPr/>
+                </a:tc>
+                <a:tc>
+                  <a:txBody>
+                    <a:bodyPr/>
+                    <a:lstStyle/>
+                    <a:p>
+                      <a:pPr>
+                        <a:defRPr sz="1050"/>
+                      </a:pPr>
+                      <a:r>
+                        <a:t>VEGFR, c-KIT and PDGFR inhibitor</a:t>
+                      </a:r>
+                    </a:p>
+                  </a:txBody>
+                  <a:tcPr/>
+                </a:tc>
+              </a:tr>
+              <a:tr h="195942">
+                <a:tc>
+                  <a:txBody>
+                    <a:bodyPr/>
+                    <a:lstStyle/>
+                    <a:p>
+                      <a:pPr>
+                        <a:defRPr sz="1050"/>
+                      </a:pPr>
+                      <a:r>
+                        <a:t>hg-5-88-01</a:t>
+                      </a:r>
+                    </a:p>
+                  </a:txBody>
+                  <a:tcPr/>
+                </a:tc>
+                <a:tc>
+                  <a:txBody>
+                    <a:bodyPr/>
+                    <a:lstStyle/>
+                    <a:p>
+                      <a:pPr>
+                        <a:defRPr sz="1050"/>
+                      </a:pPr>
+                      <a:r>
+                        <a:t>0.47</a:t>
+                      </a:r>
+                    </a:p>
+                  </a:txBody>
+                  <a:tcPr/>
+                </a:tc>
+                <a:tc>
+                  <a:txBody>
+                    <a:bodyPr/>
+                    <a:lstStyle/>
+                    <a:p>
+                      <a:pPr>
+                        <a:defRPr sz="1050"/>
+                      </a:pPr>
+                      <a:r>
+                        <a:t>+..</a:t>
+                      </a:r>
+                    </a:p>
+                  </a:txBody>
+                  <a:tcPr/>
+                </a:tc>
+                <a:tc>
+                  <a:txBody>
+                    <a:bodyPr/>
+                    <a:lstStyle/>
+                    <a:p>
+                      <a:pPr>
+                        <a:defRPr sz="1050"/>
+                      </a:pPr>
+                      <a:r>
+                        <a:t>Not Clinically Relevant</a:t>
+                      </a:r>
+                    </a:p>
+                  </a:txBody>
+                  <a:tcPr/>
+                </a:tc>
+              </a:tr>
+              <a:tr h="195942">
+                <a:tc>
+                  <a:txBody>
+                    <a:bodyPr/>
+                    <a:lstStyle/>
+                    <a:p>
+                      <a:pPr>
+                        <a:defRPr sz="1050"/>
+                      </a:pPr>
+                      <a:r>
+                        <a:t>amuvatinib</a:t>
+                      </a:r>
+                    </a:p>
+                  </a:txBody>
+                  <a:tcPr/>
+                </a:tc>
+                <a:tc>
+                  <a:txBody>
+                    <a:bodyPr/>
+                    <a:lstStyle/>
+                    <a:p>
+                      <a:pPr>
+                        <a:defRPr sz="1050"/>
+                      </a:pPr>
+                      <a:r>
+                        <a:t>0.46</a:t>
+                      </a:r>
+                    </a:p>
+                  </a:txBody>
+                  <a:tcPr/>
+                </a:tc>
+                <a:tc>
+                  <a:txBody>
+                    <a:bodyPr/>
+                    <a:lstStyle/>
+                    <a:p>
+                      <a:pPr>
+                        <a:defRPr sz="1050"/>
+                      </a:pPr>
+                      <a:r>
+                        <a:t>+..</a:t>
+                      </a:r>
+                    </a:p>
+                  </a:txBody>
+                  <a:tcPr/>
+                </a:tc>
+                <a:tc>
+                  <a:txBody>
+                    <a:bodyPr/>
+                    <a:lstStyle/>
+                    <a:p>
+                      <a:pPr>
+                        <a:defRPr sz="1050"/>
+                      </a:pPr>
+                      <a:r>
+                        <a:t>Not Clinically Relevant</a:t>
+                      </a:r>
+                    </a:p>
+                  </a:txBody>
+                  <a:tcPr/>
+                </a:tc>
+              </a:tr>
+              <a:tr h="195942">
+                <a:tc>
+                  <a:txBody>
+                    <a:bodyPr/>
+                    <a:lstStyle/>
+                    <a:p>
+                      <a:pPr>
+                        <a:defRPr sz="1050"/>
+                      </a:pPr>
+                      <a:r>
+                        <a:t>xmd13-2</a:t>
+                      </a:r>
+                    </a:p>
+                  </a:txBody>
+                  <a:tcPr/>
+                </a:tc>
+                <a:tc>
+                  <a:txBody>
+                    <a:bodyPr/>
+                    <a:lstStyle/>
+                    <a:p>
+                      <a:pPr>
+                        <a:defRPr sz="1050"/>
+                      </a:pPr>
+                      <a:r>
+                        <a:t>0.45</a:t>
+                      </a:r>
+                    </a:p>
+                  </a:txBody>
+                  <a:tcPr/>
+                </a:tc>
+                <a:tc>
+                  <a:txBody>
+                    <a:bodyPr/>
+                    <a:lstStyle/>
+                    <a:p>
+                      <a:pPr>
+                        <a:defRPr sz="1050"/>
+                      </a:pPr>
+                      <a:r>
+                        <a:t>+..</a:t>
+                      </a:r>
+                    </a:p>
+                  </a:txBody>
+                  <a:tcPr/>
+                </a:tc>
+                <a:tc>
+                  <a:txBody>
+                    <a:bodyPr/>
+                    <a:lstStyle/>
+                    <a:p>
+                      <a:pPr>
+                        <a:defRPr sz="1050"/>
+                      </a:pPr>
+                      <a:r>
+                        <a:t>Not Clinically Relevant</a:t>
+                      </a:r>
+                    </a:p>
+                  </a:txBody>
+                  <a:tcPr/>
+                </a:tc>
+              </a:tr>
+              <a:tr h="195942">
+                <a:tc>
+                  <a:txBody>
+                    <a:bodyPr/>
+                    <a:lstStyle/>
+                    <a:p>
+                      <a:pPr>
+                        <a:defRPr sz="1050"/>
+                      </a:pPr>
+                      <a:r>
+                        <a:t>indisulam</a:t>
+                      </a:r>
+                    </a:p>
+                  </a:txBody>
+                  <a:tcPr/>
+                </a:tc>
+                <a:tc>
+                  <a:txBody>
+                    <a:bodyPr/>
+                    <a:lstStyle/>
+                    <a:p>
+                      <a:pPr>
+                        <a:defRPr sz="1050"/>
+                      </a:pPr>
+                      <a:r>
+                        <a:t>0.44</a:t>
+                      </a:r>
+                    </a:p>
+                  </a:txBody>
+                  <a:tcPr/>
+                </a:tc>
+                <a:tc>
+                  <a:txBody>
+                    <a:bodyPr/>
+                    <a:lstStyle/>
+                    <a:p>
+                      <a:pPr>
+                        <a:defRPr sz="1050"/>
+                      </a:pPr>
+                      <a:r>
+                        <a:t>.+.</a:t>
+                      </a:r>
+                    </a:p>
+                  </a:txBody>
+                  <a:tcPr/>
+                </a:tc>
+                <a:tc>
+                  <a:txBody>
+                    <a:bodyPr/>
+                    <a:lstStyle/>
+                    <a:p>
+                      <a:pPr>
+                        <a:defRPr sz="1050"/>
+                      </a:pPr>
+                      <a:r>
+                        <a:t>carbonic anhydrase inibitor and  CDK inhibitor, targets G1 by depleting cyclin E. inducing p53 and p21, and inhibiting CDK2</a:t>
+                      </a:r>
+                    </a:p>
+                  </a:txBody>
+                  <a:tcPr/>
+                </a:tc>
+              </a:tr>
+              <a:tr h="195942">
+                <a:tc>
+                  <a:txBody>
+                    <a:bodyPr/>
+                    <a:lstStyle/>
+                    <a:p>
+                      <a:pPr>
+                        <a:defRPr sz="1050"/>
+                      </a:pPr>
+                      <a:r>
+                        <a:t>nsc-87877</a:t>
+                      </a:r>
+                    </a:p>
+                  </a:txBody>
+                  <a:tcPr/>
+                </a:tc>
+                <a:tc>
+                  <a:txBody>
+                    <a:bodyPr/>
+                    <a:lstStyle/>
+                    <a:p>
+                      <a:pPr>
+                        <a:defRPr sz="1050"/>
+                      </a:pPr>
+                      <a:r>
+                        <a:t>0.43</a:t>
+                      </a:r>
+                    </a:p>
+                  </a:txBody>
+                  <a:tcPr/>
+                </a:tc>
+                <a:tc>
+                  <a:txBody>
+                    <a:bodyPr/>
+                    <a:lstStyle/>
+                    <a:p>
+                      <a:pPr>
+                        <a:defRPr sz="1050"/>
+                      </a:pPr>
+                      <a:r>
+                        <a:t>+..</a:t>
+                      </a:r>
+                    </a:p>
+                  </a:txBody>
+                  <a:tcPr/>
+                </a:tc>
+                <a:tc>
+                  <a:txBody>
+                    <a:bodyPr/>
+                    <a:lstStyle/>
+                    <a:p>
+                      <a:pPr>
+                        <a:defRPr sz="1050"/>
+                      </a:pPr>
+                      <a:r>
+                        <a:t>Not Clinically Relevant</a:t>
+                      </a:r>
+                    </a:p>
+                  </a:txBody>
+                  <a:tcPr/>
+                </a:tc>
+              </a:tr>
+              <a:tr h="195960">
+                <a:tc>
+                  <a:txBody>
+                    <a:bodyPr/>
+                    <a:lstStyle/>
+                    <a:p>
+                      <a:pPr>
+                        <a:defRPr sz="1050"/>
+                      </a:pPr>
+                      <a:r>
+                        <a:t>cil55</a:t>
+                      </a:r>
+                    </a:p>
+                  </a:txBody>
+                  <a:tcPr/>
+                </a:tc>
+                <a:tc>
+                  <a:txBody>
+                    <a:bodyPr/>
+                    <a:lstStyle/>
+                    <a:p>
+                      <a:pPr>
+                        <a:defRPr sz="1050"/>
+                      </a:pPr>
+                      <a:r>
+                        <a:t>0.43</a:t>
+                      </a:r>
+                    </a:p>
+                  </a:txBody>
+                  <a:tcPr/>
+                </a:tc>
+                <a:tc>
+                  <a:txBody>
+                    <a:bodyPr/>
+                    <a:lstStyle/>
+                    <a:p>
+                      <a:pPr>
+                        <a:defRPr sz="1050"/>
+                      </a:pPr>
+                      <a:r>
+                        <a:t>.+.</a:t>
+                      </a:r>
+                    </a:p>
+                  </a:txBody>
+                  <a:tcPr/>
+                </a:tc>
+                <a:tc>
+                  <a:txBody>
+                    <a:bodyPr/>
+                    <a:lstStyle/>
+                    <a:p>
+                      <a:pPr>
+                        <a:defRPr sz="1050"/>
+                      </a:pPr>
+                      <a:r>
+                        <a:t>Not Clinically Relevant</a:t>
+                      </a:r>
+                    </a:p>
+                  </a:txBody>
+                  <a:tcPr/>
+                </a:tc>
+              </a:tr>
+            </a:tbl>
+          </a:graphicData>
+        </a:graphic>
+      </p:graphicFrame>
+    </p:spTree>
+  </p:cSld>
+  <p:clrMapOvr>
+    <a:masterClrMapping/>
+  </p:clrMapOvr>
+</p:sld>
+</file>
+
 <file path=ppt/slides/slide3.xml><?xml version="1.0" encoding="utf-8"?>
 <p:sld xmlns:a="http://schemas.openxmlformats.org/drawingml/2006/main" xmlns:p="http://schemas.openxmlformats.org/presentationml/2006/main" xmlns:r="http://schemas.openxmlformats.org/officeDocument/2006/relationships">
   <p:cSld>
@@ -36212,6 +37584,4441 @@
                       </a:pPr>
                       <a:r>
                         <a:t>0.027</a:t>
+                      </a:r>
+                    </a:p>
+                  </a:txBody>
+                  <a:tcPr/>
+                </a:tc>
+              </a:tr>
+            </a:tbl>
+          </a:graphicData>
+        </a:graphic>
+      </p:graphicFrame>
+    </p:spTree>
+  </p:cSld>
+  <p:clrMapOvr>
+    <a:masterClrMapping/>
+  </p:clrMapOvr>
+</p:sld>
+</file>
+
+<file path=ppt/slides/slide30.xml><?xml version="1.0" encoding="utf-8"?>
+<p:sld xmlns:a="http://schemas.openxmlformats.org/drawingml/2006/main" xmlns:p="http://schemas.openxmlformats.org/presentationml/2006/main" xmlns:r="http://schemas.openxmlformats.org/officeDocument/2006/relationships">
+  <p:cSld>
+    <p:spTree>
+      <p:nvGrpSpPr>
+        <p:cNvPr id="1" name=""/>
+        <p:cNvGrpSpPr/>
+        <p:nvPr/>
+      </p:nvGrpSpPr>
+      <p:grpSpPr/>
+      <p:sp>
+        <p:nvSpPr>
+          <p:cNvPr id="2" name="TextBox 1"/>
+          <p:cNvSpPr txBox="1"/>
+          <p:nvPr/>
+        </p:nvSpPr>
+        <p:spPr>
+          <a:xfrm>
+            <a:off x="0" y="0"/>
+            <a:ext cx="9144000" cy="685800"/>
+          </a:xfrm>
+          <a:prstGeom prst="rect">
+            <a:avLst/>
+          </a:prstGeom>
+          <a:noFill/>
+        </p:spPr>
+        <p:txBody>
+          <a:bodyPr wrap="none">
+            <a:spAutoFit/>
+          </a:bodyPr>
+          <a:lstStyle/>
+          <a:p/>
+          <a:p>
+            <a:pPr>
+              <a:defRPr sz="2600"/>
+            </a:pPr>
+            <a:r>
+              <a:t>CMap: top drugs (cerebellar stem cell control)</a:t>
+            </a:r>
+          </a:p>
+        </p:txBody>
+      </p:sp>
+      <p:graphicFrame>
+        <p:nvGraphicFramePr>
+          <p:cNvPr id="3" name="Table 2"/>
+          <p:cNvGraphicFramePr>
+            <a:graphicFrameLocks noGrp="1"/>
+          </p:cNvGraphicFramePr>
+          <p:nvPr/>
+        </p:nvGraphicFramePr>
+        <p:xfrm>
+          <a:off x="411480" y="777240"/>
+          <a:ext cx="8138160" cy="4114800"/>
+        </p:xfrm>
+        <a:graphic>
+          <a:graphicData uri="http://schemas.openxmlformats.org/drawingml/2006/table">
+            <a:tbl>
+              <a:tblPr firstRow="1" bandRow="1">
+                <a:tableStyleId>{5C22544A-7EE6-4342-B048-85BDC9FD1C3A}</a:tableStyleId>
+              </a:tblPr>
+              <a:tblGrid>
+                <a:gridCol w="1005840"/>
+                <a:gridCol w="731520"/>
+                <a:gridCol w="6400800"/>
+              </a:tblGrid>
+              <a:tr h="195942">
+                <a:tc>
+                  <a:txBody>
+                    <a:bodyPr/>
+                    <a:lstStyle/>
+                    <a:p>
+                      <a:r>
+                        <a:t>Drug</a:t>
+                      </a:r>
+                    </a:p>
+                  </a:txBody>
+                  <a:tcPr/>
+                </a:tc>
+                <a:tc>
+                  <a:txBody>
+                    <a:bodyPr/>
+                    <a:lstStyle/>
+                    <a:p>
+                      <a:r>
+                        <a:t>Score</a:t>
+                      </a:r>
+                    </a:p>
+                  </a:txBody>
+                  <a:tcPr/>
+                </a:tc>
+                <a:tc>
+                  <a:txBody>
+                    <a:bodyPr/>
+                    <a:lstStyle/>
+                    <a:p>
+                      <a:r>
+                        <a:t>Mechanism of action</a:t>
+                      </a:r>
+                    </a:p>
+                  </a:txBody>
+                  <a:tcPr/>
+                </a:tc>
+              </a:tr>
+              <a:tr h="195942">
+                <a:tc>
+                  <a:txBody>
+                    <a:bodyPr/>
+                    <a:lstStyle/>
+                    <a:p>
+                      <a:pPr>
+                        <a:defRPr sz="1050"/>
+                      </a:pPr>
+                      <a:r>
+                        <a:t>etoposide</a:t>
+                      </a:r>
+                    </a:p>
+                  </a:txBody>
+                  <a:tcPr/>
+                </a:tc>
+                <a:tc>
+                  <a:txBody>
+                    <a:bodyPr/>
+                    <a:lstStyle/>
+                    <a:p>
+                      <a:pPr>
+                        <a:defRPr sz="1050"/>
+                      </a:pPr>
+                      <a:r>
+                        <a:t>1.0</a:t>
+                      </a:r>
+                    </a:p>
+                  </a:txBody>
+                  <a:tcPr/>
+                </a:tc>
+                <a:tc>
+                  <a:txBody>
+                    <a:bodyPr/>
+                    <a:lstStyle/>
+                    <a:p>
+                      <a:pPr>
+                        <a:defRPr sz="1050"/>
+                      </a:pPr>
+                      <a:r>
+                        <a:t>Topo II inhibitor</a:t>
+                      </a:r>
+                    </a:p>
+                  </a:txBody>
+                  <a:tcPr/>
+                </a:tc>
+              </a:tr>
+              <a:tr h="195942">
+                <a:tc>
+                  <a:txBody>
+                    <a:bodyPr/>
+                    <a:lstStyle/>
+                    <a:p>
+                      <a:pPr>
+                        <a:defRPr sz="1050"/>
+                      </a:pPr>
+                      <a:r>
+                        <a:t>JNJ-26854165</a:t>
+                      </a:r>
+                    </a:p>
+                  </a:txBody>
+                  <a:tcPr/>
+                </a:tc>
+                <a:tc>
+                  <a:txBody>
+                    <a:bodyPr/>
+                    <a:lstStyle/>
+                    <a:p>
+                      <a:pPr>
+                        <a:defRPr sz="1050"/>
+                      </a:pPr>
+                      <a:r>
+                        <a:t>1.0</a:t>
+                      </a:r>
+                    </a:p>
+                  </a:txBody>
+                  <a:tcPr/>
+                </a:tc>
+                <a:tc>
+                  <a:txBody>
+                    <a:bodyPr/>
+                    <a:lstStyle/>
+                    <a:p>
+                      <a:pPr>
+                        <a:defRPr sz="1050"/>
+                      </a:pPr>
+                      <a:r>
+                        <a:t>(JNJ-26854165) Mdm2 antagonist, stabilizes p53</a:t>
+                      </a:r>
+                    </a:p>
+                  </a:txBody>
+                  <a:tcPr/>
+                </a:tc>
+              </a:tr>
+              <a:tr h="195942">
+                <a:tc>
+                  <a:txBody>
+                    <a:bodyPr/>
+                    <a:lstStyle/>
+                    <a:p>
+                      <a:pPr>
+                        <a:defRPr sz="1050"/>
+                      </a:pPr>
+                      <a:r>
+                        <a:t>idarubicin</a:t>
+                      </a:r>
+                    </a:p>
+                  </a:txBody>
+                  <a:tcPr/>
+                </a:tc>
+                <a:tc>
+                  <a:txBody>
+                    <a:bodyPr/>
+                    <a:lstStyle/>
+                    <a:p>
+                      <a:pPr>
+                        <a:defRPr sz="1050"/>
+                      </a:pPr>
+                      <a:r>
+                        <a:t>1.0</a:t>
+                      </a:r>
+                    </a:p>
+                  </a:txBody>
+                  <a:tcPr/>
+                </a:tc>
+                <a:tc>
+                  <a:txBody>
+                    <a:bodyPr/>
+                    <a:lstStyle/>
+                    <a:p>
+                      <a:pPr>
+                        <a:defRPr sz="1050"/>
+                      </a:pPr>
+                      <a:r>
+                        <a:t>Topo II inhibitor, intercalates into DNA, anthracycline</a:t>
+                      </a:r>
+                    </a:p>
+                  </a:txBody>
+                  <a:tcPr/>
+                </a:tc>
+              </a:tr>
+              <a:tr h="195942">
+                <a:tc>
+                  <a:txBody>
+                    <a:bodyPr/>
+                    <a:lstStyle/>
+                    <a:p>
+                      <a:pPr>
+                        <a:defRPr sz="1050"/>
+                      </a:pPr>
+                      <a:r>
+                        <a:t>etoposide</a:t>
+                      </a:r>
+                    </a:p>
+                  </a:txBody>
+                  <a:tcPr/>
+                </a:tc>
+                <a:tc>
+                  <a:txBody>
+                    <a:bodyPr/>
+                    <a:lstStyle/>
+                    <a:p>
+                      <a:pPr>
+                        <a:defRPr sz="1050"/>
+                      </a:pPr>
+                      <a:r>
+                        <a:t>0.99</a:t>
+                      </a:r>
+                    </a:p>
+                  </a:txBody>
+                  <a:tcPr/>
+                </a:tc>
+                <a:tc>
+                  <a:txBody>
+                    <a:bodyPr/>
+                    <a:lstStyle/>
+                    <a:p>
+                      <a:pPr>
+                        <a:defRPr sz="1050"/>
+                      </a:pPr>
+                      <a:r>
+                        <a:t>Topo II inhibitor</a:t>
+                      </a:r>
+                    </a:p>
+                  </a:txBody>
+                  <a:tcPr/>
+                </a:tc>
+              </a:tr>
+              <a:tr h="195942">
+                <a:tc>
+                  <a:txBody>
+                    <a:bodyPr/>
+                    <a:lstStyle/>
+                    <a:p>
+                      <a:pPr>
+                        <a:defRPr sz="1050"/>
+                      </a:pPr>
+                      <a:r>
+                        <a:t>raltitrexed</a:t>
+                      </a:r>
+                    </a:p>
+                  </a:txBody>
+                  <a:tcPr/>
+                </a:tc>
+                <a:tc>
+                  <a:txBody>
+                    <a:bodyPr/>
+                    <a:lstStyle/>
+                    <a:p>
+                      <a:pPr>
+                        <a:defRPr sz="1050"/>
+                      </a:pPr>
+                      <a:r>
+                        <a:t>0.99</a:t>
+                      </a:r>
+                    </a:p>
+                  </a:txBody>
+                  <a:tcPr/>
+                </a:tc>
+                <a:tc>
+                  <a:txBody>
+                    <a:bodyPr/>
+                    <a:lstStyle/>
+                    <a:p>
+                      <a:pPr>
+                        <a:defRPr sz="1050"/>
+                      </a:pPr>
+                      <a:r>
+                        <a:t>antimetabolite,  inhibitor of thymidylate synthase</a:t>
+                      </a:r>
+                    </a:p>
+                  </a:txBody>
+                  <a:tcPr/>
+                </a:tc>
+              </a:tr>
+              <a:tr h="195942">
+                <a:tc>
+                  <a:txBody>
+                    <a:bodyPr/>
+                    <a:lstStyle/>
+                    <a:p>
+                      <a:pPr>
+                        <a:defRPr sz="1050"/>
+                      </a:pPr>
+                      <a:r>
+                        <a:t>cladribine</a:t>
+                      </a:r>
+                    </a:p>
+                  </a:txBody>
+                  <a:tcPr/>
+                </a:tc>
+                <a:tc>
+                  <a:txBody>
+                    <a:bodyPr/>
+                    <a:lstStyle/>
+                    <a:p>
+                      <a:pPr>
+                        <a:defRPr sz="1050"/>
+                      </a:pPr>
+                      <a:r>
+                        <a:t>0.99</a:t>
+                      </a:r>
+                    </a:p>
+                  </a:txBody>
+                  <a:tcPr/>
+                </a:tc>
+                <a:tc>
+                  <a:txBody>
+                    <a:bodyPr/>
+                    <a:lstStyle/>
+                    <a:p>
+                      <a:pPr>
+                        <a:defRPr sz="1050"/>
+                      </a:pPr>
+                      <a:r>
+                        <a:t>purine analog, inhibits adenosine deaminase, which interferes with DNA sythesis. Used for leukemia</a:t>
+                      </a:r>
+                    </a:p>
+                  </a:txBody>
+                  <a:tcPr/>
+                </a:tc>
+              </a:tr>
+              <a:tr h="195942">
+                <a:tc>
+                  <a:txBody>
+                    <a:bodyPr/>
+                    <a:lstStyle/>
+                    <a:p>
+                      <a:pPr>
+                        <a:defRPr sz="1050"/>
+                      </a:pPr>
+                      <a:r>
+                        <a:t>floxuridine</a:t>
+                      </a:r>
+                    </a:p>
+                  </a:txBody>
+                  <a:tcPr/>
+                </a:tc>
+                <a:tc>
+                  <a:txBody>
+                    <a:bodyPr/>
+                    <a:lstStyle/>
+                    <a:p>
+                      <a:pPr>
+                        <a:defRPr sz="1050"/>
+                      </a:pPr>
+                      <a:r>
+                        <a:t>0.99</a:t>
+                      </a:r>
+                    </a:p>
+                  </a:txBody>
+                  <a:tcPr/>
+                </a:tc>
+                <a:tc>
+                  <a:txBody>
+                    <a:bodyPr/>
+                    <a:lstStyle/>
+                    <a:p>
+                      <a:pPr>
+                        <a:defRPr sz="1050"/>
+                      </a:pPr>
+                      <a:r>
+                        <a:t>antimetabolite,  catabolized to 5-fluorouracil</a:t>
+                      </a:r>
+                    </a:p>
+                  </a:txBody>
+                  <a:tcPr/>
+                </a:tc>
+              </a:tr>
+              <a:tr h="195942">
+                <a:tc>
+                  <a:txBody>
+                    <a:bodyPr/>
+                    <a:lstStyle/>
+                    <a:p>
+                      <a:pPr>
+                        <a:defRPr sz="1050"/>
+                      </a:pPr>
+                      <a:r>
+                        <a:t>methotrexate</a:t>
+                      </a:r>
+                    </a:p>
+                  </a:txBody>
+                  <a:tcPr/>
+                </a:tc>
+                <a:tc>
+                  <a:txBody>
+                    <a:bodyPr/>
+                    <a:lstStyle/>
+                    <a:p>
+                      <a:pPr>
+                        <a:defRPr sz="1050"/>
+                      </a:pPr>
+                      <a:r>
+                        <a:t>0.99</a:t>
+                      </a:r>
+                    </a:p>
+                  </a:txBody>
+                  <a:tcPr/>
+                </a:tc>
+                <a:tc>
+                  <a:txBody>
+                    <a:bodyPr/>
+                    <a:lstStyle/>
+                    <a:p>
+                      <a:pPr>
+                        <a:defRPr sz="1050"/>
+                      </a:pPr>
+                      <a:r>
+                        <a:t>antimetabolite, competitively inhibits dihydrofolate reductase (DHFR), inhibits synthesis of DNA, RNA, thymidylates, and proteins</a:t>
+                      </a:r>
+                    </a:p>
+                  </a:txBody>
+                  <a:tcPr/>
+                </a:tc>
+              </a:tr>
+              <a:tr h="195942">
+                <a:tc>
+                  <a:txBody>
+                    <a:bodyPr/>
+                    <a:lstStyle/>
+                    <a:p>
+                      <a:pPr>
+                        <a:defRPr sz="1050"/>
+                      </a:pPr>
+                      <a:r>
+                        <a:t>mitomycin-c</a:t>
+                      </a:r>
+                    </a:p>
+                  </a:txBody>
+                  <a:tcPr/>
+                </a:tc>
+                <a:tc>
+                  <a:txBody>
+                    <a:bodyPr/>
+                    <a:lstStyle/>
+                    <a:p>
+                      <a:pPr>
+                        <a:defRPr sz="1050"/>
+                      </a:pPr>
+                      <a:r>
+                        <a:t>0.99</a:t>
+                      </a:r>
+                    </a:p>
+                  </a:txBody>
+                  <a:tcPr/>
+                </a:tc>
+                <a:tc>
+                  <a:txBody>
+                    <a:bodyPr/>
+                    <a:lstStyle/>
+                    <a:p>
+                      <a:pPr>
+                        <a:defRPr sz="1050"/>
+                      </a:pPr>
+                      <a:r>
+                        <a:t>DNA Alkylator, works by cross-linking DNA and inhibiting DNA synthesis</a:t>
+                      </a:r>
+                    </a:p>
+                  </a:txBody>
+                  <a:tcPr/>
+                </a:tc>
+              </a:tr>
+              <a:tr h="195942">
+                <a:tc>
+                  <a:txBody>
+                    <a:bodyPr/>
+                    <a:lstStyle/>
+                    <a:p>
+                      <a:pPr>
+                        <a:defRPr sz="1050"/>
+                      </a:pPr>
+                      <a:r>
+                        <a:t>irinotecan</a:t>
+                      </a:r>
+                    </a:p>
+                  </a:txBody>
+                  <a:tcPr/>
+                </a:tc>
+                <a:tc>
+                  <a:txBody>
+                    <a:bodyPr/>
+                    <a:lstStyle/>
+                    <a:p>
+                      <a:pPr>
+                        <a:defRPr sz="1050"/>
+                      </a:pPr>
+                      <a:r>
+                        <a:t>0.99</a:t>
+                      </a:r>
+                    </a:p>
+                  </a:txBody>
+                  <a:tcPr/>
+                </a:tc>
+                <a:tc>
+                  <a:txBody>
+                    <a:bodyPr/>
+                    <a:lstStyle/>
+                    <a:p>
+                      <a:pPr>
+                        <a:defRPr sz="1050"/>
+                      </a:pPr>
+                      <a:r>
+                        <a:t>aka CPT-11, inhibitor of Topo I</a:t>
+                      </a:r>
+                    </a:p>
+                  </a:txBody>
+                  <a:tcPr/>
+                </a:tc>
+              </a:tr>
+              <a:tr h="195942">
+                <a:tc>
+                  <a:txBody>
+                    <a:bodyPr/>
+                    <a:lstStyle/>
+                    <a:p>
+                      <a:pPr>
+                        <a:defRPr sz="1050"/>
+                      </a:pPr>
+                      <a:r>
+                        <a:t>teniposide</a:t>
+                      </a:r>
+                    </a:p>
+                  </a:txBody>
+                  <a:tcPr/>
+                </a:tc>
+                <a:tc>
+                  <a:txBody>
+                    <a:bodyPr/>
+                    <a:lstStyle/>
+                    <a:p>
+                      <a:pPr>
+                        <a:defRPr sz="1050"/>
+                      </a:pPr>
+                      <a:r>
+                        <a:t>0.99</a:t>
+                      </a:r>
+                    </a:p>
+                  </a:txBody>
+                  <a:tcPr/>
+                </a:tc>
+                <a:tc>
+                  <a:txBody>
+                    <a:bodyPr/>
+                    <a:lstStyle/>
+                    <a:p>
+                      <a:pPr>
+                        <a:defRPr sz="1050"/>
+                      </a:pPr>
+                      <a:r>
+                        <a:t>Topo II inhibitor</a:t>
+                      </a:r>
+                    </a:p>
+                  </a:txBody>
+                  <a:tcPr/>
+                </a:tc>
+              </a:tr>
+              <a:tr h="195942">
+                <a:tc>
+                  <a:txBody>
+                    <a:bodyPr/>
+                    <a:lstStyle/>
+                    <a:p>
+                      <a:pPr>
+                        <a:defRPr sz="1050"/>
+                      </a:pPr>
+                      <a:r>
+                        <a:t>gemcitabine</a:t>
+                      </a:r>
+                    </a:p>
+                  </a:txBody>
+                  <a:tcPr/>
+                </a:tc>
+                <a:tc>
+                  <a:txBody>
+                    <a:bodyPr/>
+                    <a:lstStyle/>
+                    <a:p>
+                      <a:pPr>
+                        <a:defRPr sz="1050"/>
+                      </a:pPr>
+                      <a:r>
+                        <a:t>0.98</a:t>
+                      </a:r>
+                    </a:p>
+                  </a:txBody>
+                  <a:tcPr/>
+                </a:tc>
+                <a:tc>
+                  <a:txBody>
+                    <a:bodyPr/>
+                    <a:lstStyle/>
+                    <a:p>
+                      <a:pPr>
+                        <a:defRPr sz="1050"/>
+                      </a:pPr>
+                      <a:r>
+                        <a:t>Nucleoside analog,incorporation into DNA creates an irreparable error that leads to inhibition of further DNA synthesis</a:t>
+                      </a:r>
+                    </a:p>
+                  </a:txBody>
+                  <a:tcPr/>
+                </a:tc>
+              </a:tr>
+              <a:tr h="195942">
+                <a:tc>
+                  <a:txBody>
+                    <a:bodyPr/>
+                    <a:lstStyle/>
+                    <a:p>
+                      <a:pPr>
+                        <a:defRPr sz="1050"/>
+                      </a:pPr>
+                      <a:r>
+                        <a:t>SN-38</a:t>
+                      </a:r>
+                    </a:p>
+                  </a:txBody>
+                  <a:tcPr/>
+                </a:tc>
+                <a:tc>
+                  <a:txBody>
+                    <a:bodyPr/>
+                    <a:lstStyle/>
+                    <a:p>
+                      <a:pPr>
+                        <a:defRPr sz="1050"/>
+                      </a:pPr>
+                      <a:r>
+                        <a:t>0.98</a:t>
+                      </a:r>
+                    </a:p>
+                  </a:txBody>
+                  <a:tcPr/>
+                </a:tc>
+                <a:tc>
+                  <a:txBody>
+                    <a:bodyPr/>
+                    <a:lstStyle/>
+                    <a:p>
+                      <a:pPr>
+                        <a:defRPr sz="1050"/>
+                      </a:pPr>
+                      <a:r>
+                        <a:t>Topo I inhibitor, active metabolite of irinotecan but 1000 times more active</a:t>
+                      </a:r>
+                    </a:p>
+                  </a:txBody>
+                  <a:tcPr/>
+                </a:tc>
+              </a:tr>
+              <a:tr h="195942">
+                <a:tc>
+                  <a:txBody>
+                    <a:bodyPr/>
+                    <a:lstStyle/>
+                    <a:p>
+                      <a:pPr>
+                        <a:defRPr sz="1050"/>
+                      </a:pPr>
+                      <a:r>
+                        <a:t>topotecan</a:t>
+                      </a:r>
+                    </a:p>
+                  </a:txBody>
+                  <a:tcPr/>
+                </a:tc>
+                <a:tc>
+                  <a:txBody>
+                    <a:bodyPr/>
+                    <a:lstStyle/>
+                    <a:p>
+                      <a:pPr>
+                        <a:defRPr sz="1050"/>
+                      </a:pPr>
+                      <a:r>
+                        <a:t>0.98</a:t>
+                      </a:r>
+                    </a:p>
+                  </a:txBody>
+                  <a:tcPr/>
+                </a:tc>
+                <a:tc>
+                  <a:txBody>
+                    <a:bodyPr/>
+                    <a:lstStyle/>
+                    <a:p>
+                      <a:pPr>
+                        <a:defRPr sz="1050"/>
+                      </a:pPr>
+                      <a:r>
+                        <a:t>Topo I inhibitor</a:t>
+                      </a:r>
+                    </a:p>
+                  </a:txBody>
+                  <a:tcPr/>
+                </a:tc>
+              </a:tr>
+              <a:tr h="195942">
+                <a:tc>
+                  <a:txBody>
+                    <a:bodyPr/>
+                    <a:lstStyle/>
+                    <a:p>
+                      <a:pPr>
+                        <a:defRPr sz="1050"/>
+                      </a:pPr>
+                      <a:r>
+                        <a:t>serdemetan</a:t>
+                      </a:r>
+                    </a:p>
+                  </a:txBody>
+                  <a:tcPr/>
+                </a:tc>
+                <a:tc>
+                  <a:txBody>
+                    <a:bodyPr/>
+                    <a:lstStyle/>
+                    <a:p>
+                      <a:pPr>
+                        <a:defRPr sz="1050"/>
+                      </a:pPr>
+                      <a:r>
+                        <a:t>0.98</a:t>
+                      </a:r>
+                    </a:p>
+                  </a:txBody>
+                  <a:tcPr/>
+                </a:tc>
+                <a:tc>
+                  <a:txBody>
+                    <a:bodyPr/>
+                    <a:lstStyle/>
+                    <a:p>
+                      <a:pPr>
+                        <a:defRPr sz="1050"/>
+                      </a:pPr>
+                      <a:r>
+                        <a:t>(JNJ-26854165) Mdm2 antagonist, stabilizes p53</a:t>
+                      </a:r>
+                    </a:p>
+                  </a:txBody>
+                  <a:tcPr/>
+                </a:tc>
+              </a:tr>
+              <a:tr h="195942">
+                <a:tc>
+                  <a:txBody>
+                    <a:bodyPr/>
+                    <a:lstStyle/>
+                    <a:p>
+                      <a:pPr>
+                        <a:defRPr sz="1050"/>
+                      </a:pPr>
+                      <a:r>
+                        <a:t>chlorambucil</a:t>
+                      </a:r>
+                    </a:p>
+                  </a:txBody>
+                  <a:tcPr/>
+                </a:tc>
+                <a:tc>
+                  <a:txBody>
+                    <a:bodyPr/>
+                    <a:lstStyle/>
+                    <a:p>
+                      <a:pPr>
+                        <a:defRPr sz="1050"/>
+                      </a:pPr>
+                      <a:r>
+                        <a:t>0.98</a:t>
+                      </a:r>
+                    </a:p>
+                  </a:txBody>
+                  <a:tcPr/>
+                </a:tc>
+                <a:tc>
+                  <a:txBody>
+                    <a:bodyPr/>
+                    <a:lstStyle/>
+                    <a:p>
+                      <a:pPr>
+                        <a:defRPr sz="1050"/>
+                      </a:pPr>
+                      <a:r>
+                        <a:t>alkylates and cross-links DNA, interfering with DNA replication and damaging the DNA</a:t>
+                      </a:r>
+                    </a:p>
+                  </a:txBody>
+                  <a:tcPr/>
+                </a:tc>
+              </a:tr>
+              <a:tr h="195942">
+                <a:tc>
+                  <a:txBody>
+                    <a:bodyPr/>
+                    <a:lstStyle/>
+                    <a:p>
+                      <a:pPr>
+                        <a:defRPr sz="1050"/>
+                      </a:pPr>
+                      <a:r>
+                        <a:t>cytarabine</a:t>
+                      </a:r>
+                    </a:p>
+                  </a:txBody>
+                  <a:tcPr/>
+                </a:tc>
+                <a:tc>
+                  <a:txBody>
+                    <a:bodyPr/>
+                    <a:lstStyle/>
+                    <a:p>
+                      <a:pPr>
+                        <a:defRPr sz="1050"/>
+                      </a:pPr>
+                      <a:r>
+                        <a:t>0.98</a:t>
+                      </a:r>
+                    </a:p>
+                  </a:txBody>
+                  <a:tcPr/>
+                </a:tc>
+                <a:tc>
+                  <a:txBody>
+                    <a:bodyPr/>
+                    <a:lstStyle/>
+                    <a:p>
+                      <a:pPr>
+                        <a:defRPr sz="1050"/>
+                      </a:pPr>
+                      <a:r>
+                        <a:t>antimetabolite, causes DNA damage,  inhibits both DNA and RNA polymerases and nucleotide reductase enzymes needed for DNA synthesis</a:t>
+                      </a:r>
+                    </a:p>
+                  </a:txBody>
+                  <a:tcPr/>
+                </a:tc>
+              </a:tr>
+              <a:tr h="195942">
+                <a:tc>
+                  <a:txBody>
+                    <a:bodyPr/>
+                    <a:lstStyle/>
+                    <a:p>
+                      <a:pPr>
+                        <a:defRPr sz="1050"/>
+                      </a:pPr>
+                      <a:r>
+                        <a:t>amsacrine</a:t>
+                      </a:r>
+                    </a:p>
+                  </a:txBody>
+                  <a:tcPr/>
+                </a:tc>
+                <a:tc>
+                  <a:txBody>
+                    <a:bodyPr/>
+                    <a:lstStyle/>
+                    <a:p>
+                      <a:pPr>
+                        <a:defRPr sz="1050"/>
+                      </a:pPr>
+                      <a:r>
+                        <a:t>0.98</a:t>
+                      </a:r>
+                    </a:p>
+                  </a:txBody>
+                  <a:tcPr/>
+                </a:tc>
+                <a:tc>
+                  <a:txBody>
+                    <a:bodyPr/>
+                    <a:lstStyle/>
+                    <a:p>
+                      <a:pPr>
+                        <a:defRPr sz="1050"/>
+                      </a:pPr>
+                      <a:r>
+                        <a:t>Intercalator, inhibits Topo II and blocks both DNA replication and transcription, used in ALL</a:t>
+                      </a:r>
+                    </a:p>
+                  </a:txBody>
+                  <a:tcPr/>
+                </a:tc>
+              </a:tr>
+              <a:tr h="195942">
+                <a:tc>
+                  <a:txBody>
+                    <a:bodyPr/>
+                    <a:lstStyle/>
+                    <a:p>
+                      <a:pPr>
+                        <a:defRPr sz="1050"/>
+                      </a:pPr>
+                      <a:r>
+                        <a:t>clofarabine</a:t>
+                      </a:r>
+                    </a:p>
+                  </a:txBody>
+                  <a:tcPr/>
+                </a:tc>
+                <a:tc>
+                  <a:txBody>
+                    <a:bodyPr/>
+                    <a:lstStyle/>
+                    <a:p>
+                      <a:pPr>
+                        <a:defRPr sz="1050"/>
+                      </a:pPr>
+                      <a:r>
+                        <a:t>0.98</a:t>
+                      </a:r>
+                    </a:p>
+                  </a:txBody>
+                  <a:tcPr/>
+                </a:tc>
+                <a:tc>
+                  <a:txBody>
+                    <a:bodyPr/>
+                    <a:lstStyle/>
+                    <a:p>
+                      <a:pPr>
+                        <a:defRPr sz="1050"/>
+                      </a:pPr>
+                      <a:r>
+                        <a:t>purine nucleoside antimetabolite</a:t>
+                      </a:r>
+                    </a:p>
+                  </a:txBody>
+                  <a:tcPr/>
+                </a:tc>
+              </a:tr>
+              <a:tr h="195960">
+                <a:tc>
+                  <a:txBody>
+                    <a:bodyPr/>
+                    <a:lstStyle/>
+                    <a:p>
+                      <a:pPr>
+                        <a:defRPr sz="1050"/>
+                      </a:pPr>
+                      <a:r>
+                        <a:t>PHA-793887</a:t>
+                      </a:r>
+                    </a:p>
+                  </a:txBody>
+                  <a:tcPr/>
+                </a:tc>
+                <a:tc>
+                  <a:txBody>
+                    <a:bodyPr/>
+                    <a:lstStyle/>
+                    <a:p>
+                      <a:pPr>
+                        <a:defRPr sz="1050"/>
+                      </a:pPr>
+                      <a:r>
+                        <a:t>0.98</a:t>
+                      </a:r>
+                    </a:p>
+                  </a:txBody>
+                  <a:tcPr/>
+                </a:tc>
+                <a:tc>
+                  <a:txBody>
+                    <a:bodyPr/>
+                    <a:lstStyle/>
+                    <a:p>
+                      <a:pPr>
+                        <a:defRPr sz="1050"/>
+                      </a:pPr>
+                      <a:r>
+                        <a:t>CDK inhibitor, esp CDK2, CDK5 and CDK7</a:t>
+                      </a:r>
+                    </a:p>
+                  </a:txBody>
+                  <a:tcPr/>
+                </a:tc>
+              </a:tr>
+            </a:tbl>
+          </a:graphicData>
+        </a:graphic>
+      </p:graphicFrame>
+    </p:spTree>
+  </p:cSld>
+  <p:clrMapOvr>
+    <a:masterClrMapping/>
+  </p:clrMapOvr>
+</p:sld>
+</file>
+
+<file path=ppt/slides/slide31.xml><?xml version="1.0" encoding="utf-8"?>
+<p:sld xmlns:a="http://schemas.openxmlformats.org/drawingml/2006/main" xmlns:p="http://schemas.openxmlformats.org/presentationml/2006/main" xmlns:r="http://schemas.openxmlformats.org/officeDocument/2006/relationships">
+  <p:cSld>
+    <p:spTree>
+      <p:nvGrpSpPr>
+        <p:cNvPr id="1" name=""/>
+        <p:cNvGrpSpPr/>
+        <p:nvPr/>
+      </p:nvGrpSpPr>
+      <p:grpSpPr/>
+      <p:sp>
+        <p:nvSpPr>
+          <p:cNvPr id="2" name="TextBox 1"/>
+          <p:cNvSpPr txBox="1"/>
+          <p:nvPr/>
+        </p:nvSpPr>
+        <p:spPr>
+          <a:xfrm>
+            <a:off x="0" y="0"/>
+            <a:ext cx="9144000" cy="685800"/>
+          </a:xfrm>
+          <a:prstGeom prst="rect">
+            <a:avLst/>
+          </a:prstGeom>
+          <a:noFill/>
+        </p:spPr>
+        <p:txBody>
+          <a:bodyPr wrap="none">
+            <a:spAutoFit/>
+          </a:bodyPr>
+          <a:lstStyle/>
+          <a:p/>
+          <a:p>
+            <a:pPr>
+              <a:defRPr sz="2400"/>
+            </a:pPr>
+            <a:r>
+              <a:t>DiSCoVER ∩ CMap: top common drugs (cerebellar stem cell control)</a:t>
+            </a:r>
+          </a:p>
+        </p:txBody>
+      </p:sp>
+      <p:graphicFrame>
+        <p:nvGraphicFramePr>
+          <p:cNvPr id="3" name="Table 2"/>
+          <p:cNvGraphicFramePr>
+            <a:graphicFrameLocks noGrp="1"/>
+          </p:cNvGraphicFramePr>
+          <p:nvPr/>
+        </p:nvGraphicFramePr>
+        <p:xfrm>
+          <a:off x="411480" y="777240"/>
+          <a:ext cx="8503920" cy="4114800"/>
+        </p:xfrm>
+        <a:graphic>
+          <a:graphicData uri="http://schemas.openxmlformats.org/drawingml/2006/table">
+            <a:tbl>
+              <a:tblPr firstRow="1" bandRow="1">
+                <a:tableStyleId>{5C22544A-7EE6-4342-B048-85BDC9FD1C3A}</a:tableStyleId>
+              </a:tblPr>
+              <a:tblGrid>
+                <a:gridCol w="1005840"/>
+                <a:gridCol w="4114800"/>
+                <a:gridCol w="731520"/>
+                <a:gridCol w="1005840"/>
+                <a:gridCol w="914400"/>
+                <a:gridCol w="731520"/>
+              </a:tblGrid>
+              <a:tr h="195942">
+                <a:tc>
+                  <a:txBody>
+                    <a:bodyPr/>
+                    <a:lstStyle/>
+                    <a:p>
+                      <a:pPr>
+                        <a:defRPr sz="1100"/>
+                      </a:pPr>
+                      <a:r>
+                        <a:t>Drug</a:t>
+                      </a:r>
+                    </a:p>
+                  </a:txBody>
+                  <a:tcPr/>
+                </a:tc>
+                <a:tc>
+                  <a:txBody>
+                    <a:bodyPr/>
+                    <a:lstStyle/>
+                    <a:p>
+                      <a:pPr>
+                        <a:defRPr sz="1100"/>
+                      </a:pPr>
+                      <a:r>
+                        <a:t>Mechanism of action</a:t>
+                      </a:r>
+                    </a:p>
+                  </a:txBody>
+                  <a:tcPr/>
+                </a:tc>
+                <a:tc>
+                  <a:txBody>
+                    <a:bodyPr/>
+                    <a:lstStyle/>
+                    <a:p>
+                      <a:pPr>
+                        <a:defRPr sz="1100"/>
+                      </a:pPr>
+                      <a:r>
+                        <a:t>Evidence</a:t>
+                      </a:r>
+                    </a:p>
+                  </a:txBody>
+                  <a:tcPr/>
+                </a:tc>
+                <a:tc>
+                  <a:txBody>
+                    <a:bodyPr/>
+                    <a:lstStyle/>
+                    <a:p>
+                      <a:pPr>
+                        <a:defRPr sz="1100"/>
+                      </a:pPr>
+                      <a:r>
+                        <a:t>DiSCoVER Rank</a:t>
+                      </a:r>
+                    </a:p>
+                  </a:txBody>
+                  <a:tcPr/>
+                </a:tc>
+                <a:tc>
+                  <a:txBody>
+                    <a:bodyPr/>
+                    <a:lstStyle/>
+                    <a:p>
+                      <a:pPr>
+                        <a:defRPr sz="1100"/>
+                      </a:pPr>
+                      <a:r>
+                        <a:t>CMap Rank</a:t>
+                      </a:r>
+                    </a:p>
+                  </a:txBody>
+                  <a:tcPr/>
+                </a:tc>
+                <a:tc>
+                  <a:txBody>
+                    <a:bodyPr/>
+                    <a:lstStyle/>
+                    <a:p>
+                      <a:pPr>
+                        <a:defRPr sz="1100"/>
+                      </a:pPr>
+                      <a:r>
+                        <a:t>Average Rank</a:t>
+                      </a:r>
+                    </a:p>
+                  </a:txBody>
+                  <a:tcPr/>
+                </a:tc>
+              </a:tr>
+              <a:tr h="195942">
+                <a:tc>
+                  <a:txBody>
+                    <a:bodyPr/>
+                    <a:lstStyle/>
+                    <a:p>
+                      <a:pPr>
+                        <a:defRPr sz="1000"/>
+                      </a:pPr>
+                      <a:r>
+                        <a:t>tl-2-105</a:t>
+                      </a:r>
+                    </a:p>
+                  </a:txBody>
+                  <a:tcPr/>
+                </a:tc>
+                <a:tc>
+                  <a:txBody>
+                    <a:bodyPr/>
+                    <a:lstStyle/>
+                    <a:p>
+                      <a:pPr>
+                        <a:defRPr sz="1000"/>
+                      </a:pPr>
+                      <a:r>
+                        <a:t>Not Clinically Relevant</a:t>
+                      </a:r>
+                    </a:p>
+                  </a:txBody>
+                  <a:tcPr/>
+                </a:tc>
+                <a:tc>
+                  <a:txBody>
+                    <a:bodyPr/>
+                    <a:lstStyle/>
+                    <a:p>
+                      <a:pPr>
+                        <a:defRPr sz="1000"/>
+                      </a:pPr>
+                      <a:r>
+                        <a:t>+...</a:t>
+                      </a:r>
+                    </a:p>
+                  </a:txBody>
+                  <a:tcPr/>
+                </a:tc>
+                <a:tc>
+                  <a:txBody>
+                    <a:bodyPr/>
+                    <a:lstStyle/>
+                    <a:p>
+                      <a:pPr>
+                        <a:defRPr sz="1000"/>
+                      </a:pPr>
+                      <a:r>
+                        <a:t>1</a:t>
+                      </a:r>
+                    </a:p>
+                  </a:txBody>
+                  <a:tcPr/>
+                </a:tc>
+                <a:tc>
+                  <a:txBody>
+                    <a:bodyPr/>
+                    <a:lstStyle/>
+                    <a:p>
+                      <a:pPr>
+                        <a:defRPr sz="1000"/>
+                      </a:pPr>
+                      <a:r>
+                        <a:t>175</a:t>
+                      </a:r>
+                    </a:p>
+                  </a:txBody>
+                  <a:tcPr/>
+                </a:tc>
+                <a:tc>
+                  <a:txBody>
+                    <a:bodyPr/>
+                    <a:lstStyle/>
+                    <a:p>
+                      <a:pPr>
+                        <a:defRPr sz="1000"/>
+                      </a:pPr>
+                      <a:r>
+                        <a:t>1.0</a:t>
+                      </a:r>
+                    </a:p>
+                  </a:txBody>
+                  <a:tcPr/>
+                </a:tc>
+              </a:tr>
+              <a:tr h="195942">
+                <a:tc>
+                  <a:txBody>
+                    <a:bodyPr/>
+                    <a:lstStyle/>
+                    <a:p>
+                      <a:pPr>
+                        <a:defRPr sz="1000"/>
+                      </a:pPr>
+                      <a:r>
+                        <a:t>jnj-26854165</a:t>
+                      </a:r>
+                    </a:p>
+                  </a:txBody>
+                  <a:tcPr/>
+                </a:tc>
+                <a:tc>
+                  <a:txBody>
+                    <a:bodyPr/>
+                    <a:lstStyle/>
+                    <a:p>
+                      <a:pPr>
+                        <a:defRPr sz="1000"/>
+                      </a:pPr>
+                      <a:r>
+                        <a:t>(JNJ-26854165) Mdm2 antagonist, stabilizes p53</a:t>
+                      </a:r>
+                    </a:p>
+                  </a:txBody>
+                  <a:tcPr/>
+                </a:tc>
+                <a:tc>
+                  <a:txBody>
+                    <a:bodyPr/>
+                    <a:lstStyle/>
+                    <a:p>
+                      <a:pPr>
+                        <a:defRPr sz="1000"/>
+                      </a:pPr>
+                      <a:r>
+                        <a:t>...+</a:t>
+                      </a:r>
+                    </a:p>
+                  </a:txBody>
+                  <a:tcPr/>
+                </a:tc>
+                <a:tc>
+                  <a:txBody>
+                    <a:bodyPr/>
+                    <a:lstStyle/>
+                    <a:p>
+                      <a:pPr>
+                        <a:defRPr sz="1000"/>
+                      </a:pPr>
+                      <a:r>
+                        <a:t>673</a:t>
+                      </a:r>
+                    </a:p>
+                  </a:txBody>
+                  <a:tcPr/>
+                </a:tc>
+                <a:tc>
+                  <a:txBody>
+                    <a:bodyPr/>
+                    <a:lstStyle/>
+                    <a:p>
+                      <a:pPr>
+                        <a:defRPr sz="1000"/>
+                      </a:pPr>
+                      <a:r>
+                        <a:t>2</a:t>
+                      </a:r>
+                    </a:p>
+                  </a:txBody>
+                  <a:tcPr/>
+                </a:tc>
+                <a:tc>
+                  <a:txBody>
+                    <a:bodyPr/>
+                    <a:lstStyle/>
+                    <a:p>
+                      <a:pPr>
+                        <a:defRPr sz="1000"/>
+                      </a:pPr>
+                      <a:r>
+                        <a:t>2.0</a:t>
+                      </a:r>
+                    </a:p>
+                  </a:txBody>
+                  <a:tcPr/>
+                </a:tc>
+              </a:tr>
+              <a:tr h="195942">
+                <a:tc>
+                  <a:txBody>
+                    <a:bodyPr/>
+                    <a:lstStyle/>
+                    <a:p>
+                      <a:pPr>
+                        <a:defRPr sz="1000"/>
+                      </a:pPr>
+                      <a:r>
+                        <a:t>sb52334</a:t>
+                      </a:r>
+                    </a:p>
+                  </a:txBody>
+                  <a:tcPr/>
+                </a:tc>
+                <a:tc>
+                  <a:txBody>
+                    <a:bodyPr/>
+                    <a:lstStyle/>
+                    <a:p>
+                      <a:pPr>
+                        <a:defRPr sz="1000"/>
+                      </a:pPr>
+                      <a:r>
+                        <a:t>Not Clinically Relevant</a:t>
+                      </a:r>
+                    </a:p>
+                  </a:txBody>
+                  <a:tcPr/>
+                </a:tc>
+                <a:tc>
+                  <a:txBody>
+                    <a:bodyPr/>
+                    <a:lstStyle/>
+                    <a:p>
+                      <a:pPr>
+                        <a:defRPr sz="1000"/>
+                      </a:pPr>
+                      <a:r>
+                        <a:t>+...</a:t>
+                      </a:r>
+                    </a:p>
+                  </a:txBody>
+                  <a:tcPr/>
+                </a:tc>
+                <a:tc>
+                  <a:txBody>
+                    <a:bodyPr/>
+                    <a:lstStyle/>
+                    <a:p>
+                      <a:pPr>
+                        <a:defRPr sz="1000"/>
+                      </a:pPr>
+                      <a:r>
+                        <a:t>2</a:t>
+                      </a:r>
+                    </a:p>
+                  </a:txBody>
+                  <a:tcPr/>
+                </a:tc>
+                <a:tc>
+                  <a:txBody>
+                    <a:bodyPr/>
+                    <a:lstStyle/>
+                    <a:p>
+                      <a:pPr>
+                        <a:defRPr sz="1000"/>
+                      </a:pPr>
+                      <a:r>
+                        <a:t>176</a:t>
+                      </a:r>
+                    </a:p>
+                  </a:txBody>
+                  <a:tcPr/>
+                </a:tc>
+                <a:tc>
+                  <a:txBody>
+                    <a:bodyPr/>
+                    <a:lstStyle/>
+                    <a:p>
+                      <a:pPr>
+                        <a:defRPr sz="1000"/>
+                      </a:pPr>
+                      <a:r>
+                        <a:t>2.0</a:t>
+                      </a:r>
+                    </a:p>
+                  </a:txBody>
+                  <a:tcPr/>
+                </a:tc>
+              </a:tr>
+              <a:tr h="195942">
+                <a:tc>
+                  <a:txBody>
+                    <a:bodyPr/>
+                    <a:lstStyle/>
+                    <a:p>
+                      <a:pPr>
+                        <a:defRPr sz="1000"/>
+                      </a:pPr>
+                      <a:r>
+                        <a:t>raltitrexed</a:t>
+                      </a:r>
+                    </a:p>
+                  </a:txBody>
+                  <a:tcPr/>
+                </a:tc>
+                <a:tc>
+                  <a:txBody>
+                    <a:bodyPr/>
+                    <a:lstStyle/>
+                    <a:p>
+                      <a:pPr>
+                        <a:defRPr sz="1000"/>
+                      </a:pPr>
+                      <a:r>
+                        <a:t>antimetabolite,  inhibitor of thymidylate synthase</a:t>
+                      </a:r>
+                    </a:p>
+                  </a:txBody>
+                  <a:tcPr/>
+                </a:tc>
+                <a:tc>
+                  <a:txBody>
+                    <a:bodyPr/>
+                    <a:lstStyle/>
+                    <a:p>
+                      <a:pPr>
+                        <a:defRPr sz="1000"/>
+                      </a:pPr>
+                      <a:r>
+                        <a:t>...+</a:t>
+                      </a:r>
+                    </a:p>
+                  </a:txBody>
+                  <a:tcPr/>
+                </a:tc>
+                <a:tc>
+                  <a:txBody>
+                    <a:bodyPr/>
+                    <a:lstStyle/>
+                    <a:p>
+                      <a:pPr>
+                        <a:defRPr sz="1000"/>
+                      </a:pPr>
+                      <a:r>
+                        <a:t>675</a:t>
+                      </a:r>
+                    </a:p>
+                  </a:txBody>
+                  <a:tcPr/>
+                </a:tc>
+                <a:tc>
+                  <a:txBody>
+                    <a:bodyPr/>
+                    <a:lstStyle/>
+                    <a:p>
+                      <a:pPr>
+                        <a:defRPr sz="1000"/>
+                      </a:pPr>
+                      <a:r>
+                        <a:t>3</a:t>
+                      </a:r>
+                    </a:p>
+                  </a:txBody>
+                  <a:tcPr/>
+                </a:tc>
+                <a:tc>
+                  <a:txBody>
+                    <a:bodyPr/>
+                    <a:lstStyle/>
+                    <a:p>
+                      <a:pPr>
+                        <a:defRPr sz="1000"/>
+                      </a:pPr>
+                      <a:r>
+                        <a:t>3.0</a:t>
+                      </a:r>
+                    </a:p>
+                  </a:txBody>
+                  <a:tcPr/>
+                </a:tc>
+              </a:tr>
+              <a:tr h="195942">
+                <a:tc>
+                  <a:txBody>
+                    <a:bodyPr/>
+                    <a:lstStyle/>
+                    <a:p>
+                      <a:pPr>
+                        <a:defRPr sz="1000"/>
+                      </a:pPr>
+                      <a:r>
+                        <a:t>gsk1070916</a:t>
+                      </a:r>
+                    </a:p>
+                  </a:txBody>
+                  <a:tcPr/>
+                </a:tc>
+                <a:tc>
+                  <a:txBody>
+                    <a:bodyPr/>
+                    <a:lstStyle/>
+                    <a:p>
+                      <a:pPr>
+                        <a:defRPr sz="1000"/>
+                      </a:pPr>
+                      <a:r>
+                        <a:t>Not Clinically Relevant</a:t>
+                      </a:r>
+                    </a:p>
+                  </a:txBody>
+                  <a:tcPr/>
+                </a:tc>
+                <a:tc>
+                  <a:txBody>
+                    <a:bodyPr/>
+                    <a:lstStyle/>
+                    <a:p>
+                      <a:pPr>
+                        <a:defRPr sz="1000"/>
+                      </a:pPr>
+                      <a:r>
+                        <a:t>+...</a:t>
+                      </a:r>
+                    </a:p>
+                  </a:txBody>
+                  <a:tcPr/>
+                </a:tc>
+                <a:tc>
+                  <a:txBody>
+                    <a:bodyPr/>
+                    <a:lstStyle/>
+                    <a:p>
+                      <a:pPr>
+                        <a:defRPr sz="1000"/>
+                      </a:pPr>
+                      <a:r>
+                        <a:t>3</a:t>
+                      </a:r>
+                    </a:p>
+                  </a:txBody>
+                  <a:tcPr/>
+                </a:tc>
+                <a:tc>
+                  <a:txBody>
+                    <a:bodyPr/>
+                    <a:lstStyle/>
+                    <a:p>
+                      <a:pPr>
+                        <a:defRPr sz="1000"/>
+                      </a:pPr>
+                      <a:r>
+                        <a:t>177</a:t>
+                      </a:r>
+                    </a:p>
+                  </a:txBody>
+                  <a:tcPr/>
+                </a:tc>
+                <a:tc>
+                  <a:txBody>
+                    <a:bodyPr/>
+                    <a:lstStyle/>
+                    <a:p>
+                      <a:pPr>
+                        <a:defRPr sz="1000"/>
+                      </a:pPr>
+                      <a:r>
+                        <a:t>3.0</a:t>
+                      </a:r>
+                    </a:p>
+                  </a:txBody>
+                  <a:tcPr/>
+                </a:tc>
+              </a:tr>
+              <a:tr h="195942">
+                <a:tc>
+                  <a:txBody>
+                    <a:bodyPr/>
+                    <a:lstStyle/>
+                    <a:p>
+                      <a:pPr>
+                        <a:defRPr sz="1000"/>
+                      </a:pPr>
+                      <a:r>
+                        <a:t>cladribine</a:t>
+                      </a:r>
+                    </a:p>
+                  </a:txBody>
+                  <a:tcPr/>
+                </a:tc>
+                <a:tc>
+                  <a:txBody>
+                    <a:bodyPr/>
+                    <a:lstStyle/>
+                    <a:p>
+                      <a:pPr>
+                        <a:defRPr sz="1000"/>
+                      </a:pPr>
+                      <a:r>
+                        <a:t>purine analog, inhibits adenosine deaminase, which interferes with DNA sythesis. Used for leukemia</a:t>
+                      </a:r>
+                    </a:p>
+                  </a:txBody>
+                  <a:tcPr/>
+                </a:tc>
+                <a:tc>
+                  <a:txBody>
+                    <a:bodyPr/>
+                    <a:lstStyle/>
+                    <a:p>
+                      <a:pPr>
+                        <a:defRPr sz="1000"/>
+                      </a:pPr>
+                      <a:r>
+                        <a:t>...+</a:t>
+                      </a:r>
+                    </a:p>
+                  </a:txBody>
+                  <a:tcPr/>
+                </a:tc>
+                <a:tc>
+                  <a:txBody>
+                    <a:bodyPr/>
+                    <a:lstStyle/>
+                    <a:p>
+                      <a:pPr>
+                        <a:defRPr sz="1000"/>
+                      </a:pPr>
+                      <a:r>
+                        <a:t>676</a:t>
+                      </a:r>
+                    </a:p>
+                  </a:txBody>
+                  <a:tcPr/>
+                </a:tc>
+                <a:tc>
+                  <a:txBody>
+                    <a:bodyPr/>
+                    <a:lstStyle/>
+                    <a:p>
+                      <a:pPr>
+                        <a:defRPr sz="1000"/>
+                      </a:pPr>
+                      <a:r>
+                        <a:t>4</a:t>
+                      </a:r>
+                    </a:p>
+                  </a:txBody>
+                  <a:tcPr/>
+                </a:tc>
+                <a:tc>
+                  <a:txBody>
+                    <a:bodyPr/>
+                    <a:lstStyle/>
+                    <a:p>
+                      <a:pPr>
+                        <a:defRPr sz="1000"/>
+                      </a:pPr>
+                      <a:r>
+                        <a:t>4.0</a:t>
+                      </a:r>
+                    </a:p>
+                  </a:txBody>
+                  <a:tcPr/>
+                </a:tc>
+              </a:tr>
+              <a:tr h="195942">
+                <a:tc>
+                  <a:txBody>
+                    <a:bodyPr/>
+                    <a:lstStyle/>
+                    <a:p>
+                      <a:pPr>
+                        <a:defRPr sz="1000"/>
+                      </a:pPr>
+                      <a:r>
+                        <a:t>ql-xii-61</a:t>
+                      </a:r>
+                    </a:p>
+                  </a:txBody>
+                  <a:tcPr/>
+                </a:tc>
+                <a:tc>
+                  <a:txBody>
+                    <a:bodyPr/>
+                    <a:lstStyle/>
+                    <a:p>
+                      <a:pPr>
+                        <a:defRPr sz="1000"/>
+                      </a:pPr>
+                      <a:r>
+                        <a:t>Not Clinically Relevant</a:t>
+                      </a:r>
+                    </a:p>
+                  </a:txBody>
+                  <a:tcPr/>
+                </a:tc>
+                <a:tc>
+                  <a:txBody>
+                    <a:bodyPr/>
+                    <a:lstStyle/>
+                    <a:p>
+                      <a:pPr>
+                        <a:defRPr sz="1000"/>
+                      </a:pPr>
+                      <a:r>
+                        <a:t>+...</a:t>
+                      </a:r>
+                    </a:p>
+                  </a:txBody>
+                  <a:tcPr/>
+                </a:tc>
+                <a:tc>
+                  <a:txBody>
+                    <a:bodyPr/>
+                    <a:lstStyle/>
+                    <a:p>
+                      <a:pPr>
+                        <a:defRPr sz="1000"/>
+                      </a:pPr>
+                      <a:r>
+                        <a:t>4</a:t>
+                      </a:r>
+                    </a:p>
+                  </a:txBody>
+                  <a:tcPr/>
+                </a:tc>
+                <a:tc>
+                  <a:txBody>
+                    <a:bodyPr/>
+                    <a:lstStyle/>
+                    <a:p>
+                      <a:pPr>
+                        <a:defRPr sz="1000"/>
+                      </a:pPr>
+                      <a:r>
+                        <a:t>178</a:t>
+                      </a:r>
+                    </a:p>
+                  </a:txBody>
+                  <a:tcPr/>
+                </a:tc>
+                <a:tc>
+                  <a:txBody>
+                    <a:bodyPr/>
+                    <a:lstStyle/>
+                    <a:p>
+                      <a:pPr>
+                        <a:defRPr sz="1000"/>
+                      </a:pPr>
+                      <a:r>
+                        <a:t>4.0</a:t>
+                      </a:r>
+                    </a:p>
+                  </a:txBody>
+                  <a:tcPr/>
+                </a:tc>
+              </a:tr>
+              <a:tr h="195942">
+                <a:tc>
+                  <a:txBody>
+                    <a:bodyPr/>
+                    <a:lstStyle/>
+                    <a:p>
+                      <a:pPr>
+                        <a:defRPr sz="1000"/>
+                      </a:pPr>
+                      <a:r>
+                        <a:t>gw-2580</a:t>
+                      </a:r>
+                    </a:p>
+                  </a:txBody>
+                  <a:tcPr/>
+                </a:tc>
+                <a:tc>
+                  <a:txBody>
+                    <a:bodyPr/>
+                    <a:lstStyle/>
+                    <a:p>
+                      <a:pPr>
+                        <a:defRPr sz="1000"/>
+                      </a:pPr>
+                      <a:r>
+                        <a:t>Not Clinically Relevant</a:t>
+                      </a:r>
+                    </a:p>
+                  </a:txBody>
+                  <a:tcPr/>
+                </a:tc>
+                <a:tc>
+                  <a:txBody>
+                    <a:bodyPr/>
+                    <a:lstStyle/>
+                    <a:p>
+                      <a:pPr>
+                        <a:defRPr sz="1000"/>
+                      </a:pPr>
+                      <a:r>
+                        <a:t>+...</a:t>
+                      </a:r>
+                    </a:p>
+                  </a:txBody>
+                  <a:tcPr/>
+                </a:tc>
+                <a:tc>
+                  <a:txBody>
+                    <a:bodyPr/>
+                    <a:lstStyle/>
+                    <a:p>
+                      <a:pPr>
+                        <a:defRPr sz="1000"/>
+                      </a:pPr>
+                      <a:r>
+                        <a:t>6</a:t>
+                      </a:r>
+                    </a:p>
+                  </a:txBody>
+                  <a:tcPr/>
+                </a:tc>
+                <a:tc>
+                  <a:txBody>
+                    <a:bodyPr/>
+                    <a:lstStyle/>
+                    <a:p>
+                      <a:pPr>
+                        <a:defRPr sz="1000"/>
+                      </a:pPr>
+                      <a:r>
+                        <a:t>179</a:t>
+                      </a:r>
+                    </a:p>
+                  </a:txBody>
+                  <a:tcPr/>
+                </a:tc>
+                <a:tc>
+                  <a:txBody>
+                    <a:bodyPr/>
+                    <a:lstStyle/>
+                    <a:p>
+                      <a:pPr>
+                        <a:defRPr sz="1000"/>
+                      </a:pPr>
+                      <a:r>
+                        <a:t>6.0</a:t>
+                      </a:r>
+                    </a:p>
+                  </a:txBody>
+                  <a:tcPr/>
+                </a:tc>
+              </a:tr>
+              <a:tr h="195942">
+                <a:tc>
+                  <a:txBody>
+                    <a:bodyPr/>
+                    <a:lstStyle/>
+                    <a:p>
+                      <a:pPr>
+                        <a:defRPr sz="1000"/>
+                      </a:pPr>
+                      <a:r>
+                        <a:t>gsk429286a</a:t>
+                      </a:r>
+                    </a:p>
+                  </a:txBody>
+                  <a:tcPr/>
+                </a:tc>
+                <a:tc>
+                  <a:txBody>
+                    <a:bodyPr/>
+                    <a:lstStyle/>
+                    <a:p>
+                      <a:pPr>
+                        <a:defRPr sz="1000"/>
+                      </a:pPr>
+                      <a:r>
+                        <a:t>Not Clinically Relevant</a:t>
+                      </a:r>
+                    </a:p>
+                  </a:txBody>
+                  <a:tcPr/>
+                </a:tc>
+                <a:tc>
+                  <a:txBody>
+                    <a:bodyPr/>
+                    <a:lstStyle/>
+                    <a:p>
+                      <a:pPr>
+                        <a:defRPr sz="1000"/>
+                      </a:pPr>
+                      <a:r>
+                        <a:t>+...</a:t>
+                      </a:r>
+                    </a:p>
+                  </a:txBody>
+                  <a:tcPr/>
+                </a:tc>
+                <a:tc>
+                  <a:txBody>
+                    <a:bodyPr/>
+                    <a:lstStyle/>
+                    <a:p>
+                      <a:pPr>
+                        <a:defRPr sz="1000"/>
+                      </a:pPr>
+                      <a:r>
+                        <a:t>7</a:t>
+                      </a:r>
+                    </a:p>
+                  </a:txBody>
+                  <a:tcPr/>
+                </a:tc>
+                <a:tc>
+                  <a:txBody>
+                    <a:bodyPr/>
+                    <a:lstStyle/>
+                    <a:p>
+                      <a:pPr>
+                        <a:defRPr sz="1000"/>
+                      </a:pPr>
+                      <a:r>
+                        <a:t>180</a:t>
+                      </a:r>
+                    </a:p>
+                  </a:txBody>
+                  <a:tcPr/>
+                </a:tc>
+                <a:tc>
+                  <a:txBody>
+                    <a:bodyPr/>
+                    <a:lstStyle/>
+                    <a:p>
+                      <a:pPr>
+                        <a:defRPr sz="1000"/>
+                      </a:pPr>
+                      <a:r>
+                        <a:t>7.0</a:t>
+                      </a:r>
+                    </a:p>
+                  </a:txBody>
+                  <a:tcPr/>
+                </a:tc>
+              </a:tr>
+              <a:tr h="195942">
+                <a:tc>
+                  <a:txBody>
+                    <a:bodyPr/>
+                    <a:lstStyle/>
+                    <a:p>
+                      <a:pPr>
+                        <a:defRPr sz="1000"/>
+                      </a:pPr>
+                      <a:r>
+                        <a:t>floxuridine</a:t>
+                      </a:r>
+                    </a:p>
+                  </a:txBody>
+                  <a:tcPr/>
+                </a:tc>
+                <a:tc>
+                  <a:txBody>
+                    <a:bodyPr/>
+                    <a:lstStyle/>
+                    <a:p>
+                      <a:pPr>
+                        <a:defRPr sz="1000"/>
+                      </a:pPr>
+                      <a:r>
+                        <a:t>antimetabolite,  catabolized to 5-fluorouracil</a:t>
+                      </a:r>
+                    </a:p>
+                  </a:txBody>
+                  <a:tcPr/>
+                </a:tc>
+                <a:tc>
+                  <a:txBody>
+                    <a:bodyPr/>
+                    <a:lstStyle/>
+                    <a:p>
+                      <a:pPr>
+                        <a:defRPr sz="1000"/>
+                      </a:pPr>
+                      <a:r>
+                        <a:t>...++</a:t>
+                      </a:r>
+                    </a:p>
+                  </a:txBody>
+                  <a:tcPr/>
+                </a:tc>
+                <a:tc>
+                  <a:txBody>
+                    <a:bodyPr/>
+                    <a:lstStyle/>
+                    <a:p>
+                      <a:pPr>
+                        <a:defRPr sz="1000"/>
+                      </a:pPr>
+                      <a:r>
+                        <a:t>677</a:t>
+                      </a:r>
+                    </a:p>
+                  </a:txBody>
+                  <a:tcPr/>
+                </a:tc>
+                <a:tc>
+                  <a:txBody>
+                    <a:bodyPr/>
+                    <a:lstStyle/>
+                    <a:p>
+                      <a:pPr>
+                        <a:defRPr sz="1000"/>
+                      </a:pPr>
+                      <a:r>
+                        <a:t>8</a:t>
+                      </a:r>
+                    </a:p>
+                  </a:txBody>
+                  <a:tcPr/>
+                </a:tc>
+                <a:tc>
+                  <a:txBody>
+                    <a:bodyPr/>
+                    <a:lstStyle/>
+                    <a:p>
+                      <a:pPr>
+                        <a:defRPr sz="1000"/>
+                      </a:pPr>
+                      <a:r>
+                        <a:t>8.0</a:t>
+                      </a:r>
+                    </a:p>
+                  </a:txBody>
+                  <a:tcPr/>
+                </a:tc>
+              </a:tr>
+              <a:tr h="195942">
+                <a:tc>
+                  <a:txBody>
+                    <a:bodyPr/>
+                    <a:lstStyle/>
+                    <a:p>
+                      <a:pPr>
+                        <a:defRPr sz="1000"/>
+                      </a:pPr>
+                      <a:r>
+                        <a:t>tubastatin a</a:t>
+                      </a:r>
+                    </a:p>
+                  </a:txBody>
+                  <a:tcPr/>
+                </a:tc>
+                <a:tc>
+                  <a:txBody>
+                    <a:bodyPr/>
+                    <a:lstStyle/>
+                    <a:p>
+                      <a:pPr>
+                        <a:defRPr sz="1000"/>
+                      </a:pPr>
+                      <a:r>
+                        <a:t>Not Clinically Relevant</a:t>
+                      </a:r>
+                    </a:p>
+                  </a:txBody>
+                  <a:tcPr/>
+                </a:tc>
+                <a:tc>
+                  <a:txBody>
+                    <a:bodyPr/>
+                    <a:lstStyle/>
+                    <a:p>
+                      <a:pPr>
+                        <a:defRPr sz="1000"/>
+                      </a:pPr>
+                      <a:r>
+                        <a:t>++..</a:t>
+                      </a:r>
+                    </a:p>
+                  </a:txBody>
+                  <a:tcPr/>
+                </a:tc>
+                <a:tc>
+                  <a:txBody>
+                    <a:bodyPr/>
+                    <a:lstStyle/>
+                    <a:p>
+                      <a:pPr>
+                        <a:defRPr sz="1000"/>
+                      </a:pPr>
+                      <a:r>
+                        <a:t>8</a:t>
+                      </a:r>
+                    </a:p>
+                  </a:txBody>
+                  <a:tcPr/>
+                </a:tc>
+                <a:tc>
+                  <a:txBody>
+                    <a:bodyPr/>
+                    <a:lstStyle/>
+                    <a:p>
+                      <a:pPr>
+                        <a:defRPr sz="1000"/>
+                      </a:pPr>
+                      <a:r>
+                        <a:t>181</a:t>
+                      </a:r>
+                    </a:p>
+                  </a:txBody>
+                  <a:tcPr/>
+                </a:tc>
+                <a:tc>
+                  <a:txBody>
+                    <a:bodyPr/>
+                    <a:lstStyle/>
+                    <a:p>
+                      <a:pPr>
+                        <a:defRPr sz="1000"/>
+                      </a:pPr>
+                      <a:r>
+                        <a:t>8.0</a:t>
+                      </a:r>
+                    </a:p>
+                  </a:txBody>
+                  <a:tcPr/>
+                </a:tc>
+              </a:tr>
+              <a:tr h="195942">
+                <a:tc>
+                  <a:txBody>
+                    <a:bodyPr/>
+                    <a:lstStyle/>
+                    <a:p>
+                      <a:pPr>
+                        <a:defRPr sz="1000"/>
+                      </a:pPr>
+                      <a:r>
+                        <a:t>bx-912</a:t>
+                      </a:r>
+                    </a:p>
+                  </a:txBody>
+                  <a:tcPr/>
+                </a:tc>
+                <a:tc>
+                  <a:txBody>
+                    <a:bodyPr/>
+                    <a:lstStyle/>
+                    <a:p>
+                      <a:pPr>
+                        <a:defRPr sz="1000"/>
+                      </a:pPr>
+                      <a:r>
+                        <a:t>Not Clinically Relevant</a:t>
+                      </a:r>
+                    </a:p>
+                  </a:txBody>
+                  <a:tcPr/>
+                </a:tc>
+                <a:tc>
+                  <a:txBody>
+                    <a:bodyPr/>
+                    <a:lstStyle/>
+                    <a:p>
+                      <a:pPr>
+                        <a:defRPr sz="1000"/>
+                      </a:pPr>
+                      <a:r>
+                        <a:t>+...</a:t>
+                      </a:r>
+                    </a:p>
+                  </a:txBody>
+                  <a:tcPr/>
+                </a:tc>
+                <a:tc>
+                  <a:txBody>
+                    <a:bodyPr/>
+                    <a:lstStyle/>
+                    <a:p>
+                      <a:pPr>
+                        <a:defRPr sz="1000"/>
+                      </a:pPr>
+                      <a:r>
+                        <a:t>9</a:t>
+                      </a:r>
+                    </a:p>
+                  </a:txBody>
+                  <a:tcPr/>
+                </a:tc>
+                <a:tc>
+                  <a:txBody>
+                    <a:bodyPr/>
+                    <a:lstStyle/>
+                    <a:p>
+                      <a:pPr>
+                        <a:defRPr sz="1000"/>
+                      </a:pPr>
+                      <a:r>
+                        <a:t>182</a:t>
+                      </a:r>
+                    </a:p>
+                  </a:txBody>
+                  <a:tcPr/>
+                </a:tc>
+                <a:tc>
+                  <a:txBody>
+                    <a:bodyPr/>
+                    <a:lstStyle/>
+                    <a:p>
+                      <a:pPr>
+                        <a:defRPr sz="1000"/>
+                      </a:pPr>
+                      <a:r>
+                        <a:t>9.0</a:t>
+                      </a:r>
+                    </a:p>
+                  </a:txBody>
+                  <a:tcPr/>
+                </a:tc>
+              </a:tr>
+              <a:tr h="195942">
+                <a:tc>
+                  <a:txBody>
+                    <a:bodyPr/>
+                    <a:lstStyle/>
+                    <a:p>
+                      <a:pPr>
+                        <a:defRPr sz="1000"/>
+                      </a:pPr>
+                      <a:r>
+                        <a:t>vx-702</a:t>
+                      </a:r>
+                    </a:p>
+                  </a:txBody>
+                  <a:tcPr/>
+                </a:tc>
+                <a:tc>
+                  <a:txBody>
+                    <a:bodyPr/>
+                    <a:lstStyle/>
+                    <a:p>
+                      <a:pPr>
+                        <a:defRPr sz="1000"/>
+                      </a:pPr>
+                      <a:r>
+                        <a:t>Not Clinically Relevant</a:t>
+                      </a:r>
+                    </a:p>
+                  </a:txBody>
+                  <a:tcPr/>
+                </a:tc>
+                <a:tc>
+                  <a:txBody>
+                    <a:bodyPr/>
+                    <a:lstStyle/>
+                    <a:p>
+                      <a:pPr>
+                        <a:defRPr sz="1000"/>
+                      </a:pPr>
+                      <a:r>
+                        <a:t>+...</a:t>
+                      </a:r>
+                    </a:p>
+                  </a:txBody>
+                  <a:tcPr/>
+                </a:tc>
+                <a:tc>
+                  <a:txBody>
+                    <a:bodyPr/>
+                    <a:lstStyle/>
+                    <a:p>
+                      <a:pPr>
+                        <a:defRPr sz="1000"/>
+                      </a:pPr>
+                      <a:r>
+                        <a:t>10</a:t>
+                      </a:r>
+                    </a:p>
+                  </a:txBody>
+                  <a:tcPr/>
+                </a:tc>
+                <a:tc>
+                  <a:txBody>
+                    <a:bodyPr/>
+                    <a:lstStyle/>
+                    <a:p>
+                      <a:pPr>
+                        <a:defRPr sz="1000"/>
+                      </a:pPr>
+                      <a:r>
+                        <a:t>183</a:t>
+                      </a:r>
+                    </a:p>
+                  </a:txBody>
+                  <a:tcPr/>
+                </a:tc>
+                <a:tc>
+                  <a:txBody>
+                    <a:bodyPr/>
+                    <a:lstStyle/>
+                    <a:p>
+                      <a:pPr>
+                        <a:defRPr sz="1000"/>
+                      </a:pPr>
+                      <a:r>
+                        <a:t>10.0</a:t>
+                      </a:r>
+                    </a:p>
+                  </a:txBody>
+                  <a:tcPr/>
+                </a:tc>
+              </a:tr>
+              <a:tr h="195942">
+                <a:tc>
+                  <a:txBody>
+                    <a:bodyPr/>
+                    <a:lstStyle/>
+                    <a:p>
+                      <a:pPr>
+                        <a:defRPr sz="1000"/>
+                      </a:pPr>
+                      <a:r>
+                        <a:t>xmd14-99</a:t>
+                      </a:r>
+                    </a:p>
+                  </a:txBody>
+                  <a:tcPr/>
+                </a:tc>
+                <a:tc>
+                  <a:txBody>
+                    <a:bodyPr/>
+                    <a:lstStyle/>
+                    <a:p>
+                      <a:pPr>
+                        <a:defRPr sz="1000"/>
+                      </a:pPr>
+                      <a:r>
+                        <a:t>Not Clinically Relevant</a:t>
+                      </a:r>
+                    </a:p>
+                  </a:txBody>
+                  <a:tcPr/>
+                </a:tc>
+                <a:tc>
+                  <a:txBody>
+                    <a:bodyPr/>
+                    <a:lstStyle/>
+                    <a:p>
+                      <a:pPr>
+                        <a:defRPr sz="1000"/>
+                      </a:pPr>
+                      <a:r>
+                        <a:t>+...</a:t>
+                      </a:r>
+                    </a:p>
+                  </a:txBody>
+                  <a:tcPr/>
+                </a:tc>
+                <a:tc>
+                  <a:txBody>
+                    <a:bodyPr/>
+                    <a:lstStyle/>
+                    <a:p>
+                      <a:pPr>
+                        <a:defRPr sz="1000"/>
+                      </a:pPr>
+                      <a:r>
+                        <a:t>13</a:t>
+                      </a:r>
+                    </a:p>
+                  </a:txBody>
+                  <a:tcPr/>
+                </a:tc>
+                <a:tc>
+                  <a:txBody>
+                    <a:bodyPr/>
+                    <a:lstStyle/>
+                    <a:p>
+                      <a:pPr>
+                        <a:defRPr sz="1000"/>
+                      </a:pPr>
+                      <a:r>
+                        <a:t>184</a:t>
+                      </a:r>
+                    </a:p>
+                  </a:txBody>
+                  <a:tcPr/>
+                </a:tc>
+                <a:tc>
+                  <a:txBody>
+                    <a:bodyPr/>
+                    <a:lstStyle/>
+                    <a:p>
+                      <a:pPr>
+                        <a:defRPr sz="1000"/>
+                      </a:pPr>
+                      <a:r>
+                        <a:t>13.0</a:t>
+                      </a:r>
+                    </a:p>
+                  </a:txBody>
+                  <a:tcPr/>
+                </a:tc>
+              </a:tr>
+              <a:tr h="195942">
+                <a:tc>
+                  <a:txBody>
+                    <a:bodyPr/>
+                    <a:lstStyle/>
+                    <a:p>
+                      <a:pPr>
+                        <a:defRPr sz="1000"/>
+                      </a:pPr>
+                      <a:r>
+                        <a:t>amsacrine</a:t>
+                      </a:r>
+                    </a:p>
+                  </a:txBody>
+                  <a:tcPr/>
+                </a:tc>
+                <a:tc>
+                  <a:txBody>
+                    <a:bodyPr/>
+                    <a:lstStyle/>
+                    <a:p>
+                      <a:pPr>
+                        <a:defRPr sz="1000"/>
+                      </a:pPr>
+                      <a:r>
+                        <a:t>Intercalator, inhibits Topo II and blocks both DNA replication and transcription, used in ALL</a:t>
+                      </a:r>
+                    </a:p>
+                  </a:txBody>
+                  <a:tcPr/>
+                </a:tc>
+                <a:tc>
+                  <a:txBody>
+                    <a:bodyPr/>
+                    <a:lstStyle/>
+                    <a:p>
+                      <a:pPr>
+                        <a:defRPr sz="1000"/>
+                      </a:pPr>
+                      <a:r>
+                        <a:t>...+</a:t>
+                      </a:r>
+                    </a:p>
+                  </a:txBody>
+                  <a:tcPr/>
+                </a:tc>
+                <a:tc>
+                  <a:txBody>
+                    <a:bodyPr/>
+                    <a:lstStyle/>
+                    <a:p>
+                      <a:pPr>
+                        <a:defRPr sz="1000"/>
+                      </a:pPr>
+                      <a:r>
+                        <a:t>678</a:t>
+                      </a:r>
+                    </a:p>
+                  </a:txBody>
+                  <a:tcPr/>
+                </a:tc>
+                <a:tc>
+                  <a:txBody>
+                    <a:bodyPr/>
+                    <a:lstStyle/>
+                    <a:p>
+                      <a:pPr>
+                        <a:defRPr sz="1000"/>
+                      </a:pPr>
+                      <a:r>
+                        <a:t>14</a:t>
+                      </a:r>
+                    </a:p>
+                  </a:txBody>
+                  <a:tcPr/>
+                </a:tc>
+                <a:tc>
+                  <a:txBody>
+                    <a:bodyPr/>
+                    <a:lstStyle/>
+                    <a:p>
+                      <a:pPr>
+                        <a:defRPr sz="1000"/>
+                      </a:pPr>
+                      <a:r>
+                        <a:t>14.0</a:t>
+                      </a:r>
+                    </a:p>
+                  </a:txBody>
+                  <a:tcPr/>
+                </a:tc>
+              </a:tr>
+              <a:tr h="195942">
+                <a:tc>
+                  <a:txBody>
+                    <a:bodyPr/>
+                    <a:lstStyle/>
+                    <a:p>
+                      <a:pPr>
+                        <a:defRPr sz="1000"/>
+                      </a:pPr>
+                      <a:r>
+                        <a:t>hg-5-88-01</a:t>
+                      </a:r>
+                    </a:p>
+                  </a:txBody>
+                  <a:tcPr/>
+                </a:tc>
+                <a:tc>
+                  <a:txBody>
+                    <a:bodyPr/>
+                    <a:lstStyle/>
+                    <a:p>
+                      <a:pPr>
+                        <a:defRPr sz="1000"/>
+                      </a:pPr>
+                      <a:r>
+                        <a:t>Not Clinically Relevant</a:t>
+                      </a:r>
+                    </a:p>
+                  </a:txBody>
+                  <a:tcPr/>
+                </a:tc>
+                <a:tc>
+                  <a:txBody>
+                    <a:bodyPr/>
+                    <a:lstStyle/>
+                    <a:p>
+                      <a:pPr>
+                        <a:defRPr sz="1000"/>
+                      </a:pPr>
+                      <a:r>
+                        <a:t>+...</a:t>
+                      </a:r>
+                    </a:p>
+                  </a:txBody>
+                  <a:tcPr/>
+                </a:tc>
+                <a:tc>
+                  <a:txBody>
+                    <a:bodyPr/>
+                    <a:lstStyle/>
+                    <a:p>
+                      <a:pPr>
+                        <a:defRPr sz="1000"/>
+                      </a:pPr>
+                      <a:r>
+                        <a:t>15</a:t>
+                      </a:r>
+                    </a:p>
+                  </a:txBody>
+                  <a:tcPr/>
+                </a:tc>
+                <a:tc>
+                  <a:txBody>
+                    <a:bodyPr/>
+                    <a:lstStyle/>
+                    <a:p>
+                      <a:pPr>
+                        <a:defRPr sz="1000"/>
+                      </a:pPr>
+                      <a:r>
+                        <a:t>185</a:t>
+                      </a:r>
+                    </a:p>
+                  </a:txBody>
+                  <a:tcPr/>
+                </a:tc>
+                <a:tc>
+                  <a:txBody>
+                    <a:bodyPr/>
+                    <a:lstStyle/>
+                    <a:p>
+                      <a:pPr>
+                        <a:defRPr sz="1000"/>
+                      </a:pPr>
+                      <a:r>
+                        <a:t>15.0</a:t>
+                      </a:r>
+                    </a:p>
+                  </a:txBody>
+                  <a:tcPr/>
+                </a:tc>
+              </a:tr>
+              <a:tr h="195942">
+                <a:tc>
+                  <a:txBody>
+                    <a:bodyPr/>
+                    <a:lstStyle/>
+                    <a:p>
+                      <a:pPr>
+                        <a:defRPr sz="1000"/>
+                      </a:pPr>
+                      <a:r>
+                        <a:t>amuvatinib</a:t>
+                      </a:r>
+                    </a:p>
+                  </a:txBody>
+                  <a:tcPr/>
+                </a:tc>
+                <a:tc>
+                  <a:txBody>
+                    <a:bodyPr/>
+                    <a:lstStyle/>
+                    <a:p>
+                      <a:pPr>
+                        <a:defRPr sz="1000"/>
+                      </a:pPr>
+                      <a:r>
+                        <a:t>Not Clinically Relevant</a:t>
+                      </a:r>
+                    </a:p>
+                  </a:txBody>
+                  <a:tcPr/>
+                </a:tc>
+                <a:tc>
+                  <a:txBody>
+                    <a:bodyPr/>
+                    <a:lstStyle/>
+                    <a:p>
+                      <a:pPr>
+                        <a:defRPr sz="1000"/>
+                      </a:pPr>
+                      <a:r>
+                        <a:t>+...</a:t>
+                      </a:r>
+                    </a:p>
+                  </a:txBody>
+                  <a:tcPr/>
+                </a:tc>
+                <a:tc>
+                  <a:txBody>
+                    <a:bodyPr/>
+                    <a:lstStyle/>
+                    <a:p>
+                      <a:pPr>
+                        <a:defRPr sz="1000"/>
+                      </a:pPr>
+                      <a:r>
+                        <a:t>16</a:t>
+                      </a:r>
+                    </a:p>
+                  </a:txBody>
+                  <a:tcPr/>
+                </a:tc>
+                <a:tc>
+                  <a:txBody>
+                    <a:bodyPr/>
+                    <a:lstStyle/>
+                    <a:p>
+                      <a:pPr>
+                        <a:defRPr sz="1000"/>
+                      </a:pPr>
+                      <a:r>
+                        <a:t>186</a:t>
+                      </a:r>
+                    </a:p>
+                  </a:txBody>
+                  <a:tcPr/>
+                </a:tc>
+                <a:tc>
+                  <a:txBody>
+                    <a:bodyPr/>
+                    <a:lstStyle/>
+                    <a:p>
+                      <a:pPr>
+                        <a:defRPr sz="1000"/>
+                      </a:pPr>
+                      <a:r>
+                        <a:t>16.0</a:t>
+                      </a:r>
+                    </a:p>
+                  </a:txBody>
+                  <a:tcPr/>
+                </a:tc>
+              </a:tr>
+              <a:tr h="195942">
+                <a:tc>
+                  <a:txBody>
+                    <a:bodyPr/>
+                    <a:lstStyle/>
+                    <a:p>
+                      <a:pPr>
+                        <a:defRPr sz="1000"/>
+                      </a:pPr>
+                      <a:r>
+                        <a:t>xmd13-2</a:t>
+                      </a:r>
+                    </a:p>
+                  </a:txBody>
+                  <a:tcPr/>
+                </a:tc>
+                <a:tc>
+                  <a:txBody>
+                    <a:bodyPr/>
+                    <a:lstStyle/>
+                    <a:p>
+                      <a:pPr>
+                        <a:defRPr sz="1000"/>
+                      </a:pPr>
+                      <a:r>
+                        <a:t>Not Clinically Relevant</a:t>
+                      </a:r>
+                    </a:p>
+                  </a:txBody>
+                  <a:tcPr/>
+                </a:tc>
+                <a:tc>
+                  <a:txBody>
+                    <a:bodyPr/>
+                    <a:lstStyle/>
+                    <a:p>
+                      <a:pPr>
+                        <a:defRPr sz="1000"/>
+                      </a:pPr>
+                      <a:r>
+                        <a:t>+...</a:t>
+                      </a:r>
+                    </a:p>
+                  </a:txBody>
+                  <a:tcPr/>
+                </a:tc>
+                <a:tc>
+                  <a:txBody>
+                    <a:bodyPr/>
+                    <a:lstStyle/>
+                    <a:p>
+                      <a:pPr>
+                        <a:defRPr sz="1000"/>
+                      </a:pPr>
+                      <a:r>
+                        <a:t>17</a:t>
+                      </a:r>
+                    </a:p>
+                  </a:txBody>
+                  <a:tcPr/>
+                </a:tc>
+                <a:tc>
+                  <a:txBody>
+                    <a:bodyPr/>
+                    <a:lstStyle/>
+                    <a:p>
+                      <a:pPr>
+                        <a:defRPr sz="1000"/>
+                      </a:pPr>
+                      <a:r>
+                        <a:t>187</a:t>
+                      </a:r>
+                    </a:p>
+                  </a:txBody>
+                  <a:tcPr/>
+                </a:tc>
+                <a:tc>
+                  <a:txBody>
+                    <a:bodyPr/>
+                    <a:lstStyle/>
+                    <a:p>
+                      <a:pPr>
+                        <a:defRPr sz="1000"/>
+                      </a:pPr>
+                      <a:r>
+                        <a:t>17.0</a:t>
+                      </a:r>
+                    </a:p>
+                  </a:txBody>
+                  <a:tcPr/>
+                </a:tc>
+              </a:tr>
+              <a:tr h="195942">
+                <a:tc>
+                  <a:txBody>
+                    <a:bodyPr/>
+                    <a:lstStyle/>
+                    <a:p>
+                      <a:pPr>
+                        <a:defRPr sz="1000"/>
+                      </a:pPr>
+                      <a:r>
+                        <a:t>indisulam</a:t>
+                      </a:r>
+                    </a:p>
+                  </a:txBody>
+                  <a:tcPr/>
+                </a:tc>
+                <a:tc>
+                  <a:txBody>
+                    <a:bodyPr/>
+                    <a:lstStyle/>
+                    <a:p>
+                      <a:pPr>
+                        <a:defRPr sz="1000"/>
+                      </a:pPr>
+                      <a:r>
+                        <a:t>carbonic anhydrase inibitor and  CDK inhibitor, targets G1 by depleting cyclin E. inducing p53 and p21, and inhibiting CDK2</a:t>
+                      </a:r>
+                    </a:p>
+                  </a:txBody>
+                  <a:tcPr/>
+                </a:tc>
+                <a:tc>
+                  <a:txBody>
+                    <a:bodyPr/>
+                    <a:lstStyle/>
+                    <a:p>
+                      <a:pPr>
+                        <a:defRPr sz="1000"/>
+                      </a:pPr>
+                      <a:r>
+                        <a:t>.+..</a:t>
+                      </a:r>
+                    </a:p>
+                  </a:txBody>
+                  <a:tcPr/>
+                </a:tc>
+                <a:tc>
+                  <a:txBody>
+                    <a:bodyPr/>
+                    <a:lstStyle/>
+                    <a:p>
+                      <a:pPr>
+                        <a:defRPr sz="1000"/>
+                      </a:pPr>
+                      <a:r>
+                        <a:t>18</a:t>
+                      </a:r>
+                    </a:p>
+                  </a:txBody>
+                  <a:tcPr/>
+                </a:tc>
+                <a:tc>
+                  <a:txBody>
+                    <a:bodyPr/>
+                    <a:lstStyle/>
+                    <a:p>
+                      <a:pPr>
+                        <a:defRPr sz="1000"/>
+                      </a:pPr>
+                      <a:r>
+                        <a:t>188</a:t>
+                      </a:r>
+                    </a:p>
+                  </a:txBody>
+                  <a:tcPr/>
+                </a:tc>
+                <a:tc>
+                  <a:txBody>
+                    <a:bodyPr/>
+                    <a:lstStyle/>
+                    <a:p>
+                      <a:pPr>
+                        <a:defRPr sz="1000"/>
+                      </a:pPr>
+                      <a:r>
+                        <a:t>18.0</a:t>
+                      </a:r>
+                    </a:p>
+                  </a:txBody>
+                  <a:tcPr/>
+                </a:tc>
+              </a:tr>
+              <a:tr h="195960">
+                <a:tc>
+                  <a:txBody>
+                    <a:bodyPr/>
+                    <a:lstStyle/>
+                    <a:p>
+                      <a:pPr>
+                        <a:defRPr sz="1000"/>
+                      </a:pPr>
+                      <a:r>
+                        <a:t>nsc-87877</a:t>
+                      </a:r>
+                    </a:p>
+                  </a:txBody>
+                  <a:tcPr/>
+                </a:tc>
+                <a:tc>
+                  <a:txBody>
+                    <a:bodyPr/>
+                    <a:lstStyle/>
+                    <a:p>
+                      <a:pPr>
+                        <a:defRPr sz="1000"/>
+                      </a:pPr>
+                      <a:r>
+                        <a:t>Not Clinically Relevant</a:t>
+                      </a:r>
+                    </a:p>
+                  </a:txBody>
+                  <a:tcPr/>
+                </a:tc>
+                <a:tc>
+                  <a:txBody>
+                    <a:bodyPr/>
+                    <a:lstStyle/>
+                    <a:p>
+                      <a:pPr>
+                        <a:defRPr sz="1000"/>
+                      </a:pPr>
+                      <a:r>
+                        <a:t>+...</a:t>
+                      </a:r>
+                    </a:p>
+                  </a:txBody>
+                  <a:tcPr/>
+                </a:tc>
+                <a:tc>
+                  <a:txBody>
+                    <a:bodyPr/>
+                    <a:lstStyle/>
+                    <a:p>
+                      <a:pPr>
+                        <a:defRPr sz="1000"/>
+                      </a:pPr>
+                      <a:r>
+                        <a:t>19</a:t>
+                      </a:r>
+                    </a:p>
+                  </a:txBody>
+                  <a:tcPr/>
+                </a:tc>
+                <a:tc>
+                  <a:txBody>
+                    <a:bodyPr/>
+                    <a:lstStyle/>
+                    <a:p>
+                      <a:pPr>
+                        <a:defRPr sz="1000"/>
+                      </a:pPr>
+                      <a:r>
+                        <a:t>189</a:t>
+                      </a:r>
+                    </a:p>
+                  </a:txBody>
+                  <a:tcPr/>
+                </a:tc>
+                <a:tc>
+                  <a:txBody>
+                    <a:bodyPr/>
+                    <a:lstStyle/>
+                    <a:p>
+                      <a:pPr>
+                        <a:defRPr sz="1000"/>
+                      </a:pPr>
+                      <a:r>
+                        <a:t>19.0</a:t>
+                      </a:r>
+                    </a:p>
+                  </a:txBody>
+                  <a:tcPr/>
+                </a:tc>
+              </a:tr>
+            </a:tbl>
+          </a:graphicData>
+        </a:graphic>
+      </p:graphicFrame>
+    </p:spTree>
+  </p:cSld>
+  <p:clrMapOvr>
+    <a:masterClrMapping/>
+  </p:clrMapOvr>
+</p:sld>
+</file>
+
+<file path=ppt/slides/slide32.xml><?xml version="1.0" encoding="utf-8"?>
+<p:sld xmlns:a="http://schemas.openxmlformats.org/drawingml/2006/main" xmlns:p="http://schemas.openxmlformats.org/presentationml/2006/main" xmlns:r="http://schemas.openxmlformats.org/officeDocument/2006/relationships">
+  <p:cSld>
+    <p:spTree>
+      <p:nvGrpSpPr>
+        <p:cNvPr id="1" name=""/>
+        <p:cNvGrpSpPr/>
+        <p:nvPr/>
+      </p:nvGrpSpPr>
+      <p:grpSpPr/>
+      <p:sp>
+        <p:nvSpPr>
+          <p:cNvPr id="2" name="TextBox 1"/>
+          <p:cNvSpPr txBox="1"/>
+          <p:nvPr/>
+        </p:nvSpPr>
+        <p:spPr>
+          <a:xfrm>
+            <a:off x="0" y="0"/>
+            <a:ext cx="9144000" cy="685800"/>
+          </a:xfrm>
+          <a:prstGeom prst="rect">
+            <a:avLst/>
+          </a:prstGeom>
+          <a:noFill/>
+        </p:spPr>
+        <p:txBody>
+          <a:bodyPr wrap="none">
+            <a:spAutoFit/>
+          </a:bodyPr>
+          <a:lstStyle/>
+          <a:p/>
+          <a:p>
+            <a:pPr>
+              <a:defRPr sz="2600"/>
+            </a:pPr>
+            <a:r>
+              <a:t>DiSCoVER: top drugs (cerebellar stem cell control)</a:t>
+            </a:r>
+          </a:p>
+        </p:txBody>
+      </p:sp>
+      <p:graphicFrame>
+        <p:nvGraphicFramePr>
+          <p:cNvPr id="3" name="Table 2"/>
+          <p:cNvGraphicFramePr>
+            <a:graphicFrameLocks noGrp="1"/>
+          </p:cNvGraphicFramePr>
+          <p:nvPr/>
+        </p:nvGraphicFramePr>
+        <p:xfrm>
+          <a:off x="411480" y="777240"/>
+          <a:ext cx="8275320" cy="4114800"/>
+        </p:xfrm>
+        <a:graphic>
+          <a:graphicData uri="http://schemas.openxmlformats.org/drawingml/2006/table">
+            <a:tbl>
+              <a:tblPr firstRow="1" bandRow="1">
+                <a:tableStyleId>{5C22544A-7EE6-4342-B048-85BDC9FD1C3A}</a:tableStyleId>
+              </a:tblPr>
+              <a:tblGrid>
+                <a:gridCol w="1005840"/>
+                <a:gridCol w="731520"/>
+                <a:gridCol w="1051560"/>
+                <a:gridCol w="5486400"/>
+              </a:tblGrid>
+              <a:tr h="195942">
+                <a:tc>
+                  <a:txBody>
+                    <a:bodyPr/>
+                    <a:lstStyle/>
+                    <a:p>
+                      <a:r>
+                        <a:t>Drug</a:t>
+                      </a:r>
+                    </a:p>
+                  </a:txBody>
+                  <a:tcPr/>
+                </a:tc>
+                <a:tc>
+                  <a:txBody>
+                    <a:bodyPr/>
+                    <a:lstStyle/>
+                    <a:p>
+                      <a:r>
+                        <a:t>Score</a:t>
+                      </a:r>
+                    </a:p>
+                  </a:txBody>
+                  <a:tcPr/>
+                </a:tc>
+                <a:tc>
+                  <a:txBody>
+                    <a:bodyPr/>
+                    <a:lstStyle/>
+                    <a:p>
+                      <a:r>
+                        <a:t>Evidence</a:t>
+                      </a:r>
+                    </a:p>
+                  </a:txBody>
+                  <a:tcPr/>
+                </a:tc>
+                <a:tc>
+                  <a:txBody>
+                    <a:bodyPr/>
+                    <a:lstStyle/>
+                    <a:p>
+                      <a:r>
+                        <a:t>Mechanism of action</a:t>
+                      </a:r>
+                    </a:p>
+                  </a:txBody>
+                  <a:tcPr/>
+                </a:tc>
+              </a:tr>
+              <a:tr h="195942">
+                <a:tc>
+                  <a:txBody>
+                    <a:bodyPr/>
+                    <a:lstStyle/>
+                    <a:p>
+                      <a:pPr>
+                        <a:defRPr sz="1050"/>
+                      </a:pPr>
+                      <a:r>
+                        <a:t>tl-2-105</a:t>
+                      </a:r>
+                    </a:p>
+                  </a:txBody>
+                  <a:tcPr/>
+                </a:tc>
+                <a:tc>
+                  <a:txBody>
+                    <a:bodyPr/>
+                    <a:lstStyle/>
+                    <a:p>
+                      <a:pPr>
+                        <a:defRPr sz="1050"/>
+                      </a:pPr>
+                      <a:r>
+                        <a:t>0.65</a:t>
+                      </a:r>
+                    </a:p>
+                  </a:txBody>
+                  <a:tcPr/>
+                </a:tc>
+                <a:tc>
+                  <a:txBody>
+                    <a:bodyPr/>
+                    <a:lstStyle/>
+                    <a:p>
+                      <a:pPr>
+                        <a:defRPr sz="1050"/>
+                      </a:pPr>
+                      <a:r>
+                        <a:t>+..</a:t>
+                      </a:r>
+                    </a:p>
+                  </a:txBody>
+                  <a:tcPr/>
+                </a:tc>
+                <a:tc>
+                  <a:txBody>
+                    <a:bodyPr/>
+                    <a:lstStyle/>
+                    <a:p>
+                      <a:pPr>
+                        <a:defRPr sz="1050"/>
+                      </a:pPr>
+                      <a:r>
+                        <a:t>Not Clinically Relevant</a:t>
+                      </a:r>
+                    </a:p>
+                  </a:txBody>
+                  <a:tcPr/>
+                </a:tc>
+              </a:tr>
+              <a:tr h="195942">
+                <a:tc>
+                  <a:txBody>
+                    <a:bodyPr/>
+                    <a:lstStyle/>
+                    <a:p>
+                      <a:pPr>
+                        <a:defRPr sz="1050"/>
+                      </a:pPr>
+                      <a:r>
+                        <a:t>sb52334</a:t>
+                      </a:r>
+                    </a:p>
+                  </a:txBody>
+                  <a:tcPr/>
+                </a:tc>
+                <a:tc>
+                  <a:txBody>
+                    <a:bodyPr/>
+                    <a:lstStyle/>
+                    <a:p>
+                      <a:pPr>
+                        <a:defRPr sz="1050"/>
+                      </a:pPr>
+                      <a:r>
+                        <a:t>0.62</a:t>
+                      </a:r>
+                    </a:p>
+                  </a:txBody>
+                  <a:tcPr/>
+                </a:tc>
+                <a:tc>
+                  <a:txBody>
+                    <a:bodyPr/>
+                    <a:lstStyle/>
+                    <a:p>
+                      <a:pPr>
+                        <a:defRPr sz="1050"/>
+                      </a:pPr>
+                      <a:r>
+                        <a:t>+..</a:t>
+                      </a:r>
+                    </a:p>
+                  </a:txBody>
+                  <a:tcPr/>
+                </a:tc>
+                <a:tc>
+                  <a:txBody>
+                    <a:bodyPr/>
+                    <a:lstStyle/>
+                    <a:p>
+                      <a:pPr>
+                        <a:defRPr sz="1050"/>
+                      </a:pPr>
+                      <a:r>
+                        <a:t>Not Clinically Relevant</a:t>
+                      </a:r>
+                    </a:p>
+                  </a:txBody>
+                  <a:tcPr/>
+                </a:tc>
+              </a:tr>
+              <a:tr h="195942">
+                <a:tc>
+                  <a:txBody>
+                    <a:bodyPr/>
+                    <a:lstStyle/>
+                    <a:p>
+                      <a:pPr>
+                        <a:defRPr sz="1050"/>
+                      </a:pPr>
+                      <a:r>
+                        <a:t>gsk1070916</a:t>
+                      </a:r>
+                    </a:p>
+                  </a:txBody>
+                  <a:tcPr/>
+                </a:tc>
+                <a:tc>
+                  <a:txBody>
+                    <a:bodyPr/>
+                    <a:lstStyle/>
+                    <a:p>
+                      <a:pPr>
+                        <a:defRPr sz="1050"/>
+                      </a:pPr>
+                      <a:r>
+                        <a:t>0.61</a:t>
+                      </a:r>
+                    </a:p>
+                  </a:txBody>
+                  <a:tcPr/>
+                </a:tc>
+                <a:tc>
+                  <a:txBody>
+                    <a:bodyPr/>
+                    <a:lstStyle/>
+                    <a:p>
+                      <a:pPr>
+                        <a:defRPr sz="1050"/>
+                      </a:pPr>
+                      <a:r>
+                        <a:t>+..</a:t>
+                      </a:r>
+                    </a:p>
+                  </a:txBody>
+                  <a:tcPr/>
+                </a:tc>
+                <a:tc>
+                  <a:txBody>
+                    <a:bodyPr/>
+                    <a:lstStyle/>
+                    <a:p>
+                      <a:pPr>
+                        <a:defRPr sz="1050"/>
+                      </a:pPr>
+                      <a:r>
+                        <a:t>Not Clinically Relevant</a:t>
+                      </a:r>
+                    </a:p>
+                  </a:txBody>
+                  <a:tcPr/>
+                </a:tc>
+              </a:tr>
+              <a:tr h="195942">
+                <a:tc>
+                  <a:txBody>
+                    <a:bodyPr/>
+                    <a:lstStyle/>
+                    <a:p>
+                      <a:pPr>
+                        <a:defRPr sz="1050"/>
+                      </a:pPr>
+                      <a:r>
+                        <a:t>ql-xii-61</a:t>
+                      </a:r>
+                    </a:p>
+                  </a:txBody>
+                  <a:tcPr/>
+                </a:tc>
+                <a:tc>
+                  <a:txBody>
+                    <a:bodyPr/>
+                    <a:lstStyle/>
+                    <a:p>
+                      <a:pPr>
+                        <a:defRPr sz="1050"/>
+                      </a:pPr>
+                      <a:r>
+                        <a:t>0.59</a:t>
+                      </a:r>
+                    </a:p>
+                  </a:txBody>
+                  <a:tcPr/>
+                </a:tc>
+                <a:tc>
+                  <a:txBody>
+                    <a:bodyPr/>
+                    <a:lstStyle/>
+                    <a:p>
+                      <a:pPr>
+                        <a:defRPr sz="1050"/>
+                      </a:pPr>
+                      <a:r>
+                        <a:t>+..</a:t>
+                      </a:r>
+                    </a:p>
+                  </a:txBody>
+                  <a:tcPr/>
+                </a:tc>
+                <a:tc>
+                  <a:txBody>
+                    <a:bodyPr/>
+                    <a:lstStyle/>
+                    <a:p>
+                      <a:pPr>
+                        <a:defRPr sz="1050"/>
+                      </a:pPr>
+                      <a:r>
+                        <a:t>Not Clinically Relevant</a:t>
+                      </a:r>
+                    </a:p>
+                  </a:txBody>
+                  <a:tcPr/>
+                </a:tc>
+              </a:tr>
+              <a:tr h="195942">
+                <a:tc>
+                  <a:txBody>
+                    <a:bodyPr/>
+                    <a:lstStyle/>
+                    <a:p>
+                      <a:pPr>
+                        <a:defRPr sz="1050"/>
+                      </a:pPr>
+                      <a:r>
+                        <a:t>linsitinib</a:t>
+                      </a:r>
+                    </a:p>
+                  </a:txBody>
+                  <a:tcPr/>
+                </a:tc>
+                <a:tc>
+                  <a:txBody>
+                    <a:bodyPr/>
+                    <a:lstStyle/>
+                    <a:p>
+                      <a:pPr>
+                        <a:defRPr sz="1050"/>
+                      </a:pPr>
+                      <a:r>
+                        <a:t>0.55</a:t>
+                      </a:r>
+                    </a:p>
+                  </a:txBody>
+                  <a:tcPr/>
+                </a:tc>
+                <a:tc>
+                  <a:txBody>
+                    <a:bodyPr/>
+                    <a:lstStyle/>
+                    <a:p>
+                      <a:pPr>
+                        <a:defRPr sz="1050"/>
+                      </a:pPr>
+                      <a:r>
+                        <a:t>++.</a:t>
+                      </a:r>
+                    </a:p>
+                  </a:txBody>
+                  <a:tcPr/>
+                </a:tc>
+                <a:tc>
+                  <a:txBody>
+                    <a:bodyPr/>
+                    <a:lstStyle/>
+                    <a:p>
+                      <a:pPr>
+                        <a:defRPr sz="1050"/>
+                      </a:pPr>
+                      <a:r>
+                        <a:t>IGF-1R inhibitor</a:t>
+                      </a:r>
+                    </a:p>
+                  </a:txBody>
+                  <a:tcPr/>
+                </a:tc>
+              </a:tr>
+              <a:tr h="195942">
+                <a:tc>
+                  <a:txBody>
+                    <a:bodyPr/>
+                    <a:lstStyle/>
+                    <a:p>
+                      <a:pPr>
+                        <a:defRPr sz="1050"/>
+                      </a:pPr>
+                      <a:r>
+                        <a:t>gw-2580</a:t>
+                      </a:r>
+                    </a:p>
+                  </a:txBody>
+                  <a:tcPr/>
+                </a:tc>
+                <a:tc>
+                  <a:txBody>
+                    <a:bodyPr/>
+                    <a:lstStyle/>
+                    <a:p>
+                      <a:pPr>
+                        <a:defRPr sz="1050"/>
+                      </a:pPr>
+                      <a:r>
+                        <a:t>0.55</a:t>
+                      </a:r>
+                    </a:p>
+                  </a:txBody>
+                  <a:tcPr/>
+                </a:tc>
+                <a:tc>
+                  <a:txBody>
+                    <a:bodyPr/>
+                    <a:lstStyle/>
+                    <a:p>
+                      <a:pPr>
+                        <a:defRPr sz="1050"/>
+                      </a:pPr>
+                      <a:r>
+                        <a:t>+..</a:t>
+                      </a:r>
+                    </a:p>
+                  </a:txBody>
+                  <a:tcPr/>
+                </a:tc>
+                <a:tc>
+                  <a:txBody>
+                    <a:bodyPr/>
+                    <a:lstStyle/>
+                    <a:p>
+                      <a:pPr>
+                        <a:defRPr sz="1050"/>
+                      </a:pPr>
+                      <a:r>
+                        <a:t>Not Clinically Relevant</a:t>
+                      </a:r>
+                    </a:p>
+                  </a:txBody>
+                  <a:tcPr/>
+                </a:tc>
+              </a:tr>
+              <a:tr h="195942">
+                <a:tc>
+                  <a:txBody>
+                    <a:bodyPr/>
+                    <a:lstStyle/>
+                    <a:p>
+                      <a:pPr>
+                        <a:defRPr sz="1050"/>
+                      </a:pPr>
+                      <a:r>
+                        <a:t>gsk429286a</a:t>
+                      </a:r>
+                    </a:p>
+                  </a:txBody>
+                  <a:tcPr/>
+                </a:tc>
+                <a:tc>
+                  <a:txBody>
+                    <a:bodyPr/>
+                    <a:lstStyle/>
+                    <a:p>
+                      <a:pPr>
+                        <a:defRPr sz="1050"/>
+                      </a:pPr>
+                      <a:r>
+                        <a:t>0.55</a:t>
+                      </a:r>
+                    </a:p>
+                  </a:txBody>
+                  <a:tcPr/>
+                </a:tc>
+                <a:tc>
+                  <a:txBody>
+                    <a:bodyPr/>
+                    <a:lstStyle/>
+                    <a:p>
+                      <a:pPr>
+                        <a:defRPr sz="1050"/>
+                      </a:pPr>
+                      <a:r>
+                        <a:t>+..</a:t>
+                      </a:r>
+                    </a:p>
+                  </a:txBody>
+                  <a:tcPr/>
+                </a:tc>
+                <a:tc>
+                  <a:txBody>
+                    <a:bodyPr/>
+                    <a:lstStyle/>
+                    <a:p>
+                      <a:pPr>
+                        <a:defRPr sz="1050"/>
+                      </a:pPr>
+                      <a:r>
+                        <a:t>Not Clinically Relevant</a:t>
+                      </a:r>
+                    </a:p>
+                  </a:txBody>
+                  <a:tcPr/>
+                </a:tc>
+              </a:tr>
+              <a:tr h="195942">
+                <a:tc>
+                  <a:txBody>
+                    <a:bodyPr/>
+                    <a:lstStyle/>
+                    <a:p>
+                      <a:pPr>
+                        <a:defRPr sz="1050"/>
+                      </a:pPr>
+                      <a:r>
+                        <a:t>tubastatin a</a:t>
+                      </a:r>
+                    </a:p>
+                  </a:txBody>
+                  <a:tcPr/>
+                </a:tc>
+                <a:tc>
+                  <a:txBody>
+                    <a:bodyPr/>
+                    <a:lstStyle/>
+                    <a:p>
+                      <a:pPr>
+                        <a:defRPr sz="1050"/>
+                      </a:pPr>
+                      <a:r>
+                        <a:t>0.54</a:t>
+                      </a:r>
+                    </a:p>
+                  </a:txBody>
+                  <a:tcPr/>
+                </a:tc>
+                <a:tc>
+                  <a:txBody>
+                    <a:bodyPr/>
+                    <a:lstStyle/>
+                    <a:p>
+                      <a:pPr>
+                        <a:defRPr sz="1050"/>
+                      </a:pPr>
+                      <a:r>
+                        <a:t>++.</a:t>
+                      </a:r>
+                    </a:p>
+                  </a:txBody>
+                  <a:tcPr/>
+                </a:tc>
+                <a:tc>
+                  <a:txBody>
+                    <a:bodyPr/>
+                    <a:lstStyle/>
+                    <a:p>
+                      <a:pPr>
+                        <a:defRPr sz="1050"/>
+                      </a:pPr>
+                      <a:r>
+                        <a:t>Not Clinically Relevant</a:t>
+                      </a:r>
+                    </a:p>
+                  </a:txBody>
+                  <a:tcPr/>
+                </a:tc>
+              </a:tr>
+              <a:tr h="195942">
+                <a:tc>
+                  <a:txBody>
+                    <a:bodyPr/>
+                    <a:lstStyle/>
+                    <a:p>
+                      <a:pPr>
+                        <a:defRPr sz="1050"/>
+                      </a:pPr>
+                      <a:r>
+                        <a:t>bx-912</a:t>
+                      </a:r>
+                    </a:p>
+                  </a:txBody>
+                  <a:tcPr/>
+                </a:tc>
+                <a:tc>
+                  <a:txBody>
+                    <a:bodyPr/>
+                    <a:lstStyle/>
+                    <a:p>
+                      <a:pPr>
+                        <a:defRPr sz="1050"/>
+                      </a:pPr>
+                      <a:r>
+                        <a:t>0.54</a:t>
+                      </a:r>
+                    </a:p>
+                  </a:txBody>
+                  <a:tcPr/>
+                </a:tc>
+                <a:tc>
+                  <a:txBody>
+                    <a:bodyPr/>
+                    <a:lstStyle/>
+                    <a:p>
+                      <a:pPr>
+                        <a:defRPr sz="1050"/>
+                      </a:pPr>
+                      <a:r>
+                        <a:t>+..</a:t>
+                      </a:r>
+                    </a:p>
+                  </a:txBody>
+                  <a:tcPr/>
+                </a:tc>
+                <a:tc>
+                  <a:txBody>
+                    <a:bodyPr/>
+                    <a:lstStyle/>
+                    <a:p>
+                      <a:pPr>
+                        <a:defRPr sz="1050"/>
+                      </a:pPr>
+                      <a:r>
+                        <a:t>Not Clinically Relevant</a:t>
+                      </a:r>
+                    </a:p>
+                  </a:txBody>
+                  <a:tcPr/>
+                </a:tc>
+              </a:tr>
+              <a:tr h="195942">
+                <a:tc>
+                  <a:txBody>
+                    <a:bodyPr/>
+                    <a:lstStyle/>
+                    <a:p>
+                      <a:pPr>
+                        <a:defRPr sz="1050"/>
+                      </a:pPr>
+                      <a:r>
+                        <a:t>vx-702</a:t>
+                      </a:r>
+                    </a:p>
+                  </a:txBody>
+                  <a:tcPr/>
+                </a:tc>
+                <a:tc>
+                  <a:txBody>
+                    <a:bodyPr/>
+                    <a:lstStyle/>
+                    <a:p>
+                      <a:pPr>
+                        <a:defRPr sz="1050"/>
+                      </a:pPr>
+                      <a:r>
+                        <a:t>0.53</a:t>
+                      </a:r>
+                    </a:p>
+                  </a:txBody>
+                  <a:tcPr/>
+                </a:tc>
+                <a:tc>
+                  <a:txBody>
+                    <a:bodyPr/>
+                    <a:lstStyle/>
+                    <a:p>
+                      <a:pPr>
+                        <a:defRPr sz="1050"/>
+                      </a:pPr>
+                      <a:r>
+                        <a:t>+..</a:t>
+                      </a:r>
+                    </a:p>
+                  </a:txBody>
+                  <a:tcPr/>
+                </a:tc>
+                <a:tc>
+                  <a:txBody>
+                    <a:bodyPr/>
+                    <a:lstStyle/>
+                    <a:p>
+                      <a:pPr>
+                        <a:defRPr sz="1050"/>
+                      </a:pPr>
+                      <a:r>
+                        <a:t>Not Clinically Relevant</a:t>
+                      </a:r>
+                    </a:p>
+                  </a:txBody>
+                  <a:tcPr/>
+                </a:tc>
+              </a:tr>
+              <a:tr h="195942">
+                <a:tc>
+                  <a:txBody>
+                    <a:bodyPr/>
+                    <a:lstStyle/>
+                    <a:p>
+                      <a:pPr>
+                        <a:defRPr sz="1050"/>
+                      </a:pPr>
+                      <a:r>
+                        <a:t>rucaparib</a:t>
+                      </a:r>
+                    </a:p>
+                  </a:txBody>
+                  <a:tcPr/>
+                </a:tc>
+                <a:tc>
+                  <a:txBody>
+                    <a:bodyPr/>
+                    <a:lstStyle/>
+                    <a:p>
+                      <a:pPr>
+                        <a:defRPr sz="1050"/>
+                      </a:pPr>
+                      <a:r>
+                        <a:t>0.52</a:t>
+                      </a:r>
+                    </a:p>
+                  </a:txBody>
+                  <a:tcPr/>
+                </a:tc>
+                <a:tc>
+                  <a:txBody>
+                    <a:bodyPr/>
+                    <a:lstStyle/>
+                    <a:p>
+                      <a:pPr>
+                        <a:defRPr sz="1050"/>
+                      </a:pPr>
+                      <a:r>
+                        <a:t>+..</a:t>
+                      </a:r>
+                    </a:p>
+                  </a:txBody>
+                  <a:tcPr/>
+                </a:tc>
+                <a:tc>
+                  <a:txBody>
+                    <a:bodyPr/>
+                    <a:lstStyle/>
+                    <a:p>
+                      <a:pPr>
+                        <a:defRPr sz="1050"/>
+                      </a:pPr>
+                      <a:r>
+                        <a:t>PARP inhibitor, inhibits DNA repair</a:t>
+                      </a:r>
+                    </a:p>
+                  </a:txBody>
+                  <a:tcPr/>
+                </a:tc>
+              </a:tr>
+              <a:tr h="195942">
+                <a:tc>
+                  <a:txBody>
+                    <a:bodyPr/>
+                    <a:lstStyle/>
+                    <a:p>
+                      <a:pPr>
+                        <a:defRPr sz="1050"/>
+                      </a:pPr>
+                      <a:r>
+                        <a:t>navitoclax</a:t>
+                      </a:r>
+                    </a:p>
+                  </a:txBody>
+                  <a:tcPr/>
+                </a:tc>
+                <a:tc>
+                  <a:txBody>
+                    <a:bodyPr/>
+                    <a:lstStyle/>
+                    <a:p>
+                      <a:pPr>
+                        <a:defRPr sz="1050"/>
+                      </a:pPr>
+                      <a:r>
+                        <a:t>0.51</a:t>
+                      </a:r>
+                    </a:p>
+                  </a:txBody>
+                  <a:tcPr/>
+                </a:tc>
+                <a:tc>
+                  <a:txBody>
+                    <a:bodyPr/>
+                    <a:lstStyle/>
+                    <a:p>
+                      <a:pPr>
+                        <a:defRPr sz="1050"/>
+                      </a:pPr>
+                      <a:r>
+                        <a:t>++.</a:t>
+                      </a:r>
+                    </a:p>
+                  </a:txBody>
+                  <a:tcPr/>
+                </a:tc>
+                <a:tc>
+                  <a:txBody>
+                    <a:bodyPr/>
+                    <a:lstStyle/>
+                    <a:p>
+                      <a:pPr>
+                        <a:defRPr sz="1050"/>
+                      </a:pPr>
+                      <a:r>
+                        <a:t>Bcl-2 family inhibitor: esp Bcl-xL, Bcl-2 and Bcl-w</a:t>
+                      </a:r>
+                    </a:p>
+                  </a:txBody>
+                  <a:tcPr/>
+                </a:tc>
+              </a:tr>
+              <a:tr h="195942">
+                <a:tc>
+                  <a:txBody>
+                    <a:bodyPr/>
+                    <a:lstStyle/>
+                    <a:p>
+                      <a:pPr>
+                        <a:defRPr sz="1050"/>
+                      </a:pPr>
+                      <a:r>
+                        <a:t>xmd14-99</a:t>
+                      </a:r>
+                    </a:p>
+                  </a:txBody>
+                  <a:tcPr/>
+                </a:tc>
+                <a:tc>
+                  <a:txBody>
+                    <a:bodyPr/>
+                    <a:lstStyle/>
+                    <a:p>
+                      <a:pPr>
+                        <a:defRPr sz="1050"/>
+                      </a:pPr>
+                      <a:r>
+                        <a:t>0.48</a:t>
+                      </a:r>
+                    </a:p>
+                  </a:txBody>
+                  <a:tcPr/>
+                </a:tc>
+                <a:tc>
+                  <a:txBody>
+                    <a:bodyPr/>
+                    <a:lstStyle/>
+                    <a:p>
+                      <a:pPr>
+                        <a:defRPr sz="1050"/>
+                      </a:pPr>
+                      <a:r>
+                        <a:t>+..</a:t>
+                      </a:r>
+                    </a:p>
+                  </a:txBody>
+                  <a:tcPr/>
+                </a:tc>
+                <a:tc>
+                  <a:txBody>
+                    <a:bodyPr/>
+                    <a:lstStyle/>
+                    <a:p>
+                      <a:pPr>
+                        <a:defRPr sz="1050"/>
+                      </a:pPr>
+                      <a:r>
+                        <a:t>Not Clinically Relevant</a:t>
+                      </a:r>
+                    </a:p>
+                  </a:txBody>
+                  <a:tcPr/>
+                </a:tc>
+              </a:tr>
+              <a:tr h="195942">
+                <a:tc>
+                  <a:txBody>
+                    <a:bodyPr/>
+                    <a:lstStyle/>
+                    <a:p>
+                      <a:pPr>
+                        <a:defRPr sz="1050"/>
+                      </a:pPr>
+                      <a:r>
+                        <a:t>axitinib</a:t>
+                      </a:r>
+                    </a:p>
+                  </a:txBody>
+                  <a:tcPr/>
+                </a:tc>
+                <a:tc>
+                  <a:txBody>
+                    <a:bodyPr/>
+                    <a:lstStyle/>
+                    <a:p>
+                      <a:pPr>
+                        <a:defRPr sz="1050"/>
+                      </a:pPr>
+                      <a:r>
+                        <a:t>0.47</a:t>
+                      </a:r>
+                    </a:p>
+                  </a:txBody>
+                  <a:tcPr/>
+                </a:tc>
+                <a:tc>
+                  <a:txBody>
+                    <a:bodyPr/>
+                    <a:lstStyle/>
+                    <a:p>
+                      <a:pPr>
+                        <a:defRPr sz="1050"/>
+                      </a:pPr>
+                      <a:r>
+                        <a:t>++.</a:t>
+                      </a:r>
+                    </a:p>
+                  </a:txBody>
+                  <a:tcPr/>
+                </a:tc>
+                <a:tc>
+                  <a:txBody>
+                    <a:bodyPr/>
+                    <a:lstStyle/>
+                    <a:p>
+                      <a:pPr>
+                        <a:defRPr sz="1050"/>
+                      </a:pPr>
+                      <a:r>
+                        <a:t>VEGFR, c-KIT and PDGFR inhibitor</a:t>
+                      </a:r>
+                    </a:p>
+                  </a:txBody>
+                  <a:tcPr/>
+                </a:tc>
+              </a:tr>
+              <a:tr h="195942">
+                <a:tc>
+                  <a:txBody>
+                    <a:bodyPr/>
+                    <a:lstStyle/>
+                    <a:p>
+                      <a:pPr>
+                        <a:defRPr sz="1050"/>
+                      </a:pPr>
+                      <a:r>
+                        <a:t>hg-5-88-01</a:t>
+                      </a:r>
+                    </a:p>
+                  </a:txBody>
+                  <a:tcPr/>
+                </a:tc>
+                <a:tc>
+                  <a:txBody>
+                    <a:bodyPr/>
+                    <a:lstStyle/>
+                    <a:p>
+                      <a:pPr>
+                        <a:defRPr sz="1050"/>
+                      </a:pPr>
+                      <a:r>
+                        <a:t>0.47</a:t>
+                      </a:r>
+                    </a:p>
+                  </a:txBody>
+                  <a:tcPr/>
+                </a:tc>
+                <a:tc>
+                  <a:txBody>
+                    <a:bodyPr/>
+                    <a:lstStyle/>
+                    <a:p>
+                      <a:pPr>
+                        <a:defRPr sz="1050"/>
+                      </a:pPr>
+                      <a:r>
+                        <a:t>+..</a:t>
+                      </a:r>
+                    </a:p>
+                  </a:txBody>
+                  <a:tcPr/>
+                </a:tc>
+                <a:tc>
+                  <a:txBody>
+                    <a:bodyPr/>
+                    <a:lstStyle/>
+                    <a:p>
+                      <a:pPr>
+                        <a:defRPr sz="1050"/>
+                      </a:pPr>
+                      <a:r>
+                        <a:t>Not Clinically Relevant</a:t>
+                      </a:r>
+                    </a:p>
+                  </a:txBody>
+                  <a:tcPr/>
+                </a:tc>
+              </a:tr>
+              <a:tr h="195942">
+                <a:tc>
+                  <a:txBody>
+                    <a:bodyPr/>
+                    <a:lstStyle/>
+                    <a:p>
+                      <a:pPr>
+                        <a:defRPr sz="1050"/>
+                      </a:pPr>
+                      <a:r>
+                        <a:t>amuvatinib</a:t>
+                      </a:r>
+                    </a:p>
+                  </a:txBody>
+                  <a:tcPr/>
+                </a:tc>
+                <a:tc>
+                  <a:txBody>
+                    <a:bodyPr/>
+                    <a:lstStyle/>
+                    <a:p>
+                      <a:pPr>
+                        <a:defRPr sz="1050"/>
+                      </a:pPr>
+                      <a:r>
+                        <a:t>0.46</a:t>
+                      </a:r>
+                    </a:p>
+                  </a:txBody>
+                  <a:tcPr/>
+                </a:tc>
+                <a:tc>
+                  <a:txBody>
+                    <a:bodyPr/>
+                    <a:lstStyle/>
+                    <a:p>
+                      <a:pPr>
+                        <a:defRPr sz="1050"/>
+                      </a:pPr>
+                      <a:r>
+                        <a:t>+..</a:t>
+                      </a:r>
+                    </a:p>
+                  </a:txBody>
+                  <a:tcPr/>
+                </a:tc>
+                <a:tc>
+                  <a:txBody>
+                    <a:bodyPr/>
+                    <a:lstStyle/>
+                    <a:p>
+                      <a:pPr>
+                        <a:defRPr sz="1050"/>
+                      </a:pPr>
+                      <a:r>
+                        <a:t>Not Clinically Relevant</a:t>
+                      </a:r>
+                    </a:p>
+                  </a:txBody>
+                  <a:tcPr/>
+                </a:tc>
+              </a:tr>
+              <a:tr h="195942">
+                <a:tc>
+                  <a:txBody>
+                    <a:bodyPr/>
+                    <a:lstStyle/>
+                    <a:p>
+                      <a:pPr>
+                        <a:defRPr sz="1050"/>
+                      </a:pPr>
+                      <a:r>
+                        <a:t>xmd13-2</a:t>
+                      </a:r>
+                    </a:p>
+                  </a:txBody>
+                  <a:tcPr/>
+                </a:tc>
+                <a:tc>
+                  <a:txBody>
+                    <a:bodyPr/>
+                    <a:lstStyle/>
+                    <a:p>
+                      <a:pPr>
+                        <a:defRPr sz="1050"/>
+                      </a:pPr>
+                      <a:r>
+                        <a:t>0.45</a:t>
+                      </a:r>
+                    </a:p>
+                  </a:txBody>
+                  <a:tcPr/>
+                </a:tc>
+                <a:tc>
+                  <a:txBody>
+                    <a:bodyPr/>
+                    <a:lstStyle/>
+                    <a:p>
+                      <a:pPr>
+                        <a:defRPr sz="1050"/>
+                      </a:pPr>
+                      <a:r>
+                        <a:t>+..</a:t>
+                      </a:r>
+                    </a:p>
+                  </a:txBody>
+                  <a:tcPr/>
+                </a:tc>
+                <a:tc>
+                  <a:txBody>
+                    <a:bodyPr/>
+                    <a:lstStyle/>
+                    <a:p>
+                      <a:pPr>
+                        <a:defRPr sz="1050"/>
+                      </a:pPr>
+                      <a:r>
+                        <a:t>Not Clinically Relevant</a:t>
+                      </a:r>
+                    </a:p>
+                  </a:txBody>
+                  <a:tcPr/>
+                </a:tc>
+              </a:tr>
+              <a:tr h="195942">
+                <a:tc>
+                  <a:txBody>
+                    <a:bodyPr/>
+                    <a:lstStyle/>
+                    <a:p>
+                      <a:pPr>
+                        <a:defRPr sz="1050"/>
+                      </a:pPr>
+                      <a:r>
+                        <a:t>indisulam</a:t>
+                      </a:r>
+                    </a:p>
+                  </a:txBody>
+                  <a:tcPr/>
+                </a:tc>
+                <a:tc>
+                  <a:txBody>
+                    <a:bodyPr/>
+                    <a:lstStyle/>
+                    <a:p>
+                      <a:pPr>
+                        <a:defRPr sz="1050"/>
+                      </a:pPr>
+                      <a:r>
+                        <a:t>0.44</a:t>
+                      </a:r>
+                    </a:p>
+                  </a:txBody>
+                  <a:tcPr/>
+                </a:tc>
+                <a:tc>
+                  <a:txBody>
+                    <a:bodyPr/>
+                    <a:lstStyle/>
+                    <a:p>
+                      <a:pPr>
+                        <a:defRPr sz="1050"/>
+                      </a:pPr>
+                      <a:r>
+                        <a:t>.+.</a:t>
+                      </a:r>
+                    </a:p>
+                  </a:txBody>
+                  <a:tcPr/>
+                </a:tc>
+                <a:tc>
+                  <a:txBody>
+                    <a:bodyPr/>
+                    <a:lstStyle/>
+                    <a:p>
+                      <a:pPr>
+                        <a:defRPr sz="1050"/>
+                      </a:pPr>
+                      <a:r>
+                        <a:t>carbonic anhydrase inibitor and  CDK inhibitor, targets G1 by depleting cyclin E. inducing p53 and p21, and inhibiting CDK2</a:t>
+                      </a:r>
+                    </a:p>
+                  </a:txBody>
+                  <a:tcPr/>
+                </a:tc>
+              </a:tr>
+              <a:tr h="195942">
+                <a:tc>
+                  <a:txBody>
+                    <a:bodyPr/>
+                    <a:lstStyle/>
+                    <a:p>
+                      <a:pPr>
+                        <a:defRPr sz="1050"/>
+                      </a:pPr>
+                      <a:r>
+                        <a:t>nsc-87877</a:t>
+                      </a:r>
+                    </a:p>
+                  </a:txBody>
+                  <a:tcPr/>
+                </a:tc>
+                <a:tc>
+                  <a:txBody>
+                    <a:bodyPr/>
+                    <a:lstStyle/>
+                    <a:p>
+                      <a:pPr>
+                        <a:defRPr sz="1050"/>
+                      </a:pPr>
+                      <a:r>
+                        <a:t>0.43</a:t>
+                      </a:r>
+                    </a:p>
+                  </a:txBody>
+                  <a:tcPr/>
+                </a:tc>
+                <a:tc>
+                  <a:txBody>
+                    <a:bodyPr/>
+                    <a:lstStyle/>
+                    <a:p>
+                      <a:pPr>
+                        <a:defRPr sz="1050"/>
+                      </a:pPr>
+                      <a:r>
+                        <a:t>+..</a:t>
+                      </a:r>
+                    </a:p>
+                  </a:txBody>
+                  <a:tcPr/>
+                </a:tc>
+                <a:tc>
+                  <a:txBody>
+                    <a:bodyPr/>
+                    <a:lstStyle/>
+                    <a:p>
+                      <a:pPr>
+                        <a:defRPr sz="1050"/>
+                      </a:pPr>
+                      <a:r>
+                        <a:t>Not Clinically Relevant</a:t>
+                      </a:r>
+                    </a:p>
+                  </a:txBody>
+                  <a:tcPr/>
+                </a:tc>
+              </a:tr>
+              <a:tr h="195960">
+                <a:tc>
+                  <a:txBody>
+                    <a:bodyPr/>
+                    <a:lstStyle/>
+                    <a:p>
+                      <a:pPr>
+                        <a:defRPr sz="1050"/>
+                      </a:pPr>
+                      <a:r>
+                        <a:t>cil55</a:t>
+                      </a:r>
+                    </a:p>
+                  </a:txBody>
+                  <a:tcPr/>
+                </a:tc>
+                <a:tc>
+                  <a:txBody>
+                    <a:bodyPr/>
+                    <a:lstStyle/>
+                    <a:p>
+                      <a:pPr>
+                        <a:defRPr sz="1050"/>
+                      </a:pPr>
+                      <a:r>
+                        <a:t>0.43</a:t>
+                      </a:r>
+                    </a:p>
+                  </a:txBody>
+                  <a:tcPr/>
+                </a:tc>
+                <a:tc>
+                  <a:txBody>
+                    <a:bodyPr/>
+                    <a:lstStyle/>
+                    <a:p>
+                      <a:pPr>
+                        <a:defRPr sz="1050"/>
+                      </a:pPr>
+                      <a:r>
+                        <a:t>.+.</a:t>
+                      </a:r>
+                    </a:p>
+                  </a:txBody>
+                  <a:tcPr/>
+                </a:tc>
+                <a:tc>
+                  <a:txBody>
+                    <a:bodyPr/>
+                    <a:lstStyle/>
+                    <a:p>
+                      <a:pPr>
+                        <a:defRPr sz="1050"/>
+                      </a:pPr>
+                      <a:r>
+                        <a:t>Not Clinically Relevant</a:t>
                       </a:r>
                     </a:p>
                   </a:txBody>

--- a/Notebooks/patients/BT084/BT084.mtb_slides.pptx
+++ b/Notebooks/patients/BT084/BT084.mtb_slides.pptx
@@ -37,6 +37,7 @@
     <p:sldId id="285" r:id="rId36"/>
     <p:sldId id="286" r:id="rId37"/>
     <p:sldId id="287" r:id="rId38"/>
+    <p:sldId id="288" r:id="rId39"/>
   </p:sldIdLst>
   <p:sldSz cx="9144000" cy="6858000" type="screen4x3"/>
   <p:notesSz cx="6858000" cy="9144000"/>
@@ -42037,6 +42038,1374 @@
 </p:sld>
 </file>
 
+<file path=ppt/slides/slide33.xml><?xml version="1.0" encoding="utf-8"?>
+<p:sld xmlns:a="http://schemas.openxmlformats.org/drawingml/2006/main" xmlns:p="http://schemas.openxmlformats.org/presentationml/2006/main" xmlns:r="http://schemas.openxmlformats.org/officeDocument/2006/relationships">
+  <p:cSld>
+    <p:spTree>
+      <p:nvGrpSpPr>
+        <p:cNvPr id="1" name=""/>
+        <p:cNvGrpSpPr/>
+        <p:nvPr/>
+      </p:nvGrpSpPr>
+      <p:grpSpPr/>
+      <p:sp>
+        <p:nvSpPr>
+          <p:cNvPr id="2" name="TextBox 1"/>
+          <p:cNvSpPr txBox="1"/>
+          <p:nvPr/>
+        </p:nvSpPr>
+        <p:spPr>
+          <a:xfrm>
+            <a:off x="0" y="0"/>
+            <a:ext cx="9144000" cy="685800"/>
+          </a:xfrm>
+          <a:prstGeom prst="rect">
+            <a:avLst/>
+          </a:prstGeom>
+          <a:noFill/>
+        </p:spPr>
+        <p:txBody>
+          <a:bodyPr wrap="none">
+            <a:spAutoFit/>
+          </a:bodyPr>
+          <a:lstStyle/>
+          <a:p/>
+          <a:p>
+            <a:pPr>
+              <a:defRPr sz="2600"/>
+            </a:pPr>
+            <a:r>
+              <a:t>DiSCoVER: top drugs (cerebellar stem cell control)</a:t>
+            </a:r>
+          </a:p>
+        </p:txBody>
+      </p:sp>
+      <p:graphicFrame>
+        <p:nvGraphicFramePr>
+          <p:cNvPr id="3" name="Table 2"/>
+          <p:cNvGraphicFramePr>
+            <a:graphicFrameLocks noGrp="1"/>
+          </p:cNvGraphicFramePr>
+          <p:nvPr/>
+        </p:nvGraphicFramePr>
+        <p:xfrm>
+          <a:off x="411480" y="777240"/>
+          <a:ext cx="8275320" cy="4114800"/>
+        </p:xfrm>
+        <a:graphic>
+          <a:graphicData uri="http://schemas.openxmlformats.org/drawingml/2006/table">
+            <a:tbl>
+              <a:tblPr firstRow="1" bandRow="1">
+                <a:tableStyleId>{5C22544A-7EE6-4342-B048-85BDC9FD1C3A}</a:tableStyleId>
+              </a:tblPr>
+              <a:tblGrid>
+                <a:gridCol w="1005840"/>
+                <a:gridCol w="731520"/>
+                <a:gridCol w="1051560"/>
+                <a:gridCol w="5486400"/>
+              </a:tblGrid>
+              <a:tr h="195942">
+                <a:tc>
+                  <a:txBody>
+                    <a:bodyPr/>
+                    <a:lstStyle/>
+                    <a:p>
+                      <a:r>
+                        <a:t>Drug</a:t>
+                      </a:r>
+                    </a:p>
+                  </a:txBody>
+                  <a:tcPr/>
+                </a:tc>
+                <a:tc>
+                  <a:txBody>
+                    <a:bodyPr/>
+                    <a:lstStyle/>
+                    <a:p>
+                      <a:r>
+                        <a:t>Score</a:t>
+                      </a:r>
+                    </a:p>
+                  </a:txBody>
+                  <a:tcPr/>
+                </a:tc>
+                <a:tc>
+                  <a:txBody>
+                    <a:bodyPr/>
+                    <a:lstStyle/>
+                    <a:p>
+                      <a:r>
+                        <a:t>Evidence</a:t>
+                      </a:r>
+                    </a:p>
+                  </a:txBody>
+                  <a:tcPr/>
+                </a:tc>
+                <a:tc>
+                  <a:txBody>
+                    <a:bodyPr/>
+                    <a:lstStyle/>
+                    <a:p>
+                      <a:r>
+                        <a:t>Mechanism of action</a:t>
+                      </a:r>
+                    </a:p>
+                  </a:txBody>
+                  <a:tcPr/>
+                </a:tc>
+              </a:tr>
+              <a:tr h="195942">
+                <a:tc>
+                  <a:txBody>
+                    <a:bodyPr/>
+                    <a:lstStyle/>
+                    <a:p>
+                      <a:pPr>
+                        <a:defRPr sz="1050"/>
+                      </a:pPr>
+                      <a:r>
+                        <a:t>tl-2-105</a:t>
+                      </a:r>
+                    </a:p>
+                  </a:txBody>
+                  <a:tcPr/>
+                </a:tc>
+                <a:tc>
+                  <a:txBody>
+                    <a:bodyPr/>
+                    <a:lstStyle/>
+                    <a:p>
+                      <a:pPr>
+                        <a:defRPr sz="1050"/>
+                      </a:pPr>
+                      <a:r>
+                        <a:t>0.65</a:t>
+                      </a:r>
+                    </a:p>
+                  </a:txBody>
+                  <a:tcPr/>
+                </a:tc>
+                <a:tc>
+                  <a:txBody>
+                    <a:bodyPr/>
+                    <a:lstStyle/>
+                    <a:p>
+                      <a:pPr>
+                        <a:defRPr sz="1050"/>
+                      </a:pPr>
+                      <a:r>
+                        <a:t>+..</a:t>
+                      </a:r>
+                    </a:p>
+                  </a:txBody>
+                  <a:tcPr/>
+                </a:tc>
+                <a:tc>
+                  <a:txBody>
+                    <a:bodyPr/>
+                    <a:lstStyle/>
+                    <a:p>
+                      <a:pPr>
+                        <a:defRPr sz="1050"/>
+                      </a:pPr>
+                      <a:r>
+                        <a:t>Not Clinically Relevant</a:t>
+                      </a:r>
+                    </a:p>
+                  </a:txBody>
+                  <a:tcPr/>
+                </a:tc>
+              </a:tr>
+              <a:tr h="195942">
+                <a:tc>
+                  <a:txBody>
+                    <a:bodyPr/>
+                    <a:lstStyle/>
+                    <a:p>
+                      <a:pPr>
+                        <a:defRPr sz="1050"/>
+                      </a:pPr>
+                      <a:r>
+                        <a:t>sb52334</a:t>
+                      </a:r>
+                    </a:p>
+                  </a:txBody>
+                  <a:tcPr/>
+                </a:tc>
+                <a:tc>
+                  <a:txBody>
+                    <a:bodyPr/>
+                    <a:lstStyle/>
+                    <a:p>
+                      <a:pPr>
+                        <a:defRPr sz="1050"/>
+                      </a:pPr>
+                      <a:r>
+                        <a:t>0.62</a:t>
+                      </a:r>
+                    </a:p>
+                  </a:txBody>
+                  <a:tcPr/>
+                </a:tc>
+                <a:tc>
+                  <a:txBody>
+                    <a:bodyPr/>
+                    <a:lstStyle/>
+                    <a:p>
+                      <a:pPr>
+                        <a:defRPr sz="1050"/>
+                      </a:pPr>
+                      <a:r>
+                        <a:t>+..</a:t>
+                      </a:r>
+                    </a:p>
+                  </a:txBody>
+                  <a:tcPr/>
+                </a:tc>
+                <a:tc>
+                  <a:txBody>
+                    <a:bodyPr/>
+                    <a:lstStyle/>
+                    <a:p>
+                      <a:pPr>
+                        <a:defRPr sz="1050"/>
+                      </a:pPr>
+                      <a:r>
+                        <a:t>Not Clinically Relevant</a:t>
+                      </a:r>
+                    </a:p>
+                  </a:txBody>
+                  <a:tcPr/>
+                </a:tc>
+              </a:tr>
+              <a:tr h="195942">
+                <a:tc>
+                  <a:txBody>
+                    <a:bodyPr/>
+                    <a:lstStyle/>
+                    <a:p>
+                      <a:pPr>
+                        <a:defRPr sz="1050"/>
+                      </a:pPr>
+                      <a:r>
+                        <a:t>gsk1070916</a:t>
+                      </a:r>
+                    </a:p>
+                  </a:txBody>
+                  <a:tcPr/>
+                </a:tc>
+                <a:tc>
+                  <a:txBody>
+                    <a:bodyPr/>
+                    <a:lstStyle/>
+                    <a:p>
+                      <a:pPr>
+                        <a:defRPr sz="1050"/>
+                      </a:pPr>
+                      <a:r>
+                        <a:t>0.61</a:t>
+                      </a:r>
+                    </a:p>
+                  </a:txBody>
+                  <a:tcPr/>
+                </a:tc>
+                <a:tc>
+                  <a:txBody>
+                    <a:bodyPr/>
+                    <a:lstStyle/>
+                    <a:p>
+                      <a:pPr>
+                        <a:defRPr sz="1050"/>
+                      </a:pPr>
+                      <a:r>
+                        <a:t>+..</a:t>
+                      </a:r>
+                    </a:p>
+                  </a:txBody>
+                  <a:tcPr/>
+                </a:tc>
+                <a:tc>
+                  <a:txBody>
+                    <a:bodyPr/>
+                    <a:lstStyle/>
+                    <a:p>
+                      <a:pPr>
+                        <a:defRPr sz="1050"/>
+                      </a:pPr>
+                      <a:r>
+                        <a:t>Not Clinically Relevant</a:t>
+                      </a:r>
+                    </a:p>
+                  </a:txBody>
+                  <a:tcPr/>
+                </a:tc>
+              </a:tr>
+              <a:tr h="195942">
+                <a:tc>
+                  <a:txBody>
+                    <a:bodyPr/>
+                    <a:lstStyle/>
+                    <a:p>
+                      <a:pPr>
+                        <a:defRPr sz="1050"/>
+                      </a:pPr>
+                      <a:r>
+                        <a:t>ql-xii-61</a:t>
+                      </a:r>
+                    </a:p>
+                  </a:txBody>
+                  <a:tcPr/>
+                </a:tc>
+                <a:tc>
+                  <a:txBody>
+                    <a:bodyPr/>
+                    <a:lstStyle/>
+                    <a:p>
+                      <a:pPr>
+                        <a:defRPr sz="1050"/>
+                      </a:pPr>
+                      <a:r>
+                        <a:t>0.59</a:t>
+                      </a:r>
+                    </a:p>
+                  </a:txBody>
+                  <a:tcPr/>
+                </a:tc>
+                <a:tc>
+                  <a:txBody>
+                    <a:bodyPr/>
+                    <a:lstStyle/>
+                    <a:p>
+                      <a:pPr>
+                        <a:defRPr sz="1050"/>
+                      </a:pPr>
+                      <a:r>
+                        <a:t>+..</a:t>
+                      </a:r>
+                    </a:p>
+                  </a:txBody>
+                  <a:tcPr/>
+                </a:tc>
+                <a:tc>
+                  <a:txBody>
+                    <a:bodyPr/>
+                    <a:lstStyle/>
+                    <a:p>
+                      <a:pPr>
+                        <a:defRPr sz="1050"/>
+                      </a:pPr>
+                      <a:r>
+                        <a:t>Not Clinically Relevant</a:t>
+                      </a:r>
+                    </a:p>
+                  </a:txBody>
+                  <a:tcPr/>
+                </a:tc>
+              </a:tr>
+              <a:tr h="195942">
+                <a:tc>
+                  <a:txBody>
+                    <a:bodyPr/>
+                    <a:lstStyle/>
+                    <a:p>
+                      <a:pPr>
+                        <a:defRPr sz="1050"/>
+                      </a:pPr>
+                      <a:r>
+                        <a:t>linsitinib</a:t>
+                      </a:r>
+                    </a:p>
+                  </a:txBody>
+                  <a:tcPr/>
+                </a:tc>
+                <a:tc>
+                  <a:txBody>
+                    <a:bodyPr/>
+                    <a:lstStyle/>
+                    <a:p>
+                      <a:pPr>
+                        <a:defRPr sz="1050"/>
+                      </a:pPr>
+                      <a:r>
+                        <a:t>0.55</a:t>
+                      </a:r>
+                    </a:p>
+                  </a:txBody>
+                  <a:tcPr/>
+                </a:tc>
+                <a:tc>
+                  <a:txBody>
+                    <a:bodyPr/>
+                    <a:lstStyle/>
+                    <a:p>
+                      <a:pPr>
+                        <a:defRPr sz="1050"/>
+                      </a:pPr>
+                      <a:r>
+                        <a:t>++.</a:t>
+                      </a:r>
+                    </a:p>
+                  </a:txBody>
+                  <a:tcPr/>
+                </a:tc>
+                <a:tc>
+                  <a:txBody>
+                    <a:bodyPr/>
+                    <a:lstStyle/>
+                    <a:p>
+                      <a:pPr>
+                        <a:defRPr sz="1050"/>
+                      </a:pPr>
+                      <a:r>
+                        <a:t>IGF-1R inhibitor</a:t>
+                      </a:r>
+                    </a:p>
+                  </a:txBody>
+                  <a:tcPr/>
+                </a:tc>
+              </a:tr>
+              <a:tr h="195942">
+                <a:tc>
+                  <a:txBody>
+                    <a:bodyPr/>
+                    <a:lstStyle/>
+                    <a:p>
+                      <a:pPr>
+                        <a:defRPr sz="1050"/>
+                      </a:pPr>
+                      <a:r>
+                        <a:t>gw-2580</a:t>
+                      </a:r>
+                    </a:p>
+                  </a:txBody>
+                  <a:tcPr/>
+                </a:tc>
+                <a:tc>
+                  <a:txBody>
+                    <a:bodyPr/>
+                    <a:lstStyle/>
+                    <a:p>
+                      <a:pPr>
+                        <a:defRPr sz="1050"/>
+                      </a:pPr>
+                      <a:r>
+                        <a:t>0.55</a:t>
+                      </a:r>
+                    </a:p>
+                  </a:txBody>
+                  <a:tcPr/>
+                </a:tc>
+                <a:tc>
+                  <a:txBody>
+                    <a:bodyPr/>
+                    <a:lstStyle/>
+                    <a:p>
+                      <a:pPr>
+                        <a:defRPr sz="1050"/>
+                      </a:pPr>
+                      <a:r>
+                        <a:t>+..</a:t>
+                      </a:r>
+                    </a:p>
+                  </a:txBody>
+                  <a:tcPr/>
+                </a:tc>
+                <a:tc>
+                  <a:txBody>
+                    <a:bodyPr/>
+                    <a:lstStyle/>
+                    <a:p>
+                      <a:pPr>
+                        <a:defRPr sz="1050"/>
+                      </a:pPr>
+                      <a:r>
+                        <a:t>Not Clinically Relevant</a:t>
+                      </a:r>
+                    </a:p>
+                  </a:txBody>
+                  <a:tcPr/>
+                </a:tc>
+              </a:tr>
+              <a:tr h="195942">
+                <a:tc>
+                  <a:txBody>
+                    <a:bodyPr/>
+                    <a:lstStyle/>
+                    <a:p>
+                      <a:pPr>
+                        <a:defRPr sz="1050"/>
+                      </a:pPr>
+                      <a:r>
+                        <a:t>gsk429286a</a:t>
+                      </a:r>
+                    </a:p>
+                  </a:txBody>
+                  <a:tcPr/>
+                </a:tc>
+                <a:tc>
+                  <a:txBody>
+                    <a:bodyPr/>
+                    <a:lstStyle/>
+                    <a:p>
+                      <a:pPr>
+                        <a:defRPr sz="1050"/>
+                      </a:pPr>
+                      <a:r>
+                        <a:t>0.55</a:t>
+                      </a:r>
+                    </a:p>
+                  </a:txBody>
+                  <a:tcPr/>
+                </a:tc>
+                <a:tc>
+                  <a:txBody>
+                    <a:bodyPr/>
+                    <a:lstStyle/>
+                    <a:p>
+                      <a:pPr>
+                        <a:defRPr sz="1050"/>
+                      </a:pPr>
+                      <a:r>
+                        <a:t>+..</a:t>
+                      </a:r>
+                    </a:p>
+                  </a:txBody>
+                  <a:tcPr/>
+                </a:tc>
+                <a:tc>
+                  <a:txBody>
+                    <a:bodyPr/>
+                    <a:lstStyle/>
+                    <a:p>
+                      <a:pPr>
+                        <a:defRPr sz="1050"/>
+                      </a:pPr>
+                      <a:r>
+                        <a:t>Not Clinically Relevant</a:t>
+                      </a:r>
+                    </a:p>
+                  </a:txBody>
+                  <a:tcPr/>
+                </a:tc>
+              </a:tr>
+              <a:tr h="195942">
+                <a:tc>
+                  <a:txBody>
+                    <a:bodyPr/>
+                    <a:lstStyle/>
+                    <a:p>
+                      <a:pPr>
+                        <a:defRPr sz="1050"/>
+                      </a:pPr>
+                      <a:r>
+                        <a:t>tubastatin a</a:t>
+                      </a:r>
+                    </a:p>
+                  </a:txBody>
+                  <a:tcPr/>
+                </a:tc>
+                <a:tc>
+                  <a:txBody>
+                    <a:bodyPr/>
+                    <a:lstStyle/>
+                    <a:p>
+                      <a:pPr>
+                        <a:defRPr sz="1050"/>
+                      </a:pPr>
+                      <a:r>
+                        <a:t>0.54</a:t>
+                      </a:r>
+                    </a:p>
+                  </a:txBody>
+                  <a:tcPr/>
+                </a:tc>
+                <a:tc>
+                  <a:txBody>
+                    <a:bodyPr/>
+                    <a:lstStyle/>
+                    <a:p>
+                      <a:pPr>
+                        <a:defRPr sz="1050"/>
+                      </a:pPr>
+                      <a:r>
+                        <a:t>++.</a:t>
+                      </a:r>
+                    </a:p>
+                  </a:txBody>
+                  <a:tcPr/>
+                </a:tc>
+                <a:tc>
+                  <a:txBody>
+                    <a:bodyPr/>
+                    <a:lstStyle/>
+                    <a:p>
+                      <a:pPr>
+                        <a:defRPr sz="1050"/>
+                      </a:pPr>
+                      <a:r>
+                        <a:t>Not Clinically Relevant</a:t>
+                      </a:r>
+                    </a:p>
+                  </a:txBody>
+                  <a:tcPr/>
+                </a:tc>
+              </a:tr>
+              <a:tr h="195942">
+                <a:tc>
+                  <a:txBody>
+                    <a:bodyPr/>
+                    <a:lstStyle/>
+                    <a:p>
+                      <a:pPr>
+                        <a:defRPr sz="1050"/>
+                      </a:pPr>
+                      <a:r>
+                        <a:t>bx-912</a:t>
+                      </a:r>
+                    </a:p>
+                  </a:txBody>
+                  <a:tcPr/>
+                </a:tc>
+                <a:tc>
+                  <a:txBody>
+                    <a:bodyPr/>
+                    <a:lstStyle/>
+                    <a:p>
+                      <a:pPr>
+                        <a:defRPr sz="1050"/>
+                      </a:pPr>
+                      <a:r>
+                        <a:t>0.54</a:t>
+                      </a:r>
+                    </a:p>
+                  </a:txBody>
+                  <a:tcPr/>
+                </a:tc>
+                <a:tc>
+                  <a:txBody>
+                    <a:bodyPr/>
+                    <a:lstStyle/>
+                    <a:p>
+                      <a:pPr>
+                        <a:defRPr sz="1050"/>
+                      </a:pPr>
+                      <a:r>
+                        <a:t>+..</a:t>
+                      </a:r>
+                    </a:p>
+                  </a:txBody>
+                  <a:tcPr/>
+                </a:tc>
+                <a:tc>
+                  <a:txBody>
+                    <a:bodyPr/>
+                    <a:lstStyle/>
+                    <a:p>
+                      <a:pPr>
+                        <a:defRPr sz="1050"/>
+                      </a:pPr>
+                      <a:r>
+                        <a:t>Not Clinically Relevant</a:t>
+                      </a:r>
+                    </a:p>
+                  </a:txBody>
+                  <a:tcPr/>
+                </a:tc>
+              </a:tr>
+              <a:tr h="195942">
+                <a:tc>
+                  <a:txBody>
+                    <a:bodyPr/>
+                    <a:lstStyle/>
+                    <a:p>
+                      <a:pPr>
+                        <a:defRPr sz="1050"/>
+                      </a:pPr>
+                      <a:r>
+                        <a:t>vx-702</a:t>
+                      </a:r>
+                    </a:p>
+                  </a:txBody>
+                  <a:tcPr/>
+                </a:tc>
+                <a:tc>
+                  <a:txBody>
+                    <a:bodyPr/>
+                    <a:lstStyle/>
+                    <a:p>
+                      <a:pPr>
+                        <a:defRPr sz="1050"/>
+                      </a:pPr>
+                      <a:r>
+                        <a:t>0.53</a:t>
+                      </a:r>
+                    </a:p>
+                  </a:txBody>
+                  <a:tcPr/>
+                </a:tc>
+                <a:tc>
+                  <a:txBody>
+                    <a:bodyPr/>
+                    <a:lstStyle/>
+                    <a:p>
+                      <a:pPr>
+                        <a:defRPr sz="1050"/>
+                      </a:pPr>
+                      <a:r>
+                        <a:t>+..</a:t>
+                      </a:r>
+                    </a:p>
+                  </a:txBody>
+                  <a:tcPr/>
+                </a:tc>
+                <a:tc>
+                  <a:txBody>
+                    <a:bodyPr/>
+                    <a:lstStyle/>
+                    <a:p>
+                      <a:pPr>
+                        <a:defRPr sz="1050"/>
+                      </a:pPr>
+                      <a:r>
+                        <a:t>Not Clinically Relevant</a:t>
+                      </a:r>
+                    </a:p>
+                  </a:txBody>
+                  <a:tcPr/>
+                </a:tc>
+              </a:tr>
+              <a:tr h="195942">
+                <a:tc>
+                  <a:txBody>
+                    <a:bodyPr/>
+                    <a:lstStyle/>
+                    <a:p>
+                      <a:pPr>
+                        <a:defRPr sz="1050"/>
+                      </a:pPr>
+                      <a:r>
+                        <a:t>rucaparib</a:t>
+                      </a:r>
+                    </a:p>
+                  </a:txBody>
+                  <a:tcPr/>
+                </a:tc>
+                <a:tc>
+                  <a:txBody>
+                    <a:bodyPr/>
+                    <a:lstStyle/>
+                    <a:p>
+                      <a:pPr>
+                        <a:defRPr sz="1050"/>
+                      </a:pPr>
+                      <a:r>
+                        <a:t>0.52</a:t>
+                      </a:r>
+                    </a:p>
+                  </a:txBody>
+                  <a:tcPr/>
+                </a:tc>
+                <a:tc>
+                  <a:txBody>
+                    <a:bodyPr/>
+                    <a:lstStyle/>
+                    <a:p>
+                      <a:pPr>
+                        <a:defRPr sz="1050"/>
+                      </a:pPr>
+                      <a:r>
+                        <a:t>+..</a:t>
+                      </a:r>
+                    </a:p>
+                  </a:txBody>
+                  <a:tcPr/>
+                </a:tc>
+                <a:tc>
+                  <a:txBody>
+                    <a:bodyPr/>
+                    <a:lstStyle/>
+                    <a:p>
+                      <a:pPr>
+                        <a:defRPr sz="1050"/>
+                      </a:pPr>
+                      <a:r>
+                        <a:t>PARP inhibitor, inhibits DNA repair</a:t>
+                      </a:r>
+                    </a:p>
+                  </a:txBody>
+                  <a:tcPr/>
+                </a:tc>
+              </a:tr>
+              <a:tr h="195942">
+                <a:tc>
+                  <a:txBody>
+                    <a:bodyPr/>
+                    <a:lstStyle/>
+                    <a:p>
+                      <a:pPr>
+                        <a:defRPr sz="1050"/>
+                      </a:pPr>
+                      <a:r>
+                        <a:t>navitoclax</a:t>
+                      </a:r>
+                    </a:p>
+                  </a:txBody>
+                  <a:tcPr/>
+                </a:tc>
+                <a:tc>
+                  <a:txBody>
+                    <a:bodyPr/>
+                    <a:lstStyle/>
+                    <a:p>
+                      <a:pPr>
+                        <a:defRPr sz="1050"/>
+                      </a:pPr>
+                      <a:r>
+                        <a:t>0.51</a:t>
+                      </a:r>
+                    </a:p>
+                  </a:txBody>
+                  <a:tcPr/>
+                </a:tc>
+                <a:tc>
+                  <a:txBody>
+                    <a:bodyPr/>
+                    <a:lstStyle/>
+                    <a:p>
+                      <a:pPr>
+                        <a:defRPr sz="1050"/>
+                      </a:pPr>
+                      <a:r>
+                        <a:t>++.</a:t>
+                      </a:r>
+                    </a:p>
+                  </a:txBody>
+                  <a:tcPr/>
+                </a:tc>
+                <a:tc>
+                  <a:txBody>
+                    <a:bodyPr/>
+                    <a:lstStyle/>
+                    <a:p>
+                      <a:pPr>
+                        <a:defRPr sz="1050"/>
+                      </a:pPr>
+                      <a:r>
+                        <a:t>Bcl-2 family inhibitor: esp Bcl-xL, Bcl-2 and Bcl-w</a:t>
+                      </a:r>
+                    </a:p>
+                  </a:txBody>
+                  <a:tcPr/>
+                </a:tc>
+              </a:tr>
+              <a:tr h="195942">
+                <a:tc>
+                  <a:txBody>
+                    <a:bodyPr/>
+                    <a:lstStyle/>
+                    <a:p>
+                      <a:pPr>
+                        <a:defRPr sz="1050"/>
+                      </a:pPr>
+                      <a:r>
+                        <a:t>xmd14-99</a:t>
+                      </a:r>
+                    </a:p>
+                  </a:txBody>
+                  <a:tcPr/>
+                </a:tc>
+                <a:tc>
+                  <a:txBody>
+                    <a:bodyPr/>
+                    <a:lstStyle/>
+                    <a:p>
+                      <a:pPr>
+                        <a:defRPr sz="1050"/>
+                      </a:pPr>
+                      <a:r>
+                        <a:t>0.48</a:t>
+                      </a:r>
+                    </a:p>
+                  </a:txBody>
+                  <a:tcPr/>
+                </a:tc>
+                <a:tc>
+                  <a:txBody>
+                    <a:bodyPr/>
+                    <a:lstStyle/>
+                    <a:p>
+                      <a:pPr>
+                        <a:defRPr sz="1050"/>
+                      </a:pPr>
+                      <a:r>
+                        <a:t>+..</a:t>
+                      </a:r>
+                    </a:p>
+                  </a:txBody>
+                  <a:tcPr/>
+                </a:tc>
+                <a:tc>
+                  <a:txBody>
+                    <a:bodyPr/>
+                    <a:lstStyle/>
+                    <a:p>
+                      <a:pPr>
+                        <a:defRPr sz="1050"/>
+                      </a:pPr>
+                      <a:r>
+                        <a:t>Not Clinically Relevant</a:t>
+                      </a:r>
+                    </a:p>
+                  </a:txBody>
+                  <a:tcPr/>
+                </a:tc>
+              </a:tr>
+              <a:tr h="195942">
+                <a:tc>
+                  <a:txBody>
+                    <a:bodyPr/>
+                    <a:lstStyle/>
+                    <a:p>
+                      <a:pPr>
+                        <a:defRPr sz="1050"/>
+                      </a:pPr>
+                      <a:r>
+                        <a:t>axitinib</a:t>
+                      </a:r>
+                    </a:p>
+                  </a:txBody>
+                  <a:tcPr/>
+                </a:tc>
+                <a:tc>
+                  <a:txBody>
+                    <a:bodyPr/>
+                    <a:lstStyle/>
+                    <a:p>
+                      <a:pPr>
+                        <a:defRPr sz="1050"/>
+                      </a:pPr>
+                      <a:r>
+                        <a:t>0.47</a:t>
+                      </a:r>
+                    </a:p>
+                  </a:txBody>
+                  <a:tcPr/>
+                </a:tc>
+                <a:tc>
+                  <a:txBody>
+                    <a:bodyPr/>
+                    <a:lstStyle/>
+                    <a:p>
+                      <a:pPr>
+                        <a:defRPr sz="1050"/>
+                      </a:pPr>
+                      <a:r>
+                        <a:t>++.</a:t>
+                      </a:r>
+                    </a:p>
+                  </a:txBody>
+                  <a:tcPr/>
+                </a:tc>
+                <a:tc>
+                  <a:txBody>
+                    <a:bodyPr/>
+                    <a:lstStyle/>
+                    <a:p>
+                      <a:pPr>
+                        <a:defRPr sz="1050"/>
+                      </a:pPr>
+                      <a:r>
+                        <a:t>VEGFR, c-KIT and PDGFR inhibitor</a:t>
+                      </a:r>
+                    </a:p>
+                  </a:txBody>
+                  <a:tcPr/>
+                </a:tc>
+              </a:tr>
+              <a:tr h="195942">
+                <a:tc>
+                  <a:txBody>
+                    <a:bodyPr/>
+                    <a:lstStyle/>
+                    <a:p>
+                      <a:pPr>
+                        <a:defRPr sz="1050"/>
+                      </a:pPr>
+                      <a:r>
+                        <a:t>hg-5-88-01</a:t>
+                      </a:r>
+                    </a:p>
+                  </a:txBody>
+                  <a:tcPr/>
+                </a:tc>
+                <a:tc>
+                  <a:txBody>
+                    <a:bodyPr/>
+                    <a:lstStyle/>
+                    <a:p>
+                      <a:pPr>
+                        <a:defRPr sz="1050"/>
+                      </a:pPr>
+                      <a:r>
+                        <a:t>0.47</a:t>
+                      </a:r>
+                    </a:p>
+                  </a:txBody>
+                  <a:tcPr/>
+                </a:tc>
+                <a:tc>
+                  <a:txBody>
+                    <a:bodyPr/>
+                    <a:lstStyle/>
+                    <a:p>
+                      <a:pPr>
+                        <a:defRPr sz="1050"/>
+                      </a:pPr>
+                      <a:r>
+                        <a:t>+..</a:t>
+                      </a:r>
+                    </a:p>
+                  </a:txBody>
+                  <a:tcPr/>
+                </a:tc>
+                <a:tc>
+                  <a:txBody>
+                    <a:bodyPr/>
+                    <a:lstStyle/>
+                    <a:p>
+                      <a:pPr>
+                        <a:defRPr sz="1050"/>
+                      </a:pPr>
+                      <a:r>
+                        <a:t>Not Clinically Relevant</a:t>
+                      </a:r>
+                    </a:p>
+                  </a:txBody>
+                  <a:tcPr/>
+                </a:tc>
+              </a:tr>
+              <a:tr h="195942">
+                <a:tc>
+                  <a:txBody>
+                    <a:bodyPr/>
+                    <a:lstStyle/>
+                    <a:p>
+                      <a:pPr>
+                        <a:defRPr sz="1050"/>
+                      </a:pPr>
+                      <a:r>
+                        <a:t>amuvatinib</a:t>
+                      </a:r>
+                    </a:p>
+                  </a:txBody>
+                  <a:tcPr/>
+                </a:tc>
+                <a:tc>
+                  <a:txBody>
+                    <a:bodyPr/>
+                    <a:lstStyle/>
+                    <a:p>
+                      <a:pPr>
+                        <a:defRPr sz="1050"/>
+                      </a:pPr>
+                      <a:r>
+                        <a:t>0.46</a:t>
+                      </a:r>
+                    </a:p>
+                  </a:txBody>
+                  <a:tcPr/>
+                </a:tc>
+                <a:tc>
+                  <a:txBody>
+                    <a:bodyPr/>
+                    <a:lstStyle/>
+                    <a:p>
+                      <a:pPr>
+                        <a:defRPr sz="1050"/>
+                      </a:pPr>
+                      <a:r>
+                        <a:t>+..</a:t>
+                      </a:r>
+                    </a:p>
+                  </a:txBody>
+                  <a:tcPr/>
+                </a:tc>
+                <a:tc>
+                  <a:txBody>
+                    <a:bodyPr/>
+                    <a:lstStyle/>
+                    <a:p>
+                      <a:pPr>
+                        <a:defRPr sz="1050"/>
+                      </a:pPr>
+                      <a:r>
+                        <a:t>Not Clinically Relevant</a:t>
+                      </a:r>
+                    </a:p>
+                  </a:txBody>
+                  <a:tcPr/>
+                </a:tc>
+              </a:tr>
+              <a:tr h="195942">
+                <a:tc>
+                  <a:txBody>
+                    <a:bodyPr/>
+                    <a:lstStyle/>
+                    <a:p>
+                      <a:pPr>
+                        <a:defRPr sz="1050"/>
+                      </a:pPr>
+                      <a:r>
+                        <a:t>xmd13-2</a:t>
+                      </a:r>
+                    </a:p>
+                  </a:txBody>
+                  <a:tcPr/>
+                </a:tc>
+                <a:tc>
+                  <a:txBody>
+                    <a:bodyPr/>
+                    <a:lstStyle/>
+                    <a:p>
+                      <a:pPr>
+                        <a:defRPr sz="1050"/>
+                      </a:pPr>
+                      <a:r>
+                        <a:t>0.45</a:t>
+                      </a:r>
+                    </a:p>
+                  </a:txBody>
+                  <a:tcPr/>
+                </a:tc>
+                <a:tc>
+                  <a:txBody>
+                    <a:bodyPr/>
+                    <a:lstStyle/>
+                    <a:p>
+                      <a:pPr>
+                        <a:defRPr sz="1050"/>
+                      </a:pPr>
+                      <a:r>
+                        <a:t>+..</a:t>
+                      </a:r>
+                    </a:p>
+                  </a:txBody>
+                  <a:tcPr/>
+                </a:tc>
+                <a:tc>
+                  <a:txBody>
+                    <a:bodyPr/>
+                    <a:lstStyle/>
+                    <a:p>
+                      <a:pPr>
+                        <a:defRPr sz="1050"/>
+                      </a:pPr>
+                      <a:r>
+                        <a:t>Not Clinically Relevant</a:t>
+                      </a:r>
+                    </a:p>
+                  </a:txBody>
+                  <a:tcPr/>
+                </a:tc>
+              </a:tr>
+              <a:tr h="195942">
+                <a:tc>
+                  <a:txBody>
+                    <a:bodyPr/>
+                    <a:lstStyle/>
+                    <a:p>
+                      <a:pPr>
+                        <a:defRPr sz="1050"/>
+                      </a:pPr>
+                      <a:r>
+                        <a:t>indisulam</a:t>
+                      </a:r>
+                    </a:p>
+                  </a:txBody>
+                  <a:tcPr/>
+                </a:tc>
+                <a:tc>
+                  <a:txBody>
+                    <a:bodyPr/>
+                    <a:lstStyle/>
+                    <a:p>
+                      <a:pPr>
+                        <a:defRPr sz="1050"/>
+                      </a:pPr>
+                      <a:r>
+                        <a:t>0.44</a:t>
+                      </a:r>
+                    </a:p>
+                  </a:txBody>
+                  <a:tcPr/>
+                </a:tc>
+                <a:tc>
+                  <a:txBody>
+                    <a:bodyPr/>
+                    <a:lstStyle/>
+                    <a:p>
+                      <a:pPr>
+                        <a:defRPr sz="1050"/>
+                      </a:pPr>
+                      <a:r>
+                        <a:t>.+.</a:t>
+                      </a:r>
+                    </a:p>
+                  </a:txBody>
+                  <a:tcPr/>
+                </a:tc>
+                <a:tc>
+                  <a:txBody>
+                    <a:bodyPr/>
+                    <a:lstStyle/>
+                    <a:p>
+                      <a:pPr>
+                        <a:defRPr sz="1050"/>
+                      </a:pPr>
+                      <a:r>
+                        <a:t>carbonic anhydrase inibitor and  CDK inhibitor, targets G1 by depleting cyclin E. inducing p53 and p21, and inhibiting CDK2</a:t>
+                      </a:r>
+                    </a:p>
+                  </a:txBody>
+                  <a:tcPr/>
+                </a:tc>
+              </a:tr>
+              <a:tr h="195942">
+                <a:tc>
+                  <a:txBody>
+                    <a:bodyPr/>
+                    <a:lstStyle/>
+                    <a:p>
+                      <a:pPr>
+                        <a:defRPr sz="1050"/>
+                      </a:pPr>
+                      <a:r>
+                        <a:t>nsc-87877</a:t>
+                      </a:r>
+                    </a:p>
+                  </a:txBody>
+                  <a:tcPr/>
+                </a:tc>
+                <a:tc>
+                  <a:txBody>
+                    <a:bodyPr/>
+                    <a:lstStyle/>
+                    <a:p>
+                      <a:pPr>
+                        <a:defRPr sz="1050"/>
+                      </a:pPr>
+                      <a:r>
+                        <a:t>0.43</a:t>
+                      </a:r>
+                    </a:p>
+                  </a:txBody>
+                  <a:tcPr/>
+                </a:tc>
+                <a:tc>
+                  <a:txBody>
+                    <a:bodyPr/>
+                    <a:lstStyle/>
+                    <a:p>
+                      <a:pPr>
+                        <a:defRPr sz="1050"/>
+                      </a:pPr>
+                      <a:r>
+                        <a:t>+..</a:t>
+                      </a:r>
+                    </a:p>
+                  </a:txBody>
+                  <a:tcPr/>
+                </a:tc>
+                <a:tc>
+                  <a:txBody>
+                    <a:bodyPr/>
+                    <a:lstStyle/>
+                    <a:p>
+                      <a:pPr>
+                        <a:defRPr sz="1050"/>
+                      </a:pPr>
+                      <a:r>
+                        <a:t>Not Clinically Relevant</a:t>
+                      </a:r>
+                    </a:p>
+                  </a:txBody>
+                  <a:tcPr/>
+                </a:tc>
+              </a:tr>
+              <a:tr h="195960">
+                <a:tc>
+                  <a:txBody>
+                    <a:bodyPr/>
+                    <a:lstStyle/>
+                    <a:p>
+                      <a:pPr>
+                        <a:defRPr sz="1050"/>
+                      </a:pPr>
+                      <a:r>
+                        <a:t>cil55</a:t>
+                      </a:r>
+                    </a:p>
+                  </a:txBody>
+                  <a:tcPr/>
+                </a:tc>
+                <a:tc>
+                  <a:txBody>
+                    <a:bodyPr/>
+                    <a:lstStyle/>
+                    <a:p>
+                      <a:pPr>
+                        <a:defRPr sz="1050"/>
+                      </a:pPr>
+                      <a:r>
+                        <a:t>0.43</a:t>
+                      </a:r>
+                    </a:p>
+                  </a:txBody>
+                  <a:tcPr/>
+                </a:tc>
+                <a:tc>
+                  <a:txBody>
+                    <a:bodyPr/>
+                    <a:lstStyle/>
+                    <a:p>
+                      <a:pPr>
+                        <a:defRPr sz="1050"/>
+                      </a:pPr>
+                      <a:r>
+                        <a:t>.+.</a:t>
+                      </a:r>
+                    </a:p>
+                  </a:txBody>
+                  <a:tcPr/>
+                </a:tc>
+                <a:tc>
+                  <a:txBody>
+                    <a:bodyPr/>
+                    <a:lstStyle/>
+                    <a:p>
+                      <a:pPr>
+                        <a:defRPr sz="1050"/>
+                      </a:pPr>
+                      <a:r>
+                        <a:t>Not Clinically Relevant</a:t>
+                      </a:r>
+                    </a:p>
+                  </a:txBody>
+                  <a:tcPr/>
+                </a:tc>
+              </a:tr>
+            </a:tbl>
+          </a:graphicData>
+        </a:graphic>
+      </p:graphicFrame>
+    </p:spTree>
+  </p:cSld>
+  <p:clrMapOvr>
+    <a:masterClrMapping/>
+  </p:clrMapOvr>
+</p:sld>
+</file>
+
 <file path=ppt/slides/slide4.xml><?xml version="1.0" encoding="utf-8"?>
 <p:sld xmlns:a="http://schemas.openxmlformats.org/drawingml/2006/main" xmlns:p="http://schemas.openxmlformats.org/presentationml/2006/main" xmlns:r="http://schemas.openxmlformats.org/officeDocument/2006/relationships">
   <p:cSld>

--- a/Notebooks/patients/BT084/BT084.mtb_slides.pptx
+++ b/Notebooks/patients/BT084/BT084.mtb_slides.pptx
@@ -38,6 +38,10 @@
     <p:sldId id="286" r:id="rId37"/>
     <p:sldId id="287" r:id="rId38"/>
     <p:sldId id="288" r:id="rId39"/>
+    <p:sldId id="289" r:id="rId40"/>
+    <p:sldId id="290" r:id="rId41"/>
+    <p:sldId id="291" r:id="rId42"/>
+    <p:sldId id="292" r:id="rId43"/>
   </p:sldIdLst>
   <p:sldSz cx="9144000" cy="6858000" type="screen4x3"/>
   <p:notesSz cx="6858000" cy="9144000"/>
@@ -43406,6 +43410,5809 @@
 </p:sld>
 </file>
 
+<file path=ppt/slides/slide34.xml><?xml version="1.0" encoding="utf-8"?>
+<p:sld xmlns:a="http://schemas.openxmlformats.org/drawingml/2006/main" xmlns:p="http://schemas.openxmlformats.org/presentationml/2006/main" xmlns:r="http://schemas.openxmlformats.org/officeDocument/2006/relationships">
+  <p:cSld>
+    <p:spTree>
+      <p:nvGrpSpPr>
+        <p:cNvPr id="1" name=""/>
+        <p:cNvGrpSpPr/>
+        <p:nvPr/>
+      </p:nvGrpSpPr>
+      <p:grpSpPr/>
+      <p:sp>
+        <p:nvSpPr>
+          <p:cNvPr id="2" name="TextBox 1"/>
+          <p:cNvSpPr txBox="1"/>
+          <p:nvPr/>
+        </p:nvSpPr>
+        <p:spPr>
+          <a:xfrm>
+            <a:off x="0" y="0"/>
+            <a:ext cx="9144000" cy="685800"/>
+          </a:xfrm>
+          <a:prstGeom prst="rect">
+            <a:avLst/>
+          </a:prstGeom>
+          <a:noFill/>
+        </p:spPr>
+        <p:txBody>
+          <a:bodyPr wrap="none">
+            <a:spAutoFit/>
+          </a:bodyPr>
+          <a:lstStyle/>
+          <a:p/>
+          <a:p>
+            <a:pPr>
+              <a:defRPr sz="2600"/>
+            </a:pPr>
+            <a:r>
+              <a:t>DiSCoVER: top drugs (cerebellar stem cell control)</a:t>
+            </a:r>
+          </a:p>
+        </p:txBody>
+      </p:sp>
+      <p:graphicFrame>
+        <p:nvGraphicFramePr>
+          <p:cNvPr id="3" name="Table 2"/>
+          <p:cNvGraphicFramePr>
+            <a:graphicFrameLocks noGrp="1"/>
+          </p:cNvGraphicFramePr>
+          <p:nvPr/>
+        </p:nvGraphicFramePr>
+        <p:xfrm>
+          <a:off x="411480" y="777240"/>
+          <a:ext cx="8275320" cy="4114800"/>
+        </p:xfrm>
+        <a:graphic>
+          <a:graphicData uri="http://schemas.openxmlformats.org/drawingml/2006/table">
+            <a:tbl>
+              <a:tblPr firstRow="1" bandRow="1">
+                <a:tableStyleId>{5C22544A-7EE6-4342-B048-85BDC9FD1C3A}</a:tableStyleId>
+              </a:tblPr>
+              <a:tblGrid>
+                <a:gridCol w="1005840"/>
+                <a:gridCol w="731520"/>
+                <a:gridCol w="1051560"/>
+                <a:gridCol w="5486400"/>
+              </a:tblGrid>
+              <a:tr h="195942">
+                <a:tc>
+                  <a:txBody>
+                    <a:bodyPr/>
+                    <a:lstStyle/>
+                    <a:p>
+                      <a:r>
+                        <a:t>Drug</a:t>
+                      </a:r>
+                    </a:p>
+                  </a:txBody>
+                  <a:tcPr/>
+                </a:tc>
+                <a:tc>
+                  <a:txBody>
+                    <a:bodyPr/>
+                    <a:lstStyle/>
+                    <a:p>
+                      <a:r>
+                        <a:t>Score</a:t>
+                      </a:r>
+                    </a:p>
+                  </a:txBody>
+                  <a:tcPr/>
+                </a:tc>
+                <a:tc>
+                  <a:txBody>
+                    <a:bodyPr/>
+                    <a:lstStyle/>
+                    <a:p>
+                      <a:r>
+                        <a:t>Evidence</a:t>
+                      </a:r>
+                    </a:p>
+                  </a:txBody>
+                  <a:tcPr/>
+                </a:tc>
+                <a:tc>
+                  <a:txBody>
+                    <a:bodyPr/>
+                    <a:lstStyle/>
+                    <a:p>
+                      <a:r>
+                        <a:t>Mechanism of action</a:t>
+                      </a:r>
+                    </a:p>
+                  </a:txBody>
+                  <a:tcPr/>
+                </a:tc>
+              </a:tr>
+              <a:tr h="195942">
+                <a:tc>
+                  <a:txBody>
+                    <a:bodyPr/>
+                    <a:lstStyle/>
+                    <a:p>
+                      <a:pPr>
+                        <a:defRPr sz="1050"/>
+                      </a:pPr>
+                      <a:r>
+                        <a:t>tl-2-105</a:t>
+                      </a:r>
+                    </a:p>
+                  </a:txBody>
+                  <a:tcPr/>
+                </a:tc>
+                <a:tc>
+                  <a:txBody>
+                    <a:bodyPr/>
+                    <a:lstStyle/>
+                    <a:p>
+                      <a:pPr>
+                        <a:defRPr sz="1050"/>
+                      </a:pPr>
+                      <a:r>
+                        <a:t>0.65</a:t>
+                      </a:r>
+                    </a:p>
+                  </a:txBody>
+                  <a:tcPr/>
+                </a:tc>
+                <a:tc>
+                  <a:txBody>
+                    <a:bodyPr/>
+                    <a:lstStyle/>
+                    <a:p>
+                      <a:pPr>
+                        <a:defRPr sz="1050"/>
+                      </a:pPr>
+                      <a:r>
+                        <a:t>+..</a:t>
+                      </a:r>
+                    </a:p>
+                  </a:txBody>
+                  <a:tcPr/>
+                </a:tc>
+                <a:tc>
+                  <a:txBody>
+                    <a:bodyPr/>
+                    <a:lstStyle/>
+                    <a:p>
+                      <a:pPr>
+                        <a:defRPr sz="1050"/>
+                      </a:pPr>
+                      <a:r>
+                        <a:t>Not Clinically Relevant</a:t>
+                      </a:r>
+                    </a:p>
+                  </a:txBody>
+                  <a:tcPr/>
+                </a:tc>
+              </a:tr>
+              <a:tr h="195942">
+                <a:tc>
+                  <a:txBody>
+                    <a:bodyPr/>
+                    <a:lstStyle/>
+                    <a:p>
+                      <a:pPr>
+                        <a:defRPr sz="1050"/>
+                      </a:pPr>
+                      <a:r>
+                        <a:t>sb52334</a:t>
+                      </a:r>
+                    </a:p>
+                  </a:txBody>
+                  <a:tcPr/>
+                </a:tc>
+                <a:tc>
+                  <a:txBody>
+                    <a:bodyPr/>
+                    <a:lstStyle/>
+                    <a:p>
+                      <a:pPr>
+                        <a:defRPr sz="1050"/>
+                      </a:pPr>
+                      <a:r>
+                        <a:t>0.62</a:t>
+                      </a:r>
+                    </a:p>
+                  </a:txBody>
+                  <a:tcPr/>
+                </a:tc>
+                <a:tc>
+                  <a:txBody>
+                    <a:bodyPr/>
+                    <a:lstStyle/>
+                    <a:p>
+                      <a:pPr>
+                        <a:defRPr sz="1050"/>
+                      </a:pPr>
+                      <a:r>
+                        <a:t>+..</a:t>
+                      </a:r>
+                    </a:p>
+                  </a:txBody>
+                  <a:tcPr/>
+                </a:tc>
+                <a:tc>
+                  <a:txBody>
+                    <a:bodyPr/>
+                    <a:lstStyle/>
+                    <a:p>
+                      <a:pPr>
+                        <a:defRPr sz="1050"/>
+                      </a:pPr>
+                      <a:r>
+                        <a:t>Not Clinically Relevant</a:t>
+                      </a:r>
+                    </a:p>
+                  </a:txBody>
+                  <a:tcPr/>
+                </a:tc>
+              </a:tr>
+              <a:tr h="195942">
+                <a:tc>
+                  <a:txBody>
+                    <a:bodyPr/>
+                    <a:lstStyle/>
+                    <a:p>
+                      <a:pPr>
+                        <a:defRPr sz="1050"/>
+                      </a:pPr>
+                      <a:r>
+                        <a:t>gsk1070916</a:t>
+                      </a:r>
+                    </a:p>
+                  </a:txBody>
+                  <a:tcPr/>
+                </a:tc>
+                <a:tc>
+                  <a:txBody>
+                    <a:bodyPr/>
+                    <a:lstStyle/>
+                    <a:p>
+                      <a:pPr>
+                        <a:defRPr sz="1050"/>
+                      </a:pPr>
+                      <a:r>
+                        <a:t>0.61</a:t>
+                      </a:r>
+                    </a:p>
+                  </a:txBody>
+                  <a:tcPr/>
+                </a:tc>
+                <a:tc>
+                  <a:txBody>
+                    <a:bodyPr/>
+                    <a:lstStyle/>
+                    <a:p>
+                      <a:pPr>
+                        <a:defRPr sz="1050"/>
+                      </a:pPr>
+                      <a:r>
+                        <a:t>+..</a:t>
+                      </a:r>
+                    </a:p>
+                  </a:txBody>
+                  <a:tcPr/>
+                </a:tc>
+                <a:tc>
+                  <a:txBody>
+                    <a:bodyPr/>
+                    <a:lstStyle/>
+                    <a:p>
+                      <a:pPr>
+                        <a:defRPr sz="1050"/>
+                      </a:pPr>
+                      <a:r>
+                        <a:t>Not Clinically Relevant</a:t>
+                      </a:r>
+                    </a:p>
+                  </a:txBody>
+                  <a:tcPr/>
+                </a:tc>
+              </a:tr>
+              <a:tr h="195942">
+                <a:tc>
+                  <a:txBody>
+                    <a:bodyPr/>
+                    <a:lstStyle/>
+                    <a:p>
+                      <a:pPr>
+                        <a:defRPr sz="1050"/>
+                      </a:pPr>
+                      <a:r>
+                        <a:t>ql-xii-61</a:t>
+                      </a:r>
+                    </a:p>
+                  </a:txBody>
+                  <a:tcPr/>
+                </a:tc>
+                <a:tc>
+                  <a:txBody>
+                    <a:bodyPr/>
+                    <a:lstStyle/>
+                    <a:p>
+                      <a:pPr>
+                        <a:defRPr sz="1050"/>
+                      </a:pPr>
+                      <a:r>
+                        <a:t>0.59</a:t>
+                      </a:r>
+                    </a:p>
+                  </a:txBody>
+                  <a:tcPr/>
+                </a:tc>
+                <a:tc>
+                  <a:txBody>
+                    <a:bodyPr/>
+                    <a:lstStyle/>
+                    <a:p>
+                      <a:pPr>
+                        <a:defRPr sz="1050"/>
+                      </a:pPr>
+                      <a:r>
+                        <a:t>+..</a:t>
+                      </a:r>
+                    </a:p>
+                  </a:txBody>
+                  <a:tcPr/>
+                </a:tc>
+                <a:tc>
+                  <a:txBody>
+                    <a:bodyPr/>
+                    <a:lstStyle/>
+                    <a:p>
+                      <a:pPr>
+                        <a:defRPr sz="1050"/>
+                      </a:pPr>
+                      <a:r>
+                        <a:t>Not Clinically Relevant</a:t>
+                      </a:r>
+                    </a:p>
+                  </a:txBody>
+                  <a:tcPr/>
+                </a:tc>
+              </a:tr>
+              <a:tr h="195942">
+                <a:tc>
+                  <a:txBody>
+                    <a:bodyPr/>
+                    <a:lstStyle/>
+                    <a:p>
+                      <a:pPr>
+                        <a:defRPr sz="1050"/>
+                      </a:pPr>
+                      <a:r>
+                        <a:t>linsitinib</a:t>
+                      </a:r>
+                    </a:p>
+                  </a:txBody>
+                  <a:tcPr/>
+                </a:tc>
+                <a:tc>
+                  <a:txBody>
+                    <a:bodyPr/>
+                    <a:lstStyle/>
+                    <a:p>
+                      <a:pPr>
+                        <a:defRPr sz="1050"/>
+                      </a:pPr>
+                      <a:r>
+                        <a:t>0.55</a:t>
+                      </a:r>
+                    </a:p>
+                  </a:txBody>
+                  <a:tcPr/>
+                </a:tc>
+                <a:tc>
+                  <a:txBody>
+                    <a:bodyPr/>
+                    <a:lstStyle/>
+                    <a:p>
+                      <a:pPr>
+                        <a:defRPr sz="1050"/>
+                      </a:pPr>
+                      <a:r>
+                        <a:t>++.</a:t>
+                      </a:r>
+                    </a:p>
+                  </a:txBody>
+                  <a:tcPr/>
+                </a:tc>
+                <a:tc>
+                  <a:txBody>
+                    <a:bodyPr/>
+                    <a:lstStyle/>
+                    <a:p>
+                      <a:pPr>
+                        <a:defRPr sz="1050"/>
+                      </a:pPr>
+                      <a:r>
+                        <a:t>IGF-1R inhibitor</a:t>
+                      </a:r>
+                    </a:p>
+                  </a:txBody>
+                  <a:tcPr/>
+                </a:tc>
+              </a:tr>
+              <a:tr h="195942">
+                <a:tc>
+                  <a:txBody>
+                    <a:bodyPr/>
+                    <a:lstStyle/>
+                    <a:p>
+                      <a:pPr>
+                        <a:defRPr sz="1050"/>
+                      </a:pPr>
+                      <a:r>
+                        <a:t>gw-2580</a:t>
+                      </a:r>
+                    </a:p>
+                  </a:txBody>
+                  <a:tcPr/>
+                </a:tc>
+                <a:tc>
+                  <a:txBody>
+                    <a:bodyPr/>
+                    <a:lstStyle/>
+                    <a:p>
+                      <a:pPr>
+                        <a:defRPr sz="1050"/>
+                      </a:pPr>
+                      <a:r>
+                        <a:t>0.55</a:t>
+                      </a:r>
+                    </a:p>
+                  </a:txBody>
+                  <a:tcPr/>
+                </a:tc>
+                <a:tc>
+                  <a:txBody>
+                    <a:bodyPr/>
+                    <a:lstStyle/>
+                    <a:p>
+                      <a:pPr>
+                        <a:defRPr sz="1050"/>
+                      </a:pPr>
+                      <a:r>
+                        <a:t>+..</a:t>
+                      </a:r>
+                    </a:p>
+                  </a:txBody>
+                  <a:tcPr/>
+                </a:tc>
+                <a:tc>
+                  <a:txBody>
+                    <a:bodyPr/>
+                    <a:lstStyle/>
+                    <a:p>
+                      <a:pPr>
+                        <a:defRPr sz="1050"/>
+                      </a:pPr>
+                      <a:r>
+                        <a:t>Not Clinically Relevant</a:t>
+                      </a:r>
+                    </a:p>
+                  </a:txBody>
+                  <a:tcPr/>
+                </a:tc>
+              </a:tr>
+              <a:tr h="195942">
+                <a:tc>
+                  <a:txBody>
+                    <a:bodyPr/>
+                    <a:lstStyle/>
+                    <a:p>
+                      <a:pPr>
+                        <a:defRPr sz="1050"/>
+                      </a:pPr>
+                      <a:r>
+                        <a:t>gsk429286a</a:t>
+                      </a:r>
+                    </a:p>
+                  </a:txBody>
+                  <a:tcPr/>
+                </a:tc>
+                <a:tc>
+                  <a:txBody>
+                    <a:bodyPr/>
+                    <a:lstStyle/>
+                    <a:p>
+                      <a:pPr>
+                        <a:defRPr sz="1050"/>
+                      </a:pPr>
+                      <a:r>
+                        <a:t>0.55</a:t>
+                      </a:r>
+                    </a:p>
+                  </a:txBody>
+                  <a:tcPr/>
+                </a:tc>
+                <a:tc>
+                  <a:txBody>
+                    <a:bodyPr/>
+                    <a:lstStyle/>
+                    <a:p>
+                      <a:pPr>
+                        <a:defRPr sz="1050"/>
+                      </a:pPr>
+                      <a:r>
+                        <a:t>+..</a:t>
+                      </a:r>
+                    </a:p>
+                  </a:txBody>
+                  <a:tcPr/>
+                </a:tc>
+                <a:tc>
+                  <a:txBody>
+                    <a:bodyPr/>
+                    <a:lstStyle/>
+                    <a:p>
+                      <a:pPr>
+                        <a:defRPr sz="1050"/>
+                      </a:pPr>
+                      <a:r>
+                        <a:t>Not Clinically Relevant</a:t>
+                      </a:r>
+                    </a:p>
+                  </a:txBody>
+                  <a:tcPr/>
+                </a:tc>
+              </a:tr>
+              <a:tr h="195942">
+                <a:tc>
+                  <a:txBody>
+                    <a:bodyPr/>
+                    <a:lstStyle/>
+                    <a:p>
+                      <a:pPr>
+                        <a:defRPr sz="1050"/>
+                      </a:pPr>
+                      <a:r>
+                        <a:t>tubastatin a</a:t>
+                      </a:r>
+                    </a:p>
+                  </a:txBody>
+                  <a:tcPr/>
+                </a:tc>
+                <a:tc>
+                  <a:txBody>
+                    <a:bodyPr/>
+                    <a:lstStyle/>
+                    <a:p>
+                      <a:pPr>
+                        <a:defRPr sz="1050"/>
+                      </a:pPr>
+                      <a:r>
+                        <a:t>0.54</a:t>
+                      </a:r>
+                    </a:p>
+                  </a:txBody>
+                  <a:tcPr/>
+                </a:tc>
+                <a:tc>
+                  <a:txBody>
+                    <a:bodyPr/>
+                    <a:lstStyle/>
+                    <a:p>
+                      <a:pPr>
+                        <a:defRPr sz="1050"/>
+                      </a:pPr>
+                      <a:r>
+                        <a:t>++.</a:t>
+                      </a:r>
+                    </a:p>
+                  </a:txBody>
+                  <a:tcPr/>
+                </a:tc>
+                <a:tc>
+                  <a:txBody>
+                    <a:bodyPr/>
+                    <a:lstStyle/>
+                    <a:p>
+                      <a:pPr>
+                        <a:defRPr sz="1050"/>
+                      </a:pPr>
+                      <a:r>
+                        <a:t>Not Clinically Relevant</a:t>
+                      </a:r>
+                    </a:p>
+                  </a:txBody>
+                  <a:tcPr/>
+                </a:tc>
+              </a:tr>
+              <a:tr h="195942">
+                <a:tc>
+                  <a:txBody>
+                    <a:bodyPr/>
+                    <a:lstStyle/>
+                    <a:p>
+                      <a:pPr>
+                        <a:defRPr sz="1050"/>
+                      </a:pPr>
+                      <a:r>
+                        <a:t>bx-912</a:t>
+                      </a:r>
+                    </a:p>
+                  </a:txBody>
+                  <a:tcPr/>
+                </a:tc>
+                <a:tc>
+                  <a:txBody>
+                    <a:bodyPr/>
+                    <a:lstStyle/>
+                    <a:p>
+                      <a:pPr>
+                        <a:defRPr sz="1050"/>
+                      </a:pPr>
+                      <a:r>
+                        <a:t>0.54</a:t>
+                      </a:r>
+                    </a:p>
+                  </a:txBody>
+                  <a:tcPr/>
+                </a:tc>
+                <a:tc>
+                  <a:txBody>
+                    <a:bodyPr/>
+                    <a:lstStyle/>
+                    <a:p>
+                      <a:pPr>
+                        <a:defRPr sz="1050"/>
+                      </a:pPr>
+                      <a:r>
+                        <a:t>+..</a:t>
+                      </a:r>
+                    </a:p>
+                  </a:txBody>
+                  <a:tcPr/>
+                </a:tc>
+                <a:tc>
+                  <a:txBody>
+                    <a:bodyPr/>
+                    <a:lstStyle/>
+                    <a:p>
+                      <a:pPr>
+                        <a:defRPr sz="1050"/>
+                      </a:pPr>
+                      <a:r>
+                        <a:t>Not Clinically Relevant</a:t>
+                      </a:r>
+                    </a:p>
+                  </a:txBody>
+                  <a:tcPr/>
+                </a:tc>
+              </a:tr>
+              <a:tr h="195942">
+                <a:tc>
+                  <a:txBody>
+                    <a:bodyPr/>
+                    <a:lstStyle/>
+                    <a:p>
+                      <a:pPr>
+                        <a:defRPr sz="1050"/>
+                      </a:pPr>
+                      <a:r>
+                        <a:t>vx-702</a:t>
+                      </a:r>
+                    </a:p>
+                  </a:txBody>
+                  <a:tcPr/>
+                </a:tc>
+                <a:tc>
+                  <a:txBody>
+                    <a:bodyPr/>
+                    <a:lstStyle/>
+                    <a:p>
+                      <a:pPr>
+                        <a:defRPr sz="1050"/>
+                      </a:pPr>
+                      <a:r>
+                        <a:t>0.53</a:t>
+                      </a:r>
+                    </a:p>
+                  </a:txBody>
+                  <a:tcPr/>
+                </a:tc>
+                <a:tc>
+                  <a:txBody>
+                    <a:bodyPr/>
+                    <a:lstStyle/>
+                    <a:p>
+                      <a:pPr>
+                        <a:defRPr sz="1050"/>
+                      </a:pPr>
+                      <a:r>
+                        <a:t>+..</a:t>
+                      </a:r>
+                    </a:p>
+                  </a:txBody>
+                  <a:tcPr/>
+                </a:tc>
+                <a:tc>
+                  <a:txBody>
+                    <a:bodyPr/>
+                    <a:lstStyle/>
+                    <a:p>
+                      <a:pPr>
+                        <a:defRPr sz="1050"/>
+                      </a:pPr>
+                      <a:r>
+                        <a:t>Not Clinically Relevant</a:t>
+                      </a:r>
+                    </a:p>
+                  </a:txBody>
+                  <a:tcPr/>
+                </a:tc>
+              </a:tr>
+              <a:tr h="195942">
+                <a:tc>
+                  <a:txBody>
+                    <a:bodyPr/>
+                    <a:lstStyle/>
+                    <a:p>
+                      <a:pPr>
+                        <a:defRPr sz="1050"/>
+                      </a:pPr>
+                      <a:r>
+                        <a:t>rucaparib</a:t>
+                      </a:r>
+                    </a:p>
+                  </a:txBody>
+                  <a:tcPr/>
+                </a:tc>
+                <a:tc>
+                  <a:txBody>
+                    <a:bodyPr/>
+                    <a:lstStyle/>
+                    <a:p>
+                      <a:pPr>
+                        <a:defRPr sz="1050"/>
+                      </a:pPr>
+                      <a:r>
+                        <a:t>0.52</a:t>
+                      </a:r>
+                    </a:p>
+                  </a:txBody>
+                  <a:tcPr/>
+                </a:tc>
+                <a:tc>
+                  <a:txBody>
+                    <a:bodyPr/>
+                    <a:lstStyle/>
+                    <a:p>
+                      <a:pPr>
+                        <a:defRPr sz="1050"/>
+                      </a:pPr>
+                      <a:r>
+                        <a:t>+..</a:t>
+                      </a:r>
+                    </a:p>
+                  </a:txBody>
+                  <a:tcPr/>
+                </a:tc>
+                <a:tc>
+                  <a:txBody>
+                    <a:bodyPr/>
+                    <a:lstStyle/>
+                    <a:p>
+                      <a:pPr>
+                        <a:defRPr sz="1050"/>
+                      </a:pPr>
+                      <a:r>
+                        <a:t>PARP inhibitor, inhibits DNA repair</a:t>
+                      </a:r>
+                    </a:p>
+                  </a:txBody>
+                  <a:tcPr/>
+                </a:tc>
+              </a:tr>
+              <a:tr h="195942">
+                <a:tc>
+                  <a:txBody>
+                    <a:bodyPr/>
+                    <a:lstStyle/>
+                    <a:p>
+                      <a:pPr>
+                        <a:defRPr sz="1050"/>
+                      </a:pPr>
+                      <a:r>
+                        <a:t>navitoclax</a:t>
+                      </a:r>
+                    </a:p>
+                  </a:txBody>
+                  <a:tcPr/>
+                </a:tc>
+                <a:tc>
+                  <a:txBody>
+                    <a:bodyPr/>
+                    <a:lstStyle/>
+                    <a:p>
+                      <a:pPr>
+                        <a:defRPr sz="1050"/>
+                      </a:pPr>
+                      <a:r>
+                        <a:t>0.51</a:t>
+                      </a:r>
+                    </a:p>
+                  </a:txBody>
+                  <a:tcPr/>
+                </a:tc>
+                <a:tc>
+                  <a:txBody>
+                    <a:bodyPr/>
+                    <a:lstStyle/>
+                    <a:p>
+                      <a:pPr>
+                        <a:defRPr sz="1050"/>
+                      </a:pPr>
+                      <a:r>
+                        <a:t>++.</a:t>
+                      </a:r>
+                    </a:p>
+                  </a:txBody>
+                  <a:tcPr/>
+                </a:tc>
+                <a:tc>
+                  <a:txBody>
+                    <a:bodyPr/>
+                    <a:lstStyle/>
+                    <a:p>
+                      <a:pPr>
+                        <a:defRPr sz="1050"/>
+                      </a:pPr>
+                      <a:r>
+                        <a:t>Bcl-2 family inhibitor: esp Bcl-xL, Bcl-2 and Bcl-w</a:t>
+                      </a:r>
+                    </a:p>
+                  </a:txBody>
+                  <a:tcPr/>
+                </a:tc>
+              </a:tr>
+              <a:tr h="195942">
+                <a:tc>
+                  <a:txBody>
+                    <a:bodyPr/>
+                    <a:lstStyle/>
+                    <a:p>
+                      <a:pPr>
+                        <a:defRPr sz="1050"/>
+                      </a:pPr>
+                      <a:r>
+                        <a:t>xmd14-99</a:t>
+                      </a:r>
+                    </a:p>
+                  </a:txBody>
+                  <a:tcPr/>
+                </a:tc>
+                <a:tc>
+                  <a:txBody>
+                    <a:bodyPr/>
+                    <a:lstStyle/>
+                    <a:p>
+                      <a:pPr>
+                        <a:defRPr sz="1050"/>
+                      </a:pPr>
+                      <a:r>
+                        <a:t>0.48</a:t>
+                      </a:r>
+                    </a:p>
+                  </a:txBody>
+                  <a:tcPr/>
+                </a:tc>
+                <a:tc>
+                  <a:txBody>
+                    <a:bodyPr/>
+                    <a:lstStyle/>
+                    <a:p>
+                      <a:pPr>
+                        <a:defRPr sz="1050"/>
+                      </a:pPr>
+                      <a:r>
+                        <a:t>+..</a:t>
+                      </a:r>
+                    </a:p>
+                  </a:txBody>
+                  <a:tcPr/>
+                </a:tc>
+                <a:tc>
+                  <a:txBody>
+                    <a:bodyPr/>
+                    <a:lstStyle/>
+                    <a:p>
+                      <a:pPr>
+                        <a:defRPr sz="1050"/>
+                      </a:pPr>
+                      <a:r>
+                        <a:t>Not Clinically Relevant</a:t>
+                      </a:r>
+                    </a:p>
+                  </a:txBody>
+                  <a:tcPr/>
+                </a:tc>
+              </a:tr>
+              <a:tr h="195942">
+                <a:tc>
+                  <a:txBody>
+                    <a:bodyPr/>
+                    <a:lstStyle/>
+                    <a:p>
+                      <a:pPr>
+                        <a:defRPr sz="1050"/>
+                      </a:pPr>
+                      <a:r>
+                        <a:t>axitinib</a:t>
+                      </a:r>
+                    </a:p>
+                  </a:txBody>
+                  <a:tcPr/>
+                </a:tc>
+                <a:tc>
+                  <a:txBody>
+                    <a:bodyPr/>
+                    <a:lstStyle/>
+                    <a:p>
+                      <a:pPr>
+                        <a:defRPr sz="1050"/>
+                      </a:pPr>
+                      <a:r>
+                        <a:t>0.47</a:t>
+                      </a:r>
+                    </a:p>
+                  </a:txBody>
+                  <a:tcPr/>
+                </a:tc>
+                <a:tc>
+                  <a:txBody>
+                    <a:bodyPr/>
+                    <a:lstStyle/>
+                    <a:p>
+                      <a:pPr>
+                        <a:defRPr sz="1050"/>
+                      </a:pPr>
+                      <a:r>
+                        <a:t>++.</a:t>
+                      </a:r>
+                    </a:p>
+                  </a:txBody>
+                  <a:tcPr/>
+                </a:tc>
+                <a:tc>
+                  <a:txBody>
+                    <a:bodyPr/>
+                    <a:lstStyle/>
+                    <a:p>
+                      <a:pPr>
+                        <a:defRPr sz="1050"/>
+                      </a:pPr>
+                      <a:r>
+                        <a:t>VEGFR, c-KIT and PDGFR inhibitor</a:t>
+                      </a:r>
+                    </a:p>
+                  </a:txBody>
+                  <a:tcPr/>
+                </a:tc>
+              </a:tr>
+              <a:tr h="195942">
+                <a:tc>
+                  <a:txBody>
+                    <a:bodyPr/>
+                    <a:lstStyle/>
+                    <a:p>
+                      <a:pPr>
+                        <a:defRPr sz="1050"/>
+                      </a:pPr>
+                      <a:r>
+                        <a:t>hg-5-88-01</a:t>
+                      </a:r>
+                    </a:p>
+                  </a:txBody>
+                  <a:tcPr/>
+                </a:tc>
+                <a:tc>
+                  <a:txBody>
+                    <a:bodyPr/>
+                    <a:lstStyle/>
+                    <a:p>
+                      <a:pPr>
+                        <a:defRPr sz="1050"/>
+                      </a:pPr>
+                      <a:r>
+                        <a:t>0.47</a:t>
+                      </a:r>
+                    </a:p>
+                  </a:txBody>
+                  <a:tcPr/>
+                </a:tc>
+                <a:tc>
+                  <a:txBody>
+                    <a:bodyPr/>
+                    <a:lstStyle/>
+                    <a:p>
+                      <a:pPr>
+                        <a:defRPr sz="1050"/>
+                      </a:pPr>
+                      <a:r>
+                        <a:t>+..</a:t>
+                      </a:r>
+                    </a:p>
+                  </a:txBody>
+                  <a:tcPr/>
+                </a:tc>
+                <a:tc>
+                  <a:txBody>
+                    <a:bodyPr/>
+                    <a:lstStyle/>
+                    <a:p>
+                      <a:pPr>
+                        <a:defRPr sz="1050"/>
+                      </a:pPr>
+                      <a:r>
+                        <a:t>Not Clinically Relevant</a:t>
+                      </a:r>
+                    </a:p>
+                  </a:txBody>
+                  <a:tcPr/>
+                </a:tc>
+              </a:tr>
+              <a:tr h="195942">
+                <a:tc>
+                  <a:txBody>
+                    <a:bodyPr/>
+                    <a:lstStyle/>
+                    <a:p>
+                      <a:pPr>
+                        <a:defRPr sz="1050"/>
+                      </a:pPr>
+                      <a:r>
+                        <a:t>amuvatinib</a:t>
+                      </a:r>
+                    </a:p>
+                  </a:txBody>
+                  <a:tcPr/>
+                </a:tc>
+                <a:tc>
+                  <a:txBody>
+                    <a:bodyPr/>
+                    <a:lstStyle/>
+                    <a:p>
+                      <a:pPr>
+                        <a:defRPr sz="1050"/>
+                      </a:pPr>
+                      <a:r>
+                        <a:t>0.46</a:t>
+                      </a:r>
+                    </a:p>
+                  </a:txBody>
+                  <a:tcPr/>
+                </a:tc>
+                <a:tc>
+                  <a:txBody>
+                    <a:bodyPr/>
+                    <a:lstStyle/>
+                    <a:p>
+                      <a:pPr>
+                        <a:defRPr sz="1050"/>
+                      </a:pPr>
+                      <a:r>
+                        <a:t>+..</a:t>
+                      </a:r>
+                    </a:p>
+                  </a:txBody>
+                  <a:tcPr/>
+                </a:tc>
+                <a:tc>
+                  <a:txBody>
+                    <a:bodyPr/>
+                    <a:lstStyle/>
+                    <a:p>
+                      <a:pPr>
+                        <a:defRPr sz="1050"/>
+                      </a:pPr>
+                      <a:r>
+                        <a:t>Not Clinically Relevant</a:t>
+                      </a:r>
+                    </a:p>
+                  </a:txBody>
+                  <a:tcPr/>
+                </a:tc>
+              </a:tr>
+              <a:tr h="195942">
+                <a:tc>
+                  <a:txBody>
+                    <a:bodyPr/>
+                    <a:lstStyle/>
+                    <a:p>
+                      <a:pPr>
+                        <a:defRPr sz="1050"/>
+                      </a:pPr>
+                      <a:r>
+                        <a:t>xmd13-2</a:t>
+                      </a:r>
+                    </a:p>
+                  </a:txBody>
+                  <a:tcPr/>
+                </a:tc>
+                <a:tc>
+                  <a:txBody>
+                    <a:bodyPr/>
+                    <a:lstStyle/>
+                    <a:p>
+                      <a:pPr>
+                        <a:defRPr sz="1050"/>
+                      </a:pPr>
+                      <a:r>
+                        <a:t>0.45</a:t>
+                      </a:r>
+                    </a:p>
+                  </a:txBody>
+                  <a:tcPr/>
+                </a:tc>
+                <a:tc>
+                  <a:txBody>
+                    <a:bodyPr/>
+                    <a:lstStyle/>
+                    <a:p>
+                      <a:pPr>
+                        <a:defRPr sz="1050"/>
+                      </a:pPr>
+                      <a:r>
+                        <a:t>+..</a:t>
+                      </a:r>
+                    </a:p>
+                  </a:txBody>
+                  <a:tcPr/>
+                </a:tc>
+                <a:tc>
+                  <a:txBody>
+                    <a:bodyPr/>
+                    <a:lstStyle/>
+                    <a:p>
+                      <a:pPr>
+                        <a:defRPr sz="1050"/>
+                      </a:pPr>
+                      <a:r>
+                        <a:t>Not Clinically Relevant</a:t>
+                      </a:r>
+                    </a:p>
+                  </a:txBody>
+                  <a:tcPr/>
+                </a:tc>
+              </a:tr>
+              <a:tr h="195942">
+                <a:tc>
+                  <a:txBody>
+                    <a:bodyPr/>
+                    <a:lstStyle/>
+                    <a:p>
+                      <a:pPr>
+                        <a:defRPr sz="1050"/>
+                      </a:pPr>
+                      <a:r>
+                        <a:t>indisulam</a:t>
+                      </a:r>
+                    </a:p>
+                  </a:txBody>
+                  <a:tcPr/>
+                </a:tc>
+                <a:tc>
+                  <a:txBody>
+                    <a:bodyPr/>
+                    <a:lstStyle/>
+                    <a:p>
+                      <a:pPr>
+                        <a:defRPr sz="1050"/>
+                      </a:pPr>
+                      <a:r>
+                        <a:t>0.44</a:t>
+                      </a:r>
+                    </a:p>
+                  </a:txBody>
+                  <a:tcPr/>
+                </a:tc>
+                <a:tc>
+                  <a:txBody>
+                    <a:bodyPr/>
+                    <a:lstStyle/>
+                    <a:p>
+                      <a:pPr>
+                        <a:defRPr sz="1050"/>
+                      </a:pPr>
+                      <a:r>
+                        <a:t>.+.</a:t>
+                      </a:r>
+                    </a:p>
+                  </a:txBody>
+                  <a:tcPr/>
+                </a:tc>
+                <a:tc>
+                  <a:txBody>
+                    <a:bodyPr/>
+                    <a:lstStyle/>
+                    <a:p>
+                      <a:pPr>
+                        <a:defRPr sz="1050"/>
+                      </a:pPr>
+                      <a:r>
+                        <a:t>carbonic anhydrase inibitor and  CDK inhibitor, targets G1 by depleting cyclin E. inducing p53 and p21, and inhibiting CDK2</a:t>
+                      </a:r>
+                    </a:p>
+                  </a:txBody>
+                  <a:tcPr/>
+                </a:tc>
+              </a:tr>
+              <a:tr h="195942">
+                <a:tc>
+                  <a:txBody>
+                    <a:bodyPr/>
+                    <a:lstStyle/>
+                    <a:p>
+                      <a:pPr>
+                        <a:defRPr sz="1050"/>
+                      </a:pPr>
+                      <a:r>
+                        <a:t>nsc-87877</a:t>
+                      </a:r>
+                    </a:p>
+                  </a:txBody>
+                  <a:tcPr/>
+                </a:tc>
+                <a:tc>
+                  <a:txBody>
+                    <a:bodyPr/>
+                    <a:lstStyle/>
+                    <a:p>
+                      <a:pPr>
+                        <a:defRPr sz="1050"/>
+                      </a:pPr>
+                      <a:r>
+                        <a:t>0.43</a:t>
+                      </a:r>
+                    </a:p>
+                  </a:txBody>
+                  <a:tcPr/>
+                </a:tc>
+                <a:tc>
+                  <a:txBody>
+                    <a:bodyPr/>
+                    <a:lstStyle/>
+                    <a:p>
+                      <a:pPr>
+                        <a:defRPr sz="1050"/>
+                      </a:pPr>
+                      <a:r>
+                        <a:t>+..</a:t>
+                      </a:r>
+                    </a:p>
+                  </a:txBody>
+                  <a:tcPr/>
+                </a:tc>
+                <a:tc>
+                  <a:txBody>
+                    <a:bodyPr/>
+                    <a:lstStyle/>
+                    <a:p>
+                      <a:pPr>
+                        <a:defRPr sz="1050"/>
+                      </a:pPr>
+                      <a:r>
+                        <a:t>Not Clinically Relevant</a:t>
+                      </a:r>
+                    </a:p>
+                  </a:txBody>
+                  <a:tcPr/>
+                </a:tc>
+              </a:tr>
+              <a:tr h="195960">
+                <a:tc>
+                  <a:txBody>
+                    <a:bodyPr/>
+                    <a:lstStyle/>
+                    <a:p>
+                      <a:pPr>
+                        <a:defRPr sz="1050"/>
+                      </a:pPr>
+                      <a:r>
+                        <a:t>cil55</a:t>
+                      </a:r>
+                    </a:p>
+                  </a:txBody>
+                  <a:tcPr/>
+                </a:tc>
+                <a:tc>
+                  <a:txBody>
+                    <a:bodyPr/>
+                    <a:lstStyle/>
+                    <a:p>
+                      <a:pPr>
+                        <a:defRPr sz="1050"/>
+                      </a:pPr>
+                      <a:r>
+                        <a:t>0.43</a:t>
+                      </a:r>
+                    </a:p>
+                  </a:txBody>
+                  <a:tcPr/>
+                </a:tc>
+                <a:tc>
+                  <a:txBody>
+                    <a:bodyPr/>
+                    <a:lstStyle/>
+                    <a:p>
+                      <a:pPr>
+                        <a:defRPr sz="1050"/>
+                      </a:pPr>
+                      <a:r>
+                        <a:t>.+.</a:t>
+                      </a:r>
+                    </a:p>
+                  </a:txBody>
+                  <a:tcPr/>
+                </a:tc>
+                <a:tc>
+                  <a:txBody>
+                    <a:bodyPr/>
+                    <a:lstStyle/>
+                    <a:p>
+                      <a:pPr>
+                        <a:defRPr sz="1050"/>
+                      </a:pPr>
+                      <a:r>
+                        <a:t>Not Clinically Relevant</a:t>
+                      </a:r>
+                    </a:p>
+                  </a:txBody>
+                  <a:tcPr/>
+                </a:tc>
+              </a:tr>
+            </a:tbl>
+          </a:graphicData>
+        </a:graphic>
+      </p:graphicFrame>
+    </p:spTree>
+  </p:cSld>
+  <p:clrMapOvr>
+    <a:masterClrMapping/>
+  </p:clrMapOvr>
+</p:sld>
+</file>
+
+<file path=ppt/slides/slide35.xml><?xml version="1.0" encoding="utf-8"?>
+<p:sld xmlns:a="http://schemas.openxmlformats.org/drawingml/2006/main" xmlns:p="http://schemas.openxmlformats.org/presentationml/2006/main" xmlns:r="http://schemas.openxmlformats.org/officeDocument/2006/relationships">
+  <p:cSld>
+    <p:spTree>
+      <p:nvGrpSpPr>
+        <p:cNvPr id="1" name=""/>
+        <p:cNvGrpSpPr/>
+        <p:nvPr/>
+      </p:nvGrpSpPr>
+      <p:grpSpPr/>
+      <p:sp>
+        <p:nvSpPr>
+          <p:cNvPr id="2" name="TextBox 1"/>
+          <p:cNvSpPr txBox="1"/>
+          <p:nvPr/>
+        </p:nvSpPr>
+        <p:spPr>
+          <a:xfrm>
+            <a:off x="0" y="0"/>
+            <a:ext cx="9144000" cy="685800"/>
+          </a:xfrm>
+          <a:prstGeom prst="rect">
+            <a:avLst/>
+          </a:prstGeom>
+          <a:noFill/>
+        </p:spPr>
+        <p:txBody>
+          <a:bodyPr wrap="none">
+            <a:spAutoFit/>
+          </a:bodyPr>
+          <a:lstStyle/>
+          <a:p/>
+          <a:p>
+            <a:pPr>
+              <a:defRPr sz="2600"/>
+            </a:pPr>
+            <a:r>
+              <a:t>DiSCoVER: top drugs (cerebellar stem cell control)</a:t>
+            </a:r>
+          </a:p>
+        </p:txBody>
+      </p:sp>
+      <p:graphicFrame>
+        <p:nvGraphicFramePr>
+          <p:cNvPr id="3" name="Table 2"/>
+          <p:cNvGraphicFramePr>
+            <a:graphicFrameLocks noGrp="1"/>
+          </p:cNvGraphicFramePr>
+          <p:nvPr/>
+        </p:nvGraphicFramePr>
+        <p:xfrm>
+          <a:off x="411480" y="777240"/>
+          <a:ext cx="8275320" cy="4114800"/>
+        </p:xfrm>
+        <a:graphic>
+          <a:graphicData uri="http://schemas.openxmlformats.org/drawingml/2006/table">
+            <a:tbl>
+              <a:tblPr firstRow="1" bandRow="1">
+                <a:tableStyleId>{5C22544A-7EE6-4342-B048-85BDC9FD1C3A}</a:tableStyleId>
+              </a:tblPr>
+              <a:tblGrid>
+                <a:gridCol w="1005840"/>
+                <a:gridCol w="731520"/>
+                <a:gridCol w="1051560"/>
+                <a:gridCol w="5486400"/>
+              </a:tblGrid>
+              <a:tr h="195942">
+                <a:tc>
+                  <a:txBody>
+                    <a:bodyPr/>
+                    <a:lstStyle/>
+                    <a:p>
+                      <a:r>
+                        <a:t>Drug</a:t>
+                      </a:r>
+                    </a:p>
+                  </a:txBody>
+                  <a:tcPr/>
+                </a:tc>
+                <a:tc>
+                  <a:txBody>
+                    <a:bodyPr/>
+                    <a:lstStyle/>
+                    <a:p>
+                      <a:r>
+                        <a:t>Score</a:t>
+                      </a:r>
+                    </a:p>
+                  </a:txBody>
+                  <a:tcPr/>
+                </a:tc>
+                <a:tc>
+                  <a:txBody>
+                    <a:bodyPr/>
+                    <a:lstStyle/>
+                    <a:p>
+                      <a:r>
+                        <a:t>Evidence</a:t>
+                      </a:r>
+                    </a:p>
+                  </a:txBody>
+                  <a:tcPr/>
+                </a:tc>
+                <a:tc>
+                  <a:txBody>
+                    <a:bodyPr/>
+                    <a:lstStyle/>
+                    <a:p>
+                      <a:r>
+                        <a:t>Mechanism of action</a:t>
+                      </a:r>
+                    </a:p>
+                  </a:txBody>
+                  <a:tcPr/>
+                </a:tc>
+              </a:tr>
+              <a:tr h="195942">
+                <a:tc>
+                  <a:txBody>
+                    <a:bodyPr/>
+                    <a:lstStyle/>
+                    <a:p>
+                      <a:pPr>
+                        <a:defRPr sz="1050"/>
+                      </a:pPr>
+                      <a:r>
+                        <a:t>tl-2-105</a:t>
+                      </a:r>
+                    </a:p>
+                  </a:txBody>
+                  <a:tcPr/>
+                </a:tc>
+                <a:tc>
+                  <a:txBody>
+                    <a:bodyPr/>
+                    <a:lstStyle/>
+                    <a:p>
+                      <a:pPr>
+                        <a:defRPr sz="1050"/>
+                      </a:pPr>
+                      <a:r>
+                        <a:t>0.65</a:t>
+                      </a:r>
+                    </a:p>
+                  </a:txBody>
+                  <a:tcPr/>
+                </a:tc>
+                <a:tc>
+                  <a:txBody>
+                    <a:bodyPr/>
+                    <a:lstStyle/>
+                    <a:p>
+                      <a:pPr>
+                        <a:defRPr sz="1050"/>
+                      </a:pPr>
+                      <a:r>
+                        <a:t>+..</a:t>
+                      </a:r>
+                    </a:p>
+                  </a:txBody>
+                  <a:tcPr/>
+                </a:tc>
+                <a:tc>
+                  <a:txBody>
+                    <a:bodyPr/>
+                    <a:lstStyle/>
+                    <a:p>
+                      <a:pPr>
+                        <a:defRPr sz="1050"/>
+                      </a:pPr>
+                      <a:r>
+                        <a:t>Not Clinically Relevant</a:t>
+                      </a:r>
+                    </a:p>
+                  </a:txBody>
+                  <a:tcPr/>
+                </a:tc>
+              </a:tr>
+              <a:tr h="195942">
+                <a:tc>
+                  <a:txBody>
+                    <a:bodyPr/>
+                    <a:lstStyle/>
+                    <a:p>
+                      <a:pPr>
+                        <a:defRPr sz="1050"/>
+                      </a:pPr>
+                      <a:r>
+                        <a:t>sb52334</a:t>
+                      </a:r>
+                    </a:p>
+                  </a:txBody>
+                  <a:tcPr/>
+                </a:tc>
+                <a:tc>
+                  <a:txBody>
+                    <a:bodyPr/>
+                    <a:lstStyle/>
+                    <a:p>
+                      <a:pPr>
+                        <a:defRPr sz="1050"/>
+                      </a:pPr>
+                      <a:r>
+                        <a:t>0.62</a:t>
+                      </a:r>
+                    </a:p>
+                  </a:txBody>
+                  <a:tcPr/>
+                </a:tc>
+                <a:tc>
+                  <a:txBody>
+                    <a:bodyPr/>
+                    <a:lstStyle/>
+                    <a:p>
+                      <a:pPr>
+                        <a:defRPr sz="1050"/>
+                      </a:pPr>
+                      <a:r>
+                        <a:t>+..</a:t>
+                      </a:r>
+                    </a:p>
+                  </a:txBody>
+                  <a:tcPr/>
+                </a:tc>
+                <a:tc>
+                  <a:txBody>
+                    <a:bodyPr/>
+                    <a:lstStyle/>
+                    <a:p>
+                      <a:pPr>
+                        <a:defRPr sz="1050"/>
+                      </a:pPr>
+                      <a:r>
+                        <a:t>Not Clinically Relevant</a:t>
+                      </a:r>
+                    </a:p>
+                  </a:txBody>
+                  <a:tcPr/>
+                </a:tc>
+              </a:tr>
+              <a:tr h="195942">
+                <a:tc>
+                  <a:txBody>
+                    <a:bodyPr/>
+                    <a:lstStyle/>
+                    <a:p>
+                      <a:pPr>
+                        <a:defRPr sz="1050"/>
+                      </a:pPr>
+                      <a:r>
+                        <a:t>gsk1070916</a:t>
+                      </a:r>
+                    </a:p>
+                  </a:txBody>
+                  <a:tcPr/>
+                </a:tc>
+                <a:tc>
+                  <a:txBody>
+                    <a:bodyPr/>
+                    <a:lstStyle/>
+                    <a:p>
+                      <a:pPr>
+                        <a:defRPr sz="1050"/>
+                      </a:pPr>
+                      <a:r>
+                        <a:t>0.61</a:t>
+                      </a:r>
+                    </a:p>
+                  </a:txBody>
+                  <a:tcPr/>
+                </a:tc>
+                <a:tc>
+                  <a:txBody>
+                    <a:bodyPr/>
+                    <a:lstStyle/>
+                    <a:p>
+                      <a:pPr>
+                        <a:defRPr sz="1050"/>
+                      </a:pPr>
+                      <a:r>
+                        <a:t>+..</a:t>
+                      </a:r>
+                    </a:p>
+                  </a:txBody>
+                  <a:tcPr/>
+                </a:tc>
+                <a:tc>
+                  <a:txBody>
+                    <a:bodyPr/>
+                    <a:lstStyle/>
+                    <a:p>
+                      <a:pPr>
+                        <a:defRPr sz="1050"/>
+                      </a:pPr>
+                      <a:r>
+                        <a:t>Not Clinically Relevant</a:t>
+                      </a:r>
+                    </a:p>
+                  </a:txBody>
+                  <a:tcPr/>
+                </a:tc>
+              </a:tr>
+              <a:tr h="195942">
+                <a:tc>
+                  <a:txBody>
+                    <a:bodyPr/>
+                    <a:lstStyle/>
+                    <a:p>
+                      <a:pPr>
+                        <a:defRPr sz="1050"/>
+                      </a:pPr>
+                      <a:r>
+                        <a:t>ql-xii-61</a:t>
+                      </a:r>
+                    </a:p>
+                  </a:txBody>
+                  <a:tcPr/>
+                </a:tc>
+                <a:tc>
+                  <a:txBody>
+                    <a:bodyPr/>
+                    <a:lstStyle/>
+                    <a:p>
+                      <a:pPr>
+                        <a:defRPr sz="1050"/>
+                      </a:pPr>
+                      <a:r>
+                        <a:t>0.59</a:t>
+                      </a:r>
+                    </a:p>
+                  </a:txBody>
+                  <a:tcPr/>
+                </a:tc>
+                <a:tc>
+                  <a:txBody>
+                    <a:bodyPr/>
+                    <a:lstStyle/>
+                    <a:p>
+                      <a:pPr>
+                        <a:defRPr sz="1050"/>
+                      </a:pPr>
+                      <a:r>
+                        <a:t>+..</a:t>
+                      </a:r>
+                    </a:p>
+                  </a:txBody>
+                  <a:tcPr/>
+                </a:tc>
+                <a:tc>
+                  <a:txBody>
+                    <a:bodyPr/>
+                    <a:lstStyle/>
+                    <a:p>
+                      <a:pPr>
+                        <a:defRPr sz="1050"/>
+                      </a:pPr>
+                      <a:r>
+                        <a:t>Not Clinically Relevant</a:t>
+                      </a:r>
+                    </a:p>
+                  </a:txBody>
+                  <a:tcPr/>
+                </a:tc>
+              </a:tr>
+              <a:tr h="195942">
+                <a:tc>
+                  <a:txBody>
+                    <a:bodyPr/>
+                    <a:lstStyle/>
+                    <a:p>
+                      <a:pPr>
+                        <a:defRPr sz="1050"/>
+                      </a:pPr>
+                      <a:r>
+                        <a:t>linsitinib</a:t>
+                      </a:r>
+                    </a:p>
+                  </a:txBody>
+                  <a:tcPr/>
+                </a:tc>
+                <a:tc>
+                  <a:txBody>
+                    <a:bodyPr/>
+                    <a:lstStyle/>
+                    <a:p>
+                      <a:pPr>
+                        <a:defRPr sz="1050"/>
+                      </a:pPr>
+                      <a:r>
+                        <a:t>0.55</a:t>
+                      </a:r>
+                    </a:p>
+                  </a:txBody>
+                  <a:tcPr/>
+                </a:tc>
+                <a:tc>
+                  <a:txBody>
+                    <a:bodyPr/>
+                    <a:lstStyle/>
+                    <a:p>
+                      <a:pPr>
+                        <a:defRPr sz="1050"/>
+                      </a:pPr>
+                      <a:r>
+                        <a:t>++.</a:t>
+                      </a:r>
+                    </a:p>
+                  </a:txBody>
+                  <a:tcPr/>
+                </a:tc>
+                <a:tc>
+                  <a:txBody>
+                    <a:bodyPr/>
+                    <a:lstStyle/>
+                    <a:p>
+                      <a:pPr>
+                        <a:defRPr sz="1050"/>
+                      </a:pPr>
+                      <a:r>
+                        <a:t>IGF-1R inhibitor</a:t>
+                      </a:r>
+                    </a:p>
+                  </a:txBody>
+                  <a:tcPr/>
+                </a:tc>
+              </a:tr>
+              <a:tr h="195942">
+                <a:tc>
+                  <a:txBody>
+                    <a:bodyPr/>
+                    <a:lstStyle/>
+                    <a:p>
+                      <a:pPr>
+                        <a:defRPr sz="1050"/>
+                      </a:pPr>
+                      <a:r>
+                        <a:t>gw-2580</a:t>
+                      </a:r>
+                    </a:p>
+                  </a:txBody>
+                  <a:tcPr/>
+                </a:tc>
+                <a:tc>
+                  <a:txBody>
+                    <a:bodyPr/>
+                    <a:lstStyle/>
+                    <a:p>
+                      <a:pPr>
+                        <a:defRPr sz="1050"/>
+                      </a:pPr>
+                      <a:r>
+                        <a:t>0.55</a:t>
+                      </a:r>
+                    </a:p>
+                  </a:txBody>
+                  <a:tcPr/>
+                </a:tc>
+                <a:tc>
+                  <a:txBody>
+                    <a:bodyPr/>
+                    <a:lstStyle/>
+                    <a:p>
+                      <a:pPr>
+                        <a:defRPr sz="1050"/>
+                      </a:pPr>
+                      <a:r>
+                        <a:t>+..</a:t>
+                      </a:r>
+                    </a:p>
+                  </a:txBody>
+                  <a:tcPr/>
+                </a:tc>
+                <a:tc>
+                  <a:txBody>
+                    <a:bodyPr/>
+                    <a:lstStyle/>
+                    <a:p>
+                      <a:pPr>
+                        <a:defRPr sz="1050"/>
+                      </a:pPr>
+                      <a:r>
+                        <a:t>Not Clinically Relevant</a:t>
+                      </a:r>
+                    </a:p>
+                  </a:txBody>
+                  <a:tcPr/>
+                </a:tc>
+              </a:tr>
+              <a:tr h="195942">
+                <a:tc>
+                  <a:txBody>
+                    <a:bodyPr/>
+                    <a:lstStyle/>
+                    <a:p>
+                      <a:pPr>
+                        <a:defRPr sz="1050"/>
+                      </a:pPr>
+                      <a:r>
+                        <a:t>gsk429286a</a:t>
+                      </a:r>
+                    </a:p>
+                  </a:txBody>
+                  <a:tcPr/>
+                </a:tc>
+                <a:tc>
+                  <a:txBody>
+                    <a:bodyPr/>
+                    <a:lstStyle/>
+                    <a:p>
+                      <a:pPr>
+                        <a:defRPr sz="1050"/>
+                      </a:pPr>
+                      <a:r>
+                        <a:t>0.55</a:t>
+                      </a:r>
+                    </a:p>
+                  </a:txBody>
+                  <a:tcPr/>
+                </a:tc>
+                <a:tc>
+                  <a:txBody>
+                    <a:bodyPr/>
+                    <a:lstStyle/>
+                    <a:p>
+                      <a:pPr>
+                        <a:defRPr sz="1050"/>
+                      </a:pPr>
+                      <a:r>
+                        <a:t>+..</a:t>
+                      </a:r>
+                    </a:p>
+                  </a:txBody>
+                  <a:tcPr/>
+                </a:tc>
+                <a:tc>
+                  <a:txBody>
+                    <a:bodyPr/>
+                    <a:lstStyle/>
+                    <a:p>
+                      <a:pPr>
+                        <a:defRPr sz="1050"/>
+                      </a:pPr>
+                      <a:r>
+                        <a:t>Not Clinically Relevant</a:t>
+                      </a:r>
+                    </a:p>
+                  </a:txBody>
+                  <a:tcPr/>
+                </a:tc>
+              </a:tr>
+              <a:tr h="195942">
+                <a:tc>
+                  <a:txBody>
+                    <a:bodyPr/>
+                    <a:lstStyle/>
+                    <a:p>
+                      <a:pPr>
+                        <a:defRPr sz="1050"/>
+                      </a:pPr>
+                      <a:r>
+                        <a:t>tubastatin a</a:t>
+                      </a:r>
+                    </a:p>
+                  </a:txBody>
+                  <a:tcPr/>
+                </a:tc>
+                <a:tc>
+                  <a:txBody>
+                    <a:bodyPr/>
+                    <a:lstStyle/>
+                    <a:p>
+                      <a:pPr>
+                        <a:defRPr sz="1050"/>
+                      </a:pPr>
+                      <a:r>
+                        <a:t>0.54</a:t>
+                      </a:r>
+                    </a:p>
+                  </a:txBody>
+                  <a:tcPr/>
+                </a:tc>
+                <a:tc>
+                  <a:txBody>
+                    <a:bodyPr/>
+                    <a:lstStyle/>
+                    <a:p>
+                      <a:pPr>
+                        <a:defRPr sz="1050"/>
+                      </a:pPr>
+                      <a:r>
+                        <a:t>++.</a:t>
+                      </a:r>
+                    </a:p>
+                  </a:txBody>
+                  <a:tcPr/>
+                </a:tc>
+                <a:tc>
+                  <a:txBody>
+                    <a:bodyPr/>
+                    <a:lstStyle/>
+                    <a:p>
+                      <a:pPr>
+                        <a:defRPr sz="1050"/>
+                      </a:pPr>
+                      <a:r>
+                        <a:t>Not Clinically Relevant</a:t>
+                      </a:r>
+                    </a:p>
+                  </a:txBody>
+                  <a:tcPr/>
+                </a:tc>
+              </a:tr>
+              <a:tr h="195942">
+                <a:tc>
+                  <a:txBody>
+                    <a:bodyPr/>
+                    <a:lstStyle/>
+                    <a:p>
+                      <a:pPr>
+                        <a:defRPr sz="1050"/>
+                      </a:pPr>
+                      <a:r>
+                        <a:t>bx-912</a:t>
+                      </a:r>
+                    </a:p>
+                  </a:txBody>
+                  <a:tcPr/>
+                </a:tc>
+                <a:tc>
+                  <a:txBody>
+                    <a:bodyPr/>
+                    <a:lstStyle/>
+                    <a:p>
+                      <a:pPr>
+                        <a:defRPr sz="1050"/>
+                      </a:pPr>
+                      <a:r>
+                        <a:t>0.54</a:t>
+                      </a:r>
+                    </a:p>
+                  </a:txBody>
+                  <a:tcPr/>
+                </a:tc>
+                <a:tc>
+                  <a:txBody>
+                    <a:bodyPr/>
+                    <a:lstStyle/>
+                    <a:p>
+                      <a:pPr>
+                        <a:defRPr sz="1050"/>
+                      </a:pPr>
+                      <a:r>
+                        <a:t>+..</a:t>
+                      </a:r>
+                    </a:p>
+                  </a:txBody>
+                  <a:tcPr/>
+                </a:tc>
+                <a:tc>
+                  <a:txBody>
+                    <a:bodyPr/>
+                    <a:lstStyle/>
+                    <a:p>
+                      <a:pPr>
+                        <a:defRPr sz="1050"/>
+                      </a:pPr>
+                      <a:r>
+                        <a:t>Not Clinically Relevant</a:t>
+                      </a:r>
+                    </a:p>
+                  </a:txBody>
+                  <a:tcPr/>
+                </a:tc>
+              </a:tr>
+              <a:tr h="195942">
+                <a:tc>
+                  <a:txBody>
+                    <a:bodyPr/>
+                    <a:lstStyle/>
+                    <a:p>
+                      <a:pPr>
+                        <a:defRPr sz="1050"/>
+                      </a:pPr>
+                      <a:r>
+                        <a:t>vx-702</a:t>
+                      </a:r>
+                    </a:p>
+                  </a:txBody>
+                  <a:tcPr/>
+                </a:tc>
+                <a:tc>
+                  <a:txBody>
+                    <a:bodyPr/>
+                    <a:lstStyle/>
+                    <a:p>
+                      <a:pPr>
+                        <a:defRPr sz="1050"/>
+                      </a:pPr>
+                      <a:r>
+                        <a:t>0.53</a:t>
+                      </a:r>
+                    </a:p>
+                  </a:txBody>
+                  <a:tcPr/>
+                </a:tc>
+                <a:tc>
+                  <a:txBody>
+                    <a:bodyPr/>
+                    <a:lstStyle/>
+                    <a:p>
+                      <a:pPr>
+                        <a:defRPr sz="1050"/>
+                      </a:pPr>
+                      <a:r>
+                        <a:t>+..</a:t>
+                      </a:r>
+                    </a:p>
+                  </a:txBody>
+                  <a:tcPr/>
+                </a:tc>
+                <a:tc>
+                  <a:txBody>
+                    <a:bodyPr/>
+                    <a:lstStyle/>
+                    <a:p>
+                      <a:pPr>
+                        <a:defRPr sz="1050"/>
+                      </a:pPr>
+                      <a:r>
+                        <a:t>Not Clinically Relevant</a:t>
+                      </a:r>
+                    </a:p>
+                  </a:txBody>
+                  <a:tcPr/>
+                </a:tc>
+              </a:tr>
+              <a:tr h="195942">
+                <a:tc>
+                  <a:txBody>
+                    <a:bodyPr/>
+                    <a:lstStyle/>
+                    <a:p>
+                      <a:pPr>
+                        <a:defRPr sz="1050"/>
+                      </a:pPr>
+                      <a:r>
+                        <a:t>rucaparib</a:t>
+                      </a:r>
+                    </a:p>
+                  </a:txBody>
+                  <a:tcPr/>
+                </a:tc>
+                <a:tc>
+                  <a:txBody>
+                    <a:bodyPr/>
+                    <a:lstStyle/>
+                    <a:p>
+                      <a:pPr>
+                        <a:defRPr sz="1050"/>
+                      </a:pPr>
+                      <a:r>
+                        <a:t>0.52</a:t>
+                      </a:r>
+                    </a:p>
+                  </a:txBody>
+                  <a:tcPr/>
+                </a:tc>
+                <a:tc>
+                  <a:txBody>
+                    <a:bodyPr/>
+                    <a:lstStyle/>
+                    <a:p>
+                      <a:pPr>
+                        <a:defRPr sz="1050"/>
+                      </a:pPr>
+                      <a:r>
+                        <a:t>+..</a:t>
+                      </a:r>
+                    </a:p>
+                  </a:txBody>
+                  <a:tcPr/>
+                </a:tc>
+                <a:tc>
+                  <a:txBody>
+                    <a:bodyPr/>
+                    <a:lstStyle/>
+                    <a:p>
+                      <a:pPr>
+                        <a:defRPr sz="1050"/>
+                      </a:pPr>
+                      <a:r>
+                        <a:t>PARP inhibitor, inhibits DNA repair</a:t>
+                      </a:r>
+                    </a:p>
+                  </a:txBody>
+                  <a:tcPr/>
+                </a:tc>
+              </a:tr>
+              <a:tr h="195942">
+                <a:tc>
+                  <a:txBody>
+                    <a:bodyPr/>
+                    <a:lstStyle/>
+                    <a:p>
+                      <a:pPr>
+                        <a:defRPr sz="1050"/>
+                      </a:pPr>
+                      <a:r>
+                        <a:t>navitoclax</a:t>
+                      </a:r>
+                    </a:p>
+                  </a:txBody>
+                  <a:tcPr/>
+                </a:tc>
+                <a:tc>
+                  <a:txBody>
+                    <a:bodyPr/>
+                    <a:lstStyle/>
+                    <a:p>
+                      <a:pPr>
+                        <a:defRPr sz="1050"/>
+                      </a:pPr>
+                      <a:r>
+                        <a:t>0.51</a:t>
+                      </a:r>
+                    </a:p>
+                  </a:txBody>
+                  <a:tcPr/>
+                </a:tc>
+                <a:tc>
+                  <a:txBody>
+                    <a:bodyPr/>
+                    <a:lstStyle/>
+                    <a:p>
+                      <a:pPr>
+                        <a:defRPr sz="1050"/>
+                      </a:pPr>
+                      <a:r>
+                        <a:t>++.</a:t>
+                      </a:r>
+                    </a:p>
+                  </a:txBody>
+                  <a:tcPr/>
+                </a:tc>
+                <a:tc>
+                  <a:txBody>
+                    <a:bodyPr/>
+                    <a:lstStyle/>
+                    <a:p>
+                      <a:pPr>
+                        <a:defRPr sz="1050"/>
+                      </a:pPr>
+                      <a:r>
+                        <a:t>Bcl-2 family inhibitor: esp Bcl-xL, Bcl-2 and Bcl-w</a:t>
+                      </a:r>
+                    </a:p>
+                  </a:txBody>
+                  <a:tcPr/>
+                </a:tc>
+              </a:tr>
+              <a:tr h="195942">
+                <a:tc>
+                  <a:txBody>
+                    <a:bodyPr/>
+                    <a:lstStyle/>
+                    <a:p>
+                      <a:pPr>
+                        <a:defRPr sz="1050"/>
+                      </a:pPr>
+                      <a:r>
+                        <a:t>xmd14-99</a:t>
+                      </a:r>
+                    </a:p>
+                  </a:txBody>
+                  <a:tcPr/>
+                </a:tc>
+                <a:tc>
+                  <a:txBody>
+                    <a:bodyPr/>
+                    <a:lstStyle/>
+                    <a:p>
+                      <a:pPr>
+                        <a:defRPr sz="1050"/>
+                      </a:pPr>
+                      <a:r>
+                        <a:t>0.48</a:t>
+                      </a:r>
+                    </a:p>
+                  </a:txBody>
+                  <a:tcPr/>
+                </a:tc>
+                <a:tc>
+                  <a:txBody>
+                    <a:bodyPr/>
+                    <a:lstStyle/>
+                    <a:p>
+                      <a:pPr>
+                        <a:defRPr sz="1050"/>
+                      </a:pPr>
+                      <a:r>
+                        <a:t>+..</a:t>
+                      </a:r>
+                    </a:p>
+                  </a:txBody>
+                  <a:tcPr/>
+                </a:tc>
+                <a:tc>
+                  <a:txBody>
+                    <a:bodyPr/>
+                    <a:lstStyle/>
+                    <a:p>
+                      <a:pPr>
+                        <a:defRPr sz="1050"/>
+                      </a:pPr>
+                      <a:r>
+                        <a:t>Not Clinically Relevant</a:t>
+                      </a:r>
+                    </a:p>
+                  </a:txBody>
+                  <a:tcPr/>
+                </a:tc>
+              </a:tr>
+              <a:tr h="195942">
+                <a:tc>
+                  <a:txBody>
+                    <a:bodyPr/>
+                    <a:lstStyle/>
+                    <a:p>
+                      <a:pPr>
+                        <a:defRPr sz="1050"/>
+                      </a:pPr>
+                      <a:r>
+                        <a:t>axitinib</a:t>
+                      </a:r>
+                    </a:p>
+                  </a:txBody>
+                  <a:tcPr/>
+                </a:tc>
+                <a:tc>
+                  <a:txBody>
+                    <a:bodyPr/>
+                    <a:lstStyle/>
+                    <a:p>
+                      <a:pPr>
+                        <a:defRPr sz="1050"/>
+                      </a:pPr>
+                      <a:r>
+                        <a:t>0.47</a:t>
+                      </a:r>
+                    </a:p>
+                  </a:txBody>
+                  <a:tcPr/>
+                </a:tc>
+                <a:tc>
+                  <a:txBody>
+                    <a:bodyPr/>
+                    <a:lstStyle/>
+                    <a:p>
+                      <a:pPr>
+                        <a:defRPr sz="1050"/>
+                      </a:pPr>
+                      <a:r>
+                        <a:t>++.</a:t>
+                      </a:r>
+                    </a:p>
+                  </a:txBody>
+                  <a:tcPr/>
+                </a:tc>
+                <a:tc>
+                  <a:txBody>
+                    <a:bodyPr/>
+                    <a:lstStyle/>
+                    <a:p>
+                      <a:pPr>
+                        <a:defRPr sz="1050"/>
+                      </a:pPr>
+                      <a:r>
+                        <a:t>VEGFR, c-KIT and PDGFR inhibitor</a:t>
+                      </a:r>
+                    </a:p>
+                  </a:txBody>
+                  <a:tcPr/>
+                </a:tc>
+              </a:tr>
+              <a:tr h="195942">
+                <a:tc>
+                  <a:txBody>
+                    <a:bodyPr/>
+                    <a:lstStyle/>
+                    <a:p>
+                      <a:pPr>
+                        <a:defRPr sz="1050"/>
+                      </a:pPr>
+                      <a:r>
+                        <a:t>hg-5-88-01</a:t>
+                      </a:r>
+                    </a:p>
+                  </a:txBody>
+                  <a:tcPr/>
+                </a:tc>
+                <a:tc>
+                  <a:txBody>
+                    <a:bodyPr/>
+                    <a:lstStyle/>
+                    <a:p>
+                      <a:pPr>
+                        <a:defRPr sz="1050"/>
+                      </a:pPr>
+                      <a:r>
+                        <a:t>0.47</a:t>
+                      </a:r>
+                    </a:p>
+                  </a:txBody>
+                  <a:tcPr/>
+                </a:tc>
+                <a:tc>
+                  <a:txBody>
+                    <a:bodyPr/>
+                    <a:lstStyle/>
+                    <a:p>
+                      <a:pPr>
+                        <a:defRPr sz="1050"/>
+                      </a:pPr>
+                      <a:r>
+                        <a:t>+..</a:t>
+                      </a:r>
+                    </a:p>
+                  </a:txBody>
+                  <a:tcPr/>
+                </a:tc>
+                <a:tc>
+                  <a:txBody>
+                    <a:bodyPr/>
+                    <a:lstStyle/>
+                    <a:p>
+                      <a:pPr>
+                        <a:defRPr sz="1050"/>
+                      </a:pPr>
+                      <a:r>
+                        <a:t>Not Clinically Relevant</a:t>
+                      </a:r>
+                    </a:p>
+                  </a:txBody>
+                  <a:tcPr/>
+                </a:tc>
+              </a:tr>
+              <a:tr h="195942">
+                <a:tc>
+                  <a:txBody>
+                    <a:bodyPr/>
+                    <a:lstStyle/>
+                    <a:p>
+                      <a:pPr>
+                        <a:defRPr sz="1050"/>
+                      </a:pPr>
+                      <a:r>
+                        <a:t>amuvatinib</a:t>
+                      </a:r>
+                    </a:p>
+                  </a:txBody>
+                  <a:tcPr/>
+                </a:tc>
+                <a:tc>
+                  <a:txBody>
+                    <a:bodyPr/>
+                    <a:lstStyle/>
+                    <a:p>
+                      <a:pPr>
+                        <a:defRPr sz="1050"/>
+                      </a:pPr>
+                      <a:r>
+                        <a:t>0.46</a:t>
+                      </a:r>
+                    </a:p>
+                  </a:txBody>
+                  <a:tcPr/>
+                </a:tc>
+                <a:tc>
+                  <a:txBody>
+                    <a:bodyPr/>
+                    <a:lstStyle/>
+                    <a:p>
+                      <a:pPr>
+                        <a:defRPr sz="1050"/>
+                      </a:pPr>
+                      <a:r>
+                        <a:t>+..</a:t>
+                      </a:r>
+                    </a:p>
+                  </a:txBody>
+                  <a:tcPr/>
+                </a:tc>
+                <a:tc>
+                  <a:txBody>
+                    <a:bodyPr/>
+                    <a:lstStyle/>
+                    <a:p>
+                      <a:pPr>
+                        <a:defRPr sz="1050"/>
+                      </a:pPr>
+                      <a:r>
+                        <a:t>Not Clinically Relevant</a:t>
+                      </a:r>
+                    </a:p>
+                  </a:txBody>
+                  <a:tcPr/>
+                </a:tc>
+              </a:tr>
+              <a:tr h="195942">
+                <a:tc>
+                  <a:txBody>
+                    <a:bodyPr/>
+                    <a:lstStyle/>
+                    <a:p>
+                      <a:pPr>
+                        <a:defRPr sz="1050"/>
+                      </a:pPr>
+                      <a:r>
+                        <a:t>xmd13-2</a:t>
+                      </a:r>
+                    </a:p>
+                  </a:txBody>
+                  <a:tcPr/>
+                </a:tc>
+                <a:tc>
+                  <a:txBody>
+                    <a:bodyPr/>
+                    <a:lstStyle/>
+                    <a:p>
+                      <a:pPr>
+                        <a:defRPr sz="1050"/>
+                      </a:pPr>
+                      <a:r>
+                        <a:t>0.45</a:t>
+                      </a:r>
+                    </a:p>
+                  </a:txBody>
+                  <a:tcPr/>
+                </a:tc>
+                <a:tc>
+                  <a:txBody>
+                    <a:bodyPr/>
+                    <a:lstStyle/>
+                    <a:p>
+                      <a:pPr>
+                        <a:defRPr sz="1050"/>
+                      </a:pPr>
+                      <a:r>
+                        <a:t>+..</a:t>
+                      </a:r>
+                    </a:p>
+                  </a:txBody>
+                  <a:tcPr/>
+                </a:tc>
+                <a:tc>
+                  <a:txBody>
+                    <a:bodyPr/>
+                    <a:lstStyle/>
+                    <a:p>
+                      <a:pPr>
+                        <a:defRPr sz="1050"/>
+                      </a:pPr>
+                      <a:r>
+                        <a:t>Not Clinically Relevant</a:t>
+                      </a:r>
+                    </a:p>
+                  </a:txBody>
+                  <a:tcPr/>
+                </a:tc>
+              </a:tr>
+              <a:tr h="195942">
+                <a:tc>
+                  <a:txBody>
+                    <a:bodyPr/>
+                    <a:lstStyle/>
+                    <a:p>
+                      <a:pPr>
+                        <a:defRPr sz="1050"/>
+                      </a:pPr>
+                      <a:r>
+                        <a:t>indisulam</a:t>
+                      </a:r>
+                    </a:p>
+                  </a:txBody>
+                  <a:tcPr/>
+                </a:tc>
+                <a:tc>
+                  <a:txBody>
+                    <a:bodyPr/>
+                    <a:lstStyle/>
+                    <a:p>
+                      <a:pPr>
+                        <a:defRPr sz="1050"/>
+                      </a:pPr>
+                      <a:r>
+                        <a:t>0.44</a:t>
+                      </a:r>
+                    </a:p>
+                  </a:txBody>
+                  <a:tcPr/>
+                </a:tc>
+                <a:tc>
+                  <a:txBody>
+                    <a:bodyPr/>
+                    <a:lstStyle/>
+                    <a:p>
+                      <a:pPr>
+                        <a:defRPr sz="1050"/>
+                      </a:pPr>
+                      <a:r>
+                        <a:t>.+.</a:t>
+                      </a:r>
+                    </a:p>
+                  </a:txBody>
+                  <a:tcPr/>
+                </a:tc>
+                <a:tc>
+                  <a:txBody>
+                    <a:bodyPr/>
+                    <a:lstStyle/>
+                    <a:p>
+                      <a:pPr>
+                        <a:defRPr sz="1050"/>
+                      </a:pPr>
+                      <a:r>
+                        <a:t>carbonic anhydrase inibitor and  CDK inhibitor, targets G1 by depleting cyclin E. inducing p53 and p21, and inhibiting CDK2</a:t>
+                      </a:r>
+                    </a:p>
+                  </a:txBody>
+                  <a:tcPr/>
+                </a:tc>
+              </a:tr>
+              <a:tr h="195942">
+                <a:tc>
+                  <a:txBody>
+                    <a:bodyPr/>
+                    <a:lstStyle/>
+                    <a:p>
+                      <a:pPr>
+                        <a:defRPr sz="1050"/>
+                      </a:pPr>
+                      <a:r>
+                        <a:t>nsc-87877</a:t>
+                      </a:r>
+                    </a:p>
+                  </a:txBody>
+                  <a:tcPr/>
+                </a:tc>
+                <a:tc>
+                  <a:txBody>
+                    <a:bodyPr/>
+                    <a:lstStyle/>
+                    <a:p>
+                      <a:pPr>
+                        <a:defRPr sz="1050"/>
+                      </a:pPr>
+                      <a:r>
+                        <a:t>0.43</a:t>
+                      </a:r>
+                    </a:p>
+                  </a:txBody>
+                  <a:tcPr/>
+                </a:tc>
+                <a:tc>
+                  <a:txBody>
+                    <a:bodyPr/>
+                    <a:lstStyle/>
+                    <a:p>
+                      <a:pPr>
+                        <a:defRPr sz="1050"/>
+                      </a:pPr>
+                      <a:r>
+                        <a:t>+..</a:t>
+                      </a:r>
+                    </a:p>
+                  </a:txBody>
+                  <a:tcPr/>
+                </a:tc>
+                <a:tc>
+                  <a:txBody>
+                    <a:bodyPr/>
+                    <a:lstStyle/>
+                    <a:p>
+                      <a:pPr>
+                        <a:defRPr sz="1050"/>
+                      </a:pPr>
+                      <a:r>
+                        <a:t>Not Clinically Relevant</a:t>
+                      </a:r>
+                    </a:p>
+                  </a:txBody>
+                  <a:tcPr/>
+                </a:tc>
+              </a:tr>
+              <a:tr h="195960">
+                <a:tc>
+                  <a:txBody>
+                    <a:bodyPr/>
+                    <a:lstStyle/>
+                    <a:p>
+                      <a:pPr>
+                        <a:defRPr sz="1050"/>
+                      </a:pPr>
+                      <a:r>
+                        <a:t>cil55</a:t>
+                      </a:r>
+                    </a:p>
+                  </a:txBody>
+                  <a:tcPr/>
+                </a:tc>
+                <a:tc>
+                  <a:txBody>
+                    <a:bodyPr/>
+                    <a:lstStyle/>
+                    <a:p>
+                      <a:pPr>
+                        <a:defRPr sz="1050"/>
+                      </a:pPr>
+                      <a:r>
+                        <a:t>0.43</a:t>
+                      </a:r>
+                    </a:p>
+                  </a:txBody>
+                  <a:tcPr/>
+                </a:tc>
+                <a:tc>
+                  <a:txBody>
+                    <a:bodyPr/>
+                    <a:lstStyle/>
+                    <a:p>
+                      <a:pPr>
+                        <a:defRPr sz="1050"/>
+                      </a:pPr>
+                      <a:r>
+                        <a:t>.+.</a:t>
+                      </a:r>
+                    </a:p>
+                  </a:txBody>
+                  <a:tcPr/>
+                </a:tc>
+                <a:tc>
+                  <a:txBody>
+                    <a:bodyPr/>
+                    <a:lstStyle/>
+                    <a:p>
+                      <a:pPr>
+                        <a:defRPr sz="1050"/>
+                      </a:pPr>
+                      <a:r>
+                        <a:t>Not Clinically Relevant</a:t>
+                      </a:r>
+                    </a:p>
+                  </a:txBody>
+                  <a:tcPr/>
+                </a:tc>
+              </a:tr>
+            </a:tbl>
+          </a:graphicData>
+        </a:graphic>
+      </p:graphicFrame>
+    </p:spTree>
+  </p:cSld>
+  <p:clrMapOvr>
+    <a:masterClrMapping/>
+  </p:clrMapOvr>
+</p:sld>
+</file>
+
+<file path=ppt/slides/slide36.xml><?xml version="1.0" encoding="utf-8"?>
+<p:sld xmlns:a="http://schemas.openxmlformats.org/drawingml/2006/main" xmlns:p="http://schemas.openxmlformats.org/presentationml/2006/main" xmlns:r="http://schemas.openxmlformats.org/officeDocument/2006/relationships">
+  <p:cSld>
+    <p:spTree>
+      <p:nvGrpSpPr>
+        <p:cNvPr id="1" name=""/>
+        <p:cNvGrpSpPr/>
+        <p:nvPr/>
+      </p:nvGrpSpPr>
+      <p:grpSpPr/>
+      <p:sp>
+        <p:nvSpPr>
+          <p:cNvPr id="2" name="TextBox 1"/>
+          <p:cNvSpPr txBox="1"/>
+          <p:nvPr/>
+        </p:nvSpPr>
+        <p:spPr>
+          <a:xfrm>
+            <a:off x="0" y="0"/>
+            <a:ext cx="9144000" cy="685800"/>
+          </a:xfrm>
+          <a:prstGeom prst="rect">
+            <a:avLst/>
+          </a:prstGeom>
+          <a:noFill/>
+        </p:spPr>
+        <p:txBody>
+          <a:bodyPr wrap="none">
+            <a:spAutoFit/>
+          </a:bodyPr>
+          <a:lstStyle/>
+          <a:p/>
+          <a:p>
+            <a:pPr>
+              <a:defRPr sz="2600"/>
+            </a:pPr>
+            <a:r>
+              <a:t>CMap: top drugs (cerebellar stem cell control)</a:t>
+            </a:r>
+          </a:p>
+        </p:txBody>
+      </p:sp>
+      <p:graphicFrame>
+        <p:nvGraphicFramePr>
+          <p:cNvPr id="3" name="Table 2"/>
+          <p:cNvGraphicFramePr>
+            <a:graphicFrameLocks noGrp="1"/>
+          </p:cNvGraphicFramePr>
+          <p:nvPr/>
+        </p:nvGraphicFramePr>
+        <p:xfrm>
+          <a:off x="411480" y="777240"/>
+          <a:ext cx="8138160" cy="4114800"/>
+        </p:xfrm>
+        <a:graphic>
+          <a:graphicData uri="http://schemas.openxmlformats.org/drawingml/2006/table">
+            <a:tbl>
+              <a:tblPr firstRow="1" bandRow="1">
+                <a:tableStyleId>{5C22544A-7EE6-4342-B048-85BDC9FD1C3A}</a:tableStyleId>
+              </a:tblPr>
+              <a:tblGrid>
+                <a:gridCol w="1005840"/>
+                <a:gridCol w="731520"/>
+                <a:gridCol w="6400800"/>
+              </a:tblGrid>
+              <a:tr h="195942">
+                <a:tc>
+                  <a:txBody>
+                    <a:bodyPr/>
+                    <a:lstStyle/>
+                    <a:p>
+                      <a:r>
+                        <a:t>Drug</a:t>
+                      </a:r>
+                    </a:p>
+                  </a:txBody>
+                  <a:tcPr/>
+                </a:tc>
+                <a:tc>
+                  <a:txBody>
+                    <a:bodyPr/>
+                    <a:lstStyle/>
+                    <a:p>
+                      <a:r>
+                        <a:t>Score</a:t>
+                      </a:r>
+                    </a:p>
+                  </a:txBody>
+                  <a:tcPr/>
+                </a:tc>
+                <a:tc>
+                  <a:txBody>
+                    <a:bodyPr/>
+                    <a:lstStyle/>
+                    <a:p>
+                      <a:r>
+                        <a:t>Mechanism of action</a:t>
+                      </a:r>
+                    </a:p>
+                  </a:txBody>
+                  <a:tcPr/>
+                </a:tc>
+              </a:tr>
+              <a:tr h="195942">
+                <a:tc>
+                  <a:txBody>
+                    <a:bodyPr/>
+                    <a:lstStyle/>
+                    <a:p>
+                      <a:pPr>
+                        <a:defRPr sz="1050"/>
+                      </a:pPr>
+                      <a:r>
+                        <a:t>etoposide</a:t>
+                      </a:r>
+                    </a:p>
+                  </a:txBody>
+                  <a:tcPr/>
+                </a:tc>
+                <a:tc>
+                  <a:txBody>
+                    <a:bodyPr/>
+                    <a:lstStyle/>
+                    <a:p>
+                      <a:pPr>
+                        <a:defRPr sz="1050"/>
+                      </a:pPr>
+                      <a:r>
+                        <a:t>1.0</a:t>
+                      </a:r>
+                    </a:p>
+                  </a:txBody>
+                  <a:tcPr/>
+                </a:tc>
+                <a:tc>
+                  <a:txBody>
+                    <a:bodyPr/>
+                    <a:lstStyle/>
+                    <a:p>
+                      <a:pPr>
+                        <a:defRPr sz="1050"/>
+                      </a:pPr>
+                      <a:r>
+                        <a:t>Topo II inhibitor</a:t>
+                      </a:r>
+                    </a:p>
+                  </a:txBody>
+                  <a:tcPr/>
+                </a:tc>
+              </a:tr>
+              <a:tr h="195942">
+                <a:tc>
+                  <a:txBody>
+                    <a:bodyPr/>
+                    <a:lstStyle/>
+                    <a:p>
+                      <a:pPr>
+                        <a:defRPr sz="1050"/>
+                      </a:pPr>
+                      <a:r>
+                        <a:t>JNJ-26854165</a:t>
+                      </a:r>
+                    </a:p>
+                  </a:txBody>
+                  <a:tcPr/>
+                </a:tc>
+                <a:tc>
+                  <a:txBody>
+                    <a:bodyPr/>
+                    <a:lstStyle/>
+                    <a:p>
+                      <a:pPr>
+                        <a:defRPr sz="1050"/>
+                      </a:pPr>
+                      <a:r>
+                        <a:t>1.0</a:t>
+                      </a:r>
+                    </a:p>
+                  </a:txBody>
+                  <a:tcPr/>
+                </a:tc>
+                <a:tc>
+                  <a:txBody>
+                    <a:bodyPr/>
+                    <a:lstStyle/>
+                    <a:p>
+                      <a:pPr>
+                        <a:defRPr sz="1050"/>
+                      </a:pPr>
+                      <a:r>
+                        <a:t>(JNJ-26854165) Mdm2 antagonist, stabilizes p53</a:t>
+                      </a:r>
+                    </a:p>
+                  </a:txBody>
+                  <a:tcPr/>
+                </a:tc>
+              </a:tr>
+              <a:tr h="195942">
+                <a:tc>
+                  <a:txBody>
+                    <a:bodyPr/>
+                    <a:lstStyle/>
+                    <a:p>
+                      <a:pPr>
+                        <a:defRPr sz="1050"/>
+                      </a:pPr>
+                      <a:r>
+                        <a:t>idarubicin</a:t>
+                      </a:r>
+                    </a:p>
+                  </a:txBody>
+                  <a:tcPr/>
+                </a:tc>
+                <a:tc>
+                  <a:txBody>
+                    <a:bodyPr/>
+                    <a:lstStyle/>
+                    <a:p>
+                      <a:pPr>
+                        <a:defRPr sz="1050"/>
+                      </a:pPr>
+                      <a:r>
+                        <a:t>1.0</a:t>
+                      </a:r>
+                    </a:p>
+                  </a:txBody>
+                  <a:tcPr/>
+                </a:tc>
+                <a:tc>
+                  <a:txBody>
+                    <a:bodyPr/>
+                    <a:lstStyle/>
+                    <a:p>
+                      <a:pPr>
+                        <a:defRPr sz="1050"/>
+                      </a:pPr>
+                      <a:r>
+                        <a:t>Topo II inhibitor, intercalates into DNA, anthracycline</a:t>
+                      </a:r>
+                    </a:p>
+                  </a:txBody>
+                  <a:tcPr/>
+                </a:tc>
+              </a:tr>
+              <a:tr h="195942">
+                <a:tc>
+                  <a:txBody>
+                    <a:bodyPr/>
+                    <a:lstStyle/>
+                    <a:p>
+                      <a:pPr>
+                        <a:defRPr sz="1050"/>
+                      </a:pPr>
+                      <a:r>
+                        <a:t>etoposide</a:t>
+                      </a:r>
+                    </a:p>
+                  </a:txBody>
+                  <a:tcPr/>
+                </a:tc>
+                <a:tc>
+                  <a:txBody>
+                    <a:bodyPr/>
+                    <a:lstStyle/>
+                    <a:p>
+                      <a:pPr>
+                        <a:defRPr sz="1050"/>
+                      </a:pPr>
+                      <a:r>
+                        <a:t>0.99</a:t>
+                      </a:r>
+                    </a:p>
+                  </a:txBody>
+                  <a:tcPr/>
+                </a:tc>
+                <a:tc>
+                  <a:txBody>
+                    <a:bodyPr/>
+                    <a:lstStyle/>
+                    <a:p>
+                      <a:pPr>
+                        <a:defRPr sz="1050"/>
+                      </a:pPr>
+                      <a:r>
+                        <a:t>Topo II inhibitor</a:t>
+                      </a:r>
+                    </a:p>
+                  </a:txBody>
+                  <a:tcPr/>
+                </a:tc>
+              </a:tr>
+              <a:tr h="195942">
+                <a:tc>
+                  <a:txBody>
+                    <a:bodyPr/>
+                    <a:lstStyle/>
+                    <a:p>
+                      <a:pPr>
+                        <a:defRPr sz="1050"/>
+                      </a:pPr>
+                      <a:r>
+                        <a:t>raltitrexed</a:t>
+                      </a:r>
+                    </a:p>
+                  </a:txBody>
+                  <a:tcPr/>
+                </a:tc>
+                <a:tc>
+                  <a:txBody>
+                    <a:bodyPr/>
+                    <a:lstStyle/>
+                    <a:p>
+                      <a:pPr>
+                        <a:defRPr sz="1050"/>
+                      </a:pPr>
+                      <a:r>
+                        <a:t>0.99</a:t>
+                      </a:r>
+                    </a:p>
+                  </a:txBody>
+                  <a:tcPr/>
+                </a:tc>
+                <a:tc>
+                  <a:txBody>
+                    <a:bodyPr/>
+                    <a:lstStyle/>
+                    <a:p>
+                      <a:pPr>
+                        <a:defRPr sz="1050"/>
+                      </a:pPr>
+                      <a:r>
+                        <a:t>antimetabolite,  inhibitor of thymidylate synthase</a:t>
+                      </a:r>
+                    </a:p>
+                  </a:txBody>
+                  <a:tcPr/>
+                </a:tc>
+              </a:tr>
+              <a:tr h="195942">
+                <a:tc>
+                  <a:txBody>
+                    <a:bodyPr/>
+                    <a:lstStyle/>
+                    <a:p>
+                      <a:pPr>
+                        <a:defRPr sz="1050"/>
+                      </a:pPr>
+                      <a:r>
+                        <a:t>cladribine</a:t>
+                      </a:r>
+                    </a:p>
+                  </a:txBody>
+                  <a:tcPr/>
+                </a:tc>
+                <a:tc>
+                  <a:txBody>
+                    <a:bodyPr/>
+                    <a:lstStyle/>
+                    <a:p>
+                      <a:pPr>
+                        <a:defRPr sz="1050"/>
+                      </a:pPr>
+                      <a:r>
+                        <a:t>0.99</a:t>
+                      </a:r>
+                    </a:p>
+                  </a:txBody>
+                  <a:tcPr/>
+                </a:tc>
+                <a:tc>
+                  <a:txBody>
+                    <a:bodyPr/>
+                    <a:lstStyle/>
+                    <a:p>
+                      <a:pPr>
+                        <a:defRPr sz="1050"/>
+                      </a:pPr>
+                      <a:r>
+                        <a:t>purine analog, inhibits adenosine deaminase, which interferes with DNA sythesis. Used for leukemia</a:t>
+                      </a:r>
+                    </a:p>
+                  </a:txBody>
+                  <a:tcPr/>
+                </a:tc>
+              </a:tr>
+              <a:tr h="195942">
+                <a:tc>
+                  <a:txBody>
+                    <a:bodyPr/>
+                    <a:lstStyle/>
+                    <a:p>
+                      <a:pPr>
+                        <a:defRPr sz="1050"/>
+                      </a:pPr>
+                      <a:r>
+                        <a:t>floxuridine</a:t>
+                      </a:r>
+                    </a:p>
+                  </a:txBody>
+                  <a:tcPr/>
+                </a:tc>
+                <a:tc>
+                  <a:txBody>
+                    <a:bodyPr/>
+                    <a:lstStyle/>
+                    <a:p>
+                      <a:pPr>
+                        <a:defRPr sz="1050"/>
+                      </a:pPr>
+                      <a:r>
+                        <a:t>0.99</a:t>
+                      </a:r>
+                    </a:p>
+                  </a:txBody>
+                  <a:tcPr/>
+                </a:tc>
+                <a:tc>
+                  <a:txBody>
+                    <a:bodyPr/>
+                    <a:lstStyle/>
+                    <a:p>
+                      <a:pPr>
+                        <a:defRPr sz="1050"/>
+                      </a:pPr>
+                      <a:r>
+                        <a:t>antimetabolite,  catabolized to 5-fluorouracil</a:t>
+                      </a:r>
+                    </a:p>
+                  </a:txBody>
+                  <a:tcPr/>
+                </a:tc>
+              </a:tr>
+              <a:tr h="195942">
+                <a:tc>
+                  <a:txBody>
+                    <a:bodyPr/>
+                    <a:lstStyle/>
+                    <a:p>
+                      <a:pPr>
+                        <a:defRPr sz="1050"/>
+                      </a:pPr>
+                      <a:r>
+                        <a:t>methotrexate</a:t>
+                      </a:r>
+                    </a:p>
+                  </a:txBody>
+                  <a:tcPr/>
+                </a:tc>
+                <a:tc>
+                  <a:txBody>
+                    <a:bodyPr/>
+                    <a:lstStyle/>
+                    <a:p>
+                      <a:pPr>
+                        <a:defRPr sz="1050"/>
+                      </a:pPr>
+                      <a:r>
+                        <a:t>0.99</a:t>
+                      </a:r>
+                    </a:p>
+                  </a:txBody>
+                  <a:tcPr/>
+                </a:tc>
+                <a:tc>
+                  <a:txBody>
+                    <a:bodyPr/>
+                    <a:lstStyle/>
+                    <a:p>
+                      <a:pPr>
+                        <a:defRPr sz="1050"/>
+                      </a:pPr>
+                      <a:r>
+                        <a:t>antimetabolite, competitively inhibits dihydrofolate reductase (DHFR), inhibits synthesis of DNA, RNA, thymidylates, and proteins</a:t>
+                      </a:r>
+                    </a:p>
+                  </a:txBody>
+                  <a:tcPr/>
+                </a:tc>
+              </a:tr>
+              <a:tr h="195942">
+                <a:tc>
+                  <a:txBody>
+                    <a:bodyPr/>
+                    <a:lstStyle/>
+                    <a:p>
+                      <a:pPr>
+                        <a:defRPr sz="1050"/>
+                      </a:pPr>
+                      <a:r>
+                        <a:t>mitomycin-c</a:t>
+                      </a:r>
+                    </a:p>
+                  </a:txBody>
+                  <a:tcPr/>
+                </a:tc>
+                <a:tc>
+                  <a:txBody>
+                    <a:bodyPr/>
+                    <a:lstStyle/>
+                    <a:p>
+                      <a:pPr>
+                        <a:defRPr sz="1050"/>
+                      </a:pPr>
+                      <a:r>
+                        <a:t>0.99</a:t>
+                      </a:r>
+                    </a:p>
+                  </a:txBody>
+                  <a:tcPr/>
+                </a:tc>
+                <a:tc>
+                  <a:txBody>
+                    <a:bodyPr/>
+                    <a:lstStyle/>
+                    <a:p>
+                      <a:pPr>
+                        <a:defRPr sz="1050"/>
+                      </a:pPr>
+                      <a:r>
+                        <a:t>DNA Alkylator, works by cross-linking DNA and inhibiting DNA synthesis</a:t>
+                      </a:r>
+                    </a:p>
+                  </a:txBody>
+                  <a:tcPr/>
+                </a:tc>
+              </a:tr>
+              <a:tr h="195942">
+                <a:tc>
+                  <a:txBody>
+                    <a:bodyPr/>
+                    <a:lstStyle/>
+                    <a:p>
+                      <a:pPr>
+                        <a:defRPr sz="1050"/>
+                      </a:pPr>
+                      <a:r>
+                        <a:t>irinotecan</a:t>
+                      </a:r>
+                    </a:p>
+                  </a:txBody>
+                  <a:tcPr/>
+                </a:tc>
+                <a:tc>
+                  <a:txBody>
+                    <a:bodyPr/>
+                    <a:lstStyle/>
+                    <a:p>
+                      <a:pPr>
+                        <a:defRPr sz="1050"/>
+                      </a:pPr>
+                      <a:r>
+                        <a:t>0.99</a:t>
+                      </a:r>
+                    </a:p>
+                  </a:txBody>
+                  <a:tcPr/>
+                </a:tc>
+                <a:tc>
+                  <a:txBody>
+                    <a:bodyPr/>
+                    <a:lstStyle/>
+                    <a:p>
+                      <a:pPr>
+                        <a:defRPr sz="1050"/>
+                      </a:pPr>
+                      <a:r>
+                        <a:t>aka CPT-11, inhibitor of Topo I</a:t>
+                      </a:r>
+                    </a:p>
+                  </a:txBody>
+                  <a:tcPr/>
+                </a:tc>
+              </a:tr>
+              <a:tr h="195942">
+                <a:tc>
+                  <a:txBody>
+                    <a:bodyPr/>
+                    <a:lstStyle/>
+                    <a:p>
+                      <a:pPr>
+                        <a:defRPr sz="1050"/>
+                      </a:pPr>
+                      <a:r>
+                        <a:t>teniposide</a:t>
+                      </a:r>
+                    </a:p>
+                  </a:txBody>
+                  <a:tcPr/>
+                </a:tc>
+                <a:tc>
+                  <a:txBody>
+                    <a:bodyPr/>
+                    <a:lstStyle/>
+                    <a:p>
+                      <a:pPr>
+                        <a:defRPr sz="1050"/>
+                      </a:pPr>
+                      <a:r>
+                        <a:t>0.99</a:t>
+                      </a:r>
+                    </a:p>
+                  </a:txBody>
+                  <a:tcPr/>
+                </a:tc>
+                <a:tc>
+                  <a:txBody>
+                    <a:bodyPr/>
+                    <a:lstStyle/>
+                    <a:p>
+                      <a:pPr>
+                        <a:defRPr sz="1050"/>
+                      </a:pPr>
+                      <a:r>
+                        <a:t>Topo II inhibitor</a:t>
+                      </a:r>
+                    </a:p>
+                  </a:txBody>
+                  <a:tcPr/>
+                </a:tc>
+              </a:tr>
+              <a:tr h="195942">
+                <a:tc>
+                  <a:txBody>
+                    <a:bodyPr/>
+                    <a:lstStyle/>
+                    <a:p>
+                      <a:pPr>
+                        <a:defRPr sz="1050"/>
+                      </a:pPr>
+                      <a:r>
+                        <a:t>gemcitabine</a:t>
+                      </a:r>
+                    </a:p>
+                  </a:txBody>
+                  <a:tcPr/>
+                </a:tc>
+                <a:tc>
+                  <a:txBody>
+                    <a:bodyPr/>
+                    <a:lstStyle/>
+                    <a:p>
+                      <a:pPr>
+                        <a:defRPr sz="1050"/>
+                      </a:pPr>
+                      <a:r>
+                        <a:t>0.98</a:t>
+                      </a:r>
+                    </a:p>
+                  </a:txBody>
+                  <a:tcPr/>
+                </a:tc>
+                <a:tc>
+                  <a:txBody>
+                    <a:bodyPr/>
+                    <a:lstStyle/>
+                    <a:p>
+                      <a:pPr>
+                        <a:defRPr sz="1050"/>
+                      </a:pPr>
+                      <a:r>
+                        <a:t>Nucleoside analog,incorporation into DNA creates an irreparable error that leads to inhibition of further DNA synthesis</a:t>
+                      </a:r>
+                    </a:p>
+                  </a:txBody>
+                  <a:tcPr/>
+                </a:tc>
+              </a:tr>
+              <a:tr h="195942">
+                <a:tc>
+                  <a:txBody>
+                    <a:bodyPr/>
+                    <a:lstStyle/>
+                    <a:p>
+                      <a:pPr>
+                        <a:defRPr sz="1050"/>
+                      </a:pPr>
+                      <a:r>
+                        <a:t>SN-38</a:t>
+                      </a:r>
+                    </a:p>
+                  </a:txBody>
+                  <a:tcPr/>
+                </a:tc>
+                <a:tc>
+                  <a:txBody>
+                    <a:bodyPr/>
+                    <a:lstStyle/>
+                    <a:p>
+                      <a:pPr>
+                        <a:defRPr sz="1050"/>
+                      </a:pPr>
+                      <a:r>
+                        <a:t>0.98</a:t>
+                      </a:r>
+                    </a:p>
+                  </a:txBody>
+                  <a:tcPr/>
+                </a:tc>
+                <a:tc>
+                  <a:txBody>
+                    <a:bodyPr/>
+                    <a:lstStyle/>
+                    <a:p>
+                      <a:pPr>
+                        <a:defRPr sz="1050"/>
+                      </a:pPr>
+                      <a:r>
+                        <a:t>Topo I inhibitor, active metabolite of irinotecan but 1000 times more active</a:t>
+                      </a:r>
+                    </a:p>
+                  </a:txBody>
+                  <a:tcPr/>
+                </a:tc>
+              </a:tr>
+              <a:tr h="195942">
+                <a:tc>
+                  <a:txBody>
+                    <a:bodyPr/>
+                    <a:lstStyle/>
+                    <a:p>
+                      <a:pPr>
+                        <a:defRPr sz="1050"/>
+                      </a:pPr>
+                      <a:r>
+                        <a:t>topotecan</a:t>
+                      </a:r>
+                    </a:p>
+                  </a:txBody>
+                  <a:tcPr/>
+                </a:tc>
+                <a:tc>
+                  <a:txBody>
+                    <a:bodyPr/>
+                    <a:lstStyle/>
+                    <a:p>
+                      <a:pPr>
+                        <a:defRPr sz="1050"/>
+                      </a:pPr>
+                      <a:r>
+                        <a:t>0.98</a:t>
+                      </a:r>
+                    </a:p>
+                  </a:txBody>
+                  <a:tcPr/>
+                </a:tc>
+                <a:tc>
+                  <a:txBody>
+                    <a:bodyPr/>
+                    <a:lstStyle/>
+                    <a:p>
+                      <a:pPr>
+                        <a:defRPr sz="1050"/>
+                      </a:pPr>
+                      <a:r>
+                        <a:t>Topo I inhibitor</a:t>
+                      </a:r>
+                    </a:p>
+                  </a:txBody>
+                  <a:tcPr/>
+                </a:tc>
+              </a:tr>
+              <a:tr h="195942">
+                <a:tc>
+                  <a:txBody>
+                    <a:bodyPr/>
+                    <a:lstStyle/>
+                    <a:p>
+                      <a:pPr>
+                        <a:defRPr sz="1050"/>
+                      </a:pPr>
+                      <a:r>
+                        <a:t>serdemetan</a:t>
+                      </a:r>
+                    </a:p>
+                  </a:txBody>
+                  <a:tcPr/>
+                </a:tc>
+                <a:tc>
+                  <a:txBody>
+                    <a:bodyPr/>
+                    <a:lstStyle/>
+                    <a:p>
+                      <a:pPr>
+                        <a:defRPr sz="1050"/>
+                      </a:pPr>
+                      <a:r>
+                        <a:t>0.98</a:t>
+                      </a:r>
+                    </a:p>
+                  </a:txBody>
+                  <a:tcPr/>
+                </a:tc>
+                <a:tc>
+                  <a:txBody>
+                    <a:bodyPr/>
+                    <a:lstStyle/>
+                    <a:p>
+                      <a:pPr>
+                        <a:defRPr sz="1050"/>
+                      </a:pPr>
+                      <a:r>
+                        <a:t>(JNJ-26854165) Mdm2 antagonist, stabilizes p53</a:t>
+                      </a:r>
+                    </a:p>
+                  </a:txBody>
+                  <a:tcPr/>
+                </a:tc>
+              </a:tr>
+              <a:tr h="195942">
+                <a:tc>
+                  <a:txBody>
+                    <a:bodyPr/>
+                    <a:lstStyle/>
+                    <a:p>
+                      <a:pPr>
+                        <a:defRPr sz="1050"/>
+                      </a:pPr>
+                      <a:r>
+                        <a:t>chlorambucil</a:t>
+                      </a:r>
+                    </a:p>
+                  </a:txBody>
+                  <a:tcPr/>
+                </a:tc>
+                <a:tc>
+                  <a:txBody>
+                    <a:bodyPr/>
+                    <a:lstStyle/>
+                    <a:p>
+                      <a:pPr>
+                        <a:defRPr sz="1050"/>
+                      </a:pPr>
+                      <a:r>
+                        <a:t>0.98</a:t>
+                      </a:r>
+                    </a:p>
+                  </a:txBody>
+                  <a:tcPr/>
+                </a:tc>
+                <a:tc>
+                  <a:txBody>
+                    <a:bodyPr/>
+                    <a:lstStyle/>
+                    <a:p>
+                      <a:pPr>
+                        <a:defRPr sz="1050"/>
+                      </a:pPr>
+                      <a:r>
+                        <a:t>alkylates and cross-links DNA, interfering with DNA replication and damaging the DNA</a:t>
+                      </a:r>
+                    </a:p>
+                  </a:txBody>
+                  <a:tcPr/>
+                </a:tc>
+              </a:tr>
+              <a:tr h="195942">
+                <a:tc>
+                  <a:txBody>
+                    <a:bodyPr/>
+                    <a:lstStyle/>
+                    <a:p>
+                      <a:pPr>
+                        <a:defRPr sz="1050"/>
+                      </a:pPr>
+                      <a:r>
+                        <a:t>cytarabine</a:t>
+                      </a:r>
+                    </a:p>
+                  </a:txBody>
+                  <a:tcPr/>
+                </a:tc>
+                <a:tc>
+                  <a:txBody>
+                    <a:bodyPr/>
+                    <a:lstStyle/>
+                    <a:p>
+                      <a:pPr>
+                        <a:defRPr sz="1050"/>
+                      </a:pPr>
+                      <a:r>
+                        <a:t>0.98</a:t>
+                      </a:r>
+                    </a:p>
+                  </a:txBody>
+                  <a:tcPr/>
+                </a:tc>
+                <a:tc>
+                  <a:txBody>
+                    <a:bodyPr/>
+                    <a:lstStyle/>
+                    <a:p>
+                      <a:pPr>
+                        <a:defRPr sz="1050"/>
+                      </a:pPr>
+                      <a:r>
+                        <a:t>antimetabolite, causes DNA damage,  inhibits both DNA and RNA polymerases and nucleotide reductase enzymes needed for DNA synthesis</a:t>
+                      </a:r>
+                    </a:p>
+                  </a:txBody>
+                  <a:tcPr/>
+                </a:tc>
+              </a:tr>
+              <a:tr h="195942">
+                <a:tc>
+                  <a:txBody>
+                    <a:bodyPr/>
+                    <a:lstStyle/>
+                    <a:p>
+                      <a:pPr>
+                        <a:defRPr sz="1050"/>
+                      </a:pPr>
+                      <a:r>
+                        <a:t>amsacrine</a:t>
+                      </a:r>
+                    </a:p>
+                  </a:txBody>
+                  <a:tcPr/>
+                </a:tc>
+                <a:tc>
+                  <a:txBody>
+                    <a:bodyPr/>
+                    <a:lstStyle/>
+                    <a:p>
+                      <a:pPr>
+                        <a:defRPr sz="1050"/>
+                      </a:pPr>
+                      <a:r>
+                        <a:t>0.98</a:t>
+                      </a:r>
+                    </a:p>
+                  </a:txBody>
+                  <a:tcPr/>
+                </a:tc>
+                <a:tc>
+                  <a:txBody>
+                    <a:bodyPr/>
+                    <a:lstStyle/>
+                    <a:p>
+                      <a:pPr>
+                        <a:defRPr sz="1050"/>
+                      </a:pPr>
+                      <a:r>
+                        <a:t>Intercalator, inhibits Topo II and blocks both DNA replication and transcription, used in ALL</a:t>
+                      </a:r>
+                    </a:p>
+                  </a:txBody>
+                  <a:tcPr/>
+                </a:tc>
+              </a:tr>
+              <a:tr h="195942">
+                <a:tc>
+                  <a:txBody>
+                    <a:bodyPr/>
+                    <a:lstStyle/>
+                    <a:p>
+                      <a:pPr>
+                        <a:defRPr sz="1050"/>
+                      </a:pPr>
+                      <a:r>
+                        <a:t>clofarabine</a:t>
+                      </a:r>
+                    </a:p>
+                  </a:txBody>
+                  <a:tcPr/>
+                </a:tc>
+                <a:tc>
+                  <a:txBody>
+                    <a:bodyPr/>
+                    <a:lstStyle/>
+                    <a:p>
+                      <a:pPr>
+                        <a:defRPr sz="1050"/>
+                      </a:pPr>
+                      <a:r>
+                        <a:t>0.98</a:t>
+                      </a:r>
+                    </a:p>
+                  </a:txBody>
+                  <a:tcPr/>
+                </a:tc>
+                <a:tc>
+                  <a:txBody>
+                    <a:bodyPr/>
+                    <a:lstStyle/>
+                    <a:p>
+                      <a:pPr>
+                        <a:defRPr sz="1050"/>
+                      </a:pPr>
+                      <a:r>
+                        <a:t>purine nucleoside antimetabolite</a:t>
+                      </a:r>
+                    </a:p>
+                  </a:txBody>
+                  <a:tcPr/>
+                </a:tc>
+              </a:tr>
+              <a:tr h="195960">
+                <a:tc>
+                  <a:txBody>
+                    <a:bodyPr/>
+                    <a:lstStyle/>
+                    <a:p>
+                      <a:pPr>
+                        <a:defRPr sz="1050"/>
+                      </a:pPr>
+                      <a:r>
+                        <a:t>PHA-793887</a:t>
+                      </a:r>
+                    </a:p>
+                  </a:txBody>
+                  <a:tcPr/>
+                </a:tc>
+                <a:tc>
+                  <a:txBody>
+                    <a:bodyPr/>
+                    <a:lstStyle/>
+                    <a:p>
+                      <a:pPr>
+                        <a:defRPr sz="1050"/>
+                      </a:pPr>
+                      <a:r>
+                        <a:t>0.98</a:t>
+                      </a:r>
+                    </a:p>
+                  </a:txBody>
+                  <a:tcPr/>
+                </a:tc>
+                <a:tc>
+                  <a:txBody>
+                    <a:bodyPr/>
+                    <a:lstStyle/>
+                    <a:p>
+                      <a:pPr>
+                        <a:defRPr sz="1050"/>
+                      </a:pPr>
+                      <a:r>
+                        <a:t>CDK inhibitor, esp CDK2, CDK5 and CDK7</a:t>
+                      </a:r>
+                    </a:p>
+                  </a:txBody>
+                  <a:tcPr/>
+                </a:tc>
+              </a:tr>
+            </a:tbl>
+          </a:graphicData>
+        </a:graphic>
+      </p:graphicFrame>
+    </p:spTree>
+  </p:cSld>
+  <p:clrMapOvr>
+    <a:masterClrMapping/>
+  </p:clrMapOvr>
+</p:sld>
+</file>
+
+<file path=ppt/slides/slide37.xml><?xml version="1.0" encoding="utf-8"?>
+<p:sld xmlns:a="http://schemas.openxmlformats.org/drawingml/2006/main" xmlns:p="http://schemas.openxmlformats.org/presentationml/2006/main" xmlns:r="http://schemas.openxmlformats.org/officeDocument/2006/relationships">
+  <p:cSld>
+    <p:spTree>
+      <p:nvGrpSpPr>
+        <p:cNvPr id="1" name=""/>
+        <p:cNvGrpSpPr/>
+        <p:nvPr/>
+      </p:nvGrpSpPr>
+      <p:grpSpPr/>
+      <p:sp>
+        <p:nvSpPr>
+          <p:cNvPr id="2" name="TextBox 1"/>
+          <p:cNvSpPr txBox="1"/>
+          <p:nvPr/>
+        </p:nvSpPr>
+        <p:spPr>
+          <a:xfrm>
+            <a:off x="0" y="0"/>
+            <a:ext cx="9144000" cy="685800"/>
+          </a:xfrm>
+          <a:prstGeom prst="rect">
+            <a:avLst/>
+          </a:prstGeom>
+          <a:noFill/>
+        </p:spPr>
+        <p:txBody>
+          <a:bodyPr wrap="none">
+            <a:spAutoFit/>
+          </a:bodyPr>
+          <a:lstStyle/>
+          <a:p/>
+          <a:p>
+            <a:pPr>
+              <a:defRPr sz="2400"/>
+            </a:pPr>
+            <a:r>
+              <a:t>DiSCoVER ∩ CMap: top common drugs (cerebellar stem cell control)</a:t>
+            </a:r>
+          </a:p>
+        </p:txBody>
+      </p:sp>
+      <p:graphicFrame>
+        <p:nvGraphicFramePr>
+          <p:cNvPr id="3" name="Table 2"/>
+          <p:cNvGraphicFramePr>
+            <a:graphicFrameLocks noGrp="1"/>
+          </p:cNvGraphicFramePr>
+          <p:nvPr/>
+        </p:nvGraphicFramePr>
+        <p:xfrm>
+          <a:off x="411480" y="777240"/>
+          <a:ext cx="8503920" cy="4114800"/>
+        </p:xfrm>
+        <a:graphic>
+          <a:graphicData uri="http://schemas.openxmlformats.org/drawingml/2006/table">
+            <a:tbl>
+              <a:tblPr firstRow="1" bandRow="1">
+                <a:tableStyleId>{5C22544A-7EE6-4342-B048-85BDC9FD1C3A}</a:tableStyleId>
+              </a:tblPr>
+              <a:tblGrid>
+                <a:gridCol w="1005840"/>
+                <a:gridCol w="4114800"/>
+                <a:gridCol w="731520"/>
+                <a:gridCol w="1005840"/>
+                <a:gridCol w="914400"/>
+                <a:gridCol w="731520"/>
+              </a:tblGrid>
+              <a:tr h="195942">
+                <a:tc>
+                  <a:txBody>
+                    <a:bodyPr/>
+                    <a:lstStyle/>
+                    <a:p>
+                      <a:pPr>
+                        <a:defRPr sz="1100"/>
+                      </a:pPr>
+                      <a:r>
+                        <a:t>Drug</a:t>
+                      </a:r>
+                    </a:p>
+                  </a:txBody>
+                  <a:tcPr/>
+                </a:tc>
+                <a:tc>
+                  <a:txBody>
+                    <a:bodyPr/>
+                    <a:lstStyle/>
+                    <a:p>
+                      <a:pPr>
+                        <a:defRPr sz="1100"/>
+                      </a:pPr>
+                      <a:r>
+                        <a:t>Mechanism of action</a:t>
+                      </a:r>
+                    </a:p>
+                  </a:txBody>
+                  <a:tcPr/>
+                </a:tc>
+                <a:tc>
+                  <a:txBody>
+                    <a:bodyPr/>
+                    <a:lstStyle/>
+                    <a:p>
+                      <a:pPr>
+                        <a:defRPr sz="1100"/>
+                      </a:pPr>
+                      <a:r>
+                        <a:t>Evidence</a:t>
+                      </a:r>
+                    </a:p>
+                  </a:txBody>
+                  <a:tcPr/>
+                </a:tc>
+                <a:tc>
+                  <a:txBody>
+                    <a:bodyPr/>
+                    <a:lstStyle/>
+                    <a:p>
+                      <a:pPr>
+                        <a:defRPr sz="1100"/>
+                      </a:pPr>
+                      <a:r>
+                        <a:t>DiSCoVER Rank</a:t>
+                      </a:r>
+                    </a:p>
+                  </a:txBody>
+                  <a:tcPr/>
+                </a:tc>
+                <a:tc>
+                  <a:txBody>
+                    <a:bodyPr/>
+                    <a:lstStyle/>
+                    <a:p>
+                      <a:pPr>
+                        <a:defRPr sz="1100"/>
+                      </a:pPr>
+                      <a:r>
+                        <a:t>CMap Rank</a:t>
+                      </a:r>
+                    </a:p>
+                  </a:txBody>
+                  <a:tcPr/>
+                </a:tc>
+                <a:tc>
+                  <a:txBody>
+                    <a:bodyPr/>
+                    <a:lstStyle/>
+                    <a:p>
+                      <a:pPr>
+                        <a:defRPr sz="1100"/>
+                      </a:pPr>
+                      <a:r>
+                        <a:t>Average Rank</a:t>
+                      </a:r>
+                    </a:p>
+                  </a:txBody>
+                  <a:tcPr/>
+                </a:tc>
+              </a:tr>
+              <a:tr h="195942">
+                <a:tc>
+                  <a:txBody>
+                    <a:bodyPr/>
+                    <a:lstStyle/>
+                    <a:p>
+                      <a:pPr>
+                        <a:defRPr sz="1000"/>
+                      </a:pPr>
+                      <a:r>
+                        <a:t>tl-2-105</a:t>
+                      </a:r>
+                    </a:p>
+                  </a:txBody>
+                  <a:tcPr/>
+                </a:tc>
+                <a:tc>
+                  <a:txBody>
+                    <a:bodyPr/>
+                    <a:lstStyle/>
+                    <a:p>
+                      <a:pPr>
+                        <a:defRPr sz="1000"/>
+                      </a:pPr>
+                      <a:r>
+                        <a:t>Not Clinically Relevant</a:t>
+                      </a:r>
+                    </a:p>
+                  </a:txBody>
+                  <a:tcPr/>
+                </a:tc>
+                <a:tc>
+                  <a:txBody>
+                    <a:bodyPr/>
+                    <a:lstStyle/>
+                    <a:p>
+                      <a:pPr>
+                        <a:defRPr sz="1000"/>
+                      </a:pPr>
+                      <a:r>
+                        <a:t>+...</a:t>
+                      </a:r>
+                    </a:p>
+                  </a:txBody>
+                  <a:tcPr/>
+                </a:tc>
+                <a:tc>
+                  <a:txBody>
+                    <a:bodyPr/>
+                    <a:lstStyle/>
+                    <a:p>
+                      <a:pPr>
+                        <a:defRPr sz="1000"/>
+                      </a:pPr>
+                      <a:r>
+                        <a:t>1</a:t>
+                      </a:r>
+                    </a:p>
+                  </a:txBody>
+                  <a:tcPr/>
+                </a:tc>
+                <a:tc>
+                  <a:txBody>
+                    <a:bodyPr/>
+                    <a:lstStyle/>
+                    <a:p>
+                      <a:pPr>
+                        <a:defRPr sz="1000"/>
+                      </a:pPr>
+                      <a:r>
+                        <a:t>175</a:t>
+                      </a:r>
+                    </a:p>
+                  </a:txBody>
+                  <a:tcPr/>
+                </a:tc>
+                <a:tc>
+                  <a:txBody>
+                    <a:bodyPr/>
+                    <a:lstStyle/>
+                    <a:p>
+                      <a:pPr>
+                        <a:defRPr sz="1000"/>
+                      </a:pPr>
+                      <a:r>
+                        <a:t>1.0</a:t>
+                      </a:r>
+                    </a:p>
+                  </a:txBody>
+                  <a:tcPr/>
+                </a:tc>
+              </a:tr>
+              <a:tr h="195942">
+                <a:tc>
+                  <a:txBody>
+                    <a:bodyPr/>
+                    <a:lstStyle/>
+                    <a:p>
+                      <a:pPr>
+                        <a:defRPr sz="1000"/>
+                      </a:pPr>
+                      <a:r>
+                        <a:t>jnj-26854165</a:t>
+                      </a:r>
+                    </a:p>
+                  </a:txBody>
+                  <a:tcPr/>
+                </a:tc>
+                <a:tc>
+                  <a:txBody>
+                    <a:bodyPr/>
+                    <a:lstStyle/>
+                    <a:p>
+                      <a:pPr>
+                        <a:defRPr sz="1000"/>
+                      </a:pPr>
+                      <a:r>
+                        <a:t>(JNJ-26854165) Mdm2 antagonist, stabilizes p53</a:t>
+                      </a:r>
+                    </a:p>
+                  </a:txBody>
+                  <a:tcPr/>
+                </a:tc>
+                <a:tc>
+                  <a:txBody>
+                    <a:bodyPr/>
+                    <a:lstStyle/>
+                    <a:p>
+                      <a:pPr>
+                        <a:defRPr sz="1000"/>
+                      </a:pPr>
+                      <a:r>
+                        <a:t>...+</a:t>
+                      </a:r>
+                    </a:p>
+                  </a:txBody>
+                  <a:tcPr/>
+                </a:tc>
+                <a:tc>
+                  <a:txBody>
+                    <a:bodyPr/>
+                    <a:lstStyle/>
+                    <a:p>
+                      <a:pPr>
+                        <a:defRPr sz="1000"/>
+                      </a:pPr>
+                      <a:r>
+                        <a:t>673</a:t>
+                      </a:r>
+                    </a:p>
+                  </a:txBody>
+                  <a:tcPr/>
+                </a:tc>
+                <a:tc>
+                  <a:txBody>
+                    <a:bodyPr/>
+                    <a:lstStyle/>
+                    <a:p>
+                      <a:pPr>
+                        <a:defRPr sz="1000"/>
+                      </a:pPr>
+                      <a:r>
+                        <a:t>2</a:t>
+                      </a:r>
+                    </a:p>
+                  </a:txBody>
+                  <a:tcPr/>
+                </a:tc>
+                <a:tc>
+                  <a:txBody>
+                    <a:bodyPr/>
+                    <a:lstStyle/>
+                    <a:p>
+                      <a:pPr>
+                        <a:defRPr sz="1000"/>
+                      </a:pPr>
+                      <a:r>
+                        <a:t>2.0</a:t>
+                      </a:r>
+                    </a:p>
+                  </a:txBody>
+                  <a:tcPr/>
+                </a:tc>
+              </a:tr>
+              <a:tr h="195942">
+                <a:tc>
+                  <a:txBody>
+                    <a:bodyPr/>
+                    <a:lstStyle/>
+                    <a:p>
+                      <a:pPr>
+                        <a:defRPr sz="1000"/>
+                      </a:pPr>
+                      <a:r>
+                        <a:t>sb52334</a:t>
+                      </a:r>
+                    </a:p>
+                  </a:txBody>
+                  <a:tcPr/>
+                </a:tc>
+                <a:tc>
+                  <a:txBody>
+                    <a:bodyPr/>
+                    <a:lstStyle/>
+                    <a:p>
+                      <a:pPr>
+                        <a:defRPr sz="1000"/>
+                      </a:pPr>
+                      <a:r>
+                        <a:t>Not Clinically Relevant</a:t>
+                      </a:r>
+                    </a:p>
+                  </a:txBody>
+                  <a:tcPr/>
+                </a:tc>
+                <a:tc>
+                  <a:txBody>
+                    <a:bodyPr/>
+                    <a:lstStyle/>
+                    <a:p>
+                      <a:pPr>
+                        <a:defRPr sz="1000"/>
+                      </a:pPr>
+                      <a:r>
+                        <a:t>+...</a:t>
+                      </a:r>
+                    </a:p>
+                  </a:txBody>
+                  <a:tcPr/>
+                </a:tc>
+                <a:tc>
+                  <a:txBody>
+                    <a:bodyPr/>
+                    <a:lstStyle/>
+                    <a:p>
+                      <a:pPr>
+                        <a:defRPr sz="1000"/>
+                      </a:pPr>
+                      <a:r>
+                        <a:t>2</a:t>
+                      </a:r>
+                    </a:p>
+                  </a:txBody>
+                  <a:tcPr/>
+                </a:tc>
+                <a:tc>
+                  <a:txBody>
+                    <a:bodyPr/>
+                    <a:lstStyle/>
+                    <a:p>
+                      <a:pPr>
+                        <a:defRPr sz="1000"/>
+                      </a:pPr>
+                      <a:r>
+                        <a:t>176</a:t>
+                      </a:r>
+                    </a:p>
+                  </a:txBody>
+                  <a:tcPr/>
+                </a:tc>
+                <a:tc>
+                  <a:txBody>
+                    <a:bodyPr/>
+                    <a:lstStyle/>
+                    <a:p>
+                      <a:pPr>
+                        <a:defRPr sz="1000"/>
+                      </a:pPr>
+                      <a:r>
+                        <a:t>2.0</a:t>
+                      </a:r>
+                    </a:p>
+                  </a:txBody>
+                  <a:tcPr/>
+                </a:tc>
+              </a:tr>
+              <a:tr h="195942">
+                <a:tc>
+                  <a:txBody>
+                    <a:bodyPr/>
+                    <a:lstStyle/>
+                    <a:p>
+                      <a:pPr>
+                        <a:defRPr sz="1000"/>
+                      </a:pPr>
+                      <a:r>
+                        <a:t>raltitrexed</a:t>
+                      </a:r>
+                    </a:p>
+                  </a:txBody>
+                  <a:tcPr/>
+                </a:tc>
+                <a:tc>
+                  <a:txBody>
+                    <a:bodyPr/>
+                    <a:lstStyle/>
+                    <a:p>
+                      <a:pPr>
+                        <a:defRPr sz="1000"/>
+                      </a:pPr>
+                      <a:r>
+                        <a:t>antimetabolite,  inhibitor of thymidylate synthase</a:t>
+                      </a:r>
+                    </a:p>
+                  </a:txBody>
+                  <a:tcPr/>
+                </a:tc>
+                <a:tc>
+                  <a:txBody>
+                    <a:bodyPr/>
+                    <a:lstStyle/>
+                    <a:p>
+                      <a:pPr>
+                        <a:defRPr sz="1000"/>
+                      </a:pPr>
+                      <a:r>
+                        <a:t>...+</a:t>
+                      </a:r>
+                    </a:p>
+                  </a:txBody>
+                  <a:tcPr/>
+                </a:tc>
+                <a:tc>
+                  <a:txBody>
+                    <a:bodyPr/>
+                    <a:lstStyle/>
+                    <a:p>
+                      <a:pPr>
+                        <a:defRPr sz="1000"/>
+                      </a:pPr>
+                      <a:r>
+                        <a:t>675</a:t>
+                      </a:r>
+                    </a:p>
+                  </a:txBody>
+                  <a:tcPr/>
+                </a:tc>
+                <a:tc>
+                  <a:txBody>
+                    <a:bodyPr/>
+                    <a:lstStyle/>
+                    <a:p>
+                      <a:pPr>
+                        <a:defRPr sz="1000"/>
+                      </a:pPr>
+                      <a:r>
+                        <a:t>3</a:t>
+                      </a:r>
+                    </a:p>
+                  </a:txBody>
+                  <a:tcPr/>
+                </a:tc>
+                <a:tc>
+                  <a:txBody>
+                    <a:bodyPr/>
+                    <a:lstStyle/>
+                    <a:p>
+                      <a:pPr>
+                        <a:defRPr sz="1000"/>
+                      </a:pPr>
+                      <a:r>
+                        <a:t>3.0</a:t>
+                      </a:r>
+                    </a:p>
+                  </a:txBody>
+                  <a:tcPr/>
+                </a:tc>
+              </a:tr>
+              <a:tr h="195942">
+                <a:tc>
+                  <a:txBody>
+                    <a:bodyPr/>
+                    <a:lstStyle/>
+                    <a:p>
+                      <a:pPr>
+                        <a:defRPr sz="1000"/>
+                      </a:pPr>
+                      <a:r>
+                        <a:t>gsk1070916</a:t>
+                      </a:r>
+                    </a:p>
+                  </a:txBody>
+                  <a:tcPr/>
+                </a:tc>
+                <a:tc>
+                  <a:txBody>
+                    <a:bodyPr/>
+                    <a:lstStyle/>
+                    <a:p>
+                      <a:pPr>
+                        <a:defRPr sz="1000"/>
+                      </a:pPr>
+                      <a:r>
+                        <a:t>Not Clinically Relevant</a:t>
+                      </a:r>
+                    </a:p>
+                  </a:txBody>
+                  <a:tcPr/>
+                </a:tc>
+                <a:tc>
+                  <a:txBody>
+                    <a:bodyPr/>
+                    <a:lstStyle/>
+                    <a:p>
+                      <a:pPr>
+                        <a:defRPr sz="1000"/>
+                      </a:pPr>
+                      <a:r>
+                        <a:t>+...</a:t>
+                      </a:r>
+                    </a:p>
+                  </a:txBody>
+                  <a:tcPr/>
+                </a:tc>
+                <a:tc>
+                  <a:txBody>
+                    <a:bodyPr/>
+                    <a:lstStyle/>
+                    <a:p>
+                      <a:pPr>
+                        <a:defRPr sz="1000"/>
+                      </a:pPr>
+                      <a:r>
+                        <a:t>3</a:t>
+                      </a:r>
+                    </a:p>
+                  </a:txBody>
+                  <a:tcPr/>
+                </a:tc>
+                <a:tc>
+                  <a:txBody>
+                    <a:bodyPr/>
+                    <a:lstStyle/>
+                    <a:p>
+                      <a:pPr>
+                        <a:defRPr sz="1000"/>
+                      </a:pPr>
+                      <a:r>
+                        <a:t>177</a:t>
+                      </a:r>
+                    </a:p>
+                  </a:txBody>
+                  <a:tcPr/>
+                </a:tc>
+                <a:tc>
+                  <a:txBody>
+                    <a:bodyPr/>
+                    <a:lstStyle/>
+                    <a:p>
+                      <a:pPr>
+                        <a:defRPr sz="1000"/>
+                      </a:pPr>
+                      <a:r>
+                        <a:t>3.0</a:t>
+                      </a:r>
+                    </a:p>
+                  </a:txBody>
+                  <a:tcPr/>
+                </a:tc>
+              </a:tr>
+              <a:tr h="195942">
+                <a:tc>
+                  <a:txBody>
+                    <a:bodyPr/>
+                    <a:lstStyle/>
+                    <a:p>
+                      <a:pPr>
+                        <a:defRPr sz="1000"/>
+                      </a:pPr>
+                      <a:r>
+                        <a:t>cladribine</a:t>
+                      </a:r>
+                    </a:p>
+                  </a:txBody>
+                  <a:tcPr/>
+                </a:tc>
+                <a:tc>
+                  <a:txBody>
+                    <a:bodyPr/>
+                    <a:lstStyle/>
+                    <a:p>
+                      <a:pPr>
+                        <a:defRPr sz="1000"/>
+                      </a:pPr>
+                      <a:r>
+                        <a:t>purine analog, inhibits adenosine deaminase, which interferes with DNA sythesis. Used for leukemia</a:t>
+                      </a:r>
+                    </a:p>
+                  </a:txBody>
+                  <a:tcPr/>
+                </a:tc>
+                <a:tc>
+                  <a:txBody>
+                    <a:bodyPr/>
+                    <a:lstStyle/>
+                    <a:p>
+                      <a:pPr>
+                        <a:defRPr sz="1000"/>
+                      </a:pPr>
+                      <a:r>
+                        <a:t>...+</a:t>
+                      </a:r>
+                    </a:p>
+                  </a:txBody>
+                  <a:tcPr/>
+                </a:tc>
+                <a:tc>
+                  <a:txBody>
+                    <a:bodyPr/>
+                    <a:lstStyle/>
+                    <a:p>
+                      <a:pPr>
+                        <a:defRPr sz="1000"/>
+                      </a:pPr>
+                      <a:r>
+                        <a:t>676</a:t>
+                      </a:r>
+                    </a:p>
+                  </a:txBody>
+                  <a:tcPr/>
+                </a:tc>
+                <a:tc>
+                  <a:txBody>
+                    <a:bodyPr/>
+                    <a:lstStyle/>
+                    <a:p>
+                      <a:pPr>
+                        <a:defRPr sz="1000"/>
+                      </a:pPr>
+                      <a:r>
+                        <a:t>4</a:t>
+                      </a:r>
+                    </a:p>
+                  </a:txBody>
+                  <a:tcPr/>
+                </a:tc>
+                <a:tc>
+                  <a:txBody>
+                    <a:bodyPr/>
+                    <a:lstStyle/>
+                    <a:p>
+                      <a:pPr>
+                        <a:defRPr sz="1000"/>
+                      </a:pPr>
+                      <a:r>
+                        <a:t>4.0</a:t>
+                      </a:r>
+                    </a:p>
+                  </a:txBody>
+                  <a:tcPr/>
+                </a:tc>
+              </a:tr>
+              <a:tr h="195942">
+                <a:tc>
+                  <a:txBody>
+                    <a:bodyPr/>
+                    <a:lstStyle/>
+                    <a:p>
+                      <a:pPr>
+                        <a:defRPr sz="1000"/>
+                      </a:pPr>
+                      <a:r>
+                        <a:t>ql-xii-61</a:t>
+                      </a:r>
+                    </a:p>
+                  </a:txBody>
+                  <a:tcPr/>
+                </a:tc>
+                <a:tc>
+                  <a:txBody>
+                    <a:bodyPr/>
+                    <a:lstStyle/>
+                    <a:p>
+                      <a:pPr>
+                        <a:defRPr sz="1000"/>
+                      </a:pPr>
+                      <a:r>
+                        <a:t>Not Clinically Relevant</a:t>
+                      </a:r>
+                    </a:p>
+                  </a:txBody>
+                  <a:tcPr/>
+                </a:tc>
+                <a:tc>
+                  <a:txBody>
+                    <a:bodyPr/>
+                    <a:lstStyle/>
+                    <a:p>
+                      <a:pPr>
+                        <a:defRPr sz="1000"/>
+                      </a:pPr>
+                      <a:r>
+                        <a:t>+...</a:t>
+                      </a:r>
+                    </a:p>
+                  </a:txBody>
+                  <a:tcPr/>
+                </a:tc>
+                <a:tc>
+                  <a:txBody>
+                    <a:bodyPr/>
+                    <a:lstStyle/>
+                    <a:p>
+                      <a:pPr>
+                        <a:defRPr sz="1000"/>
+                      </a:pPr>
+                      <a:r>
+                        <a:t>4</a:t>
+                      </a:r>
+                    </a:p>
+                  </a:txBody>
+                  <a:tcPr/>
+                </a:tc>
+                <a:tc>
+                  <a:txBody>
+                    <a:bodyPr/>
+                    <a:lstStyle/>
+                    <a:p>
+                      <a:pPr>
+                        <a:defRPr sz="1000"/>
+                      </a:pPr>
+                      <a:r>
+                        <a:t>178</a:t>
+                      </a:r>
+                    </a:p>
+                  </a:txBody>
+                  <a:tcPr/>
+                </a:tc>
+                <a:tc>
+                  <a:txBody>
+                    <a:bodyPr/>
+                    <a:lstStyle/>
+                    <a:p>
+                      <a:pPr>
+                        <a:defRPr sz="1000"/>
+                      </a:pPr>
+                      <a:r>
+                        <a:t>4.0</a:t>
+                      </a:r>
+                    </a:p>
+                  </a:txBody>
+                  <a:tcPr/>
+                </a:tc>
+              </a:tr>
+              <a:tr h="195942">
+                <a:tc>
+                  <a:txBody>
+                    <a:bodyPr/>
+                    <a:lstStyle/>
+                    <a:p>
+                      <a:pPr>
+                        <a:defRPr sz="1000"/>
+                      </a:pPr>
+                      <a:r>
+                        <a:t>gw-2580</a:t>
+                      </a:r>
+                    </a:p>
+                  </a:txBody>
+                  <a:tcPr/>
+                </a:tc>
+                <a:tc>
+                  <a:txBody>
+                    <a:bodyPr/>
+                    <a:lstStyle/>
+                    <a:p>
+                      <a:pPr>
+                        <a:defRPr sz="1000"/>
+                      </a:pPr>
+                      <a:r>
+                        <a:t>Not Clinically Relevant</a:t>
+                      </a:r>
+                    </a:p>
+                  </a:txBody>
+                  <a:tcPr/>
+                </a:tc>
+                <a:tc>
+                  <a:txBody>
+                    <a:bodyPr/>
+                    <a:lstStyle/>
+                    <a:p>
+                      <a:pPr>
+                        <a:defRPr sz="1000"/>
+                      </a:pPr>
+                      <a:r>
+                        <a:t>+...</a:t>
+                      </a:r>
+                    </a:p>
+                  </a:txBody>
+                  <a:tcPr/>
+                </a:tc>
+                <a:tc>
+                  <a:txBody>
+                    <a:bodyPr/>
+                    <a:lstStyle/>
+                    <a:p>
+                      <a:pPr>
+                        <a:defRPr sz="1000"/>
+                      </a:pPr>
+                      <a:r>
+                        <a:t>6</a:t>
+                      </a:r>
+                    </a:p>
+                  </a:txBody>
+                  <a:tcPr/>
+                </a:tc>
+                <a:tc>
+                  <a:txBody>
+                    <a:bodyPr/>
+                    <a:lstStyle/>
+                    <a:p>
+                      <a:pPr>
+                        <a:defRPr sz="1000"/>
+                      </a:pPr>
+                      <a:r>
+                        <a:t>179</a:t>
+                      </a:r>
+                    </a:p>
+                  </a:txBody>
+                  <a:tcPr/>
+                </a:tc>
+                <a:tc>
+                  <a:txBody>
+                    <a:bodyPr/>
+                    <a:lstStyle/>
+                    <a:p>
+                      <a:pPr>
+                        <a:defRPr sz="1000"/>
+                      </a:pPr>
+                      <a:r>
+                        <a:t>6.0</a:t>
+                      </a:r>
+                    </a:p>
+                  </a:txBody>
+                  <a:tcPr/>
+                </a:tc>
+              </a:tr>
+              <a:tr h="195942">
+                <a:tc>
+                  <a:txBody>
+                    <a:bodyPr/>
+                    <a:lstStyle/>
+                    <a:p>
+                      <a:pPr>
+                        <a:defRPr sz="1000"/>
+                      </a:pPr>
+                      <a:r>
+                        <a:t>gsk429286a</a:t>
+                      </a:r>
+                    </a:p>
+                  </a:txBody>
+                  <a:tcPr/>
+                </a:tc>
+                <a:tc>
+                  <a:txBody>
+                    <a:bodyPr/>
+                    <a:lstStyle/>
+                    <a:p>
+                      <a:pPr>
+                        <a:defRPr sz="1000"/>
+                      </a:pPr>
+                      <a:r>
+                        <a:t>Not Clinically Relevant</a:t>
+                      </a:r>
+                    </a:p>
+                  </a:txBody>
+                  <a:tcPr/>
+                </a:tc>
+                <a:tc>
+                  <a:txBody>
+                    <a:bodyPr/>
+                    <a:lstStyle/>
+                    <a:p>
+                      <a:pPr>
+                        <a:defRPr sz="1000"/>
+                      </a:pPr>
+                      <a:r>
+                        <a:t>+...</a:t>
+                      </a:r>
+                    </a:p>
+                  </a:txBody>
+                  <a:tcPr/>
+                </a:tc>
+                <a:tc>
+                  <a:txBody>
+                    <a:bodyPr/>
+                    <a:lstStyle/>
+                    <a:p>
+                      <a:pPr>
+                        <a:defRPr sz="1000"/>
+                      </a:pPr>
+                      <a:r>
+                        <a:t>7</a:t>
+                      </a:r>
+                    </a:p>
+                  </a:txBody>
+                  <a:tcPr/>
+                </a:tc>
+                <a:tc>
+                  <a:txBody>
+                    <a:bodyPr/>
+                    <a:lstStyle/>
+                    <a:p>
+                      <a:pPr>
+                        <a:defRPr sz="1000"/>
+                      </a:pPr>
+                      <a:r>
+                        <a:t>180</a:t>
+                      </a:r>
+                    </a:p>
+                  </a:txBody>
+                  <a:tcPr/>
+                </a:tc>
+                <a:tc>
+                  <a:txBody>
+                    <a:bodyPr/>
+                    <a:lstStyle/>
+                    <a:p>
+                      <a:pPr>
+                        <a:defRPr sz="1000"/>
+                      </a:pPr>
+                      <a:r>
+                        <a:t>7.0</a:t>
+                      </a:r>
+                    </a:p>
+                  </a:txBody>
+                  <a:tcPr/>
+                </a:tc>
+              </a:tr>
+              <a:tr h="195942">
+                <a:tc>
+                  <a:txBody>
+                    <a:bodyPr/>
+                    <a:lstStyle/>
+                    <a:p>
+                      <a:pPr>
+                        <a:defRPr sz="1000"/>
+                      </a:pPr>
+                      <a:r>
+                        <a:t>floxuridine</a:t>
+                      </a:r>
+                    </a:p>
+                  </a:txBody>
+                  <a:tcPr/>
+                </a:tc>
+                <a:tc>
+                  <a:txBody>
+                    <a:bodyPr/>
+                    <a:lstStyle/>
+                    <a:p>
+                      <a:pPr>
+                        <a:defRPr sz="1000"/>
+                      </a:pPr>
+                      <a:r>
+                        <a:t>antimetabolite,  catabolized to 5-fluorouracil</a:t>
+                      </a:r>
+                    </a:p>
+                  </a:txBody>
+                  <a:tcPr/>
+                </a:tc>
+                <a:tc>
+                  <a:txBody>
+                    <a:bodyPr/>
+                    <a:lstStyle/>
+                    <a:p>
+                      <a:pPr>
+                        <a:defRPr sz="1000"/>
+                      </a:pPr>
+                      <a:r>
+                        <a:t>...++</a:t>
+                      </a:r>
+                    </a:p>
+                  </a:txBody>
+                  <a:tcPr/>
+                </a:tc>
+                <a:tc>
+                  <a:txBody>
+                    <a:bodyPr/>
+                    <a:lstStyle/>
+                    <a:p>
+                      <a:pPr>
+                        <a:defRPr sz="1000"/>
+                      </a:pPr>
+                      <a:r>
+                        <a:t>677</a:t>
+                      </a:r>
+                    </a:p>
+                  </a:txBody>
+                  <a:tcPr/>
+                </a:tc>
+                <a:tc>
+                  <a:txBody>
+                    <a:bodyPr/>
+                    <a:lstStyle/>
+                    <a:p>
+                      <a:pPr>
+                        <a:defRPr sz="1000"/>
+                      </a:pPr>
+                      <a:r>
+                        <a:t>8</a:t>
+                      </a:r>
+                    </a:p>
+                  </a:txBody>
+                  <a:tcPr/>
+                </a:tc>
+                <a:tc>
+                  <a:txBody>
+                    <a:bodyPr/>
+                    <a:lstStyle/>
+                    <a:p>
+                      <a:pPr>
+                        <a:defRPr sz="1000"/>
+                      </a:pPr>
+                      <a:r>
+                        <a:t>8.0</a:t>
+                      </a:r>
+                    </a:p>
+                  </a:txBody>
+                  <a:tcPr/>
+                </a:tc>
+              </a:tr>
+              <a:tr h="195942">
+                <a:tc>
+                  <a:txBody>
+                    <a:bodyPr/>
+                    <a:lstStyle/>
+                    <a:p>
+                      <a:pPr>
+                        <a:defRPr sz="1000"/>
+                      </a:pPr>
+                      <a:r>
+                        <a:t>tubastatin a</a:t>
+                      </a:r>
+                    </a:p>
+                  </a:txBody>
+                  <a:tcPr/>
+                </a:tc>
+                <a:tc>
+                  <a:txBody>
+                    <a:bodyPr/>
+                    <a:lstStyle/>
+                    <a:p>
+                      <a:pPr>
+                        <a:defRPr sz="1000"/>
+                      </a:pPr>
+                      <a:r>
+                        <a:t>Not Clinically Relevant</a:t>
+                      </a:r>
+                    </a:p>
+                  </a:txBody>
+                  <a:tcPr/>
+                </a:tc>
+                <a:tc>
+                  <a:txBody>
+                    <a:bodyPr/>
+                    <a:lstStyle/>
+                    <a:p>
+                      <a:pPr>
+                        <a:defRPr sz="1000"/>
+                      </a:pPr>
+                      <a:r>
+                        <a:t>++..</a:t>
+                      </a:r>
+                    </a:p>
+                  </a:txBody>
+                  <a:tcPr/>
+                </a:tc>
+                <a:tc>
+                  <a:txBody>
+                    <a:bodyPr/>
+                    <a:lstStyle/>
+                    <a:p>
+                      <a:pPr>
+                        <a:defRPr sz="1000"/>
+                      </a:pPr>
+                      <a:r>
+                        <a:t>8</a:t>
+                      </a:r>
+                    </a:p>
+                  </a:txBody>
+                  <a:tcPr/>
+                </a:tc>
+                <a:tc>
+                  <a:txBody>
+                    <a:bodyPr/>
+                    <a:lstStyle/>
+                    <a:p>
+                      <a:pPr>
+                        <a:defRPr sz="1000"/>
+                      </a:pPr>
+                      <a:r>
+                        <a:t>181</a:t>
+                      </a:r>
+                    </a:p>
+                  </a:txBody>
+                  <a:tcPr/>
+                </a:tc>
+                <a:tc>
+                  <a:txBody>
+                    <a:bodyPr/>
+                    <a:lstStyle/>
+                    <a:p>
+                      <a:pPr>
+                        <a:defRPr sz="1000"/>
+                      </a:pPr>
+                      <a:r>
+                        <a:t>8.0</a:t>
+                      </a:r>
+                    </a:p>
+                  </a:txBody>
+                  <a:tcPr/>
+                </a:tc>
+              </a:tr>
+              <a:tr h="195942">
+                <a:tc>
+                  <a:txBody>
+                    <a:bodyPr/>
+                    <a:lstStyle/>
+                    <a:p>
+                      <a:pPr>
+                        <a:defRPr sz="1000"/>
+                      </a:pPr>
+                      <a:r>
+                        <a:t>bx-912</a:t>
+                      </a:r>
+                    </a:p>
+                  </a:txBody>
+                  <a:tcPr/>
+                </a:tc>
+                <a:tc>
+                  <a:txBody>
+                    <a:bodyPr/>
+                    <a:lstStyle/>
+                    <a:p>
+                      <a:pPr>
+                        <a:defRPr sz="1000"/>
+                      </a:pPr>
+                      <a:r>
+                        <a:t>Not Clinically Relevant</a:t>
+                      </a:r>
+                    </a:p>
+                  </a:txBody>
+                  <a:tcPr/>
+                </a:tc>
+                <a:tc>
+                  <a:txBody>
+                    <a:bodyPr/>
+                    <a:lstStyle/>
+                    <a:p>
+                      <a:pPr>
+                        <a:defRPr sz="1000"/>
+                      </a:pPr>
+                      <a:r>
+                        <a:t>+...</a:t>
+                      </a:r>
+                    </a:p>
+                  </a:txBody>
+                  <a:tcPr/>
+                </a:tc>
+                <a:tc>
+                  <a:txBody>
+                    <a:bodyPr/>
+                    <a:lstStyle/>
+                    <a:p>
+                      <a:pPr>
+                        <a:defRPr sz="1000"/>
+                      </a:pPr>
+                      <a:r>
+                        <a:t>9</a:t>
+                      </a:r>
+                    </a:p>
+                  </a:txBody>
+                  <a:tcPr/>
+                </a:tc>
+                <a:tc>
+                  <a:txBody>
+                    <a:bodyPr/>
+                    <a:lstStyle/>
+                    <a:p>
+                      <a:pPr>
+                        <a:defRPr sz="1000"/>
+                      </a:pPr>
+                      <a:r>
+                        <a:t>182</a:t>
+                      </a:r>
+                    </a:p>
+                  </a:txBody>
+                  <a:tcPr/>
+                </a:tc>
+                <a:tc>
+                  <a:txBody>
+                    <a:bodyPr/>
+                    <a:lstStyle/>
+                    <a:p>
+                      <a:pPr>
+                        <a:defRPr sz="1000"/>
+                      </a:pPr>
+                      <a:r>
+                        <a:t>9.0</a:t>
+                      </a:r>
+                    </a:p>
+                  </a:txBody>
+                  <a:tcPr/>
+                </a:tc>
+              </a:tr>
+              <a:tr h="195942">
+                <a:tc>
+                  <a:txBody>
+                    <a:bodyPr/>
+                    <a:lstStyle/>
+                    <a:p>
+                      <a:pPr>
+                        <a:defRPr sz="1000"/>
+                      </a:pPr>
+                      <a:r>
+                        <a:t>vx-702</a:t>
+                      </a:r>
+                    </a:p>
+                  </a:txBody>
+                  <a:tcPr/>
+                </a:tc>
+                <a:tc>
+                  <a:txBody>
+                    <a:bodyPr/>
+                    <a:lstStyle/>
+                    <a:p>
+                      <a:pPr>
+                        <a:defRPr sz="1000"/>
+                      </a:pPr>
+                      <a:r>
+                        <a:t>Not Clinically Relevant</a:t>
+                      </a:r>
+                    </a:p>
+                  </a:txBody>
+                  <a:tcPr/>
+                </a:tc>
+                <a:tc>
+                  <a:txBody>
+                    <a:bodyPr/>
+                    <a:lstStyle/>
+                    <a:p>
+                      <a:pPr>
+                        <a:defRPr sz="1000"/>
+                      </a:pPr>
+                      <a:r>
+                        <a:t>+...</a:t>
+                      </a:r>
+                    </a:p>
+                  </a:txBody>
+                  <a:tcPr/>
+                </a:tc>
+                <a:tc>
+                  <a:txBody>
+                    <a:bodyPr/>
+                    <a:lstStyle/>
+                    <a:p>
+                      <a:pPr>
+                        <a:defRPr sz="1000"/>
+                      </a:pPr>
+                      <a:r>
+                        <a:t>10</a:t>
+                      </a:r>
+                    </a:p>
+                  </a:txBody>
+                  <a:tcPr/>
+                </a:tc>
+                <a:tc>
+                  <a:txBody>
+                    <a:bodyPr/>
+                    <a:lstStyle/>
+                    <a:p>
+                      <a:pPr>
+                        <a:defRPr sz="1000"/>
+                      </a:pPr>
+                      <a:r>
+                        <a:t>183</a:t>
+                      </a:r>
+                    </a:p>
+                  </a:txBody>
+                  <a:tcPr/>
+                </a:tc>
+                <a:tc>
+                  <a:txBody>
+                    <a:bodyPr/>
+                    <a:lstStyle/>
+                    <a:p>
+                      <a:pPr>
+                        <a:defRPr sz="1000"/>
+                      </a:pPr>
+                      <a:r>
+                        <a:t>10.0</a:t>
+                      </a:r>
+                    </a:p>
+                  </a:txBody>
+                  <a:tcPr/>
+                </a:tc>
+              </a:tr>
+              <a:tr h="195942">
+                <a:tc>
+                  <a:txBody>
+                    <a:bodyPr/>
+                    <a:lstStyle/>
+                    <a:p>
+                      <a:pPr>
+                        <a:defRPr sz="1000"/>
+                      </a:pPr>
+                      <a:r>
+                        <a:t>xmd14-99</a:t>
+                      </a:r>
+                    </a:p>
+                  </a:txBody>
+                  <a:tcPr/>
+                </a:tc>
+                <a:tc>
+                  <a:txBody>
+                    <a:bodyPr/>
+                    <a:lstStyle/>
+                    <a:p>
+                      <a:pPr>
+                        <a:defRPr sz="1000"/>
+                      </a:pPr>
+                      <a:r>
+                        <a:t>Not Clinically Relevant</a:t>
+                      </a:r>
+                    </a:p>
+                  </a:txBody>
+                  <a:tcPr/>
+                </a:tc>
+                <a:tc>
+                  <a:txBody>
+                    <a:bodyPr/>
+                    <a:lstStyle/>
+                    <a:p>
+                      <a:pPr>
+                        <a:defRPr sz="1000"/>
+                      </a:pPr>
+                      <a:r>
+                        <a:t>+...</a:t>
+                      </a:r>
+                    </a:p>
+                  </a:txBody>
+                  <a:tcPr/>
+                </a:tc>
+                <a:tc>
+                  <a:txBody>
+                    <a:bodyPr/>
+                    <a:lstStyle/>
+                    <a:p>
+                      <a:pPr>
+                        <a:defRPr sz="1000"/>
+                      </a:pPr>
+                      <a:r>
+                        <a:t>13</a:t>
+                      </a:r>
+                    </a:p>
+                  </a:txBody>
+                  <a:tcPr/>
+                </a:tc>
+                <a:tc>
+                  <a:txBody>
+                    <a:bodyPr/>
+                    <a:lstStyle/>
+                    <a:p>
+                      <a:pPr>
+                        <a:defRPr sz="1000"/>
+                      </a:pPr>
+                      <a:r>
+                        <a:t>184</a:t>
+                      </a:r>
+                    </a:p>
+                  </a:txBody>
+                  <a:tcPr/>
+                </a:tc>
+                <a:tc>
+                  <a:txBody>
+                    <a:bodyPr/>
+                    <a:lstStyle/>
+                    <a:p>
+                      <a:pPr>
+                        <a:defRPr sz="1000"/>
+                      </a:pPr>
+                      <a:r>
+                        <a:t>13.0</a:t>
+                      </a:r>
+                    </a:p>
+                  </a:txBody>
+                  <a:tcPr/>
+                </a:tc>
+              </a:tr>
+              <a:tr h="195942">
+                <a:tc>
+                  <a:txBody>
+                    <a:bodyPr/>
+                    <a:lstStyle/>
+                    <a:p>
+                      <a:pPr>
+                        <a:defRPr sz="1000"/>
+                      </a:pPr>
+                      <a:r>
+                        <a:t>amsacrine</a:t>
+                      </a:r>
+                    </a:p>
+                  </a:txBody>
+                  <a:tcPr/>
+                </a:tc>
+                <a:tc>
+                  <a:txBody>
+                    <a:bodyPr/>
+                    <a:lstStyle/>
+                    <a:p>
+                      <a:pPr>
+                        <a:defRPr sz="1000"/>
+                      </a:pPr>
+                      <a:r>
+                        <a:t>Intercalator, inhibits Topo II and blocks both DNA replication and transcription, used in ALL</a:t>
+                      </a:r>
+                    </a:p>
+                  </a:txBody>
+                  <a:tcPr/>
+                </a:tc>
+                <a:tc>
+                  <a:txBody>
+                    <a:bodyPr/>
+                    <a:lstStyle/>
+                    <a:p>
+                      <a:pPr>
+                        <a:defRPr sz="1000"/>
+                      </a:pPr>
+                      <a:r>
+                        <a:t>...+</a:t>
+                      </a:r>
+                    </a:p>
+                  </a:txBody>
+                  <a:tcPr/>
+                </a:tc>
+                <a:tc>
+                  <a:txBody>
+                    <a:bodyPr/>
+                    <a:lstStyle/>
+                    <a:p>
+                      <a:pPr>
+                        <a:defRPr sz="1000"/>
+                      </a:pPr>
+                      <a:r>
+                        <a:t>678</a:t>
+                      </a:r>
+                    </a:p>
+                  </a:txBody>
+                  <a:tcPr/>
+                </a:tc>
+                <a:tc>
+                  <a:txBody>
+                    <a:bodyPr/>
+                    <a:lstStyle/>
+                    <a:p>
+                      <a:pPr>
+                        <a:defRPr sz="1000"/>
+                      </a:pPr>
+                      <a:r>
+                        <a:t>14</a:t>
+                      </a:r>
+                    </a:p>
+                  </a:txBody>
+                  <a:tcPr/>
+                </a:tc>
+                <a:tc>
+                  <a:txBody>
+                    <a:bodyPr/>
+                    <a:lstStyle/>
+                    <a:p>
+                      <a:pPr>
+                        <a:defRPr sz="1000"/>
+                      </a:pPr>
+                      <a:r>
+                        <a:t>14.0</a:t>
+                      </a:r>
+                    </a:p>
+                  </a:txBody>
+                  <a:tcPr/>
+                </a:tc>
+              </a:tr>
+              <a:tr h="195942">
+                <a:tc>
+                  <a:txBody>
+                    <a:bodyPr/>
+                    <a:lstStyle/>
+                    <a:p>
+                      <a:pPr>
+                        <a:defRPr sz="1000"/>
+                      </a:pPr>
+                      <a:r>
+                        <a:t>hg-5-88-01</a:t>
+                      </a:r>
+                    </a:p>
+                  </a:txBody>
+                  <a:tcPr/>
+                </a:tc>
+                <a:tc>
+                  <a:txBody>
+                    <a:bodyPr/>
+                    <a:lstStyle/>
+                    <a:p>
+                      <a:pPr>
+                        <a:defRPr sz="1000"/>
+                      </a:pPr>
+                      <a:r>
+                        <a:t>Not Clinically Relevant</a:t>
+                      </a:r>
+                    </a:p>
+                  </a:txBody>
+                  <a:tcPr/>
+                </a:tc>
+                <a:tc>
+                  <a:txBody>
+                    <a:bodyPr/>
+                    <a:lstStyle/>
+                    <a:p>
+                      <a:pPr>
+                        <a:defRPr sz="1000"/>
+                      </a:pPr>
+                      <a:r>
+                        <a:t>+...</a:t>
+                      </a:r>
+                    </a:p>
+                  </a:txBody>
+                  <a:tcPr/>
+                </a:tc>
+                <a:tc>
+                  <a:txBody>
+                    <a:bodyPr/>
+                    <a:lstStyle/>
+                    <a:p>
+                      <a:pPr>
+                        <a:defRPr sz="1000"/>
+                      </a:pPr>
+                      <a:r>
+                        <a:t>15</a:t>
+                      </a:r>
+                    </a:p>
+                  </a:txBody>
+                  <a:tcPr/>
+                </a:tc>
+                <a:tc>
+                  <a:txBody>
+                    <a:bodyPr/>
+                    <a:lstStyle/>
+                    <a:p>
+                      <a:pPr>
+                        <a:defRPr sz="1000"/>
+                      </a:pPr>
+                      <a:r>
+                        <a:t>185</a:t>
+                      </a:r>
+                    </a:p>
+                  </a:txBody>
+                  <a:tcPr/>
+                </a:tc>
+                <a:tc>
+                  <a:txBody>
+                    <a:bodyPr/>
+                    <a:lstStyle/>
+                    <a:p>
+                      <a:pPr>
+                        <a:defRPr sz="1000"/>
+                      </a:pPr>
+                      <a:r>
+                        <a:t>15.0</a:t>
+                      </a:r>
+                    </a:p>
+                  </a:txBody>
+                  <a:tcPr/>
+                </a:tc>
+              </a:tr>
+              <a:tr h="195942">
+                <a:tc>
+                  <a:txBody>
+                    <a:bodyPr/>
+                    <a:lstStyle/>
+                    <a:p>
+                      <a:pPr>
+                        <a:defRPr sz="1000"/>
+                      </a:pPr>
+                      <a:r>
+                        <a:t>amuvatinib</a:t>
+                      </a:r>
+                    </a:p>
+                  </a:txBody>
+                  <a:tcPr/>
+                </a:tc>
+                <a:tc>
+                  <a:txBody>
+                    <a:bodyPr/>
+                    <a:lstStyle/>
+                    <a:p>
+                      <a:pPr>
+                        <a:defRPr sz="1000"/>
+                      </a:pPr>
+                      <a:r>
+                        <a:t>Not Clinically Relevant</a:t>
+                      </a:r>
+                    </a:p>
+                  </a:txBody>
+                  <a:tcPr/>
+                </a:tc>
+                <a:tc>
+                  <a:txBody>
+                    <a:bodyPr/>
+                    <a:lstStyle/>
+                    <a:p>
+                      <a:pPr>
+                        <a:defRPr sz="1000"/>
+                      </a:pPr>
+                      <a:r>
+                        <a:t>+...</a:t>
+                      </a:r>
+                    </a:p>
+                  </a:txBody>
+                  <a:tcPr/>
+                </a:tc>
+                <a:tc>
+                  <a:txBody>
+                    <a:bodyPr/>
+                    <a:lstStyle/>
+                    <a:p>
+                      <a:pPr>
+                        <a:defRPr sz="1000"/>
+                      </a:pPr>
+                      <a:r>
+                        <a:t>16</a:t>
+                      </a:r>
+                    </a:p>
+                  </a:txBody>
+                  <a:tcPr/>
+                </a:tc>
+                <a:tc>
+                  <a:txBody>
+                    <a:bodyPr/>
+                    <a:lstStyle/>
+                    <a:p>
+                      <a:pPr>
+                        <a:defRPr sz="1000"/>
+                      </a:pPr>
+                      <a:r>
+                        <a:t>186</a:t>
+                      </a:r>
+                    </a:p>
+                  </a:txBody>
+                  <a:tcPr/>
+                </a:tc>
+                <a:tc>
+                  <a:txBody>
+                    <a:bodyPr/>
+                    <a:lstStyle/>
+                    <a:p>
+                      <a:pPr>
+                        <a:defRPr sz="1000"/>
+                      </a:pPr>
+                      <a:r>
+                        <a:t>16.0</a:t>
+                      </a:r>
+                    </a:p>
+                  </a:txBody>
+                  <a:tcPr/>
+                </a:tc>
+              </a:tr>
+              <a:tr h="195942">
+                <a:tc>
+                  <a:txBody>
+                    <a:bodyPr/>
+                    <a:lstStyle/>
+                    <a:p>
+                      <a:pPr>
+                        <a:defRPr sz="1000"/>
+                      </a:pPr>
+                      <a:r>
+                        <a:t>xmd13-2</a:t>
+                      </a:r>
+                    </a:p>
+                  </a:txBody>
+                  <a:tcPr/>
+                </a:tc>
+                <a:tc>
+                  <a:txBody>
+                    <a:bodyPr/>
+                    <a:lstStyle/>
+                    <a:p>
+                      <a:pPr>
+                        <a:defRPr sz="1000"/>
+                      </a:pPr>
+                      <a:r>
+                        <a:t>Not Clinically Relevant</a:t>
+                      </a:r>
+                    </a:p>
+                  </a:txBody>
+                  <a:tcPr/>
+                </a:tc>
+                <a:tc>
+                  <a:txBody>
+                    <a:bodyPr/>
+                    <a:lstStyle/>
+                    <a:p>
+                      <a:pPr>
+                        <a:defRPr sz="1000"/>
+                      </a:pPr>
+                      <a:r>
+                        <a:t>+...</a:t>
+                      </a:r>
+                    </a:p>
+                  </a:txBody>
+                  <a:tcPr/>
+                </a:tc>
+                <a:tc>
+                  <a:txBody>
+                    <a:bodyPr/>
+                    <a:lstStyle/>
+                    <a:p>
+                      <a:pPr>
+                        <a:defRPr sz="1000"/>
+                      </a:pPr>
+                      <a:r>
+                        <a:t>17</a:t>
+                      </a:r>
+                    </a:p>
+                  </a:txBody>
+                  <a:tcPr/>
+                </a:tc>
+                <a:tc>
+                  <a:txBody>
+                    <a:bodyPr/>
+                    <a:lstStyle/>
+                    <a:p>
+                      <a:pPr>
+                        <a:defRPr sz="1000"/>
+                      </a:pPr>
+                      <a:r>
+                        <a:t>187</a:t>
+                      </a:r>
+                    </a:p>
+                  </a:txBody>
+                  <a:tcPr/>
+                </a:tc>
+                <a:tc>
+                  <a:txBody>
+                    <a:bodyPr/>
+                    <a:lstStyle/>
+                    <a:p>
+                      <a:pPr>
+                        <a:defRPr sz="1000"/>
+                      </a:pPr>
+                      <a:r>
+                        <a:t>17.0</a:t>
+                      </a:r>
+                    </a:p>
+                  </a:txBody>
+                  <a:tcPr/>
+                </a:tc>
+              </a:tr>
+              <a:tr h="195942">
+                <a:tc>
+                  <a:txBody>
+                    <a:bodyPr/>
+                    <a:lstStyle/>
+                    <a:p>
+                      <a:pPr>
+                        <a:defRPr sz="1000"/>
+                      </a:pPr>
+                      <a:r>
+                        <a:t>indisulam</a:t>
+                      </a:r>
+                    </a:p>
+                  </a:txBody>
+                  <a:tcPr/>
+                </a:tc>
+                <a:tc>
+                  <a:txBody>
+                    <a:bodyPr/>
+                    <a:lstStyle/>
+                    <a:p>
+                      <a:pPr>
+                        <a:defRPr sz="1000"/>
+                      </a:pPr>
+                      <a:r>
+                        <a:t>carbonic anhydrase inibitor and  CDK inhibitor, targets G1 by depleting cyclin E. inducing p53 and p21, and inhibiting CDK2</a:t>
+                      </a:r>
+                    </a:p>
+                  </a:txBody>
+                  <a:tcPr/>
+                </a:tc>
+                <a:tc>
+                  <a:txBody>
+                    <a:bodyPr/>
+                    <a:lstStyle/>
+                    <a:p>
+                      <a:pPr>
+                        <a:defRPr sz="1000"/>
+                      </a:pPr>
+                      <a:r>
+                        <a:t>.+..</a:t>
+                      </a:r>
+                    </a:p>
+                  </a:txBody>
+                  <a:tcPr/>
+                </a:tc>
+                <a:tc>
+                  <a:txBody>
+                    <a:bodyPr/>
+                    <a:lstStyle/>
+                    <a:p>
+                      <a:pPr>
+                        <a:defRPr sz="1000"/>
+                      </a:pPr>
+                      <a:r>
+                        <a:t>18</a:t>
+                      </a:r>
+                    </a:p>
+                  </a:txBody>
+                  <a:tcPr/>
+                </a:tc>
+                <a:tc>
+                  <a:txBody>
+                    <a:bodyPr/>
+                    <a:lstStyle/>
+                    <a:p>
+                      <a:pPr>
+                        <a:defRPr sz="1000"/>
+                      </a:pPr>
+                      <a:r>
+                        <a:t>188</a:t>
+                      </a:r>
+                    </a:p>
+                  </a:txBody>
+                  <a:tcPr/>
+                </a:tc>
+                <a:tc>
+                  <a:txBody>
+                    <a:bodyPr/>
+                    <a:lstStyle/>
+                    <a:p>
+                      <a:pPr>
+                        <a:defRPr sz="1000"/>
+                      </a:pPr>
+                      <a:r>
+                        <a:t>18.0</a:t>
+                      </a:r>
+                    </a:p>
+                  </a:txBody>
+                  <a:tcPr/>
+                </a:tc>
+              </a:tr>
+              <a:tr h="195960">
+                <a:tc>
+                  <a:txBody>
+                    <a:bodyPr/>
+                    <a:lstStyle/>
+                    <a:p>
+                      <a:pPr>
+                        <a:defRPr sz="1000"/>
+                      </a:pPr>
+                      <a:r>
+                        <a:t>nsc-87877</a:t>
+                      </a:r>
+                    </a:p>
+                  </a:txBody>
+                  <a:tcPr/>
+                </a:tc>
+                <a:tc>
+                  <a:txBody>
+                    <a:bodyPr/>
+                    <a:lstStyle/>
+                    <a:p>
+                      <a:pPr>
+                        <a:defRPr sz="1000"/>
+                      </a:pPr>
+                      <a:r>
+                        <a:t>Not Clinically Relevant</a:t>
+                      </a:r>
+                    </a:p>
+                  </a:txBody>
+                  <a:tcPr/>
+                </a:tc>
+                <a:tc>
+                  <a:txBody>
+                    <a:bodyPr/>
+                    <a:lstStyle/>
+                    <a:p>
+                      <a:pPr>
+                        <a:defRPr sz="1000"/>
+                      </a:pPr>
+                      <a:r>
+                        <a:t>+...</a:t>
+                      </a:r>
+                    </a:p>
+                  </a:txBody>
+                  <a:tcPr/>
+                </a:tc>
+                <a:tc>
+                  <a:txBody>
+                    <a:bodyPr/>
+                    <a:lstStyle/>
+                    <a:p>
+                      <a:pPr>
+                        <a:defRPr sz="1000"/>
+                      </a:pPr>
+                      <a:r>
+                        <a:t>19</a:t>
+                      </a:r>
+                    </a:p>
+                  </a:txBody>
+                  <a:tcPr/>
+                </a:tc>
+                <a:tc>
+                  <a:txBody>
+                    <a:bodyPr/>
+                    <a:lstStyle/>
+                    <a:p>
+                      <a:pPr>
+                        <a:defRPr sz="1000"/>
+                      </a:pPr>
+                      <a:r>
+                        <a:t>189</a:t>
+                      </a:r>
+                    </a:p>
+                  </a:txBody>
+                  <a:tcPr/>
+                </a:tc>
+                <a:tc>
+                  <a:txBody>
+                    <a:bodyPr/>
+                    <a:lstStyle/>
+                    <a:p>
+                      <a:pPr>
+                        <a:defRPr sz="1000"/>
+                      </a:pPr>
+                      <a:r>
+                        <a:t>19.0</a:t>
+                      </a:r>
+                    </a:p>
+                  </a:txBody>
+                  <a:tcPr/>
+                </a:tc>
+              </a:tr>
+            </a:tbl>
+          </a:graphicData>
+        </a:graphic>
+      </p:graphicFrame>
+    </p:spTree>
+  </p:cSld>
+  <p:clrMapOvr>
+    <a:masterClrMapping/>
+  </p:clrMapOvr>
+</p:sld>
+</file>
+
 <file path=ppt/slides/slide4.xml><?xml version="1.0" encoding="utf-8"?>
 <p:sld xmlns:a="http://schemas.openxmlformats.org/drawingml/2006/main" xmlns:p="http://schemas.openxmlformats.org/presentationml/2006/main" xmlns:r="http://schemas.openxmlformats.org/officeDocument/2006/relationships">
   <p:cSld>

--- a/Notebooks/patients/BT084/BT084.mtb_slides.pptx
+++ b/Notebooks/patients/BT084/BT084.mtb_slides.pptx
@@ -42,6 +42,7 @@
     <p:sldId id="290" r:id="rId41"/>
     <p:sldId id="291" r:id="rId42"/>
     <p:sldId id="292" r:id="rId43"/>
+    <p:sldId id="293" r:id="rId44"/>
   </p:sldIdLst>
   <p:sldSz cx="9144000" cy="6858000" type="screen4x3"/>
   <p:notesSz cx="6858000" cy="9144000"/>
@@ -49213,6 +49214,1374 @@
 </p:sld>
 </file>
 
+<file path=ppt/slides/slide38.xml><?xml version="1.0" encoding="utf-8"?>
+<p:sld xmlns:a="http://schemas.openxmlformats.org/drawingml/2006/main" xmlns:p="http://schemas.openxmlformats.org/presentationml/2006/main" xmlns:r="http://schemas.openxmlformats.org/officeDocument/2006/relationships">
+  <p:cSld>
+    <p:spTree>
+      <p:nvGrpSpPr>
+        <p:cNvPr id="1" name=""/>
+        <p:cNvGrpSpPr/>
+        <p:nvPr/>
+      </p:nvGrpSpPr>
+      <p:grpSpPr/>
+      <p:sp>
+        <p:nvSpPr>
+          <p:cNvPr id="2" name="TextBox 1"/>
+          <p:cNvSpPr txBox="1"/>
+          <p:nvPr/>
+        </p:nvSpPr>
+        <p:spPr>
+          <a:xfrm>
+            <a:off x="0" y="0"/>
+            <a:ext cx="9144000" cy="685800"/>
+          </a:xfrm>
+          <a:prstGeom prst="rect">
+            <a:avLst/>
+          </a:prstGeom>
+          <a:noFill/>
+        </p:spPr>
+        <p:txBody>
+          <a:bodyPr wrap="none">
+            <a:spAutoFit/>
+          </a:bodyPr>
+          <a:lstStyle/>
+          <a:p/>
+          <a:p>
+            <a:pPr>
+              <a:defRPr sz="2600"/>
+            </a:pPr>
+            <a:r>
+              <a:t>DiSCoVER: top drugs (cerebellar stem cell control)</a:t>
+            </a:r>
+          </a:p>
+        </p:txBody>
+      </p:sp>
+      <p:graphicFrame>
+        <p:nvGraphicFramePr>
+          <p:cNvPr id="3" name="Table 2"/>
+          <p:cNvGraphicFramePr>
+            <a:graphicFrameLocks noGrp="1"/>
+          </p:cNvGraphicFramePr>
+          <p:nvPr/>
+        </p:nvGraphicFramePr>
+        <p:xfrm>
+          <a:off x="411480" y="777240"/>
+          <a:ext cx="8275320" cy="4114800"/>
+        </p:xfrm>
+        <a:graphic>
+          <a:graphicData uri="http://schemas.openxmlformats.org/drawingml/2006/table">
+            <a:tbl>
+              <a:tblPr firstRow="1" bandRow="1">
+                <a:tableStyleId>{5C22544A-7EE6-4342-B048-85BDC9FD1C3A}</a:tableStyleId>
+              </a:tblPr>
+              <a:tblGrid>
+                <a:gridCol w="1005840"/>
+                <a:gridCol w="731520"/>
+                <a:gridCol w="1051560"/>
+                <a:gridCol w="5486400"/>
+              </a:tblGrid>
+              <a:tr h="195942">
+                <a:tc>
+                  <a:txBody>
+                    <a:bodyPr/>
+                    <a:lstStyle/>
+                    <a:p>
+                      <a:r>
+                        <a:t>Drug</a:t>
+                      </a:r>
+                    </a:p>
+                  </a:txBody>
+                  <a:tcPr/>
+                </a:tc>
+                <a:tc>
+                  <a:txBody>
+                    <a:bodyPr/>
+                    <a:lstStyle/>
+                    <a:p>
+                      <a:r>
+                        <a:t>Score</a:t>
+                      </a:r>
+                    </a:p>
+                  </a:txBody>
+                  <a:tcPr/>
+                </a:tc>
+                <a:tc>
+                  <a:txBody>
+                    <a:bodyPr/>
+                    <a:lstStyle/>
+                    <a:p>
+                      <a:r>
+                        <a:t>Evidence</a:t>
+                      </a:r>
+                    </a:p>
+                  </a:txBody>
+                  <a:tcPr/>
+                </a:tc>
+                <a:tc>
+                  <a:txBody>
+                    <a:bodyPr/>
+                    <a:lstStyle/>
+                    <a:p>
+                      <a:r>
+                        <a:t>Mechanism of action</a:t>
+                      </a:r>
+                    </a:p>
+                  </a:txBody>
+                  <a:tcPr/>
+                </a:tc>
+              </a:tr>
+              <a:tr h="195942">
+                <a:tc>
+                  <a:txBody>
+                    <a:bodyPr/>
+                    <a:lstStyle/>
+                    <a:p>
+                      <a:pPr>
+                        <a:defRPr sz="1050"/>
+                      </a:pPr>
+                      <a:r>
+                        <a:t>tl-2-105</a:t>
+                      </a:r>
+                    </a:p>
+                  </a:txBody>
+                  <a:tcPr/>
+                </a:tc>
+                <a:tc>
+                  <a:txBody>
+                    <a:bodyPr/>
+                    <a:lstStyle/>
+                    <a:p>
+                      <a:pPr>
+                        <a:defRPr sz="1050"/>
+                      </a:pPr>
+                      <a:r>
+                        <a:t>0.65</a:t>
+                      </a:r>
+                    </a:p>
+                  </a:txBody>
+                  <a:tcPr/>
+                </a:tc>
+                <a:tc>
+                  <a:txBody>
+                    <a:bodyPr/>
+                    <a:lstStyle/>
+                    <a:p>
+                      <a:pPr>
+                        <a:defRPr sz="1050"/>
+                      </a:pPr>
+                      <a:r>
+                        <a:t>+..</a:t>
+                      </a:r>
+                    </a:p>
+                  </a:txBody>
+                  <a:tcPr/>
+                </a:tc>
+                <a:tc>
+                  <a:txBody>
+                    <a:bodyPr/>
+                    <a:lstStyle/>
+                    <a:p>
+                      <a:pPr>
+                        <a:defRPr sz="1050"/>
+                      </a:pPr>
+                      <a:r>
+                        <a:t>Not Clinically Relevant</a:t>
+                      </a:r>
+                    </a:p>
+                  </a:txBody>
+                  <a:tcPr/>
+                </a:tc>
+              </a:tr>
+              <a:tr h="195942">
+                <a:tc>
+                  <a:txBody>
+                    <a:bodyPr/>
+                    <a:lstStyle/>
+                    <a:p>
+                      <a:pPr>
+                        <a:defRPr sz="1050"/>
+                      </a:pPr>
+                      <a:r>
+                        <a:t>sb52334</a:t>
+                      </a:r>
+                    </a:p>
+                  </a:txBody>
+                  <a:tcPr/>
+                </a:tc>
+                <a:tc>
+                  <a:txBody>
+                    <a:bodyPr/>
+                    <a:lstStyle/>
+                    <a:p>
+                      <a:pPr>
+                        <a:defRPr sz="1050"/>
+                      </a:pPr>
+                      <a:r>
+                        <a:t>0.62</a:t>
+                      </a:r>
+                    </a:p>
+                  </a:txBody>
+                  <a:tcPr/>
+                </a:tc>
+                <a:tc>
+                  <a:txBody>
+                    <a:bodyPr/>
+                    <a:lstStyle/>
+                    <a:p>
+                      <a:pPr>
+                        <a:defRPr sz="1050"/>
+                      </a:pPr>
+                      <a:r>
+                        <a:t>+..</a:t>
+                      </a:r>
+                    </a:p>
+                  </a:txBody>
+                  <a:tcPr/>
+                </a:tc>
+                <a:tc>
+                  <a:txBody>
+                    <a:bodyPr/>
+                    <a:lstStyle/>
+                    <a:p>
+                      <a:pPr>
+                        <a:defRPr sz="1050"/>
+                      </a:pPr>
+                      <a:r>
+                        <a:t>Not Clinically Relevant</a:t>
+                      </a:r>
+                    </a:p>
+                  </a:txBody>
+                  <a:tcPr/>
+                </a:tc>
+              </a:tr>
+              <a:tr h="195942">
+                <a:tc>
+                  <a:txBody>
+                    <a:bodyPr/>
+                    <a:lstStyle/>
+                    <a:p>
+                      <a:pPr>
+                        <a:defRPr sz="1050"/>
+                      </a:pPr>
+                      <a:r>
+                        <a:t>gsk1070916</a:t>
+                      </a:r>
+                    </a:p>
+                  </a:txBody>
+                  <a:tcPr/>
+                </a:tc>
+                <a:tc>
+                  <a:txBody>
+                    <a:bodyPr/>
+                    <a:lstStyle/>
+                    <a:p>
+                      <a:pPr>
+                        <a:defRPr sz="1050"/>
+                      </a:pPr>
+                      <a:r>
+                        <a:t>0.61</a:t>
+                      </a:r>
+                    </a:p>
+                  </a:txBody>
+                  <a:tcPr/>
+                </a:tc>
+                <a:tc>
+                  <a:txBody>
+                    <a:bodyPr/>
+                    <a:lstStyle/>
+                    <a:p>
+                      <a:pPr>
+                        <a:defRPr sz="1050"/>
+                      </a:pPr>
+                      <a:r>
+                        <a:t>+..</a:t>
+                      </a:r>
+                    </a:p>
+                  </a:txBody>
+                  <a:tcPr/>
+                </a:tc>
+                <a:tc>
+                  <a:txBody>
+                    <a:bodyPr/>
+                    <a:lstStyle/>
+                    <a:p>
+                      <a:pPr>
+                        <a:defRPr sz="1050"/>
+                      </a:pPr>
+                      <a:r>
+                        <a:t>Not Clinically Relevant</a:t>
+                      </a:r>
+                    </a:p>
+                  </a:txBody>
+                  <a:tcPr/>
+                </a:tc>
+              </a:tr>
+              <a:tr h="195942">
+                <a:tc>
+                  <a:txBody>
+                    <a:bodyPr/>
+                    <a:lstStyle/>
+                    <a:p>
+                      <a:pPr>
+                        <a:defRPr sz="1050"/>
+                      </a:pPr>
+                      <a:r>
+                        <a:t>ql-xii-61</a:t>
+                      </a:r>
+                    </a:p>
+                  </a:txBody>
+                  <a:tcPr/>
+                </a:tc>
+                <a:tc>
+                  <a:txBody>
+                    <a:bodyPr/>
+                    <a:lstStyle/>
+                    <a:p>
+                      <a:pPr>
+                        <a:defRPr sz="1050"/>
+                      </a:pPr>
+                      <a:r>
+                        <a:t>0.59</a:t>
+                      </a:r>
+                    </a:p>
+                  </a:txBody>
+                  <a:tcPr/>
+                </a:tc>
+                <a:tc>
+                  <a:txBody>
+                    <a:bodyPr/>
+                    <a:lstStyle/>
+                    <a:p>
+                      <a:pPr>
+                        <a:defRPr sz="1050"/>
+                      </a:pPr>
+                      <a:r>
+                        <a:t>+..</a:t>
+                      </a:r>
+                    </a:p>
+                  </a:txBody>
+                  <a:tcPr/>
+                </a:tc>
+                <a:tc>
+                  <a:txBody>
+                    <a:bodyPr/>
+                    <a:lstStyle/>
+                    <a:p>
+                      <a:pPr>
+                        <a:defRPr sz="1050"/>
+                      </a:pPr>
+                      <a:r>
+                        <a:t>Not Clinically Relevant</a:t>
+                      </a:r>
+                    </a:p>
+                  </a:txBody>
+                  <a:tcPr/>
+                </a:tc>
+              </a:tr>
+              <a:tr h="195942">
+                <a:tc>
+                  <a:txBody>
+                    <a:bodyPr/>
+                    <a:lstStyle/>
+                    <a:p>
+                      <a:pPr>
+                        <a:defRPr sz="1050"/>
+                      </a:pPr>
+                      <a:r>
+                        <a:t>linsitinib</a:t>
+                      </a:r>
+                    </a:p>
+                  </a:txBody>
+                  <a:tcPr/>
+                </a:tc>
+                <a:tc>
+                  <a:txBody>
+                    <a:bodyPr/>
+                    <a:lstStyle/>
+                    <a:p>
+                      <a:pPr>
+                        <a:defRPr sz="1050"/>
+                      </a:pPr>
+                      <a:r>
+                        <a:t>0.55</a:t>
+                      </a:r>
+                    </a:p>
+                  </a:txBody>
+                  <a:tcPr/>
+                </a:tc>
+                <a:tc>
+                  <a:txBody>
+                    <a:bodyPr/>
+                    <a:lstStyle/>
+                    <a:p>
+                      <a:pPr>
+                        <a:defRPr sz="1050"/>
+                      </a:pPr>
+                      <a:r>
+                        <a:t>++.</a:t>
+                      </a:r>
+                    </a:p>
+                  </a:txBody>
+                  <a:tcPr/>
+                </a:tc>
+                <a:tc>
+                  <a:txBody>
+                    <a:bodyPr/>
+                    <a:lstStyle/>
+                    <a:p>
+                      <a:pPr>
+                        <a:defRPr sz="1050"/>
+                      </a:pPr>
+                      <a:r>
+                        <a:t>IGF-1R inhibitor</a:t>
+                      </a:r>
+                    </a:p>
+                  </a:txBody>
+                  <a:tcPr/>
+                </a:tc>
+              </a:tr>
+              <a:tr h="195942">
+                <a:tc>
+                  <a:txBody>
+                    <a:bodyPr/>
+                    <a:lstStyle/>
+                    <a:p>
+                      <a:pPr>
+                        <a:defRPr sz="1050"/>
+                      </a:pPr>
+                      <a:r>
+                        <a:t>gw-2580</a:t>
+                      </a:r>
+                    </a:p>
+                  </a:txBody>
+                  <a:tcPr/>
+                </a:tc>
+                <a:tc>
+                  <a:txBody>
+                    <a:bodyPr/>
+                    <a:lstStyle/>
+                    <a:p>
+                      <a:pPr>
+                        <a:defRPr sz="1050"/>
+                      </a:pPr>
+                      <a:r>
+                        <a:t>0.55</a:t>
+                      </a:r>
+                    </a:p>
+                  </a:txBody>
+                  <a:tcPr/>
+                </a:tc>
+                <a:tc>
+                  <a:txBody>
+                    <a:bodyPr/>
+                    <a:lstStyle/>
+                    <a:p>
+                      <a:pPr>
+                        <a:defRPr sz="1050"/>
+                      </a:pPr>
+                      <a:r>
+                        <a:t>+..</a:t>
+                      </a:r>
+                    </a:p>
+                  </a:txBody>
+                  <a:tcPr/>
+                </a:tc>
+                <a:tc>
+                  <a:txBody>
+                    <a:bodyPr/>
+                    <a:lstStyle/>
+                    <a:p>
+                      <a:pPr>
+                        <a:defRPr sz="1050"/>
+                      </a:pPr>
+                      <a:r>
+                        <a:t>Not Clinically Relevant</a:t>
+                      </a:r>
+                    </a:p>
+                  </a:txBody>
+                  <a:tcPr/>
+                </a:tc>
+              </a:tr>
+              <a:tr h="195942">
+                <a:tc>
+                  <a:txBody>
+                    <a:bodyPr/>
+                    <a:lstStyle/>
+                    <a:p>
+                      <a:pPr>
+                        <a:defRPr sz="1050"/>
+                      </a:pPr>
+                      <a:r>
+                        <a:t>gsk429286a</a:t>
+                      </a:r>
+                    </a:p>
+                  </a:txBody>
+                  <a:tcPr/>
+                </a:tc>
+                <a:tc>
+                  <a:txBody>
+                    <a:bodyPr/>
+                    <a:lstStyle/>
+                    <a:p>
+                      <a:pPr>
+                        <a:defRPr sz="1050"/>
+                      </a:pPr>
+                      <a:r>
+                        <a:t>0.55</a:t>
+                      </a:r>
+                    </a:p>
+                  </a:txBody>
+                  <a:tcPr/>
+                </a:tc>
+                <a:tc>
+                  <a:txBody>
+                    <a:bodyPr/>
+                    <a:lstStyle/>
+                    <a:p>
+                      <a:pPr>
+                        <a:defRPr sz="1050"/>
+                      </a:pPr>
+                      <a:r>
+                        <a:t>+..</a:t>
+                      </a:r>
+                    </a:p>
+                  </a:txBody>
+                  <a:tcPr/>
+                </a:tc>
+                <a:tc>
+                  <a:txBody>
+                    <a:bodyPr/>
+                    <a:lstStyle/>
+                    <a:p>
+                      <a:pPr>
+                        <a:defRPr sz="1050"/>
+                      </a:pPr>
+                      <a:r>
+                        <a:t>Not Clinically Relevant</a:t>
+                      </a:r>
+                    </a:p>
+                  </a:txBody>
+                  <a:tcPr/>
+                </a:tc>
+              </a:tr>
+              <a:tr h="195942">
+                <a:tc>
+                  <a:txBody>
+                    <a:bodyPr/>
+                    <a:lstStyle/>
+                    <a:p>
+                      <a:pPr>
+                        <a:defRPr sz="1050"/>
+                      </a:pPr>
+                      <a:r>
+                        <a:t>tubastatin a</a:t>
+                      </a:r>
+                    </a:p>
+                  </a:txBody>
+                  <a:tcPr/>
+                </a:tc>
+                <a:tc>
+                  <a:txBody>
+                    <a:bodyPr/>
+                    <a:lstStyle/>
+                    <a:p>
+                      <a:pPr>
+                        <a:defRPr sz="1050"/>
+                      </a:pPr>
+                      <a:r>
+                        <a:t>0.54</a:t>
+                      </a:r>
+                    </a:p>
+                  </a:txBody>
+                  <a:tcPr/>
+                </a:tc>
+                <a:tc>
+                  <a:txBody>
+                    <a:bodyPr/>
+                    <a:lstStyle/>
+                    <a:p>
+                      <a:pPr>
+                        <a:defRPr sz="1050"/>
+                      </a:pPr>
+                      <a:r>
+                        <a:t>++.</a:t>
+                      </a:r>
+                    </a:p>
+                  </a:txBody>
+                  <a:tcPr/>
+                </a:tc>
+                <a:tc>
+                  <a:txBody>
+                    <a:bodyPr/>
+                    <a:lstStyle/>
+                    <a:p>
+                      <a:pPr>
+                        <a:defRPr sz="1050"/>
+                      </a:pPr>
+                      <a:r>
+                        <a:t>Not Clinically Relevant</a:t>
+                      </a:r>
+                    </a:p>
+                  </a:txBody>
+                  <a:tcPr/>
+                </a:tc>
+              </a:tr>
+              <a:tr h="195942">
+                <a:tc>
+                  <a:txBody>
+                    <a:bodyPr/>
+                    <a:lstStyle/>
+                    <a:p>
+                      <a:pPr>
+                        <a:defRPr sz="1050"/>
+                      </a:pPr>
+                      <a:r>
+                        <a:t>bx-912</a:t>
+                      </a:r>
+                    </a:p>
+                  </a:txBody>
+                  <a:tcPr/>
+                </a:tc>
+                <a:tc>
+                  <a:txBody>
+                    <a:bodyPr/>
+                    <a:lstStyle/>
+                    <a:p>
+                      <a:pPr>
+                        <a:defRPr sz="1050"/>
+                      </a:pPr>
+                      <a:r>
+                        <a:t>0.54</a:t>
+                      </a:r>
+                    </a:p>
+                  </a:txBody>
+                  <a:tcPr/>
+                </a:tc>
+                <a:tc>
+                  <a:txBody>
+                    <a:bodyPr/>
+                    <a:lstStyle/>
+                    <a:p>
+                      <a:pPr>
+                        <a:defRPr sz="1050"/>
+                      </a:pPr>
+                      <a:r>
+                        <a:t>+..</a:t>
+                      </a:r>
+                    </a:p>
+                  </a:txBody>
+                  <a:tcPr/>
+                </a:tc>
+                <a:tc>
+                  <a:txBody>
+                    <a:bodyPr/>
+                    <a:lstStyle/>
+                    <a:p>
+                      <a:pPr>
+                        <a:defRPr sz="1050"/>
+                      </a:pPr>
+                      <a:r>
+                        <a:t>Not Clinically Relevant</a:t>
+                      </a:r>
+                    </a:p>
+                  </a:txBody>
+                  <a:tcPr/>
+                </a:tc>
+              </a:tr>
+              <a:tr h="195942">
+                <a:tc>
+                  <a:txBody>
+                    <a:bodyPr/>
+                    <a:lstStyle/>
+                    <a:p>
+                      <a:pPr>
+                        <a:defRPr sz="1050"/>
+                      </a:pPr>
+                      <a:r>
+                        <a:t>vx-702</a:t>
+                      </a:r>
+                    </a:p>
+                  </a:txBody>
+                  <a:tcPr/>
+                </a:tc>
+                <a:tc>
+                  <a:txBody>
+                    <a:bodyPr/>
+                    <a:lstStyle/>
+                    <a:p>
+                      <a:pPr>
+                        <a:defRPr sz="1050"/>
+                      </a:pPr>
+                      <a:r>
+                        <a:t>0.53</a:t>
+                      </a:r>
+                    </a:p>
+                  </a:txBody>
+                  <a:tcPr/>
+                </a:tc>
+                <a:tc>
+                  <a:txBody>
+                    <a:bodyPr/>
+                    <a:lstStyle/>
+                    <a:p>
+                      <a:pPr>
+                        <a:defRPr sz="1050"/>
+                      </a:pPr>
+                      <a:r>
+                        <a:t>+..</a:t>
+                      </a:r>
+                    </a:p>
+                  </a:txBody>
+                  <a:tcPr/>
+                </a:tc>
+                <a:tc>
+                  <a:txBody>
+                    <a:bodyPr/>
+                    <a:lstStyle/>
+                    <a:p>
+                      <a:pPr>
+                        <a:defRPr sz="1050"/>
+                      </a:pPr>
+                      <a:r>
+                        <a:t>Not Clinically Relevant</a:t>
+                      </a:r>
+                    </a:p>
+                  </a:txBody>
+                  <a:tcPr/>
+                </a:tc>
+              </a:tr>
+              <a:tr h="195942">
+                <a:tc>
+                  <a:txBody>
+                    <a:bodyPr/>
+                    <a:lstStyle/>
+                    <a:p>
+                      <a:pPr>
+                        <a:defRPr sz="1050"/>
+                      </a:pPr>
+                      <a:r>
+                        <a:t>rucaparib</a:t>
+                      </a:r>
+                    </a:p>
+                  </a:txBody>
+                  <a:tcPr/>
+                </a:tc>
+                <a:tc>
+                  <a:txBody>
+                    <a:bodyPr/>
+                    <a:lstStyle/>
+                    <a:p>
+                      <a:pPr>
+                        <a:defRPr sz="1050"/>
+                      </a:pPr>
+                      <a:r>
+                        <a:t>0.52</a:t>
+                      </a:r>
+                    </a:p>
+                  </a:txBody>
+                  <a:tcPr/>
+                </a:tc>
+                <a:tc>
+                  <a:txBody>
+                    <a:bodyPr/>
+                    <a:lstStyle/>
+                    <a:p>
+                      <a:pPr>
+                        <a:defRPr sz="1050"/>
+                      </a:pPr>
+                      <a:r>
+                        <a:t>+..</a:t>
+                      </a:r>
+                    </a:p>
+                  </a:txBody>
+                  <a:tcPr/>
+                </a:tc>
+                <a:tc>
+                  <a:txBody>
+                    <a:bodyPr/>
+                    <a:lstStyle/>
+                    <a:p>
+                      <a:pPr>
+                        <a:defRPr sz="1050"/>
+                      </a:pPr>
+                      <a:r>
+                        <a:t>PARP inhibitor, inhibits DNA repair</a:t>
+                      </a:r>
+                    </a:p>
+                  </a:txBody>
+                  <a:tcPr/>
+                </a:tc>
+              </a:tr>
+              <a:tr h="195942">
+                <a:tc>
+                  <a:txBody>
+                    <a:bodyPr/>
+                    <a:lstStyle/>
+                    <a:p>
+                      <a:pPr>
+                        <a:defRPr sz="1050"/>
+                      </a:pPr>
+                      <a:r>
+                        <a:t>navitoclax</a:t>
+                      </a:r>
+                    </a:p>
+                  </a:txBody>
+                  <a:tcPr/>
+                </a:tc>
+                <a:tc>
+                  <a:txBody>
+                    <a:bodyPr/>
+                    <a:lstStyle/>
+                    <a:p>
+                      <a:pPr>
+                        <a:defRPr sz="1050"/>
+                      </a:pPr>
+                      <a:r>
+                        <a:t>0.51</a:t>
+                      </a:r>
+                    </a:p>
+                  </a:txBody>
+                  <a:tcPr/>
+                </a:tc>
+                <a:tc>
+                  <a:txBody>
+                    <a:bodyPr/>
+                    <a:lstStyle/>
+                    <a:p>
+                      <a:pPr>
+                        <a:defRPr sz="1050"/>
+                      </a:pPr>
+                      <a:r>
+                        <a:t>++.</a:t>
+                      </a:r>
+                    </a:p>
+                  </a:txBody>
+                  <a:tcPr/>
+                </a:tc>
+                <a:tc>
+                  <a:txBody>
+                    <a:bodyPr/>
+                    <a:lstStyle/>
+                    <a:p>
+                      <a:pPr>
+                        <a:defRPr sz="1050"/>
+                      </a:pPr>
+                      <a:r>
+                        <a:t>Bcl-2 family inhibitor: esp Bcl-xL, Bcl-2 and Bcl-w</a:t>
+                      </a:r>
+                    </a:p>
+                  </a:txBody>
+                  <a:tcPr/>
+                </a:tc>
+              </a:tr>
+              <a:tr h="195942">
+                <a:tc>
+                  <a:txBody>
+                    <a:bodyPr/>
+                    <a:lstStyle/>
+                    <a:p>
+                      <a:pPr>
+                        <a:defRPr sz="1050"/>
+                      </a:pPr>
+                      <a:r>
+                        <a:t>xmd14-99</a:t>
+                      </a:r>
+                    </a:p>
+                  </a:txBody>
+                  <a:tcPr/>
+                </a:tc>
+                <a:tc>
+                  <a:txBody>
+                    <a:bodyPr/>
+                    <a:lstStyle/>
+                    <a:p>
+                      <a:pPr>
+                        <a:defRPr sz="1050"/>
+                      </a:pPr>
+                      <a:r>
+                        <a:t>0.48</a:t>
+                      </a:r>
+                    </a:p>
+                  </a:txBody>
+                  <a:tcPr/>
+                </a:tc>
+                <a:tc>
+                  <a:txBody>
+                    <a:bodyPr/>
+                    <a:lstStyle/>
+                    <a:p>
+                      <a:pPr>
+                        <a:defRPr sz="1050"/>
+                      </a:pPr>
+                      <a:r>
+                        <a:t>+..</a:t>
+                      </a:r>
+                    </a:p>
+                  </a:txBody>
+                  <a:tcPr/>
+                </a:tc>
+                <a:tc>
+                  <a:txBody>
+                    <a:bodyPr/>
+                    <a:lstStyle/>
+                    <a:p>
+                      <a:pPr>
+                        <a:defRPr sz="1050"/>
+                      </a:pPr>
+                      <a:r>
+                        <a:t>Not Clinically Relevant</a:t>
+                      </a:r>
+                    </a:p>
+                  </a:txBody>
+                  <a:tcPr/>
+                </a:tc>
+              </a:tr>
+              <a:tr h="195942">
+                <a:tc>
+                  <a:txBody>
+                    <a:bodyPr/>
+                    <a:lstStyle/>
+                    <a:p>
+                      <a:pPr>
+                        <a:defRPr sz="1050"/>
+                      </a:pPr>
+                      <a:r>
+                        <a:t>axitinib</a:t>
+                      </a:r>
+                    </a:p>
+                  </a:txBody>
+                  <a:tcPr/>
+                </a:tc>
+                <a:tc>
+                  <a:txBody>
+                    <a:bodyPr/>
+                    <a:lstStyle/>
+                    <a:p>
+                      <a:pPr>
+                        <a:defRPr sz="1050"/>
+                      </a:pPr>
+                      <a:r>
+                        <a:t>0.47</a:t>
+                      </a:r>
+                    </a:p>
+                  </a:txBody>
+                  <a:tcPr/>
+                </a:tc>
+                <a:tc>
+                  <a:txBody>
+                    <a:bodyPr/>
+                    <a:lstStyle/>
+                    <a:p>
+                      <a:pPr>
+                        <a:defRPr sz="1050"/>
+                      </a:pPr>
+                      <a:r>
+                        <a:t>++.</a:t>
+                      </a:r>
+                    </a:p>
+                  </a:txBody>
+                  <a:tcPr/>
+                </a:tc>
+                <a:tc>
+                  <a:txBody>
+                    <a:bodyPr/>
+                    <a:lstStyle/>
+                    <a:p>
+                      <a:pPr>
+                        <a:defRPr sz="1050"/>
+                      </a:pPr>
+                      <a:r>
+                        <a:t>VEGFR, c-KIT and PDGFR inhibitor</a:t>
+                      </a:r>
+                    </a:p>
+                  </a:txBody>
+                  <a:tcPr/>
+                </a:tc>
+              </a:tr>
+              <a:tr h="195942">
+                <a:tc>
+                  <a:txBody>
+                    <a:bodyPr/>
+                    <a:lstStyle/>
+                    <a:p>
+                      <a:pPr>
+                        <a:defRPr sz="1050"/>
+                      </a:pPr>
+                      <a:r>
+                        <a:t>hg-5-88-01</a:t>
+                      </a:r>
+                    </a:p>
+                  </a:txBody>
+                  <a:tcPr/>
+                </a:tc>
+                <a:tc>
+                  <a:txBody>
+                    <a:bodyPr/>
+                    <a:lstStyle/>
+                    <a:p>
+                      <a:pPr>
+                        <a:defRPr sz="1050"/>
+                      </a:pPr>
+                      <a:r>
+                        <a:t>0.47</a:t>
+                      </a:r>
+                    </a:p>
+                  </a:txBody>
+                  <a:tcPr/>
+                </a:tc>
+                <a:tc>
+                  <a:txBody>
+                    <a:bodyPr/>
+                    <a:lstStyle/>
+                    <a:p>
+                      <a:pPr>
+                        <a:defRPr sz="1050"/>
+                      </a:pPr>
+                      <a:r>
+                        <a:t>+..</a:t>
+                      </a:r>
+                    </a:p>
+                  </a:txBody>
+                  <a:tcPr/>
+                </a:tc>
+                <a:tc>
+                  <a:txBody>
+                    <a:bodyPr/>
+                    <a:lstStyle/>
+                    <a:p>
+                      <a:pPr>
+                        <a:defRPr sz="1050"/>
+                      </a:pPr>
+                      <a:r>
+                        <a:t>Not Clinically Relevant</a:t>
+                      </a:r>
+                    </a:p>
+                  </a:txBody>
+                  <a:tcPr/>
+                </a:tc>
+              </a:tr>
+              <a:tr h="195942">
+                <a:tc>
+                  <a:txBody>
+                    <a:bodyPr/>
+                    <a:lstStyle/>
+                    <a:p>
+                      <a:pPr>
+                        <a:defRPr sz="1050"/>
+                      </a:pPr>
+                      <a:r>
+                        <a:t>amuvatinib</a:t>
+                      </a:r>
+                    </a:p>
+                  </a:txBody>
+                  <a:tcPr/>
+                </a:tc>
+                <a:tc>
+                  <a:txBody>
+                    <a:bodyPr/>
+                    <a:lstStyle/>
+                    <a:p>
+                      <a:pPr>
+                        <a:defRPr sz="1050"/>
+                      </a:pPr>
+                      <a:r>
+                        <a:t>0.46</a:t>
+                      </a:r>
+                    </a:p>
+                  </a:txBody>
+                  <a:tcPr/>
+                </a:tc>
+                <a:tc>
+                  <a:txBody>
+                    <a:bodyPr/>
+                    <a:lstStyle/>
+                    <a:p>
+                      <a:pPr>
+                        <a:defRPr sz="1050"/>
+                      </a:pPr>
+                      <a:r>
+                        <a:t>+..</a:t>
+                      </a:r>
+                    </a:p>
+                  </a:txBody>
+                  <a:tcPr/>
+                </a:tc>
+                <a:tc>
+                  <a:txBody>
+                    <a:bodyPr/>
+                    <a:lstStyle/>
+                    <a:p>
+                      <a:pPr>
+                        <a:defRPr sz="1050"/>
+                      </a:pPr>
+                      <a:r>
+                        <a:t>Not Clinically Relevant</a:t>
+                      </a:r>
+                    </a:p>
+                  </a:txBody>
+                  <a:tcPr/>
+                </a:tc>
+              </a:tr>
+              <a:tr h="195942">
+                <a:tc>
+                  <a:txBody>
+                    <a:bodyPr/>
+                    <a:lstStyle/>
+                    <a:p>
+                      <a:pPr>
+                        <a:defRPr sz="1050"/>
+                      </a:pPr>
+                      <a:r>
+                        <a:t>xmd13-2</a:t>
+                      </a:r>
+                    </a:p>
+                  </a:txBody>
+                  <a:tcPr/>
+                </a:tc>
+                <a:tc>
+                  <a:txBody>
+                    <a:bodyPr/>
+                    <a:lstStyle/>
+                    <a:p>
+                      <a:pPr>
+                        <a:defRPr sz="1050"/>
+                      </a:pPr>
+                      <a:r>
+                        <a:t>0.45</a:t>
+                      </a:r>
+                    </a:p>
+                  </a:txBody>
+                  <a:tcPr/>
+                </a:tc>
+                <a:tc>
+                  <a:txBody>
+                    <a:bodyPr/>
+                    <a:lstStyle/>
+                    <a:p>
+                      <a:pPr>
+                        <a:defRPr sz="1050"/>
+                      </a:pPr>
+                      <a:r>
+                        <a:t>+..</a:t>
+                      </a:r>
+                    </a:p>
+                  </a:txBody>
+                  <a:tcPr/>
+                </a:tc>
+                <a:tc>
+                  <a:txBody>
+                    <a:bodyPr/>
+                    <a:lstStyle/>
+                    <a:p>
+                      <a:pPr>
+                        <a:defRPr sz="1050"/>
+                      </a:pPr>
+                      <a:r>
+                        <a:t>Not Clinically Relevant</a:t>
+                      </a:r>
+                    </a:p>
+                  </a:txBody>
+                  <a:tcPr/>
+                </a:tc>
+              </a:tr>
+              <a:tr h="195942">
+                <a:tc>
+                  <a:txBody>
+                    <a:bodyPr/>
+                    <a:lstStyle/>
+                    <a:p>
+                      <a:pPr>
+                        <a:defRPr sz="1050"/>
+                      </a:pPr>
+                      <a:r>
+                        <a:t>indisulam</a:t>
+                      </a:r>
+                    </a:p>
+                  </a:txBody>
+                  <a:tcPr/>
+                </a:tc>
+                <a:tc>
+                  <a:txBody>
+                    <a:bodyPr/>
+                    <a:lstStyle/>
+                    <a:p>
+                      <a:pPr>
+                        <a:defRPr sz="1050"/>
+                      </a:pPr>
+                      <a:r>
+                        <a:t>0.44</a:t>
+                      </a:r>
+                    </a:p>
+                  </a:txBody>
+                  <a:tcPr/>
+                </a:tc>
+                <a:tc>
+                  <a:txBody>
+                    <a:bodyPr/>
+                    <a:lstStyle/>
+                    <a:p>
+                      <a:pPr>
+                        <a:defRPr sz="1050"/>
+                      </a:pPr>
+                      <a:r>
+                        <a:t>.+.</a:t>
+                      </a:r>
+                    </a:p>
+                  </a:txBody>
+                  <a:tcPr/>
+                </a:tc>
+                <a:tc>
+                  <a:txBody>
+                    <a:bodyPr/>
+                    <a:lstStyle/>
+                    <a:p>
+                      <a:pPr>
+                        <a:defRPr sz="1050"/>
+                      </a:pPr>
+                      <a:r>
+                        <a:t>carbonic anhydrase inibitor and  CDK inhibitor, targets G1 by depleting cyclin E. inducing p53 and p21, and inhibiting CDK2</a:t>
+                      </a:r>
+                    </a:p>
+                  </a:txBody>
+                  <a:tcPr/>
+                </a:tc>
+              </a:tr>
+              <a:tr h="195942">
+                <a:tc>
+                  <a:txBody>
+                    <a:bodyPr/>
+                    <a:lstStyle/>
+                    <a:p>
+                      <a:pPr>
+                        <a:defRPr sz="1050"/>
+                      </a:pPr>
+                      <a:r>
+                        <a:t>nsc-87877</a:t>
+                      </a:r>
+                    </a:p>
+                  </a:txBody>
+                  <a:tcPr/>
+                </a:tc>
+                <a:tc>
+                  <a:txBody>
+                    <a:bodyPr/>
+                    <a:lstStyle/>
+                    <a:p>
+                      <a:pPr>
+                        <a:defRPr sz="1050"/>
+                      </a:pPr>
+                      <a:r>
+                        <a:t>0.43</a:t>
+                      </a:r>
+                    </a:p>
+                  </a:txBody>
+                  <a:tcPr/>
+                </a:tc>
+                <a:tc>
+                  <a:txBody>
+                    <a:bodyPr/>
+                    <a:lstStyle/>
+                    <a:p>
+                      <a:pPr>
+                        <a:defRPr sz="1050"/>
+                      </a:pPr>
+                      <a:r>
+                        <a:t>+..</a:t>
+                      </a:r>
+                    </a:p>
+                  </a:txBody>
+                  <a:tcPr/>
+                </a:tc>
+                <a:tc>
+                  <a:txBody>
+                    <a:bodyPr/>
+                    <a:lstStyle/>
+                    <a:p>
+                      <a:pPr>
+                        <a:defRPr sz="1050"/>
+                      </a:pPr>
+                      <a:r>
+                        <a:t>Not Clinically Relevant</a:t>
+                      </a:r>
+                    </a:p>
+                  </a:txBody>
+                  <a:tcPr/>
+                </a:tc>
+              </a:tr>
+              <a:tr h="195960">
+                <a:tc>
+                  <a:txBody>
+                    <a:bodyPr/>
+                    <a:lstStyle/>
+                    <a:p>
+                      <a:pPr>
+                        <a:defRPr sz="1050"/>
+                      </a:pPr>
+                      <a:r>
+                        <a:t>cil55</a:t>
+                      </a:r>
+                    </a:p>
+                  </a:txBody>
+                  <a:tcPr/>
+                </a:tc>
+                <a:tc>
+                  <a:txBody>
+                    <a:bodyPr/>
+                    <a:lstStyle/>
+                    <a:p>
+                      <a:pPr>
+                        <a:defRPr sz="1050"/>
+                      </a:pPr>
+                      <a:r>
+                        <a:t>0.43</a:t>
+                      </a:r>
+                    </a:p>
+                  </a:txBody>
+                  <a:tcPr/>
+                </a:tc>
+                <a:tc>
+                  <a:txBody>
+                    <a:bodyPr/>
+                    <a:lstStyle/>
+                    <a:p>
+                      <a:pPr>
+                        <a:defRPr sz="1050"/>
+                      </a:pPr>
+                      <a:r>
+                        <a:t>.+.</a:t>
+                      </a:r>
+                    </a:p>
+                  </a:txBody>
+                  <a:tcPr/>
+                </a:tc>
+                <a:tc>
+                  <a:txBody>
+                    <a:bodyPr/>
+                    <a:lstStyle/>
+                    <a:p>
+                      <a:pPr>
+                        <a:defRPr sz="1050"/>
+                      </a:pPr>
+                      <a:r>
+                        <a:t>Not Clinically Relevant</a:t>
+                      </a:r>
+                    </a:p>
+                  </a:txBody>
+                  <a:tcPr/>
+                </a:tc>
+              </a:tr>
+            </a:tbl>
+          </a:graphicData>
+        </a:graphic>
+      </p:graphicFrame>
+    </p:spTree>
+  </p:cSld>
+  <p:clrMapOvr>
+    <a:masterClrMapping/>
+  </p:clrMapOvr>
+</p:sld>
+</file>
+
 <file path=ppt/slides/slide4.xml><?xml version="1.0" encoding="utf-8"?>
 <p:sld xmlns:a="http://schemas.openxmlformats.org/drawingml/2006/main" xmlns:p="http://schemas.openxmlformats.org/presentationml/2006/main" xmlns:r="http://schemas.openxmlformats.org/officeDocument/2006/relationships">
   <p:cSld>
